--- a/chapter02/图片/pic.pptx
+++ b/chapter02/图片/pic.pptx
@@ -285,7 +285,7 @@
           <a:p>
             <a:fld id="{CC60841D-ABD7-4225-8164-2463B86145F0}" type="datetimeFigureOut">
               <a:rPr lang="zh-CN" altLang="en-US" smtClean="0"/>
-              <a:t>2020/3/19</a:t>
+              <a:t>2020/3/24</a:t>
             </a:fld>
             <a:endParaRPr lang="zh-CN" altLang="en-US"/>
           </a:p>
@@ -483,7 +483,7 @@
           <a:p>
             <a:fld id="{CC60841D-ABD7-4225-8164-2463B86145F0}" type="datetimeFigureOut">
               <a:rPr lang="zh-CN" altLang="en-US" smtClean="0"/>
-              <a:t>2020/3/19</a:t>
+              <a:t>2020/3/24</a:t>
             </a:fld>
             <a:endParaRPr lang="zh-CN" altLang="en-US"/>
           </a:p>
@@ -691,7 +691,7 @@
           <a:p>
             <a:fld id="{CC60841D-ABD7-4225-8164-2463B86145F0}" type="datetimeFigureOut">
               <a:rPr lang="zh-CN" altLang="en-US" smtClean="0"/>
-              <a:t>2020/3/19</a:t>
+              <a:t>2020/3/24</a:t>
             </a:fld>
             <a:endParaRPr lang="zh-CN" altLang="en-US"/>
           </a:p>
@@ -889,7 +889,7 @@
           <a:p>
             <a:fld id="{CC60841D-ABD7-4225-8164-2463B86145F0}" type="datetimeFigureOut">
               <a:rPr lang="zh-CN" altLang="en-US" smtClean="0"/>
-              <a:t>2020/3/19</a:t>
+              <a:t>2020/3/24</a:t>
             </a:fld>
             <a:endParaRPr lang="zh-CN" altLang="en-US"/>
           </a:p>
@@ -1164,7 +1164,7 @@
           <a:p>
             <a:fld id="{CC60841D-ABD7-4225-8164-2463B86145F0}" type="datetimeFigureOut">
               <a:rPr lang="zh-CN" altLang="en-US" smtClean="0"/>
-              <a:t>2020/3/19</a:t>
+              <a:t>2020/3/24</a:t>
             </a:fld>
             <a:endParaRPr lang="zh-CN" altLang="en-US"/>
           </a:p>
@@ -1429,7 +1429,7 @@
           <a:p>
             <a:fld id="{CC60841D-ABD7-4225-8164-2463B86145F0}" type="datetimeFigureOut">
               <a:rPr lang="zh-CN" altLang="en-US" smtClean="0"/>
-              <a:t>2020/3/19</a:t>
+              <a:t>2020/3/24</a:t>
             </a:fld>
             <a:endParaRPr lang="zh-CN" altLang="en-US"/>
           </a:p>
@@ -1841,7 +1841,7 @@
           <a:p>
             <a:fld id="{CC60841D-ABD7-4225-8164-2463B86145F0}" type="datetimeFigureOut">
               <a:rPr lang="zh-CN" altLang="en-US" smtClean="0"/>
-              <a:t>2020/3/19</a:t>
+              <a:t>2020/3/24</a:t>
             </a:fld>
             <a:endParaRPr lang="zh-CN" altLang="en-US"/>
           </a:p>
@@ -1982,7 +1982,7 @@
           <a:p>
             <a:fld id="{CC60841D-ABD7-4225-8164-2463B86145F0}" type="datetimeFigureOut">
               <a:rPr lang="zh-CN" altLang="en-US" smtClean="0"/>
-              <a:t>2020/3/19</a:t>
+              <a:t>2020/3/24</a:t>
             </a:fld>
             <a:endParaRPr lang="zh-CN" altLang="en-US"/>
           </a:p>
@@ -2095,7 +2095,7 @@
           <a:p>
             <a:fld id="{CC60841D-ABD7-4225-8164-2463B86145F0}" type="datetimeFigureOut">
               <a:rPr lang="zh-CN" altLang="en-US" smtClean="0"/>
-              <a:t>2020/3/19</a:t>
+              <a:t>2020/3/24</a:t>
             </a:fld>
             <a:endParaRPr lang="zh-CN" altLang="en-US"/>
           </a:p>
@@ -2406,7 +2406,7 @@
           <a:p>
             <a:fld id="{CC60841D-ABD7-4225-8164-2463B86145F0}" type="datetimeFigureOut">
               <a:rPr lang="zh-CN" altLang="en-US" smtClean="0"/>
-              <a:t>2020/3/19</a:t>
+              <a:t>2020/3/24</a:t>
             </a:fld>
             <a:endParaRPr lang="zh-CN" altLang="en-US"/>
           </a:p>
@@ -2694,7 +2694,7 @@
           <a:p>
             <a:fld id="{CC60841D-ABD7-4225-8164-2463B86145F0}" type="datetimeFigureOut">
               <a:rPr lang="zh-CN" altLang="en-US" smtClean="0"/>
-              <a:t>2020/3/19</a:t>
+              <a:t>2020/3/24</a:t>
             </a:fld>
             <a:endParaRPr lang="zh-CN" altLang="en-US"/>
           </a:p>
@@ -2935,7 +2935,7 @@
           <a:p>
             <a:fld id="{CC60841D-ABD7-4225-8164-2463B86145F0}" type="datetimeFigureOut">
               <a:rPr lang="zh-CN" altLang="en-US" smtClean="0"/>
-              <a:t>2020/3/19</a:t>
+              <a:t>2020/3/24</a:t>
             </a:fld>
             <a:endParaRPr lang="zh-CN" altLang="en-US"/>
           </a:p>
@@ -6210,7 +6210,7 @@
           <a:graphicData uri="http://schemas.openxmlformats.org/presentationml/2006/ole">
             <mc:AlternateContent xmlns:mc="http://schemas.openxmlformats.org/markup-compatibility/2006">
               <mc:Choice xmlns:v="urn:schemas-microsoft-com:vml" Requires="v">
-                <p:oleObj spid="_x0000_s1027" name="Equation" r:id="rId3" imgW="342720" imgH="177480" progId="Equation.DSMT4">
+                <p:oleObj spid="_x0000_s1032" name="Equation" r:id="rId3" imgW="342720" imgH="177480" progId="Equation.DSMT4">
                   <p:embed/>
                 </p:oleObj>
               </mc:Choice>
@@ -9083,1045 +9083,12 @@
           <a:chExt cx="0" cy="0"/>
         </a:xfrm>
       </p:grpSpPr>
-      <p:grpSp>
-        <p:nvGrpSpPr>
-          <p:cNvPr id="13" name="组合 12">
-            <a:extLst>
-              <a:ext uri="{FF2B5EF4-FFF2-40B4-BE49-F238E27FC236}">
-                <a16:creationId xmlns:a16="http://schemas.microsoft.com/office/drawing/2014/main" xmlns="" id="{C7222DAE-1A11-49A5-9BF8-C554D4A06848}"/>
-              </a:ext>
-            </a:extLst>
-          </p:cNvPr>
-          <p:cNvGrpSpPr/>
-          <p:nvPr/>
-        </p:nvGrpSpPr>
-        <p:grpSpPr>
-          <a:xfrm>
-            <a:off x="194753" y="1265864"/>
-            <a:ext cx="4531908" cy="3588178"/>
-            <a:chOff x="680172" y="420264"/>
-            <a:chExt cx="7248982" cy="5571480"/>
-          </a:xfrm>
-        </p:grpSpPr>
-        <p:sp>
-          <p:nvSpPr>
-            <p:cNvPr id="2" name="椭圆 1">
-              <a:extLst>
-                <a:ext uri="{FF2B5EF4-FFF2-40B4-BE49-F238E27FC236}">
-                  <a16:creationId xmlns:a16="http://schemas.microsoft.com/office/drawing/2014/main" xmlns="" id="{EF90CB3B-1FC3-4E60-BB20-E952D90432BE}"/>
-                </a:ext>
-              </a:extLst>
-            </p:cNvPr>
-            <p:cNvSpPr/>
-            <p:nvPr/>
-          </p:nvSpPr>
-          <p:spPr>
-            <a:xfrm>
-              <a:off x="2090057" y="2011680"/>
-              <a:ext cx="705394" cy="679269"/>
-            </a:xfrm>
-            <a:prstGeom prst="ellipse">
-              <a:avLst/>
-            </a:prstGeom>
-          </p:spPr>
-          <p:style>
-            <a:lnRef idx="2">
-              <a:schemeClr val="dk1">
-                <a:shade val="50000"/>
-              </a:schemeClr>
-            </a:lnRef>
-            <a:fillRef idx="1">
-              <a:schemeClr val="dk1"/>
-            </a:fillRef>
-            <a:effectRef idx="0">
-              <a:schemeClr val="dk1"/>
-            </a:effectRef>
-            <a:fontRef idx="minor">
-              <a:schemeClr val="lt1"/>
-            </a:fontRef>
-          </p:style>
-          <p:txBody>
-            <a:bodyPr rtlCol="0" anchor="ctr"/>
-            <a:lstStyle/>
-            <a:p>
-              <a:pPr algn="ctr"/>
-              <a:endParaRPr lang="zh-CN" altLang="en-US"/>
-            </a:p>
-          </p:txBody>
-        </p:sp>
-        <p:sp>
-          <p:nvSpPr>
-            <p:cNvPr id="29" name="椭圆 28">
-              <a:extLst>
-                <a:ext uri="{FF2B5EF4-FFF2-40B4-BE49-F238E27FC236}">
-                  <a16:creationId xmlns:a16="http://schemas.microsoft.com/office/drawing/2014/main" xmlns="" id="{150BFC54-7ABB-4F85-A693-8CD4C259BB1F}"/>
-                </a:ext>
-              </a:extLst>
-            </p:cNvPr>
-            <p:cNvSpPr/>
-            <p:nvPr/>
-          </p:nvSpPr>
-          <p:spPr>
-            <a:xfrm>
-              <a:off x="3291840" y="1776548"/>
-              <a:ext cx="705394" cy="679269"/>
-            </a:xfrm>
-            <a:prstGeom prst="ellipse">
-              <a:avLst/>
-            </a:prstGeom>
-          </p:spPr>
-          <p:style>
-            <a:lnRef idx="2">
-              <a:schemeClr val="dk1">
-                <a:shade val="50000"/>
-              </a:schemeClr>
-            </a:lnRef>
-            <a:fillRef idx="1">
-              <a:schemeClr val="dk1"/>
-            </a:fillRef>
-            <a:effectRef idx="0">
-              <a:schemeClr val="dk1"/>
-            </a:effectRef>
-            <a:fontRef idx="minor">
-              <a:schemeClr val="lt1"/>
-            </a:fontRef>
-          </p:style>
-          <p:txBody>
-            <a:bodyPr rtlCol="0" anchor="ctr"/>
-            <a:lstStyle/>
-            <a:p>
-              <a:pPr algn="ctr"/>
-              <a:endParaRPr lang="zh-CN" altLang="en-US"/>
-            </a:p>
-          </p:txBody>
-        </p:sp>
-        <p:sp>
-          <p:nvSpPr>
-            <p:cNvPr id="36" name="椭圆 35">
-              <a:extLst>
-                <a:ext uri="{FF2B5EF4-FFF2-40B4-BE49-F238E27FC236}">
-                  <a16:creationId xmlns:a16="http://schemas.microsoft.com/office/drawing/2014/main" xmlns="" id="{5FF13AC1-F7F9-4661-80B9-C9C0F31446AA}"/>
-                </a:ext>
-              </a:extLst>
-            </p:cNvPr>
-            <p:cNvSpPr/>
-            <p:nvPr/>
-          </p:nvSpPr>
-          <p:spPr>
-            <a:xfrm>
-              <a:off x="2939143" y="2690949"/>
-              <a:ext cx="705394" cy="679269"/>
-            </a:xfrm>
-            <a:prstGeom prst="ellipse">
-              <a:avLst/>
-            </a:prstGeom>
-          </p:spPr>
-          <p:style>
-            <a:lnRef idx="2">
-              <a:schemeClr val="dk1">
-                <a:shade val="50000"/>
-              </a:schemeClr>
-            </a:lnRef>
-            <a:fillRef idx="1">
-              <a:schemeClr val="dk1"/>
-            </a:fillRef>
-            <a:effectRef idx="0">
-              <a:schemeClr val="dk1"/>
-            </a:effectRef>
-            <a:fontRef idx="minor">
-              <a:schemeClr val="lt1"/>
-            </a:fontRef>
-          </p:style>
-          <p:txBody>
-            <a:bodyPr rtlCol="0" anchor="ctr"/>
-            <a:lstStyle/>
-            <a:p>
-              <a:pPr algn="ctr"/>
-              <a:endParaRPr lang="zh-CN" altLang="en-US"/>
-            </a:p>
-          </p:txBody>
-        </p:sp>
-        <p:sp>
-          <p:nvSpPr>
-            <p:cNvPr id="37" name="椭圆 36">
-              <a:extLst>
-                <a:ext uri="{FF2B5EF4-FFF2-40B4-BE49-F238E27FC236}">
-                  <a16:creationId xmlns:a16="http://schemas.microsoft.com/office/drawing/2014/main" xmlns="" id="{D6520C61-0B1B-47A8-9971-F40F682D30AE}"/>
-                </a:ext>
-              </a:extLst>
-            </p:cNvPr>
-            <p:cNvSpPr/>
-            <p:nvPr/>
-          </p:nvSpPr>
-          <p:spPr>
-            <a:xfrm>
-              <a:off x="2090057" y="3370218"/>
-              <a:ext cx="705394" cy="679269"/>
-            </a:xfrm>
-            <a:prstGeom prst="ellipse">
-              <a:avLst/>
-            </a:prstGeom>
-          </p:spPr>
-          <p:style>
-            <a:lnRef idx="2">
-              <a:schemeClr val="dk1">
-                <a:shade val="50000"/>
-              </a:schemeClr>
-            </a:lnRef>
-            <a:fillRef idx="1">
-              <a:schemeClr val="dk1"/>
-            </a:fillRef>
-            <a:effectRef idx="0">
-              <a:schemeClr val="dk1"/>
-            </a:effectRef>
-            <a:fontRef idx="minor">
-              <a:schemeClr val="lt1"/>
-            </a:fontRef>
-          </p:style>
-          <p:txBody>
-            <a:bodyPr rtlCol="0" anchor="ctr"/>
-            <a:lstStyle/>
-            <a:p>
-              <a:pPr algn="ctr"/>
-              <a:endParaRPr lang="zh-CN" altLang="en-US"/>
-            </a:p>
-          </p:txBody>
-        </p:sp>
-        <p:sp>
-          <p:nvSpPr>
-            <p:cNvPr id="38" name="椭圆 37">
-              <a:extLst>
-                <a:ext uri="{FF2B5EF4-FFF2-40B4-BE49-F238E27FC236}">
-                  <a16:creationId xmlns:a16="http://schemas.microsoft.com/office/drawing/2014/main" xmlns="" id="{9383E3F3-3F95-4806-B598-021DA6686B4A}"/>
-                </a:ext>
-              </a:extLst>
-            </p:cNvPr>
-            <p:cNvSpPr/>
-            <p:nvPr/>
-          </p:nvSpPr>
-          <p:spPr>
-            <a:xfrm>
-              <a:off x="3396342" y="3732122"/>
-              <a:ext cx="705394" cy="679269"/>
-            </a:xfrm>
-            <a:prstGeom prst="ellipse">
-              <a:avLst/>
-            </a:prstGeom>
-          </p:spPr>
-          <p:style>
-            <a:lnRef idx="2">
-              <a:schemeClr val="dk1">
-                <a:shade val="50000"/>
-              </a:schemeClr>
-            </a:lnRef>
-            <a:fillRef idx="1">
-              <a:schemeClr val="dk1"/>
-            </a:fillRef>
-            <a:effectRef idx="0">
-              <a:schemeClr val="dk1"/>
-            </a:effectRef>
-            <a:fontRef idx="minor">
-              <a:schemeClr val="lt1"/>
-            </a:fontRef>
-          </p:style>
-          <p:txBody>
-            <a:bodyPr rtlCol="0" anchor="ctr"/>
-            <a:lstStyle/>
-            <a:p>
-              <a:pPr algn="ctr"/>
-              <a:endParaRPr lang="zh-CN" altLang="en-US"/>
-            </a:p>
-          </p:txBody>
-        </p:sp>
-        <p:sp>
-          <p:nvSpPr>
-            <p:cNvPr id="39" name="椭圆 38">
-              <a:extLst>
-                <a:ext uri="{FF2B5EF4-FFF2-40B4-BE49-F238E27FC236}">
-                  <a16:creationId xmlns:a16="http://schemas.microsoft.com/office/drawing/2014/main" xmlns="" id="{FE077A2E-079D-4D8E-A72E-859971F79E47}"/>
-                </a:ext>
-              </a:extLst>
-            </p:cNvPr>
-            <p:cNvSpPr/>
-            <p:nvPr/>
-          </p:nvSpPr>
-          <p:spPr>
-            <a:xfrm>
-              <a:off x="4376056" y="2455817"/>
-              <a:ext cx="705394" cy="679269"/>
-            </a:xfrm>
-            <a:prstGeom prst="ellipse">
-              <a:avLst/>
-            </a:prstGeom>
-          </p:spPr>
-          <p:style>
-            <a:lnRef idx="2">
-              <a:schemeClr val="dk1">
-                <a:shade val="50000"/>
-              </a:schemeClr>
-            </a:lnRef>
-            <a:fillRef idx="1">
-              <a:schemeClr val="dk1"/>
-            </a:fillRef>
-            <a:effectRef idx="0">
-              <a:schemeClr val="dk1"/>
-            </a:effectRef>
-            <a:fontRef idx="minor">
-              <a:schemeClr val="lt1"/>
-            </a:fontRef>
-          </p:style>
-          <p:txBody>
-            <a:bodyPr rtlCol="0" anchor="ctr"/>
-            <a:lstStyle/>
-            <a:p>
-              <a:pPr algn="ctr"/>
-              <a:endParaRPr lang="zh-CN" altLang="en-US"/>
-            </a:p>
-          </p:txBody>
-        </p:sp>
-        <p:sp>
-          <p:nvSpPr>
-            <p:cNvPr id="3" name="等腰三角形 2">
-              <a:extLst>
-                <a:ext uri="{FF2B5EF4-FFF2-40B4-BE49-F238E27FC236}">
-                  <a16:creationId xmlns:a16="http://schemas.microsoft.com/office/drawing/2014/main" xmlns="" id="{EB8EE6D1-208B-4356-9DA0-3F3A719DE9C2}"/>
-                </a:ext>
-              </a:extLst>
-            </p:cNvPr>
-            <p:cNvSpPr/>
-            <p:nvPr/>
-          </p:nvSpPr>
-          <p:spPr>
-            <a:xfrm>
-              <a:off x="5747657" y="2455817"/>
-              <a:ext cx="705394" cy="608098"/>
-            </a:xfrm>
-            <a:prstGeom prst="triangle">
-              <a:avLst/>
-            </a:prstGeom>
-          </p:spPr>
-          <p:style>
-            <a:lnRef idx="2">
-              <a:schemeClr val="dk1">
-                <a:shade val="50000"/>
-              </a:schemeClr>
-            </a:lnRef>
-            <a:fillRef idx="1">
-              <a:schemeClr val="dk1"/>
-            </a:fillRef>
-            <a:effectRef idx="0">
-              <a:schemeClr val="dk1"/>
-            </a:effectRef>
-            <a:fontRef idx="minor">
-              <a:schemeClr val="lt1"/>
-            </a:fontRef>
-          </p:style>
-          <p:txBody>
-            <a:bodyPr rtlCol="0" anchor="ctr"/>
-            <a:lstStyle/>
-            <a:p>
-              <a:pPr algn="ctr"/>
-              <a:endParaRPr lang="zh-CN" altLang="en-US"/>
-            </a:p>
-          </p:txBody>
-        </p:sp>
-        <p:sp>
-          <p:nvSpPr>
-            <p:cNvPr id="40" name="等腰三角形 39">
-              <a:extLst>
-                <a:ext uri="{FF2B5EF4-FFF2-40B4-BE49-F238E27FC236}">
-                  <a16:creationId xmlns:a16="http://schemas.microsoft.com/office/drawing/2014/main" xmlns="" id="{46AD6A9E-2D30-4732-BFAF-8808809AE251}"/>
-                </a:ext>
-              </a:extLst>
-            </p:cNvPr>
-            <p:cNvSpPr/>
-            <p:nvPr/>
-          </p:nvSpPr>
-          <p:spPr>
-            <a:xfrm>
-              <a:off x="7119258" y="2526988"/>
-              <a:ext cx="705394" cy="608098"/>
-            </a:xfrm>
-            <a:prstGeom prst="triangle">
-              <a:avLst/>
-            </a:prstGeom>
-          </p:spPr>
-          <p:style>
-            <a:lnRef idx="2">
-              <a:schemeClr val="dk1">
-                <a:shade val="50000"/>
-              </a:schemeClr>
-            </a:lnRef>
-            <a:fillRef idx="1">
-              <a:schemeClr val="dk1"/>
-            </a:fillRef>
-            <a:effectRef idx="0">
-              <a:schemeClr val="dk1"/>
-            </a:effectRef>
-            <a:fontRef idx="minor">
-              <a:schemeClr val="lt1"/>
-            </a:fontRef>
-          </p:style>
-          <p:txBody>
-            <a:bodyPr rtlCol="0" anchor="ctr"/>
-            <a:lstStyle/>
-            <a:p>
-              <a:pPr algn="ctr"/>
-              <a:endParaRPr lang="zh-CN" altLang="en-US"/>
-            </a:p>
-          </p:txBody>
-        </p:sp>
-        <p:sp>
-          <p:nvSpPr>
-            <p:cNvPr id="41" name="等腰三角形 40">
-              <a:extLst>
-                <a:ext uri="{FF2B5EF4-FFF2-40B4-BE49-F238E27FC236}">
-                  <a16:creationId xmlns:a16="http://schemas.microsoft.com/office/drawing/2014/main" xmlns="" id="{54668AFA-6F7D-4A60-8425-74474C359869}"/>
-                </a:ext>
-              </a:extLst>
-            </p:cNvPr>
-            <p:cNvSpPr/>
-            <p:nvPr/>
-          </p:nvSpPr>
-          <p:spPr>
-            <a:xfrm>
-              <a:off x="5394960" y="4071756"/>
-              <a:ext cx="705394" cy="608098"/>
-            </a:xfrm>
-            <a:prstGeom prst="triangle">
-              <a:avLst/>
-            </a:prstGeom>
-          </p:spPr>
-          <p:style>
-            <a:lnRef idx="2">
-              <a:schemeClr val="dk1">
-                <a:shade val="50000"/>
-              </a:schemeClr>
-            </a:lnRef>
-            <a:fillRef idx="1">
-              <a:schemeClr val="dk1"/>
-            </a:fillRef>
-            <a:effectRef idx="0">
-              <a:schemeClr val="dk1"/>
-            </a:effectRef>
-            <a:fontRef idx="minor">
-              <a:schemeClr val="lt1"/>
-            </a:fontRef>
-          </p:style>
-          <p:txBody>
-            <a:bodyPr rtlCol="0" anchor="ctr"/>
-            <a:lstStyle/>
-            <a:p>
-              <a:pPr algn="ctr"/>
-              <a:endParaRPr lang="zh-CN" altLang="en-US"/>
-            </a:p>
-          </p:txBody>
-        </p:sp>
-        <p:sp>
-          <p:nvSpPr>
-            <p:cNvPr id="42" name="等腰三角形 41">
-              <a:extLst>
-                <a:ext uri="{FF2B5EF4-FFF2-40B4-BE49-F238E27FC236}">
-                  <a16:creationId xmlns:a16="http://schemas.microsoft.com/office/drawing/2014/main" xmlns="" id="{E0954978-FD6F-44F7-BB01-807568B09DE3}"/>
-                </a:ext>
-              </a:extLst>
-            </p:cNvPr>
-            <p:cNvSpPr/>
-            <p:nvPr/>
-          </p:nvSpPr>
-          <p:spPr>
-            <a:xfrm>
-              <a:off x="7223760" y="3803293"/>
-              <a:ext cx="705394" cy="608098"/>
-            </a:xfrm>
-            <a:prstGeom prst="triangle">
-              <a:avLst/>
-            </a:prstGeom>
-          </p:spPr>
-          <p:style>
-            <a:lnRef idx="2">
-              <a:schemeClr val="dk1">
-                <a:shade val="50000"/>
-              </a:schemeClr>
-            </a:lnRef>
-            <a:fillRef idx="1">
-              <a:schemeClr val="dk1"/>
-            </a:fillRef>
-            <a:effectRef idx="0">
-              <a:schemeClr val="dk1"/>
-            </a:effectRef>
-            <a:fontRef idx="minor">
-              <a:schemeClr val="lt1"/>
-            </a:fontRef>
-          </p:style>
-          <p:txBody>
-            <a:bodyPr rtlCol="0" anchor="ctr"/>
-            <a:lstStyle/>
-            <a:p>
-              <a:pPr algn="ctr"/>
-              <a:endParaRPr lang="zh-CN" altLang="en-US"/>
-            </a:p>
-          </p:txBody>
-        </p:sp>
-        <p:sp>
-          <p:nvSpPr>
-            <p:cNvPr id="43" name="等腰三角形 42">
-              <a:extLst>
-                <a:ext uri="{FF2B5EF4-FFF2-40B4-BE49-F238E27FC236}">
-                  <a16:creationId xmlns:a16="http://schemas.microsoft.com/office/drawing/2014/main" xmlns="" id="{448AFFE7-4276-4DA1-9CB7-D561F022206C}"/>
-                </a:ext>
-              </a:extLst>
-            </p:cNvPr>
-            <p:cNvSpPr/>
-            <p:nvPr/>
-          </p:nvSpPr>
-          <p:spPr>
-            <a:xfrm>
-              <a:off x="6082938" y="3349697"/>
-              <a:ext cx="705394" cy="608098"/>
-            </a:xfrm>
-            <a:prstGeom prst="triangle">
-              <a:avLst/>
-            </a:prstGeom>
-          </p:spPr>
-          <p:style>
-            <a:lnRef idx="2">
-              <a:schemeClr val="dk1">
-                <a:shade val="50000"/>
-              </a:schemeClr>
-            </a:lnRef>
-            <a:fillRef idx="1">
-              <a:schemeClr val="dk1"/>
-            </a:fillRef>
-            <a:effectRef idx="0">
-              <a:schemeClr val="dk1"/>
-            </a:effectRef>
-            <a:fontRef idx="minor">
-              <a:schemeClr val="lt1"/>
-            </a:fontRef>
-          </p:style>
-          <p:txBody>
-            <a:bodyPr rtlCol="0" anchor="ctr"/>
-            <a:lstStyle/>
-            <a:p>
-              <a:pPr algn="ctr"/>
-              <a:endParaRPr lang="zh-CN" altLang="en-US"/>
-            </a:p>
-          </p:txBody>
-        </p:sp>
-        <p:sp>
-          <p:nvSpPr>
-            <p:cNvPr id="44" name="等腰三角形 43">
-              <a:extLst>
-                <a:ext uri="{FF2B5EF4-FFF2-40B4-BE49-F238E27FC236}">
-                  <a16:creationId xmlns:a16="http://schemas.microsoft.com/office/drawing/2014/main" xmlns="" id="{9D2A8C82-9BAF-400B-A588-43214D9AED60}"/>
-                </a:ext>
-              </a:extLst>
-            </p:cNvPr>
-            <p:cNvSpPr/>
-            <p:nvPr/>
-          </p:nvSpPr>
-          <p:spPr>
-            <a:xfrm>
-              <a:off x="6100354" y="5383646"/>
-              <a:ext cx="705394" cy="608098"/>
-            </a:xfrm>
-            <a:prstGeom prst="triangle">
-              <a:avLst/>
-            </a:prstGeom>
-          </p:spPr>
-          <p:style>
-            <a:lnRef idx="2">
-              <a:schemeClr val="dk1">
-                <a:shade val="50000"/>
-              </a:schemeClr>
-            </a:lnRef>
-            <a:fillRef idx="1">
-              <a:schemeClr val="dk1"/>
-            </a:fillRef>
-            <a:effectRef idx="0">
-              <a:schemeClr val="dk1"/>
-            </a:effectRef>
-            <a:fontRef idx="minor">
-              <a:schemeClr val="lt1"/>
-            </a:fontRef>
-          </p:style>
-          <p:txBody>
-            <a:bodyPr rtlCol="0" anchor="ctr"/>
-            <a:lstStyle/>
-            <a:p>
-              <a:pPr algn="ctr"/>
-              <a:endParaRPr lang="zh-CN" altLang="en-US"/>
-            </a:p>
-          </p:txBody>
-        </p:sp>
-        <p:sp>
-          <p:nvSpPr>
-            <p:cNvPr id="45" name="等腰三角形 44">
-              <a:extLst>
-                <a:ext uri="{FF2B5EF4-FFF2-40B4-BE49-F238E27FC236}">
-                  <a16:creationId xmlns:a16="http://schemas.microsoft.com/office/drawing/2014/main" xmlns="" id="{A9DB4918-87AC-44DF-A5AC-36E52519E315}"/>
-                </a:ext>
-              </a:extLst>
-            </p:cNvPr>
-            <p:cNvSpPr/>
-            <p:nvPr/>
-          </p:nvSpPr>
-          <p:spPr>
-            <a:xfrm>
-              <a:off x="4572000" y="5362872"/>
-              <a:ext cx="705394" cy="608098"/>
-            </a:xfrm>
-            <a:prstGeom prst="triangle">
-              <a:avLst/>
-            </a:prstGeom>
-          </p:spPr>
-          <p:style>
-            <a:lnRef idx="2">
-              <a:schemeClr val="dk1">
-                <a:shade val="50000"/>
-              </a:schemeClr>
-            </a:lnRef>
-            <a:fillRef idx="1">
-              <a:schemeClr val="dk1"/>
-            </a:fillRef>
-            <a:effectRef idx="0">
-              <a:schemeClr val="dk1"/>
-            </a:effectRef>
-            <a:fontRef idx="minor">
-              <a:schemeClr val="lt1"/>
-            </a:fontRef>
-          </p:style>
-          <p:txBody>
-            <a:bodyPr rtlCol="0" anchor="ctr"/>
-            <a:lstStyle/>
-            <a:p>
-              <a:pPr algn="ctr"/>
-              <a:endParaRPr lang="zh-CN" altLang="en-US"/>
-            </a:p>
-          </p:txBody>
-        </p:sp>
-        <p:sp>
-          <p:nvSpPr>
-            <p:cNvPr id="46" name="等腰三角形 45">
-              <a:extLst>
-                <a:ext uri="{FF2B5EF4-FFF2-40B4-BE49-F238E27FC236}">
-                  <a16:creationId xmlns:a16="http://schemas.microsoft.com/office/drawing/2014/main" xmlns="" id="{81C55D23-D1FB-4026-9DAF-A07747AA3F89}"/>
-                </a:ext>
-              </a:extLst>
-            </p:cNvPr>
-            <p:cNvSpPr/>
-            <p:nvPr/>
-          </p:nvSpPr>
-          <p:spPr>
-            <a:xfrm>
-              <a:off x="2795451" y="5305018"/>
-              <a:ext cx="705394" cy="608098"/>
-            </a:xfrm>
-            <a:prstGeom prst="triangle">
-              <a:avLst/>
-            </a:prstGeom>
-          </p:spPr>
-          <p:style>
-            <a:lnRef idx="2">
-              <a:schemeClr val="dk1">
-                <a:shade val="50000"/>
-              </a:schemeClr>
-            </a:lnRef>
-            <a:fillRef idx="1">
-              <a:schemeClr val="dk1"/>
-            </a:fillRef>
-            <a:effectRef idx="0">
-              <a:schemeClr val="dk1"/>
-            </a:effectRef>
-            <a:fontRef idx="minor">
-              <a:schemeClr val="lt1"/>
-            </a:fontRef>
-          </p:style>
-          <p:txBody>
-            <a:bodyPr rtlCol="0" anchor="ctr"/>
-            <a:lstStyle/>
-            <a:p>
-              <a:pPr algn="ctr"/>
-              <a:endParaRPr lang="zh-CN" altLang="en-US"/>
-            </a:p>
-          </p:txBody>
-        </p:sp>
-        <p:sp>
-          <p:nvSpPr>
-            <p:cNvPr id="47" name="等腰三角形 46">
-              <a:extLst>
-                <a:ext uri="{FF2B5EF4-FFF2-40B4-BE49-F238E27FC236}">
-                  <a16:creationId xmlns:a16="http://schemas.microsoft.com/office/drawing/2014/main" xmlns="" id="{221D6153-21EE-4A68-9C29-0E7D51DCDC16}"/>
-                </a:ext>
-              </a:extLst>
-            </p:cNvPr>
-            <p:cNvSpPr/>
-            <p:nvPr/>
-          </p:nvSpPr>
-          <p:spPr>
-            <a:xfrm>
-              <a:off x="5434148" y="1044851"/>
-              <a:ext cx="705394" cy="608098"/>
-            </a:xfrm>
-            <a:prstGeom prst="triangle">
-              <a:avLst/>
-            </a:prstGeom>
-          </p:spPr>
-          <p:style>
-            <a:lnRef idx="2">
-              <a:schemeClr val="dk1">
-                <a:shade val="50000"/>
-              </a:schemeClr>
-            </a:lnRef>
-            <a:fillRef idx="1">
-              <a:schemeClr val="dk1"/>
-            </a:fillRef>
-            <a:effectRef idx="0">
-              <a:schemeClr val="dk1"/>
-            </a:effectRef>
-            <a:fontRef idx="minor">
-              <a:schemeClr val="lt1"/>
-            </a:fontRef>
-          </p:style>
-          <p:txBody>
-            <a:bodyPr rtlCol="0" anchor="ctr"/>
-            <a:lstStyle/>
-            <a:p>
-              <a:pPr algn="ctr"/>
-              <a:endParaRPr lang="zh-CN" altLang="en-US"/>
-            </a:p>
-          </p:txBody>
-        </p:sp>
-        <p:sp>
-          <p:nvSpPr>
-            <p:cNvPr id="48" name="矩形 47">
-              <a:extLst>
-                <a:ext uri="{FF2B5EF4-FFF2-40B4-BE49-F238E27FC236}">
-                  <a16:creationId xmlns:a16="http://schemas.microsoft.com/office/drawing/2014/main" xmlns="" id="{02334002-AB2E-4BF3-BFE7-9DCA7703B38E}"/>
-                </a:ext>
-              </a:extLst>
-            </p:cNvPr>
-            <p:cNvSpPr/>
-            <p:nvPr/>
-          </p:nvSpPr>
-          <p:spPr>
-            <a:xfrm>
-              <a:off x="6678048" y="562207"/>
-              <a:ext cx="608098" cy="608098"/>
-            </a:xfrm>
-            <a:prstGeom prst="rect">
-              <a:avLst/>
-            </a:prstGeom>
-          </p:spPr>
-          <p:style>
-            <a:lnRef idx="2">
-              <a:schemeClr val="dk1">
-                <a:shade val="50000"/>
-              </a:schemeClr>
-            </a:lnRef>
-            <a:fillRef idx="1">
-              <a:schemeClr val="dk1"/>
-            </a:fillRef>
-            <a:effectRef idx="0">
-              <a:schemeClr val="dk1"/>
-            </a:effectRef>
-            <a:fontRef idx="minor">
-              <a:schemeClr val="lt1"/>
-            </a:fontRef>
-          </p:style>
-          <p:txBody>
-            <a:bodyPr rtlCol="0" anchor="ctr"/>
-            <a:lstStyle/>
-            <a:p>
-              <a:pPr algn="ctr"/>
-              <a:endParaRPr lang="zh-CN" altLang="en-US"/>
-            </a:p>
-          </p:txBody>
-        </p:sp>
-        <p:sp>
-          <p:nvSpPr>
-            <p:cNvPr id="51" name="矩形 50">
-              <a:extLst>
-                <a:ext uri="{FF2B5EF4-FFF2-40B4-BE49-F238E27FC236}">
-                  <a16:creationId xmlns:a16="http://schemas.microsoft.com/office/drawing/2014/main" xmlns="" id="{03F0CE0D-F4AA-42DF-9000-57CC83CCF09B}"/>
-                </a:ext>
-              </a:extLst>
-            </p:cNvPr>
-            <p:cNvSpPr/>
-            <p:nvPr/>
-          </p:nvSpPr>
-          <p:spPr>
-            <a:xfrm>
-              <a:off x="1845465" y="420264"/>
-              <a:ext cx="608098" cy="608098"/>
-            </a:xfrm>
-            <a:prstGeom prst="rect">
-              <a:avLst/>
-            </a:prstGeom>
-          </p:spPr>
-          <p:style>
-            <a:lnRef idx="2">
-              <a:schemeClr val="dk1">
-                <a:shade val="50000"/>
-              </a:schemeClr>
-            </a:lnRef>
-            <a:fillRef idx="1">
-              <a:schemeClr val="dk1"/>
-            </a:fillRef>
-            <a:effectRef idx="0">
-              <a:schemeClr val="dk1"/>
-            </a:effectRef>
-            <a:fontRef idx="minor">
-              <a:schemeClr val="lt1"/>
-            </a:fontRef>
-          </p:style>
-          <p:txBody>
-            <a:bodyPr rtlCol="0" anchor="ctr"/>
-            <a:lstStyle/>
-            <a:p>
-              <a:pPr algn="ctr"/>
-              <a:endParaRPr lang="zh-CN" altLang="en-US"/>
-            </a:p>
-          </p:txBody>
-        </p:sp>
-        <p:sp>
-          <p:nvSpPr>
-            <p:cNvPr id="52" name="矩形 51">
-              <a:extLst>
-                <a:ext uri="{FF2B5EF4-FFF2-40B4-BE49-F238E27FC236}">
-                  <a16:creationId xmlns:a16="http://schemas.microsoft.com/office/drawing/2014/main" xmlns="" id="{E458B1B5-8736-48B8-85C2-1574C70C27A4}"/>
-                </a:ext>
-              </a:extLst>
-            </p:cNvPr>
-            <p:cNvSpPr/>
-            <p:nvPr/>
-          </p:nvSpPr>
-          <p:spPr>
-            <a:xfrm>
-              <a:off x="3148148" y="562207"/>
-              <a:ext cx="608098" cy="608098"/>
-            </a:xfrm>
-            <a:prstGeom prst="rect">
-              <a:avLst/>
-            </a:prstGeom>
-          </p:spPr>
-          <p:style>
-            <a:lnRef idx="2">
-              <a:schemeClr val="dk1">
-                <a:shade val="50000"/>
-              </a:schemeClr>
-            </a:lnRef>
-            <a:fillRef idx="1">
-              <a:schemeClr val="dk1"/>
-            </a:fillRef>
-            <a:effectRef idx="0">
-              <a:schemeClr val="dk1"/>
-            </a:effectRef>
-            <a:fontRef idx="minor">
-              <a:schemeClr val="lt1"/>
-            </a:fontRef>
-          </p:style>
-          <p:txBody>
-            <a:bodyPr rtlCol="0" anchor="ctr"/>
-            <a:lstStyle/>
-            <a:p>
-              <a:pPr algn="ctr"/>
-              <a:endParaRPr lang="zh-CN" altLang="en-US"/>
-            </a:p>
-          </p:txBody>
-        </p:sp>
-        <p:sp>
-          <p:nvSpPr>
-            <p:cNvPr id="53" name="矩形 52">
-              <a:extLst>
-                <a:ext uri="{FF2B5EF4-FFF2-40B4-BE49-F238E27FC236}">
-                  <a16:creationId xmlns:a16="http://schemas.microsoft.com/office/drawing/2014/main" xmlns="" id="{D0351697-030C-4DA4-B458-462F212AEC32}"/>
-                </a:ext>
-              </a:extLst>
-            </p:cNvPr>
-            <p:cNvSpPr/>
-            <p:nvPr/>
-          </p:nvSpPr>
-          <p:spPr>
-            <a:xfrm>
-              <a:off x="4581458" y="1271026"/>
-              <a:ext cx="608098" cy="608098"/>
-            </a:xfrm>
-            <a:prstGeom prst="rect">
-              <a:avLst/>
-            </a:prstGeom>
-          </p:spPr>
-          <p:style>
-            <a:lnRef idx="2">
-              <a:schemeClr val="dk1">
-                <a:shade val="50000"/>
-              </a:schemeClr>
-            </a:lnRef>
-            <a:fillRef idx="1">
-              <a:schemeClr val="dk1"/>
-            </a:fillRef>
-            <a:effectRef idx="0">
-              <a:schemeClr val="dk1"/>
-            </a:effectRef>
-            <a:fontRef idx="minor">
-              <a:schemeClr val="lt1"/>
-            </a:fontRef>
-          </p:style>
-          <p:txBody>
-            <a:bodyPr rtlCol="0" anchor="ctr"/>
-            <a:lstStyle/>
-            <a:p>
-              <a:pPr algn="ctr"/>
-              <a:endParaRPr lang="zh-CN" altLang="en-US"/>
-            </a:p>
-          </p:txBody>
-        </p:sp>
-        <p:sp>
-          <p:nvSpPr>
-            <p:cNvPr id="54" name="矩形 53">
-              <a:extLst>
-                <a:ext uri="{FF2B5EF4-FFF2-40B4-BE49-F238E27FC236}">
-                  <a16:creationId xmlns:a16="http://schemas.microsoft.com/office/drawing/2014/main" xmlns="" id="{63033C73-27D3-4D3B-9EDE-34DF943A5461}"/>
-                </a:ext>
-              </a:extLst>
-            </p:cNvPr>
-            <p:cNvSpPr/>
-            <p:nvPr/>
-          </p:nvSpPr>
-          <p:spPr>
-            <a:xfrm>
-              <a:off x="1237367" y="1707631"/>
-              <a:ext cx="608098" cy="608098"/>
-            </a:xfrm>
-            <a:prstGeom prst="rect">
-              <a:avLst/>
-            </a:prstGeom>
-          </p:spPr>
-          <p:style>
-            <a:lnRef idx="2">
-              <a:schemeClr val="dk1">
-                <a:shade val="50000"/>
-              </a:schemeClr>
-            </a:lnRef>
-            <a:fillRef idx="1">
-              <a:schemeClr val="dk1"/>
-            </a:fillRef>
-            <a:effectRef idx="0">
-              <a:schemeClr val="dk1"/>
-            </a:effectRef>
-            <a:fontRef idx="minor">
-              <a:schemeClr val="lt1"/>
-            </a:fontRef>
-          </p:style>
-          <p:txBody>
-            <a:bodyPr rtlCol="0" anchor="ctr"/>
-            <a:lstStyle/>
-            <a:p>
-              <a:pPr algn="ctr"/>
-              <a:endParaRPr lang="zh-CN" altLang="en-US"/>
-            </a:p>
-          </p:txBody>
-        </p:sp>
-        <p:sp>
-          <p:nvSpPr>
-            <p:cNvPr id="55" name="矩形 54">
-              <a:extLst>
-                <a:ext uri="{FF2B5EF4-FFF2-40B4-BE49-F238E27FC236}">
-                  <a16:creationId xmlns:a16="http://schemas.microsoft.com/office/drawing/2014/main" xmlns="" id="{637B7B8A-8907-4439-94E4-F6B113AA9F8A}"/>
-                </a:ext>
-              </a:extLst>
-            </p:cNvPr>
-            <p:cNvSpPr/>
-            <p:nvPr/>
-          </p:nvSpPr>
-          <p:spPr>
-            <a:xfrm>
-              <a:off x="988499" y="2915344"/>
-              <a:ext cx="608098" cy="608098"/>
-            </a:xfrm>
-            <a:prstGeom prst="rect">
-              <a:avLst/>
-            </a:prstGeom>
-          </p:spPr>
-          <p:style>
-            <a:lnRef idx="2">
-              <a:schemeClr val="dk1">
-                <a:shade val="50000"/>
-              </a:schemeClr>
-            </a:lnRef>
-            <a:fillRef idx="1">
-              <a:schemeClr val="dk1"/>
-            </a:fillRef>
-            <a:effectRef idx="0">
-              <a:schemeClr val="dk1"/>
-            </a:effectRef>
-            <a:fontRef idx="minor">
-              <a:schemeClr val="lt1"/>
-            </a:fontRef>
-          </p:style>
-          <p:txBody>
-            <a:bodyPr rtlCol="0" anchor="ctr"/>
-            <a:lstStyle/>
-            <a:p>
-              <a:pPr algn="ctr"/>
-              <a:endParaRPr lang="zh-CN" altLang="en-US"/>
-            </a:p>
-          </p:txBody>
-        </p:sp>
-        <p:sp>
-          <p:nvSpPr>
-            <p:cNvPr id="56" name="矩形 55">
-              <a:extLst>
-                <a:ext uri="{FF2B5EF4-FFF2-40B4-BE49-F238E27FC236}">
-                  <a16:creationId xmlns:a16="http://schemas.microsoft.com/office/drawing/2014/main" xmlns="" id="{319CDBA0-1AD3-46B4-831C-33FEDE947141}"/>
-                </a:ext>
-              </a:extLst>
-            </p:cNvPr>
-            <p:cNvSpPr/>
-            <p:nvPr/>
-          </p:nvSpPr>
-          <p:spPr>
-            <a:xfrm>
-              <a:off x="680172" y="4241574"/>
-              <a:ext cx="608098" cy="608098"/>
-            </a:xfrm>
-            <a:prstGeom prst="rect">
-              <a:avLst/>
-            </a:prstGeom>
-          </p:spPr>
-          <p:style>
-            <a:lnRef idx="2">
-              <a:schemeClr val="dk1">
-                <a:shade val="50000"/>
-              </a:schemeClr>
-            </a:lnRef>
-            <a:fillRef idx="1">
-              <a:schemeClr val="dk1"/>
-            </a:fillRef>
-            <a:effectRef idx="0">
-              <a:schemeClr val="dk1"/>
-            </a:effectRef>
-            <a:fontRef idx="minor">
-              <a:schemeClr val="lt1"/>
-            </a:fontRef>
-          </p:style>
-          <p:txBody>
-            <a:bodyPr rtlCol="0" anchor="ctr"/>
-            <a:lstStyle/>
-            <a:p>
-              <a:pPr algn="ctr"/>
-              <a:endParaRPr lang="zh-CN" altLang="en-US"/>
-            </a:p>
-          </p:txBody>
-        </p:sp>
-      </p:grpSp>
-      <p:sp>
-        <p:nvSpPr>
-          <p:cNvPr id="58" name="椭圆 57">
-            <a:extLst>
-              <a:ext uri="{FF2B5EF4-FFF2-40B4-BE49-F238E27FC236}">
-                <a16:creationId xmlns:a16="http://schemas.microsoft.com/office/drawing/2014/main" xmlns="" id="{9000FD8D-987A-4F26-AFA4-6A49C0D03A26}"/>
+      <p:sp>
+        <p:nvSpPr>
+          <p:cNvPr id="39" name="椭圆 38">
+            <a:extLst>
+              <a:ext uri="{FF2B5EF4-FFF2-40B4-BE49-F238E27FC236}">
+                <a16:creationId xmlns:a16="http://schemas.microsoft.com/office/drawing/2014/main" xmlns="" id="{FE077A2E-079D-4D8E-A72E-859971F79E47}"/>
               </a:ext>
             </a:extLst>
           </p:cNvPr>
@@ -10130,12 +9097,18 @@
         </p:nvSpPr>
         <p:spPr>
           <a:xfrm>
-            <a:off x="8098748" y="2382286"/>
-            <a:ext cx="440997" cy="437467"/>
+            <a:off x="7651506" y="206986"/>
+            <a:ext cx="886330" cy="887880"/>
           </a:xfrm>
           <a:prstGeom prst="ellipse">
             <a:avLst/>
           </a:prstGeom>
+          <a:solidFill>
+            <a:schemeClr val="tx1"/>
+          </a:solidFill>
+          <a:ln>
+            <a:noFill/>
+          </a:ln>
         </p:spPr>
         <p:style>
           <a:lnRef idx="2">
@@ -10164,10 +9137,10 @@
       </p:sp>
       <p:sp>
         <p:nvSpPr>
-          <p:cNvPr id="59" name="椭圆 58">
-            <a:extLst>
-              <a:ext uri="{FF2B5EF4-FFF2-40B4-BE49-F238E27FC236}">
-                <a16:creationId xmlns:a16="http://schemas.microsoft.com/office/drawing/2014/main" xmlns="" id="{11BFE589-4BDD-4AD5-B3B2-69039BAD07DA}"/>
+          <p:cNvPr id="47" name="等腰三角形 46">
+            <a:extLst>
+              <a:ext uri="{FF2B5EF4-FFF2-40B4-BE49-F238E27FC236}">
+                <a16:creationId xmlns:a16="http://schemas.microsoft.com/office/drawing/2014/main" xmlns="" id="{221D6153-21EE-4A68-9C29-0E7D51DCDC16}"/>
               </a:ext>
             </a:extLst>
           </p:cNvPr>
@@ -10176,12 +9149,18 @@
         </p:nvSpPr>
         <p:spPr>
           <a:xfrm>
-            <a:off x="8850077" y="2230855"/>
-            <a:ext cx="440997" cy="437467"/>
-          </a:xfrm>
-          <a:prstGeom prst="ellipse">
+            <a:off x="6024439" y="206986"/>
+            <a:ext cx="993849" cy="727458"/>
+          </a:xfrm>
+          <a:prstGeom prst="triangle">
             <a:avLst/>
           </a:prstGeom>
+          <a:solidFill>
+            <a:schemeClr val="tx1"/>
+          </a:solidFill>
+          <a:ln>
+            <a:noFill/>
+          </a:ln>
         </p:spPr>
         <p:style>
           <a:lnRef idx="2">
@@ -10210,10 +9189,10 @@
       </p:sp>
       <p:sp>
         <p:nvSpPr>
-          <p:cNvPr id="60" name="椭圆 59">
-            <a:extLst>
-              <a:ext uri="{FF2B5EF4-FFF2-40B4-BE49-F238E27FC236}">
-                <a16:creationId xmlns:a16="http://schemas.microsoft.com/office/drawing/2014/main" xmlns="" id="{84E6DE10-CB34-480B-B2C1-1221D77A6F89}"/>
+          <p:cNvPr id="48" name="矩形 47">
+            <a:extLst>
+              <a:ext uri="{FF2B5EF4-FFF2-40B4-BE49-F238E27FC236}">
+                <a16:creationId xmlns:a16="http://schemas.microsoft.com/office/drawing/2014/main" xmlns="" id="{02334002-AB2E-4BF3-BFE7-9DCA7703B38E}"/>
               </a:ext>
             </a:extLst>
           </p:cNvPr>
@@ -10222,12 +9201,18 @@
         </p:nvSpPr>
         <p:spPr>
           <a:xfrm>
-            <a:off x="8629578" y="2819753"/>
-            <a:ext cx="440997" cy="437467"/>
-          </a:xfrm>
-          <a:prstGeom prst="ellipse">
+            <a:off x="2716464" y="287198"/>
+            <a:ext cx="856766" cy="727457"/>
+          </a:xfrm>
+          <a:prstGeom prst="rect">
             <a:avLst/>
           </a:prstGeom>
+          <a:solidFill>
+            <a:schemeClr val="tx1"/>
+          </a:solidFill>
+          <a:ln>
+            <a:noFill/>
+          </a:ln>
         </p:spPr>
         <p:style>
           <a:lnRef idx="2">
@@ -10256,898 +9241,24 @@
       </p:sp>
       <p:sp>
         <p:nvSpPr>
-          <p:cNvPr id="61" name="椭圆 60">
-            <a:extLst>
-              <a:ext uri="{FF2B5EF4-FFF2-40B4-BE49-F238E27FC236}">
-                <a16:creationId xmlns:a16="http://schemas.microsoft.com/office/drawing/2014/main" xmlns="" id="{6F498E6A-7EBA-4B25-85AF-98E0E2EB073A}"/>
-              </a:ext>
-            </a:extLst>
-          </p:cNvPr>
+          <p:cNvPr id="4" name="六边形 3"/>
           <p:cNvSpPr/>
           <p:nvPr/>
         </p:nvSpPr>
         <p:spPr>
           <a:xfrm>
-            <a:off x="8098748" y="3257220"/>
-            <a:ext cx="440997" cy="437467"/>
-          </a:xfrm>
-          <a:prstGeom prst="ellipse">
+            <a:off x="11009987" y="183817"/>
+            <a:ext cx="925307" cy="764358"/>
+          </a:xfrm>
+          <a:prstGeom prst="hexagon">
             <a:avLst/>
           </a:prstGeom>
-        </p:spPr>
-        <p:style>
-          <a:lnRef idx="2">
-            <a:schemeClr val="dk1">
-              <a:shade val="50000"/>
-            </a:schemeClr>
-          </a:lnRef>
-          <a:fillRef idx="1">
-            <a:schemeClr val="dk1"/>
-          </a:fillRef>
-          <a:effectRef idx="0">
-            <a:schemeClr val="dk1"/>
-          </a:effectRef>
-          <a:fontRef idx="minor">
-            <a:schemeClr val="lt1"/>
-          </a:fontRef>
-        </p:style>
-        <p:txBody>
-          <a:bodyPr rtlCol="0" anchor="ctr"/>
-          <a:lstStyle/>
-          <a:p>
-            <a:pPr algn="ctr"/>
-            <a:endParaRPr lang="zh-CN" altLang="en-US"/>
-          </a:p>
-        </p:txBody>
-      </p:sp>
-      <p:sp>
-        <p:nvSpPr>
-          <p:cNvPr id="62" name="椭圆 61">
-            <a:extLst>
-              <a:ext uri="{FF2B5EF4-FFF2-40B4-BE49-F238E27FC236}">
-                <a16:creationId xmlns:a16="http://schemas.microsoft.com/office/drawing/2014/main" xmlns="" id="{A4BF5F5B-0464-4164-930E-45C685B34855}"/>
-              </a:ext>
-            </a:extLst>
-          </p:cNvPr>
-          <p:cNvSpPr/>
-          <p:nvPr/>
-        </p:nvSpPr>
-        <p:spPr>
-          <a:xfrm>
-            <a:off x="8915409" y="3490296"/>
-            <a:ext cx="440997" cy="437467"/>
-          </a:xfrm>
-          <a:prstGeom prst="ellipse">
-            <a:avLst/>
-          </a:prstGeom>
-        </p:spPr>
-        <p:style>
-          <a:lnRef idx="2">
-            <a:schemeClr val="dk1">
-              <a:shade val="50000"/>
-            </a:schemeClr>
-          </a:lnRef>
-          <a:fillRef idx="1">
-            <a:schemeClr val="dk1"/>
-          </a:fillRef>
-          <a:effectRef idx="0">
-            <a:schemeClr val="dk1"/>
-          </a:effectRef>
-          <a:fontRef idx="minor">
-            <a:schemeClr val="lt1"/>
-          </a:fontRef>
-        </p:style>
-        <p:txBody>
-          <a:bodyPr rtlCol="0" anchor="ctr"/>
-          <a:lstStyle/>
-          <a:p>
-            <a:pPr algn="ctr"/>
-            <a:endParaRPr lang="zh-CN" altLang="en-US"/>
-          </a:p>
-        </p:txBody>
-      </p:sp>
-      <p:sp>
-        <p:nvSpPr>
-          <p:cNvPr id="63" name="椭圆 62">
-            <a:extLst>
-              <a:ext uri="{FF2B5EF4-FFF2-40B4-BE49-F238E27FC236}">
-                <a16:creationId xmlns:a16="http://schemas.microsoft.com/office/drawing/2014/main" xmlns="" id="{F3E3D9F3-CB96-4658-B620-06D7B04AF7F6}"/>
-              </a:ext>
-            </a:extLst>
-          </p:cNvPr>
-          <p:cNvSpPr/>
-          <p:nvPr/>
-        </p:nvSpPr>
-        <p:spPr>
-          <a:xfrm>
-            <a:off x="9527905" y="2668322"/>
-            <a:ext cx="440997" cy="437467"/>
-          </a:xfrm>
-          <a:prstGeom prst="ellipse">
-            <a:avLst/>
-          </a:prstGeom>
-        </p:spPr>
-        <p:style>
-          <a:lnRef idx="2">
-            <a:schemeClr val="dk1">
-              <a:shade val="50000"/>
-            </a:schemeClr>
-          </a:lnRef>
-          <a:fillRef idx="1">
-            <a:schemeClr val="dk1"/>
-          </a:fillRef>
-          <a:effectRef idx="0">
-            <a:schemeClr val="dk1"/>
-          </a:effectRef>
-          <a:fontRef idx="minor">
-            <a:schemeClr val="lt1"/>
-          </a:fontRef>
-        </p:style>
-        <p:txBody>
-          <a:bodyPr rtlCol="0" anchor="ctr"/>
-          <a:lstStyle/>
-          <a:p>
-            <a:pPr algn="ctr"/>
-            <a:endParaRPr lang="zh-CN" altLang="en-US"/>
-          </a:p>
-        </p:txBody>
-      </p:sp>
-      <p:sp>
-        <p:nvSpPr>
-          <p:cNvPr id="64" name="等腰三角形 63">
-            <a:extLst>
-              <a:ext uri="{FF2B5EF4-FFF2-40B4-BE49-F238E27FC236}">
-                <a16:creationId xmlns:a16="http://schemas.microsoft.com/office/drawing/2014/main" xmlns="" id="{3BB48F6E-F7DA-48E7-9B8E-76F79B0B3A38}"/>
-              </a:ext>
-            </a:extLst>
-          </p:cNvPr>
-          <p:cNvSpPr/>
-          <p:nvPr/>
-        </p:nvSpPr>
-        <p:spPr>
-          <a:xfrm>
-            <a:off x="10385401" y="2668322"/>
-            <a:ext cx="440997" cy="391631"/>
-          </a:xfrm>
-          <a:prstGeom prst="triangle">
-            <a:avLst/>
-          </a:prstGeom>
-        </p:spPr>
-        <p:style>
-          <a:lnRef idx="2">
-            <a:schemeClr val="dk1">
-              <a:shade val="50000"/>
-            </a:schemeClr>
-          </a:lnRef>
-          <a:fillRef idx="1">
-            <a:schemeClr val="dk1"/>
-          </a:fillRef>
-          <a:effectRef idx="0">
-            <a:schemeClr val="dk1"/>
-          </a:effectRef>
-          <a:fontRef idx="minor">
-            <a:schemeClr val="lt1"/>
-          </a:fontRef>
-        </p:style>
-        <p:txBody>
-          <a:bodyPr rtlCol="0" anchor="ctr"/>
-          <a:lstStyle/>
-          <a:p>
-            <a:pPr algn="ctr"/>
-            <a:endParaRPr lang="zh-CN" altLang="en-US"/>
-          </a:p>
-        </p:txBody>
-      </p:sp>
-      <p:sp>
-        <p:nvSpPr>
-          <p:cNvPr id="65" name="等腰三角形 64">
-            <a:extLst>
-              <a:ext uri="{FF2B5EF4-FFF2-40B4-BE49-F238E27FC236}">
-                <a16:creationId xmlns:a16="http://schemas.microsoft.com/office/drawing/2014/main" xmlns="" id="{5874A09E-D121-471D-A1B1-28C616AE40AC}"/>
-              </a:ext>
-            </a:extLst>
-          </p:cNvPr>
-          <p:cNvSpPr/>
-          <p:nvPr/>
-        </p:nvSpPr>
-        <p:spPr>
-          <a:xfrm>
-            <a:off x="11242896" y="2714158"/>
-            <a:ext cx="440997" cy="391631"/>
-          </a:xfrm>
-          <a:prstGeom prst="triangle">
-            <a:avLst/>
-          </a:prstGeom>
-        </p:spPr>
-        <p:style>
-          <a:lnRef idx="2">
-            <a:schemeClr val="dk1">
-              <a:shade val="50000"/>
-            </a:schemeClr>
-          </a:lnRef>
-          <a:fillRef idx="1">
-            <a:schemeClr val="dk1"/>
-          </a:fillRef>
-          <a:effectRef idx="0">
-            <a:schemeClr val="dk1"/>
-          </a:effectRef>
-          <a:fontRef idx="minor">
-            <a:schemeClr val="lt1"/>
-          </a:fontRef>
-        </p:style>
-        <p:txBody>
-          <a:bodyPr rtlCol="0" anchor="ctr"/>
-          <a:lstStyle/>
-          <a:p>
-            <a:pPr algn="ctr"/>
-            <a:endParaRPr lang="zh-CN" altLang="en-US"/>
-          </a:p>
-        </p:txBody>
-      </p:sp>
-      <p:sp>
-        <p:nvSpPr>
-          <p:cNvPr id="66" name="等腰三角形 65">
-            <a:extLst>
-              <a:ext uri="{FF2B5EF4-FFF2-40B4-BE49-F238E27FC236}">
-                <a16:creationId xmlns:a16="http://schemas.microsoft.com/office/drawing/2014/main" xmlns="" id="{777C29BB-61EA-4274-9640-7D737E600BDA}"/>
-              </a:ext>
-            </a:extLst>
-          </p:cNvPr>
-          <p:cNvSpPr/>
-          <p:nvPr/>
-        </p:nvSpPr>
-        <p:spPr>
-          <a:xfrm>
-            <a:off x="10164902" y="3709029"/>
-            <a:ext cx="440997" cy="391631"/>
-          </a:xfrm>
-          <a:prstGeom prst="triangle">
-            <a:avLst/>
-          </a:prstGeom>
-        </p:spPr>
-        <p:style>
-          <a:lnRef idx="2">
-            <a:schemeClr val="dk1">
-              <a:shade val="50000"/>
-            </a:schemeClr>
-          </a:lnRef>
-          <a:fillRef idx="1">
-            <a:schemeClr val="dk1"/>
-          </a:fillRef>
-          <a:effectRef idx="0">
-            <a:schemeClr val="dk1"/>
-          </a:effectRef>
-          <a:fontRef idx="minor">
-            <a:schemeClr val="lt1"/>
-          </a:fontRef>
-        </p:style>
-        <p:txBody>
-          <a:bodyPr rtlCol="0" anchor="ctr"/>
-          <a:lstStyle/>
-          <a:p>
-            <a:pPr algn="ctr"/>
-            <a:endParaRPr lang="zh-CN" altLang="en-US"/>
-          </a:p>
-        </p:txBody>
-      </p:sp>
-      <p:sp>
-        <p:nvSpPr>
-          <p:cNvPr id="67" name="等腰三角形 66">
-            <a:extLst>
-              <a:ext uri="{FF2B5EF4-FFF2-40B4-BE49-F238E27FC236}">
-                <a16:creationId xmlns:a16="http://schemas.microsoft.com/office/drawing/2014/main" xmlns="" id="{29DAF93C-6661-4C8F-8A50-CA9E14E8CBF5}"/>
-              </a:ext>
-            </a:extLst>
-          </p:cNvPr>
-          <p:cNvSpPr/>
-          <p:nvPr/>
-        </p:nvSpPr>
-        <p:spPr>
-          <a:xfrm>
-            <a:off x="11308229" y="3536132"/>
-            <a:ext cx="440997" cy="391631"/>
-          </a:xfrm>
-          <a:prstGeom prst="triangle">
-            <a:avLst/>
-          </a:prstGeom>
-        </p:spPr>
-        <p:style>
-          <a:lnRef idx="2">
-            <a:schemeClr val="dk1">
-              <a:shade val="50000"/>
-            </a:schemeClr>
-          </a:lnRef>
-          <a:fillRef idx="1">
-            <a:schemeClr val="dk1"/>
-          </a:fillRef>
-          <a:effectRef idx="0">
-            <a:schemeClr val="dk1"/>
-          </a:effectRef>
-          <a:fontRef idx="minor">
-            <a:schemeClr val="lt1"/>
-          </a:fontRef>
-        </p:style>
-        <p:txBody>
-          <a:bodyPr rtlCol="0" anchor="ctr"/>
-          <a:lstStyle/>
-          <a:p>
-            <a:pPr algn="ctr"/>
-            <a:endParaRPr lang="zh-CN" altLang="en-US"/>
-          </a:p>
-        </p:txBody>
-      </p:sp>
-      <p:sp>
-        <p:nvSpPr>
-          <p:cNvPr id="68" name="等腰三角形 67">
-            <a:extLst>
-              <a:ext uri="{FF2B5EF4-FFF2-40B4-BE49-F238E27FC236}">
-                <a16:creationId xmlns:a16="http://schemas.microsoft.com/office/drawing/2014/main" xmlns="" id="{C7303091-81E6-413C-8E64-9122243D263D}"/>
-              </a:ext>
-            </a:extLst>
-          </p:cNvPr>
-          <p:cNvSpPr/>
-          <p:nvPr/>
-        </p:nvSpPr>
-        <p:spPr>
-          <a:xfrm>
-            <a:off x="10595011" y="3244004"/>
-            <a:ext cx="440997" cy="391631"/>
-          </a:xfrm>
-          <a:prstGeom prst="triangle">
-            <a:avLst/>
-          </a:prstGeom>
-        </p:spPr>
-        <p:style>
-          <a:lnRef idx="2">
-            <a:schemeClr val="dk1">
-              <a:shade val="50000"/>
-            </a:schemeClr>
-          </a:lnRef>
-          <a:fillRef idx="1">
-            <a:schemeClr val="dk1"/>
-          </a:fillRef>
-          <a:effectRef idx="0">
-            <a:schemeClr val="dk1"/>
-          </a:effectRef>
-          <a:fontRef idx="minor">
-            <a:schemeClr val="lt1"/>
-          </a:fontRef>
-        </p:style>
-        <p:txBody>
-          <a:bodyPr rtlCol="0" anchor="ctr"/>
-          <a:lstStyle/>
-          <a:p>
-            <a:pPr algn="ctr"/>
-            <a:endParaRPr lang="zh-CN" altLang="en-US"/>
-          </a:p>
-        </p:txBody>
-      </p:sp>
-      <p:sp>
-        <p:nvSpPr>
-          <p:cNvPr id="69" name="等腰三角形 68">
-            <a:extLst>
-              <a:ext uri="{FF2B5EF4-FFF2-40B4-BE49-F238E27FC236}">
-                <a16:creationId xmlns:a16="http://schemas.microsoft.com/office/drawing/2014/main" xmlns="" id="{3CEDC0C5-6B30-4152-8229-04DEA004306C}"/>
-              </a:ext>
-            </a:extLst>
-          </p:cNvPr>
-          <p:cNvSpPr/>
-          <p:nvPr/>
-        </p:nvSpPr>
-        <p:spPr>
-          <a:xfrm>
-            <a:off x="10605899" y="4553920"/>
-            <a:ext cx="440997" cy="391631"/>
-          </a:xfrm>
-          <a:prstGeom prst="triangle">
-            <a:avLst/>
-          </a:prstGeom>
-        </p:spPr>
-        <p:style>
-          <a:lnRef idx="2">
-            <a:schemeClr val="dk1">
-              <a:shade val="50000"/>
-            </a:schemeClr>
-          </a:lnRef>
-          <a:fillRef idx="1">
-            <a:schemeClr val="dk1"/>
-          </a:fillRef>
-          <a:effectRef idx="0">
-            <a:schemeClr val="dk1"/>
-          </a:effectRef>
-          <a:fontRef idx="minor">
-            <a:schemeClr val="lt1"/>
-          </a:fontRef>
-        </p:style>
-        <p:txBody>
-          <a:bodyPr rtlCol="0" anchor="ctr"/>
-          <a:lstStyle/>
-          <a:p>
-            <a:pPr algn="ctr"/>
-            <a:endParaRPr lang="zh-CN" altLang="en-US"/>
-          </a:p>
-        </p:txBody>
-      </p:sp>
-      <p:sp>
-        <p:nvSpPr>
-          <p:cNvPr id="70" name="等腰三角形 69">
-            <a:extLst>
-              <a:ext uri="{FF2B5EF4-FFF2-40B4-BE49-F238E27FC236}">
-                <a16:creationId xmlns:a16="http://schemas.microsoft.com/office/drawing/2014/main" xmlns="" id="{DB7D793F-E08A-4A50-B7E2-0269C0998643}"/>
-              </a:ext>
-            </a:extLst>
-          </p:cNvPr>
-          <p:cNvSpPr/>
-          <p:nvPr/>
-        </p:nvSpPr>
-        <p:spPr>
-          <a:xfrm>
-            <a:off x="9650405" y="4540541"/>
-            <a:ext cx="440997" cy="391631"/>
-          </a:xfrm>
-          <a:prstGeom prst="triangle">
-            <a:avLst/>
-          </a:prstGeom>
-        </p:spPr>
-        <p:style>
-          <a:lnRef idx="2">
-            <a:schemeClr val="dk1">
-              <a:shade val="50000"/>
-            </a:schemeClr>
-          </a:lnRef>
-          <a:fillRef idx="1">
-            <a:schemeClr val="dk1"/>
-          </a:fillRef>
-          <a:effectRef idx="0">
-            <a:schemeClr val="dk1"/>
-          </a:effectRef>
-          <a:fontRef idx="minor">
-            <a:schemeClr val="lt1"/>
-          </a:fontRef>
-        </p:style>
-        <p:txBody>
-          <a:bodyPr rtlCol="0" anchor="ctr"/>
-          <a:lstStyle/>
-          <a:p>
-            <a:pPr algn="ctr"/>
-            <a:endParaRPr lang="zh-CN" altLang="en-US"/>
-          </a:p>
-        </p:txBody>
-      </p:sp>
-      <p:sp>
-        <p:nvSpPr>
-          <p:cNvPr id="71" name="等腰三角形 70">
-            <a:extLst>
-              <a:ext uri="{FF2B5EF4-FFF2-40B4-BE49-F238E27FC236}">
-                <a16:creationId xmlns:a16="http://schemas.microsoft.com/office/drawing/2014/main" xmlns="" id="{21DB1096-3FF3-4D88-BBAC-2D431F1BBDD0}"/>
-              </a:ext>
-            </a:extLst>
-          </p:cNvPr>
-          <p:cNvSpPr/>
-          <p:nvPr/>
-        </p:nvSpPr>
-        <p:spPr>
-          <a:xfrm>
-            <a:off x="8539745" y="4503282"/>
-            <a:ext cx="440997" cy="391631"/>
-          </a:xfrm>
-          <a:prstGeom prst="triangle">
-            <a:avLst/>
-          </a:prstGeom>
-        </p:spPr>
-        <p:style>
-          <a:lnRef idx="2">
-            <a:schemeClr val="dk1">
-              <a:shade val="50000"/>
-            </a:schemeClr>
-          </a:lnRef>
-          <a:fillRef idx="1">
-            <a:schemeClr val="dk1"/>
-          </a:fillRef>
-          <a:effectRef idx="0">
-            <a:schemeClr val="dk1"/>
-          </a:effectRef>
-          <a:fontRef idx="minor">
-            <a:schemeClr val="lt1"/>
-          </a:fontRef>
-        </p:style>
-        <p:txBody>
-          <a:bodyPr rtlCol="0" anchor="ctr"/>
-          <a:lstStyle/>
-          <a:p>
-            <a:pPr algn="ctr"/>
-            <a:endParaRPr lang="zh-CN" altLang="en-US"/>
-          </a:p>
-        </p:txBody>
-      </p:sp>
-      <p:sp>
-        <p:nvSpPr>
-          <p:cNvPr id="72" name="等腰三角形 71">
-            <a:extLst>
-              <a:ext uri="{FF2B5EF4-FFF2-40B4-BE49-F238E27FC236}">
-                <a16:creationId xmlns:a16="http://schemas.microsoft.com/office/drawing/2014/main" xmlns="" id="{54670EE7-260C-4E1B-A6C3-A6F5B09A20AB}"/>
-              </a:ext>
-            </a:extLst>
-          </p:cNvPr>
-          <p:cNvSpPr/>
-          <p:nvPr/>
-        </p:nvSpPr>
-        <p:spPr>
-          <a:xfrm>
-            <a:off x="10189402" y="1759623"/>
-            <a:ext cx="440997" cy="391631"/>
-          </a:xfrm>
-          <a:prstGeom prst="triangle">
-            <a:avLst/>
-          </a:prstGeom>
-        </p:spPr>
-        <p:style>
-          <a:lnRef idx="2">
-            <a:schemeClr val="dk1">
-              <a:shade val="50000"/>
-            </a:schemeClr>
-          </a:lnRef>
-          <a:fillRef idx="1">
-            <a:schemeClr val="dk1"/>
-          </a:fillRef>
-          <a:effectRef idx="0">
-            <a:schemeClr val="dk1"/>
-          </a:effectRef>
-          <a:fontRef idx="minor">
-            <a:schemeClr val="lt1"/>
-          </a:fontRef>
-        </p:style>
-        <p:txBody>
-          <a:bodyPr rtlCol="0" anchor="ctr"/>
-          <a:lstStyle/>
-          <a:p>
-            <a:pPr algn="ctr"/>
-            <a:endParaRPr lang="zh-CN" altLang="en-US"/>
-          </a:p>
-        </p:txBody>
-      </p:sp>
-      <p:sp>
-        <p:nvSpPr>
-          <p:cNvPr id="102" name="椭圆 101">
-            <a:extLst>
-              <a:ext uri="{FF2B5EF4-FFF2-40B4-BE49-F238E27FC236}">
-                <a16:creationId xmlns:a16="http://schemas.microsoft.com/office/drawing/2014/main" xmlns="" id="{F3EC532C-7B88-4042-A150-4497E00FE8DE}"/>
-              </a:ext>
-            </a:extLst>
-          </p:cNvPr>
-          <p:cNvSpPr/>
-          <p:nvPr/>
-        </p:nvSpPr>
-        <p:spPr>
-          <a:xfrm>
-            <a:off x="7376989" y="2979515"/>
-            <a:ext cx="440997" cy="437467"/>
-          </a:xfrm>
-          <a:prstGeom prst="ellipse">
-            <a:avLst/>
-          </a:prstGeom>
-        </p:spPr>
-        <p:style>
-          <a:lnRef idx="2">
-            <a:schemeClr val="dk1">
-              <a:shade val="50000"/>
-            </a:schemeClr>
-          </a:lnRef>
-          <a:fillRef idx="1">
-            <a:schemeClr val="dk1"/>
-          </a:fillRef>
-          <a:effectRef idx="0">
-            <a:schemeClr val="dk1"/>
-          </a:effectRef>
-          <a:fontRef idx="minor">
-            <a:schemeClr val="lt1"/>
-          </a:fontRef>
-        </p:style>
-        <p:txBody>
-          <a:bodyPr rtlCol="0" anchor="ctr"/>
-          <a:lstStyle/>
-          <a:p>
-            <a:pPr algn="ctr"/>
-            <a:endParaRPr lang="zh-CN" altLang="en-US"/>
-          </a:p>
-        </p:txBody>
-      </p:sp>
-      <p:sp>
-        <p:nvSpPr>
-          <p:cNvPr id="103" name="椭圆 102">
-            <a:extLst>
-              <a:ext uri="{FF2B5EF4-FFF2-40B4-BE49-F238E27FC236}">
-                <a16:creationId xmlns:a16="http://schemas.microsoft.com/office/drawing/2014/main" xmlns="" id="{8DC4082F-5F7B-4CA6-9DAF-F870F8315998}"/>
-              </a:ext>
-            </a:extLst>
-          </p:cNvPr>
-          <p:cNvSpPr/>
-          <p:nvPr/>
-        </p:nvSpPr>
-        <p:spPr>
-          <a:xfrm>
-            <a:off x="7156490" y="3742463"/>
-            <a:ext cx="440997" cy="437467"/>
-          </a:xfrm>
-          <a:prstGeom prst="ellipse">
-            <a:avLst/>
-          </a:prstGeom>
-        </p:spPr>
-        <p:style>
-          <a:lnRef idx="2">
-            <a:schemeClr val="dk1">
-              <a:shade val="50000"/>
-            </a:schemeClr>
-          </a:lnRef>
-          <a:fillRef idx="1">
-            <a:schemeClr val="dk1"/>
-          </a:fillRef>
-          <a:effectRef idx="0">
-            <a:schemeClr val="dk1"/>
-          </a:effectRef>
-          <a:fontRef idx="minor">
-            <a:schemeClr val="lt1"/>
-          </a:fontRef>
-        </p:style>
-        <p:txBody>
-          <a:bodyPr rtlCol="0" anchor="ctr"/>
-          <a:lstStyle/>
-          <a:p>
-            <a:pPr algn="ctr"/>
-            <a:endParaRPr lang="zh-CN" altLang="en-US"/>
-          </a:p>
-        </p:txBody>
-      </p:sp>
-      <p:sp>
-        <p:nvSpPr>
-          <p:cNvPr id="104" name="椭圆 103">
-            <a:extLst>
-              <a:ext uri="{FF2B5EF4-FFF2-40B4-BE49-F238E27FC236}">
-                <a16:creationId xmlns:a16="http://schemas.microsoft.com/office/drawing/2014/main" xmlns="" id="{CEA3FB63-A70F-4B9E-9C00-5E83BB9672A4}"/>
-              </a:ext>
-            </a:extLst>
-          </p:cNvPr>
-          <p:cNvSpPr/>
-          <p:nvPr/>
-        </p:nvSpPr>
-        <p:spPr>
-          <a:xfrm>
-            <a:off x="7553838" y="2122608"/>
-            <a:ext cx="440997" cy="437467"/>
-          </a:xfrm>
-          <a:prstGeom prst="ellipse">
-            <a:avLst/>
-          </a:prstGeom>
-        </p:spPr>
-        <p:style>
-          <a:lnRef idx="2">
-            <a:schemeClr val="dk1">
-              <a:shade val="50000"/>
-            </a:schemeClr>
-          </a:lnRef>
-          <a:fillRef idx="1">
-            <a:schemeClr val="dk1"/>
-          </a:fillRef>
-          <a:effectRef idx="0">
-            <a:schemeClr val="dk1"/>
-          </a:effectRef>
-          <a:fontRef idx="minor">
-            <a:schemeClr val="lt1"/>
-          </a:fontRef>
-        </p:style>
-        <p:txBody>
-          <a:bodyPr rtlCol="0" anchor="ctr"/>
-          <a:lstStyle/>
-          <a:p>
-            <a:pPr algn="ctr"/>
-            <a:endParaRPr lang="zh-CN" altLang="en-US"/>
-          </a:p>
-        </p:txBody>
-      </p:sp>
-      <p:sp>
-        <p:nvSpPr>
-          <p:cNvPr id="105" name="椭圆 104">
-            <a:extLst>
-              <a:ext uri="{FF2B5EF4-FFF2-40B4-BE49-F238E27FC236}">
-                <a16:creationId xmlns:a16="http://schemas.microsoft.com/office/drawing/2014/main" xmlns="" id="{5C08D805-95C7-4CE9-BEF9-E7DE1B1FDFAC}"/>
-              </a:ext>
-            </a:extLst>
-          </p:cNvPr>
-          <p:cNvSpPr/>
-          <p:nvPr/>
-        </p:nvSpPr>
-        <p:spPr>
-          <a:xfrm>
-            <a:off x="7915420" y="1334652"/>
-            <a:ext cx="440997" cy="437467"/>
-          </a:xfrm>
-          <a:prstGeom prst="ellipse">
-            <a:avLst/>
-          </a:prstGeom>
-        </p:spPr>
-        <p:style>
-          <a:lnRef idx="2">
-            <a:schemeClr val="dk1">
-              <a:shade val="50000"/>
-            </a:schemeClr>
-          </a:lnRef>
-          <a:fillRef idx="1">
-            <a:schemeClr val="dk1"/>
-          </a:fillRef>
-          <a:effectRef idx="0">
-            <a:schemeClr val="dk1"/>
-          </a:effectRef>
-          <a:fontRef idx="minor">
-            <a:schemeClr val="lt1"/>
-          </a:fontRef>
-        </p:style>
-        <p:txBody>
-          <a:bodyPr rtlCol="0" anchor="ctr"/>
-          <a:lstStyle/>
-          <a:p>
-            <a:pPr algn="ctr"/>
-            <a:endParaRPr lang="zh-CN" altLang="en-US"/>
-          </a:p>
-        </p:txBody>
-      </p:sp>
-      <p:sp>
-        <p:nvSpPr>
-          <p:cNvPr id="106" name="椭圆 105">
-            <a:extLst>
-              <a:ext uri="{FF2B5EF4-FFF2-40B4-BE49-F238E27FC236}">
-                <a16:creationId xmlns:a16="http://schemas.microsoft.com/office/drawing/2014/main" xmlns="" id="{594593E3-F989-442D-A3C4-3F53D61CEE63}"/>
-              </a:ext>
-            </a:extLst>
-          </p:cNvPr>
-          <p:cNvSpPr/>
-          <p:nvPr/>
-        </p:nvSpPr>
-        <p:spPr>
-          <a:xfrm>
-            <a:off x="8714512" y="1389091"/>
-            <a:ext cx="440997" cy="437467"/>
-          </a:xfrm>
-          <a:prstGeom prst="ellipse">
-            <a:avLst/>
-          </a:prstGeom>
-        </p:spPr>
-        <p:style>
-          <a:lnRef idx="2">
-            <a:schemeClr val="dk1">
-              <a:shade val="50000"/>
-            </a:schemeClr>
-          </a:lnRef>
-          <a:fillRef idx="1">
-            <a:schemeClr val="dk1"/>
-          </a:fillRef>
-          <a:effectRef idx="0">
-            <a:schemeClr val="dk1"/>
-          </a:effectRef>
-          <a:fontRef idx="minor">
-            <a:schemeClr val="lt1"/>
-          </a:fontRef>
-        </p:style>
-        <p:txBody>
-          <a:bodyPr rtlCol="0" anchor="ctr"/>
-          <a:lstStyle/>
-          <a:p>
-            <a:pPr algn="ctr"/>
-            <a:endParaRPr lang="zh-CN" altLang="en-US"/>
-          </a:p>
-        </p:txBody>
-      </p:sp>
-      <p:sp>
-        <p:nvSpPr>
-          <p:cNvPr id="110" name="椭圆 109">
-            <a:extLst>
-              <a:ext uri="{FF2B5EF4-FFF2-40B4-BE49-F238E27FC236}">
-                <a16:creationId xmlns:a16="http://schemas.microsoft.com/office/drawing/2014/main" xmlns="" id="{4A5489AE-3907-4E90-A686-9883CFE966DF}"/>
-              </a:ext>
-            </a:extLst>
-          </p:cNvPr>
-          <p:cNvSpPr/>
-          <p:nvPr/>
-        </p:nvSpPr>
-        <p:spPr>
-          <a:xfrm>
-            <a:off x="9650404" y="1903874"/>
-            <a:ext cx="440997" cy="437467"/>
-          </a:xfrm>
-          <a:prstGeom prst="ellipse">
-            <a:avLst/>
-          </a:prstGeom>
-        </p:spPr>
-        <p:style>
-          <a:lnRef idx="2">
-            <a:schemeClr val="dk1">
-              <a:shade val="50000"/>
-            </a:schemeClr>
-          </a:lnRef>
-          <a:fillRef idx="1">
-            <a:schemeClr val="dk1"/>
-          </a:fillRef>
-          <a:effectRef idx="0">
-            <a:schemeClr val="dk1"/>
-          </a:effectRef>
-          <a:fontRef idx="minor">
-            <a:schemeClr val="lt1"/>
-          </a:fontRef>
-        </p:style>
-        <p:txBody>
-          <a:bodyPr rtlCol="0" anchor="ctr"/>
-          <a:lstStyle/>
-          <a:p>
-            <a:pPr algn="ctr"/>
-            <a:endParaRPr lang="zh-CN" altLang="en-US"/>
-          </a:p>
-        </p:txBody>
-      </p:sp>
-      <p:sp>
-        <p:nvSpPr>
-          <p:cNvPr id="111" name="椭圆 110">
-            <a:extLst>
-              <a:ext uri="{FF2B5EF4-FFF2-40B4-BE49-F238E27FC236}">
-                <a16:creationId xmlns:a16="http://schemas.microsoft.com/office/drawing/2014/main" xmlns="" id="{6BD610B9-F735-4EE7-A2BF-55B96FAC88FF}"/>
-              </a:ext>
-            </a:extLst>
-          </p:cNvPr>
-          <p:cNvSpPr/>
-          <p:nvPr/>
-        </p:nvSpPr>
-        <p:spPr>
-          <a:xfrm>
-            <a:off x="10906234" y="1426462"/>
-            <a:ext cx="440997" cy="437467"/>
-          </a:xfrm>
-          <a:prstGeom prst="ellipse">
-            <a:avLst/>
-          </a:prstGeom>
-        </p:spPr>
-        <p:style>
-          <a:lnRef idx="2">
-            <a:schemeClr val="dk1">
-              <a:shade val="50000"/>
-            </a:schemeClr>
-          </a:lnRef>
-          <a:fillRef idx="1">
-            <a:schemeClr val="dk1"/>
-          </a:fillRef>
-          <a:effectRef idx="0">
-            <a:schemeClr val="dk1"/>
-          </a:effectRef>
-          <a:fontRef idx="minor">
-            <a:schemeClr val="lt1"/>
-          </a:fontRef>
-        </p:style>
-        <p:txBody>
-          <a:bodyPr rtlCol="0" anchor="ctr"/>
-          <a:lstStyle/>
-          <a:p>
-            <a:pPr algn="ctr"/>
-            <a:endParaRPr lang="zh-CN" altLang="en-US"/>
-          </a:p>
-        </p:txBody>
-      </p:sp>
-      <p:sp>
-        <p:nvSpPr>
-          <p:cNvPr id="14" name="箭头: 右 13">
-            <a:extLst>
-              <a:ext uri="{FF2B5EF4-FFF2-40B4-BE49-F238E27FC236}">
-                <a16:creationId xmlns:a16="http://schemas.microsoft.com/office/drawing/2014/main" xmlns="" id="{552E9014-CB42-42C1-AF18-9B13E40B114A}"/>
-              </a:ext>
-            </a:extLst>
-          </p:cNvPr>
-          <p:cNvSpPr/>
-          <p:nvPr/>
-        </p:nvSpPr>
-        <p:spPr>
-          <a:xfrm>
-            <a:off x="5436022" y="2772628"/>
-            <a:ext cx="1225953" cy="391631"/>
-          </a:xfrm>
-          <a:prstGeom prst="rightArrow">
-            <a:avLst/>
-          </a:prstGeom>
+          <a:solidFill>
+            <a:schemeClr val="tx1"/>
+          </a:solidFill>
+          <a:ln>
+            <a:noFill/>
+          </a:ln>
         </p:spPr>
         <p:style>
           <a:lnRef idx="2">
@@ -11176,20 +9287,106 @@
       </p:sp>
       <p:sp>
         <p:nvSpPr>
-          <p:cNvPr id="24" name="文本框 23">
-            <a:extLst>
-              <a:ext uri="{FF2B5EF4-FFF2-40B4-BE49-F238E27FC236}">
-                <a16:creationId xmlns:a16="http://schemas.microsoft.com/office/drawing/2014/main" xmlns="" id="{0FAB7216-89A7-453A-8832-65C2290EABED}"/>
-              </a:ext>
-            </a:extLst>
-          </p:cNvPr>
+          <p:cNvPr id="5" name="菱形 4"/>
+          <p:cNvSpPr/>
+          <p:nvPr/>
+        </p:nvSpPr>
+        <p:spPr>
+          <a:xfrm>
+            <a:off x="9393279" y="-14351"/>
+            <a:ext cx="1075765" cy="1170131"/>
+          </a:xfrm>
+          <a:prstGeom prst="diamond">
+            <a:avLst/>
+          </a:prstGeom>
+          <a:solidFill>
+            <a:schemeClr val="tx1"/>
+          </a:solidFill>
+          <a:ln>
+            <a:noFill/>
+          </a:ln>
+        </p:spPr>
+        <p:style>
+          <a:lnRef idx="2">
+            <a:schemeClr val="accent1">
+              <a:shade val="50000"/>
+            </a:schemeClr>
+          </a:lnRef>
+          <a:fillRef idx="1">
+            <a:schemeClr val="accent1"/>
+          </a:fillRef>
+          <a:effectRef idx="0">
+            <a:schemeClr val="accent1"/>
+          </a:effectRef>
+          <a:fontRef idx="minor">
+            <a:schemeClr val="lt1"/>
+          </a:fontRef>
+        </p:style>
+        <p:txBody>
+          <a:bodyPr rtlCol="0" anchor="ctr"/>
+          <a:lstStyle/>
+          <a:p>
+            <a:pPr algn="ctr"/>
+            <a:endParaRPr lang="zh-CN" altLang="en-US"/>
+          </a:p>
+        </p:txBody>
+      </p:sp>
+      <p:sp>
+        <p:nvSpPr>
+          <p:cNvPr id="6" name="平行四边形 5"/>
+          <p:cNvSpPr/>
+          <p:nvPr/>
+        </p:nvSpPr>
+        <p:spPr>
+          <a:xfrm>
+            <a:off x="4327322" y="183817"/>
+            <a:ext cx="1047455" cy="830838"/>
+          </a:xfrm>
+          <a:prstGeom prst="parallelogram">
+            <a:avLst/>
+          </a:prstGeom>
+          <a:solidFill>
+            <a:schemeClr val="tx1"/>
+          </a:solidFill>
+          <a:ln>
+            <a:noFill/>
+          </a:ln>
+        </p:spPr>
+        <p:style>
+          <a:lnRef idx="2">
+            <a:schemeClr val="accent1">
+              <a:shade val="50000"/>
+            </a:schemeClr>
+          </a:lnRef>
+          <a:fillRef idx="1">
+            <a:schemeClr val="accent1"/>
+          </a:fillRef>
+          <a:effectRef idx="0">
+            <a:schemeClr val="accent1"/>
+          </a:effectRef>
+          <a:fontRef idx="minor">
+            <a:schemeClr val="lt1"/>
+          </a:fontRef>
+        </p:style>
+        <p:txBody>
+          <a:bodyPr rtlCol="0" anchor="ctr"/>
+          <a:lstStyle/>
+          <a:p>
+            <a:pPr algn="ctr"/>
+            <a:endParaRPr lang="zh-CN" altLang="en-US"/>
+          </a:p>
+        </p:txBody>
+      </p:sp>
+      <p:sp>
+        <p:nvSpPr>
+          <p:cNvPr id="8" name="TextBox 7"/>
           <p:cNvSpPr txBox="1"/>
           <p:nvPr/>
         </p:nvSpPr>
         <p:spPr>
           <a:xfrm>
-            <a:off x="5355828" y="2188228"/>
-            <a:ext cx="1661264" cy="461665"/>
+            <a:off x="42684" y="337095"/>
+            <a:ext cx="1762430" cy="646331"/>
           </a:xfrm>
           <a:prstGeom prst="rect">
             <a:avLst/>
@@ -11203,28 +9400,23 @@
           <a:lstStyle/>
           <a:p>
             <a:r>
-              <a:rPr lang="zh-CN" altLang="en-US" sz="2400" dirty="0"/>
-              <a:t>分而治之</a:t>
-            </a:r>
-          </a:p>
-        </p:txBody>
-      </p:sp>
-      <p:sp>
-        <p:nvSpPr>
-          <p:cNvPr id="25" name="文本框 24">
-            <a:extLst>
-              <a:ext uri="{FF2B5EF4-FFF2-40B4-BE49-F238E27FC236}">
-                <a16:creationId xmlns:a16="http://schemas.microsoft.com/office/drawing/2014/main" xmlns="" id="{158E1E55-66C3-4831-9E08-1C3FF6389B15}"/>
-              </a:ext>
-            </a:extLst>
-          </p:cNvPr>
+              <a:rPr lang="zh-CN" altLang="en-US" sz="3600" b="1" dirty="0" smtClean="0"/>
+              <a:t>类别：</a:t>
+            </a:r>
+            <a:endParaRPr lang="zh-CN" altLang="en-US" sz="3600" b="1" dirty="0"/>
+          </a:p>
+        </p:txBody>
+      </p:sp>
+      <p:sp>
+        <p:nvSpPr>
+          <p:cNvPr id="57" name="TextBox 56"/>
           <p:cNvSpPr txBox="1"/>
           <p:nvPr/>
         </p:nvSpPr>
         <p:spPr>
           <a:xfrm>
-            <a:off x="1506054" y="5807393"/>
-            <a:ext cx="2439567" cy="369332"/>
+            <a:off x="0" y="2664900"/>
+            <a:ext cx="2974142" cy="646331"/>
           </a:xfrm>
           <a:prstGeom prst="rect">
             <a:avLst/>
@@ -11238,28 +9430,23 @@
           <a:lstStyle/>
           <a:p>
             <a:r>
-              <a:rPr lang="zh-CN" altLang="en-US" dirty="0"/>
-              <a:t>三分类问题</a:t>
-            </a:r>
-          </a:p>
-        </p:txBody>
-      </p:sp>
-      <p:sp>
-        <p:nvSpPr>
-          <p:cNvPr id="112" name="文本框 111">
-            <a:extLst>
-              <a:ext uri="{FF2B5EF4-FFF2-40B4-BE49-F238E27FC236}">
-                <a16:creationId xmlns:a16="http://schemas.microsoft.com/office/drawing/2014/main" xmlns="" id="{7C5CFB96-7D9F-4D39-BCE7-A86FCEE9894F}"/>
-              </a:ext>
-            </a:extLst>
-          </p:cNvPr>
+              <a:rPr lang="zh-CN" altLang="en-US" sz="3600" b="1" dirty="0" smtClean="0"/>
+              <a:t>正确分类：</a:t>
+            </a:r>
+            <a:endParaRPr lang="zh-CN" altLang="en-US" sz="3600" b="1" dirty="0"/>
+          </a:p>
+        </p:txBody>
+      </p:sp>
+      <p:sp>
+        <p:nvSpPr>
+          <p:cNvPr id="73" name="TextBox 72"/>
           <p:cNvSpPr txBox="1"/>
           <p:nvPr/>
         </p:nvSpPr>
         <p:spPr>
           <a:xfrm>
-            <a:off x="8915409" y="5795780"/>
-            <a:ext cx="2439567" cy="369332"/>
+            <a:off x="0" y="3826711"/>
+            <a:ext cx="1762430" cy="646331"/>
           </a:xfrm>
           <a:prstGeom prst="rect">
             <a:avLst/>
@@ -11273,9 +9460,2113 @@
           <a:lstStyle/>
           <a:p>
             <a:r>
-              <a:rPr lang="zh-CN" altLang="en-US" dirty="0"/>
-              <a:t>二分类问题</a:t>
-            </a:r>
+              <a:rPr lang="zh-CN" altLang="en-US" sz="3600" b="1" dirty="0" smtClean="0"/>
+              <a:t>误分类：</a:t>
+            </a:r>
+            <a:endParaRPr lang="zh-CN" altLang="en-US" sz="3600" b="1" dirty="0"/>
+          </a:p>
+        </p:txBody>
+      </p:sp>
+      <p:sp>
+        <p:nvSpPr>
+          <p:cNvPr id="76" name="TextBox 75"/>
+          <p:cNvSpPr txBox="1"/>
+          <p:nvPr/>
+        </p:nvSpPr>
+        <p:spPr>
+          <a:xfrm>
+            <a:off x="0" y="1589135"/>
+            <a:ext cx="2153872" cy="646331"/>
+          </a:xfrm>
+          <a:prstGeom prst="rect">
+            <a:avLst/>
+          </a:prstGeom>
+          <a:noFill/>
+        </p:spPr>
+        <p:txBody>
+          <a:bodyPr wrap="square" rtlCol="0">
+            <a:spAutoFit/>
+          </a:bodyPr>
+          <a:lstStyle/>
+          <a:p>
+            <a:r>
+              <a:rPr lang="zh-CN" altLang="en-US" sz="3600" b="1" dirty="0" smtClean="0"/>
+              <a:t>子数据集：</a:t>
+            </a:r>
+            <a:endParaRPr lang="zh-CN" altLang="en-US" sz="3600" b="1" dirty="0"/>
+          </a:p>
+        </p:txBody>
+      </p:sp>
+      <p:graphicFrame>
+        <p:nvGraphicFramePr>
+          <p:cNvPr id="9" name="对象 8"/>
+          <p:cNvGraphicFramePr>
+            <a:graphicFrameLocks noChangeAspect="1"/>
+          </p:cNvGraphicFramePr>
+          <p:nvPr>
+            <p:extLst>
+              <p:ext uri="{D42A27DB-BD31-4B8C-83A1-F6EECF244321}">
+                <p14:modId xmlns:p14="http://schemas.microsoft.com/office/powerpoint/2010/main" val="644611403"/>
+              </p:ext>
+            </p:extLst>
+          </p:nvPr>
+        </p:nvGraphicFramePr>
+        <p:xfrm>
+          <a:off x="2716464" y="1385398"/>
+          <a:ext cx="878169" cy="1053803"/>
+        </p:xfrm>
+        <a:graphic>
+          <a:graphicData uri="http://schemas.openxmlformats.org/presentationml/2006/ole">
+            <mc:AlternateContent xmlns:mc="http://schemas.openxmlformats.org/markup-compatibility/2006">
+              <mc:Choice xmlns:v="urn:schemas-microsoft-com:vml" Requires="v">
+                <p:oleObj spid="_x0000_s2168" name="Equation" r:id="rId3" imgW="190440" imgH="228600" progId="Equation.DSMT4">
+                  <p:embed/>
+                </p:oleObj>
+              </mc:Choice>
+              <mc:Fallback>
+                <p:oleObj name="Equation" r:id="rId3" imgW="190440" imgH="228600" progId="Equation.DSMT4">
+                  <p:embed/>
+                  <p:pic>
+                    <p:nvPicPr>
+                      <p:cNvPr id="0" name=""/>
+                      <p:cNvPicPr/>
+                      <p:nvPr/>
+                    </p:nvPicPr>
+                    <p:blipFill>
+                      <a:blip r:embed="rId4"/>
+                      <a:stretch>
+                        <a:fillRect/>
+                      </a:stretch>
+                    </p:blipFill>
+                    <p:spPr>
+                      <a:xfrm>
+                        <a:off x="2716464" y="1385398"/>
+                        <a:ext cx="878169" cy="1053803"/>
+                      </a:xfrm>
+                      <a:prstGeom prst="rect">
+                        <a:avLst/>
+                      </a:prstGeom>
+                    </p:spPr>
+                  </p:pic>
+                </p:oleObj>
+              </mc:Fallback>
+            </mc:AlternateContent>
+          </a:graphicData>
+        </a:graphic>
+      </p:graphicFrame>
+      <p:graphicFrame>
+        <p:nvGraphicFramePr>
+          <p:cNvPr id="10" name="对象 9"/>
+          <p:cNvGraphicFramePr>
+            <a:graphicFrameLocks noChangeAspect="1"/>
+          </p:cNvGraphicFramePr>
+          <p:nvPr>
+            <p:extLst>
+              <p:ext uri="{D42A27DB-BD31-4B8C-83A1-F6EECF244321}">
+                <p14:modId xmlns:p14="http://schemas.microsoft.com/office/powerpoint/2010/main" val="2962690147"/>
+              </p:ext>
+            </p:extLst>
+          </p:nvPr>
+        </p:nvGraphicFramePr>
+        <p:xfrm>
+          <a:off x="4298398" y="1384946"/>
+          <a:ext cx="936625" cy="1054100"/>
+        </p:xfrm>
+        <a:graphic>
+          <a:graphicData uri="http://schemas.openxmlformats.org/presentationml/2006/ole">
+            <mc:AlternateContent xmlns:mc="http://schemas.openxmlformats.org/markup-compatibility/2006">
+              <mc:Choice xmlns:v="urn:schemas-microsoft-com:vml" Requires="v">
+                <p:oleObj spid="_x0000_s2169" name="Equation" r:id="rId5" imgW="203040" imgH="228600" progId="Equation.DSMT4">
+                  <p:embed/>
+                </p:oleObj>
+              </mc:Choice>
+              <mc:Fallback>
+                <p:oleObj name="Equation" r:id="rId5" imgW="203040" imgH="228600" progId="Equation.DSMT4">
+                  <p:embed/>
+                  <p:pic>
+                    <p:nvPicPr>
+                      <p:cNvPr id="0" name="对象 8"/>
+                      <p:cNvPicPr>
+                        <a:picLocks noChangeAspect="1" noChangeArrowheads="1"/>
+                      </p:cNvPicPr>
+                      <p:nvPr/>
+                    </p:nvPicPr>
+                    <p:blipFill>
+                      <a:blip r:embed="rId6"/>
+                      <a:srcRect/>
+                      <a:stretch>
+                        <a:fillRect/>
+                      </a:stretch>
+                    </p:blipFill>
+                    <p:spPr bwMode="auto">
+                      <a:xfrm>
+                        <a:off x="4298398" y="1384946"/>
+                        <a:ext cx="936625" cy="1054100"/>
+                      </a:xfrm>
+                      <a:prstGeom prst="rect">
+                        <a:avLst/>
+                      </a:prstGeom>
+                      <a:noFill/>
+                      <a:ln>
+                        <a:noFill/>
+                      </a:ln>
+                      <a:extLst>
+                        <a:ext uri="{909E8E84-426E-40DD-AFC4-6F175D3DCCD1}">
+                          <a14:hiddenFill xmlns:a14="http://schemas.microsoft.com/office/drawing/2010/main">
+                            <a:solidFill>
+                              <a:srgbClr val="FFFFFF"/>
+                            </a:solidFill>
+                          </a14:hiddenFill>
+                        </a:ext>
+                        <a:ext uri="{91240B29-F687-4F45-9708-019B960494DF}">
+                          <a14:hiddenLine xmlns:a14="http://schemas.microsoft.com/office/drawing/2010/main" w="9525">
+                            <a:solidFill>
+                              <a:srgbClr val="000000"/>
+                            </a:solidFill>
+                            <a:miter lim="800000"/>
+                            <a:headEnd/>
+                            <a:tailEnd/>
+                          </a14:hiddenLine>
+                        </a:ext>
+                      </a:extLst>
+                    </p:spPr>
+                  </p:pic>
+                </p:oleObj>
+              </mc:Fallback>
+            </mc:AlternateContent>
+          </a:graphicData>
+        </a:graphic>
+      </p:graphicFrame>
+      <p:graphicFrame>
+        <p:nvGraphicFramePr>
+          <p:cNvPr id="11" name="对象 10"/>
+          <p:cNvGraphicFramePr>
+            <a:graphicFrameLocks noChangeAspect="1"/>
+          </p:cNvGraphicFramePr>
+          <p:nvPr>
+            <p:extLst>
+              <p:ext uri="{D42A27DB-BD31-4B8C-83A1-F6EECF244321}">
+                <p14:modId xmlns:p14="http://schemas.microsoft.com/office/powerpoint/2010/main" val="2162610237"/>
+              </p:ext>
+            </p:extLst>
+          </p:nvPr>
+        </p:nvGraphicFramePr>
+        <p:xfrm>
+          <a:off x="6053050" y="1385250"/>
+          <a:ext cx="936625" cy="1054100"/>
+        </p:xfrm>
+        <a:graphic>
+          <a:graphicData uri="http://schemas.openxmlformats.org/presentationml/2006/ole">
+            <mc:AlternateContent xmlns:mc="http://schemas.openxmlformats.org/markup-compatibility/2006">
+              <mc:Choice xmlns:v="urn:schemas-microsoft-com:vml" Requires="v">
+                <p:oleObj spid="_x0000_s2170" name="Equation" r:id="rId7" imgW="203040" imgH="228600" progId="Equation.DSMT4">
+                  <p:embed/>
+                </p:oleObj>
+              </mc:Choice>
+              <mc:Fallback>
+                <p:oleObj name="Equation" r:id="rId7" imgW="203040" imgH="228600" progId="Equation.DSMT4">
+                  <p:embed/>
+                  <p:pic>
+                    <p:nvPicPr>
+                      <p:cNvPr id="0" name="对象 9"/>
+                      <p:cNvPicPr>
+                        <a:picLocks noChangeAspect="1" noChangeArrowheads="1"/>
+                      </p:cNvPicPr>
+                      <p:nvPr/>
+                    </p:nvPicPr>
+                    <p:blipFill>
+                      <a:blip r:embed="rId8"/>
+                      <a:srcRect/>
+                      <a:stretch>
+                        <a:fillRect/>
+                      </a:stretch>
+                    </p:blipFill>
+                    <p:spPr bwMode="auto">
+                      <a:xfrm>
+                        <a:off x="6053050" y="1385250"/>
+                        <a:ext cx="936625" cy="1054100"/>
+                      </a:xfrm>
+                      <a:prstGeom prst="rect">
+                        <a:avLst/>
+                      </a:prstGeom>
+                      <a:noFill/>
+                      <a:ln>
+                        <a:noFill/>
+                      </a:ln>
+                      <a:extLst>
+                        <a:ext uri="{909E8E84-426E-40DD-AFC4-6F175D3DCCD1}">
+                          <a14:hiddenFill xmlns:a14="http://schemas.microsoft.com/office/drawing/2010/main">
+                            <a:solidFill>
+                              <a:srgbClr val="FFFFFF"/>
+                            </a:solidFill>
+                          </a14:hiddenFill>
+                        </a:ext>
+                        <a:ext uri="{91240B29-F687-4F45-9708-019B960494DF}">
+                          <a14:hiddenLine xmlns:a14="http://schemas.microsoft.com/office/drawing/2010/main" w="9525">
+                            <a:solidFill>
+                              <a:srgbClr val="000000"/>
+                            </a:solidFill>
+                            <a:miter lim="800000"/>
+                            <a:headEnd/>
+                            <a:tailEnd/>
+                          </a14:hiddenLine>
+                        </a:ext>
+                      </a:extLst>
+                    </p:spPr>
+                  </p:pic>
+                </p:oleObj>
+              </mc:Fallback>
+            </mc:AlternateContent>
+          </a:graphicData>
+        </a:graphic>
+      </p:graphicFrame>
+      <p:graphicFrame>
+        <p:nvGraphicFramePr>
+          <p:cNvPr id="12" name="对象 11"/>
+          <p:cNvGraphicFramePr>
+            <a:graphicFrameLocks noChangeAspect="1"/>
+          </p:cNvGraphicFramePr>
+          <p:nvPr>
+            <p:extLst>
+              <p:ext uri="{D42A27DB-BD31-4B8C-83A1-F6EECF244321}">
+                <p14:modId xmlns:p14="http://schemas.microsoft.com/office/powerpoint/2010/main" val="274434789"/>
+              </p:ext>
+            </p:extLst>
+          </p:nvPr>
+        </p:nvGraphicFramePr>
+        <p:xfrm>
+          <a:off x="7745635" y="1385250"/>
+          <a:ext cx="936625" cy="1054100"/>
+        </p:xfrm>
+        <a:graphic>
+          <a:graphicData uri="http://schemas.openxmlformats.org/presentationml/2006/ole">
+            <mc:AlternateContent xmlns:mc="http://schemas.openxmlformats.org/markup-compatibility/2006">
+              <mc:Choice xmlns:v="urn:schemas-microsoft-com:vml" Requires="v">
+                <p:oleObj spid="_x0000_s2171" name="Equation" r:id="rId9" imgW="203040" imgH="228600" progId="Equation.DSMT4">
+                  <p:embed/>
+                </p:oleObj>
+              </mc:Choice>
+              <mc:Fallback>
+                <p:oleObj name="Equation" r:id="rId9" imgW="203040" imgH="228600" progId="Equation.DSMT4">
+                  <p:embed/>
+                  <p:pic>
+                    <p:nvPicPr>
+                      <p:cNvPr id="0" name="对象 10"/>
+                      <p:cNvPicPr>
+                        <a:picLocks noChangeAspect="1" noChangeArrowheads="1"/>
+                      </p:cNvPicPr>
+                      <p:nvPr/>
+                    </p:nvPicPr>
+                    <p:blipFill>
+                      <a:blip r:embed="rId10"/>
+                      <a:srcRect/>
+                      <a:stretch>
+                        <a:fillRect/>
+                      </a:stretch>
+                    </p:blipFill>
+                    <p:spPr bwMode="auto">
+                      <a:xfrm>
+                        <a:off x="7745635" y="1385250"/>
+                        <a:ext cx="936625" cy="1054100"/>
+                      </a:xfrm>
+                      <a:prstGeom prst="rect">
+                        <a:avLst/>
+                      </a:prstGeom>
+                      <a:noFill/>
+                      <a:ln>
+                        <a:noFill/>
+                      </a:ln>
+                      <a:extLst>
+                        <a:ext uri="{909E8E84-426E-40DD-AFC4-6F175D3DCCD1}">
+                          <a14:hiddenFill xmlns:a14="http://schemas.microsoft.com/office/drawing/2010/main">
+                            <a:solidFill>
+                              <a:srgbClr val="FFFFFF"/>
+                            </a:solidFill>
+                          </a14:hiddenFill>
+                        </a:ext>
+                        <a:ext uri="{91240B29-F687-4F45-9708-019B960494DF}">
+                          <a14:hiddenLine xmlns:a14="http://schemas.microsoft.com/office/drawing/2010/main" w="9525">
+                            <a:solidFill>
+                              <a:srgbClr val="000000"/>
+                            </a:solidFill>
+                            <a:miter lim="800000"/>
+                            <a:headEnd/>
+                            <a:tailEnd/>
+                          </a14:hiddenLine>
+                        </a:ext>
+                      </a:extLst>
+                    </p:spPr>
+                  </p:pic>
+                </p:oleObj>
+              </mc:Fallback>
+            </mc:AlternateContent>
+          </a:graphicData>
+        </a:graphic>
+      </p:graphicFrame>
+      <p:graphicFrame>
+        <p:nvGraphicFramePr>
+          <p:cNvPr id="15" name="对象 14"/>
+          <p:cNvGraphicFramePr>
+            <a:graphicFrameLocks noChangeAspect="1"/>
+          </p:cNvGraphicFramePr>
+          <p:nvPr>
+            <p:extLst>
+              <p:ext uri="{D42A27DB-BD31-4B8C-83A1-F6EECF244321}">
+                <p14:modId xmlns:p14="http://schemas.microsoft.com/office/powerpoint/2010/main" val="2522639484"/>
+              </p:ext>
+            </p:extLst>
+          </p:nvPr>
+        </p:nvGraphicFramePr>
+        <p:xfrm>
+          <a:off x="9462848" y="1385250"/>
+          <a:ext cx="936625" cy="1054100"/>
+        </p:xfrm>
+        <a:graphic>
+          <a:graphicData uri="http://schemas.openxmlformats.org/presentationml/2006/ole">
+            <mc:AlternateContent xmlns:mc="http://schemas.openxmlformats.org/markup-compatibility/2006">
+              <mc:Choice xmlns:v="urn:schemas-microsoft-com:vml" Requires="v">
+                <p:oleObj spid="_x0000_s2172" name="Equation" r:id="rId11" imgW="203040" imgH="228600" progId="Equation.DSMT4">
+                  <p:embed/>
+                </p:oleObj>
+              </mc:Choice>
+              <mc:Fallback>
+                <p:oleObj name="Equation" r:id="rId11" imgW="203040" imgH="228600" progId="Equation.DSMT4">
+                  <p:embed/>
+                  <p:pic>
+                    <p:nvPicPr>
+                      <p:cNvPr id="0" name="对象 10"/>
+                      <p:cNvPicPr>
+                        <a:picLocks noChangeAspect="1" noChangeArrowheads="1"/>
+                      </p:cNvPicPr>
+                      <p:nvPr/>
+                    </p:nvPicPr>
+                    <p:blipFill>
+                      <a:blip r:embed="rId12"/>
+                      <a:srcRect/>
+                      <a:stretch>
+                        <a:fillRect/>
+                      </a:stretch>
+                    </p:blipFill>
+                    <p:spPr bwMode="auto">
+                      <a:xfrm>
+                        <a:off x="9462848" y="1385250"/>
+                        <a:ext cx="936625" cy="1054100"/>
+                      </a:xfrm>
+                      <a:prstGeom prst="rect">
+                        <a:avLst/>
+                      </a:prstGeom>
+                      <a:noFill/>
+                      <a:ln>
+                        <a:noFill/>
+                      </a:ln>
+                      <a:extLst>
+                        <a:ext uri="{909E8E84-426E-40DD-AFC4-6F175D3DCCD1}">
+                          <a14:hiddenFill xmlns:a14="http://schemas.microsoft.com/office/drawing/2010/main">
+                            <a:solidFill>
+                              <a:srgbClr val="FFFFFF"/>
+                            </a:solidFill>
+                          </a14:hiddenFill>
+                        </a:ext>
+                        <a:ext uri="{91240B29-F687-4F45-9708-019B960494DF}">
+                          <a14:hiddenLine xmlns:a14="http://schemas.microsoft.com/office/drawing/2010/main" w="9525">
+                            <a:solidFill>
+                              <a:srgbClr val="000000"/>
+                            </a:solidFill>
+                            <a:miter lim="800000"/>
+                            <a:headEnd/>
+                            <a:tailEnd/>
+                          </a14:hiddenLine>
+                        </a:ext>
+                      </a:extLst>
+                    </p:spPr>
+                  </p:pic>
+                </p:oleObj>
+              </mc:Fallback>
+            </mc:AlternateContent>
+          </a:graphicData>
+        </a:graphic>
+      </p:graphicFrame>
+      <p:graphicFrame>
+        <p:nvGraphicFramePr>
+          <p:cNvPr id="16" name="对象 15"/>
+          <p:cNvGraphicFramePr>
+            <a:graphicFrameLocks noChangeAspect="1"/>
+          </p:cNvGraphicFramePr>
+          <p:nvPr>
+            <p:extLst>
+              <p:ext uri="{D42A27DB-BD31-4B8C-83A1-F6EECF244321}">
+                <p14:modId xmlns:p14="http://schemas.microsoft.com/office/powerpoint/2010/main" val="296745383"/>
+              </p:ext>
+            </p:extLst>
+          </p:nvPr>
+        </p:nvGraphicFramePr>
+        <p:xfrm>
+          <a:off x="10998669" y="1385250"/>
+          <a:ext cx="936625" cy="1054100"/>
+        </p:xfrm>
+        <a:graphic>
+          <a:graphicData uri="http://schemas.openxmlformats.org/presentationml/2006/ole">
+            <mc:AlternateContent xmlns:mc="http://schemas.openxmlformats.org/markup-compatibility/2006">
+              <mc:Choice xmlns:v="urn:schemas-microsoft-com:vml" Requires="v">
+                <p:oleObj spid="_x0000_s2173" name="Equation" r:id="rId13" imgW="203040" imgH="228600" progId="Equation.DSMT4">
+                  <p:embed/>
+                </p:oleObj>
+              </mc:Choice>
+              <mc:Fallback>
+                <p:oleObj name="Equation" r:id="rId13" imgW="203040" imgH="228600" progId="Equation.DSMT4">
+                  <p:embed/>
+                  <p:pic>
+                    <p:nvPicPr>
+                      <p:cNvPr id="0" name="对象 14"/>
+                      <p:cNvPicPr>
+                        <a:picLocks noChangeAspect="1" noChangeArrowheads="1"/>
+                      </p:cNvPicPr>
+                      <p:nvPr/>
+                    </p:nvPicPr>
+                    <p:blipFill>
+                      <a:blip r:embed="rId14"/>
+                      <a:srcRect/>
+                      <a:stretch>
+                        <a:fillRect/>
+                      </a:stretch>
+                    </p:blipFill>
+                    <p:spPr bwMode="auto">
+                      <a:xfrm>
+                        <a:off x="10998669" y="1385250"/>
+                        <a:ext cx="936625" cy="1054100"/>
+                      </a:xfrm>
+                      <a:prstGeom prst="rect">
+                        <a:avLst/>
+                      </a:prstGeom>
+                      <a:noFill/>
+                      <a:ln>
+                        <a:noFill/>
+                      </a:ln>
+                      <a:extLst>
+                        <a:ext uri="{909E8E84-426E-40DD-AFC4-6F175D3DCCD1}">
+                          <a14:hiddenFill xmlns:a14="http://schemas.microsoft.com/office/drawing/2010/main">
+                            <a:solidFill>
+                              <a:srgbClr val="FFFFFF"/>
+                            </a:solidFill>
+                          </a14:hiddenFill>
+                        </a:ext>
+                        <a:ext uri="{91240B29-F687-4F45-9708-019B960494DF}">
+                          <a14:hiddenLine xmlns:a14="http://schemas.microsoft.com/office/drawing/2010/main" w="9525">
+                            <a:solidFill>
+                              <a:srgbClr val="000000"/>
+                            </a:solidFill>
+                            <a:miter lim="800000"/>
+                            <a:headEnd/>
+                            <a:tailEnd/>
+                          </a14:hiddenLine>
+                        </a:ext>
+                      </a:extLst>
+                    </p:spPr>
+                  </p:pic>
+                </p:oleObj>
+              </mc:Fallback>
+            </mc:AlternateContent>
+          </a:graphicData>
+        </a:graphic>
+      </p:graphicFrame>
+      <p:graphicFrame>
+        <p:nvGraphicFramePr>
+          <p:cNvPr id="17" name="对象 16"/>
+          <p:cNvGraphicFramePr>
+            <a:graphicFrameLocks noChangeAspect="1"/>
+          </p:cNvGraphicFramePr>
+          <p:nvPr>
+            <p:extLst>
+              <p:ext uri="{D42A27DB-BD31-4B8C-83A1-F6EECF244321}">
+                <p14:modId xmlns:p14="http://schemas.microsoft.com/office/powerpoint/2010/main" val="3278366015"/>
+              </p:ext>
+            </p:extLst>
+          </p:nvPr>
+        </p:nvGraphicFramePr>
+        <p:xfrm>
+          <a:off x="2833135" y="2461271"/>
+          <a:ext cx="644525" cy="1054100"/>
+        </p:xfrm>
+        <a:graphic>
+          <a:graphicData uri="http://schemas.openxmlformats.org/presentationml/2006/ole">
+            <mc:AlternateContent xmlns:mc="http://schemas.openxmlformats.org/markup-compatibility/2006">
+              <mc:Choice xmlns:v="urn:schemas-microsoft-com:vml" Requires="v">
+                <p:oleObj spid="_x0000_s2174" name="Equation" r:id="rId15" imgW="139680" imgH="228600" progId="Equation.DSMT4">
+                  <p:embed/>
+                </p:oleObj>
+              </mc:Choice>
+              <mc:Fallback>
+                <p:oleObj name="Equation" r:id="rId15" imgW="139680" imgH="228600" progId="Equation.DSMT4">
+                  <p:embed/>
+                  <p:pic>
+                    <p:nvPicPr>
+                      <p:cNvPr id="0" name="对象 8"/>
+                      <p:cNvPicPr>
+                        <a:picLocks noChangeAspect="1" noChangeArrowheads="1"/>
+                      </p:cNvPicPr>
+                      <p:nvPr/>
+                    </p:nvPicPr>
+                    <p:blipFill>
+                      <a:blip r:embed="rId16"/>
+                      <a:srcRect/>
+                      <a:stretch>
+                        <a:fillRect/>
+                      </a:stretch>
+                    </p:blipFill>
+                    <p:spPr bwMode="auto">
+                      <a:xfrm>
+                        <a:off x="2833135" y="2461271"/>
+                        <a:ext cx="644525" cy="1054100"/>
+                      </a:xfrm>
+                      <a:prstGeom prst="rect">
+                        <a:avLst/>
+                      </a:prstGeom>
+                      <a:noFill/>
+                      <a:ln>
+                        <a:noFill/>
+                      </a:ln>
+                      <a:extLst>
+                        <a:ext uri="{909E8E84-426E-40DD-AFC4-6F175D3DCCD1}">
+                          <a14:hiddenFill xmlns:a14="http://schemas.microsoft.com/office/drawing/2010/main">
+                            <a:solidFill>
+                              <a:srgbClr val="FFFFFF"/>
+                            </a:solidFill>
+                          </a14:hiddenFill>
+                        </a:ext>
+                        <a:ext uri="{91240B29-F687-4F45-9708-019B960494DF}">
+                          <a14:hiddenLine xmlns:a14="http://schemas.microsoft.com/office/drawing/2010/main" w="9525">
+                            <a:solidFill>
+                              <a:srgbClr val="000000"/>
+                            </a:solidFill>
+                            <a:miter lim="800000"/>
+                            <a:headEnd/>
+                            <a:tailEnd/>
+                          </a14:hiddenLine>
+                        </a:ext>
+                      </a:extLst>
+                    </p:spPr>
+                  </p:pic>
+                </p:oleObj>
+              </mc:Fallback>
+            </mc:AlternateContent>
+          </a:graphicData>
+        </a:graphic>
+      </p:graphicFrame>
+      <p:graphicFrame>
+        <p:nvGraphicFramePr>
+          <p:cNvPr id="18" name="对象 17"/>
+          <p:cNvGraphicFramePr>
+            <a:graphicFrameLocks noChangeAspect="1"/>
+          </p:cNvGraphicFramePr>
+          <p:nvPr>
+            <p:extLst>
+              <p:ext uri="{D42A27DB-BD31-4B8C-83A1-F6EECF244321}">
+                <p14:modId xmlns:p14="http://schemas.microsoft.com/office/powerpoint/2010/main" val="4135646091"/>
+              </p:ext>
+            </p:extLst>
+          </p:nvPr>
+        </p:nvGraphicFramePr>
+        <p:xfrm>
+          <a:off x="2763285" y="3623321"/>
+          <a:ext cx="762000" cy="1054100"/>
+        </p:xfrm>
+        <a:graphic>
+          <a:graphicData uri="http://schemas.openxmlformats.org/presentationml/2006/ole">
+            <mc:AlternateContent xmlns:mc="http://schemas.openxmlformats.org/markup-compatibility/2006">
+              <mc:Choice xmlns:v="urn:schemas-microsoft-com:vml" Requires="v">
+                <p:oleObj spid="_x0000_s2175" name="Equation" r:id="rId17" imgW="164880" imgH="228600" progId="Equation.DSMT4">
+                  <p:embed/>
+                </p:oleObj>
+              </mc:Choice>
+              <mc:Fallback>
+                <p:oleObj name="Equation" r:id="rId17" imgW="164880" imgH="228600" progId="Equation.DSMT4">
+                  <p:embed/>
+                  <p:pic>
+                    <p:nvPicPr>
+                      <p:cNvPr id="0" name="对象 16"/>
+                      <p:cNvPicPr>
+                        <a:picLocks noChangeAspect="1" noChangeArrowheads="1"/>
+                      </p:cNvPicPr>
+                      <p:nvPr/>
+                    </p:nvPicPr>
+                    <p:blipFill>
+                      <a:blip r:embed="rId18"/>
+                      <a:srcRect/>
+                      <a:stretch>
+                        <a:fillRect/>
+                      </a:stretch>
+                    </p:blipFill>
+                    <p:spPr bwMode="auto">
+                      <a:xfrm>
+                        <a:off x="2763285" y="3623321"/>
+                        <a:ext cx="762000" cy="1054100"/>
+                      </a:xfrm>
+                      <a:prstGeom prst="rect">
+                        <a:avLst/>
+                      </a:prstGeom>
+                      <a:noFill/>
+                      <a:ln>
+                        <a:noFill/>
+                      </a:ln>
+                      <a:extLst>
+                        <a:ext uri="{909E8E84-426E-40DD-AFC4-6F175D3DCCD1}">
+                          <a14:hiddenFill xmlns:a14="http://schemas.microsoft.com/office/drawing/2010/main">
+                            <a:solidFill>
+                              <a:srgbClr val="FFFFFF"/>
+                            </a:solidFill>
+                          </a14:hiddenFill>
+                        </a:ext>
+                        <a:ext uri="{91240B29-F687-4F45-9708-019B960494DF}">
+                          <a14:hiddenLine xmlns:a14="http://schemas.microsoft.com/office/drawing/2010/main" w="9525">
+                            <a:solidFill>
+                              <a:srgbClr val="000000"/>
+                            </a:solidFill>
+                            <a:miter lim="800000"/>
+                            <a:headEnd/>
+                            <a:tailEnd/>
+                          </a14:hiddenLine>
+                        </a:ext>
+                      </a:extLst>
+                    </p:spPr>
+                  </p:pic>
+                </p:oleObj>
+              </mc:Fallback>
+            </mc:AlternateContent>
+          </a:graphicData>
+        </a:graphic>
+      </p:graphicFrame>
+      <p:graphicFrame>
+        <p:nvGraphicFramePr>
+          <p:cNvPr id="20" name="对象 19"/>
+          <p:cNvGraphicFramePr>
+            <a:graphicFrameLocks noChangeAspect="1"/>
+          </p:cNvGraphicFramePr>
+          <p:nvPr>
+            <p:extLst>
+              <p:ext uri="{D42A27DB-BD31-4B8C-83A1-F6EECF244321}">
+                <p14:modId xmlns:p14="http://schemas.microsoft.com/office/powerpoint/2010/main" val="3157725265"/>
+              </p:ext>
+            </p:extLst>
+          </p:nvPr>
+        </p:nvGraphicFramePr>
+        <p:xfrm>
+          <a:off x="4339673" y="2461271"/>
+          <a:ext cx="760412" cy="1054100"/>
+        </p:xfrm>
+        <a:graphic>
+          <a:graphicData uri="http://schemas.openxmlformats.org/presentationml/2006/ole">
+            <mc:AlternateContent xmlns:mc="http://schemas.openxmlformats.org/markup-compatibility/2006">
+              <mc:Choice xmlns:v="urn:schemas-microsoft-com:vml" Requires="v">
+                <p:oleObj spid="_x0000_s2176" name="Equation" r:id="rId19" imgW="164880" imgH="228600" progId="Equation.DSMT4">
+                  <p:embed/>
+                </p:oleObj>
+              </mc:Choice>
+              <mc:Fallback>
+                <p:oleObj name="Equation" r:id="rId19" imgW="164880" imgH="228600" progId="Equation.DSMT4">
+                  <p:embed/>
+                  <p:pic>
+                    <p:nvPicPr>
+                      <p:cNvPr id="0" name="对象 16"/>
+                      <p:cNvPicPr>
+                        <a:picLocks noChangeAspect="1" noChangeArrowheads="1"/>
+                      </p:cNvPicPr>
+                      <p:nvPr/>
+                    </p:nvPicPr>
+                    <p:blipFill>
+                      <a:blip r:embed="rId20"/>
+                      <a:srcRect/>
+                      <a:stretch>
+                        <a:fillRect/>
+                      </a:stretch>
+                    </p:blipFill>
+                    <p:spPr bwMode="auto">
+                      <a:xfrm>
+                        <a:off x="4339673" y="2461271"/>
+                        <a:ext cx="760412" cy="1054100"/>
+                      </a:xfrm>
+                      <a:prstGeom prst="rect">
+                        <a:avLst/>
+                      </a:prstGeom>
+                      <a:noFill/>
+                      <a:ln>
+                        <a:noFill/>
+                      </a:ln>
+                      <a:extLst>
+                        <a:ext uri="{909E8E84-426E-40DD-AFC4-6F175D3DCCD1}">
+                          <a14:hiddenFill xmlns:a14="http://schemas.microsoft.com/office/drawing/2010/main">
+                            <a:solidFill>
+                              <a:srgbClr val="FFFFFF"/>
+                            </a:solidFill>
+                          </a14:hiddenFill>
+                        </a:ext>
+                        <a:ext uri="{91240B29-F687-4F45-9708-019B960494DF}">
+                          <a14:hiddenLine xmlns:a14="http://schemas.microsoft.com/office/drawing/2010/main" w="9525">
+                            <a:solidFill>
+                              <a:srgbClr val="000000"/>
+                            </a:solidFill>
+                            <a:miter lim="800000"/>
+                            <a:headEnd/>
+                            <a:tailEnd/>
+                          </a14:hiddenLine>
+                        </a:ext>
+                      </a:extLst>
+                    </p:spPr>
+                  </p:pic>
+                </p:oleObj>
+              </mc:Fallback>
+            </mc:AlternateContent>
+          </a:graphicData>
+        </a:graphic>
+      </p:graphicFrame>
+      <p:graphicFrame>
+        <p:nvGraphicFramePr>
+          <p:cNvPr id="21" name="对象 20"/>
+          <p:cNvGraphicFramePr>
+            <a:graphicFrameLocks noChangeAspect="1"/>
+          </p:cNvGraphicFramePr>
+          <p:nvPr>
+            <p:extLst>
+              <p:ext uri="{D42A27DB-BD31-4B8C-83A1-F6EECF244321}">
+                <p14:modId xmlns:p14="http://schemas.microsoft.com/office/powerpoint/2010/main" val="3296095971"/>
+              </p:ext>
+            </p:extLst>
+          </p:nvPr>
+        </p:nvGraphicFramePr>
+        <p:xfrm>
+          <a:off x="4298398" y="3623321"/>
+          <a:ext cx="820737" cy="1054100"/>
+        </p:xfrm>
+        <a:graphic>
+          <a:graphicData uri="http://schemas.openxmlformats.org/presentationml/2006/ole">
+            <mc:AlternateContent xmlns:mc="http://schemas.openxmlformats.org/markup-compatibility/2006">
+              <mc:Choice xmlns:v="urn:schemas-microsoft-com:vml" Requires="v">
+                <p:oleObj spid="_x0000_s2177" name="Equation" r:id="rId21" imgW="177480" imgH="228600" progId="Equation.DSMT4">
+                  <p:embed/>
+                </p:oleObj>
+              </mc:Choice>
+              <mc:Fallback>
+                <p:oleObj name="Equation" r:id="rId21" imgW="177480" imgH="228600" progId="Equation.DSMT4">
+                  <p:embed/>
+                  <p:pic>
+                    <p:nvPicPr>
+                      <p:cNvPr id="0" name="对象 17"/>
+                      <p:cNvPicPr>
+                        <a:picLocks noChangeAspect="1" noChangeArrowheads="1"/>
+                      </p:cNvPicPr>
+                      <p:nvPr/>
+                    </p:nvPicPr>
+                    <p:blipFill>
+                      <a:blip r:embed="rId22"/>
+                      <a:srcRect/>
+                      <a:stretch>
+                        <a:fillRect/>
+                      </a:stretch>
+                    </p:blipFill>
+                    <p:spPr bwMode="auto">
+                      <a:xfrm>
+                        <a:off x="4298398" y="3623321"/>
+                        <a:ext cx="820737" cy="1054100"/>
+                      </a:xfrm>
+                      <a:prstGeom prst="rect">
+                        <a:avLst/>
+                      </a:prstGeom>
+                      <a:noFill/>
+                      <a:ln>
+                        <a:noFill/>
+                      </a:ln>
+                      <a:extLst>
+                        <a:ext uri="{909E8E84-426E-40DD-AFC4-6F175D3DCCD1}">
+                          <a14:hiddenFill xmlns:a14="http://schemas.microsoft.com/office/drawing/2010/main">
+                            <a:solidFill>
+                              <a:srgbClr val="FFFFFF"/>
+                            </a:solidFill>
+                          </a14:hiddenFill>
+                        </a:ext>
+                        <a:ext uri="{91240B29-F687-4F45-9708-019B960494DF}">
+                          <a14:hiddenLine xmlns:a14="http://schemas.microsoft.com/office/drawing/2010/main" w="9525">
+                            <a:solidFill>
+                              <a:srgbClr val="000000"/>
+                            </a:solidFill>
+                            <a:miter lim="800000"/>
+                            <a:headEnd/>
+                            <a:tailEnd/>
+                          </a14:hiddenLine>
+                        </a:ext>
+                      </a:extLst>
+                    </p:spPr>
+                  </p:pic>
+                </p:oleObj>
+              </mc:Fallback>
+            </mc:AlternateContent>
+          </a:graphicData>
+        </a:graphic>
+      </p:graphicFrame>
+      <p:graphicFrame>
+        <p:nvGraphicFramePr>
+          <p:cNvPr id="22" name="对象 21"/>
+          <p:cNvGraphicFramePr>
+            <a:graphicFrameLocks noChangeAspect="1"/>
+          </p:cNvGraphicFramePr>
+          <p:nvPr>
+            <p:extLst>
+              <p:ext uri="{D42A27DB-BD31-4B8C-83A1-F6EECF244321}">
+                <p14:modId xmlns:p14="http://schemas.microsoft.com/office/powerpoint/2010/main" val="1244742319"/>
+              </p:ext>
+            </p:extLst>
+          </p:nvPr>
+        </p:nvGraphicFramePr>
+        <p:xfrm>
+          <a:off x="6024439" y="3622826"/>
+          <a:ext cx="820737" cy="1054100"/>
+        </p:xfrm>
+        <a:graphic>
+          <a:graphicData uri="http://schemas.openxmlformats.org/presentationml/2006/ole">
+            <mc:AlternateContent xmlns:mc="http://schemas.openxmlformats.org/markup-compatibility/2006">
+              <mc:Choice xmlns:v="urn:schemas-microsoft-com:vml" Requires="v">
+                <p:oleObj spid="_x0000_s2178" name="Equation" r:id="rId23" imgW="177480" imgH="228600" progId="Equation.DSMT4">
+                  <p:embed/>
+                </p:oleObj>
+              </mc:Choice>
+              <mc:Fallback>
+                <p:oleObj name="Equation" r:id="rId23" imgW="177480" imgH="228600" progId="Equation.DSMT4">
+                  <p:embed/>
+                  <p:pic>
+                    <p:nvPicPr>
+                      <p:cNvPr id="0" name="对象 20"/>
+                      <p:cNvPicPr>
+                        <a:picLocks noChangeAspect="1" noChangeArrowheads="1"/>
+                      </p:cNvPicPr>
+                      <p:nvPr/>
+                    </p:nvPicPr>
+                    <p:blipFill>
+                      <a:blip r:embed="rId24"/>
+                      <a:srcRect/>
+                      <a:stretch>
+                        <a:fillRect/>
+                      </a:stretch>
+                    </p:blipFill>
+                    <p:spPr bwMode="auto">
+                      <a:xfrm>
+                        <a:off x="6024439" y="3622826"/>
+                        <a:ext cx="820737" cy="1054100"/>
+                      </a:xfrm>
+                      <a:prstGeom prst="rect">
+                        <a:avLst/>
+                      </a:prstGeom>
+                      <a:noFill/>
+                      <a:ln>
+                        <a:noFill/>
+                      </a:ln>
+                      <a:extLst>
+                        <a:ext uri="{909E8E84-426E-40DD-AFC4-6F175D3DCCD1}">
+                          <a14:hiddenFill xmlns:a14="http://schemas.microsoft.com/office/drawing/2010/main">
+                            <a:solidFill>
+                              <a:srgbClr val="FFFFFF"/>
+                            </a:solidFill>
+                          </a14:hiddenFill>
+                        </a:ext>
+                        <a:ext uri="{91240B29-F687-4F45-9708-019B960494DF}">
+                          <a14:hiddenLine xmlns:a14="http://schemas.microsoft.com/office/drawing/2010/main" w="9525">
+                            <a:solidFill>
+                              <a:srgbClr val="000000"/>
+                            </a:solidFill>
+                            <a:miter lim="800000"/>
+                            <a:headEnd/>
+                            <a:tailEnd/>
+                          </a14:hiddenLine>
+                        </a:ext>
+                      </a:extLst>
+                    </p:spPr>
+                  </p:pic>
+                </p:oleObj>
+              </mc:Fallback>
+            </mc:AlternateContent>
+          </a:graphicData>
+        </a:graphic>
+      </p:graphicFrame>
+      <p:graphicFrame>
+        <p:nvGraphicFramePr>
+          <p:cNvPr id="23" name="对象 22"/>
+          <p:cNvGraphicFramePr>
+            <a:graphicFrameLocks noChangeAspect="1"/>
+          </p:cNvGraphicFramePr>
+          <p:nvPr>
+            <p:extLst>
+              <p:ext uri="{D42A27DB-BD31-4B8C-83A1-F6EECF244321}">
+                <p14:modId xmlns:p14="http://schemas.microsoft.com/office/powerpoint/2010/main" val="3826537971"/>
+              </p:ext>
+            </p:extLst>
+          </p:nvPr>
+        </p:nvGraphicFramePr>
+        <p:xfrm>
+          <a:off x="6093860" y="2461271"/>
+          <a:ext cx="701675" cy="1054100"/>
+        </p:xfrm>
+        <a:graphic>
+          <a:graphicData uri="http://schemas.openxmlformats.org/presentationml/2006/ole">
+            <mc:AlternateContent xmlns:mc="http://schemas.openxmlformats.org/markup-compatibility/2006">
+              <mc:Choice xmlns:v="urn:schemas-microsoft-com:vml" Requires="v">
+                <p:oleObj spid="_x0000_s2179" name="Equation" r:id="rId25" imgW="152280" imgH="228600" progId="Equation.DSMT4">
+                  <p:embed/>
+                </p:oleObj>
+              </mc:Choice>
+              <mc:Fallback>
+                <p:oleObj name="Equation" r:id="rId25" imgW="152280" imgH="228600" progId="Equation.DSMT4">
+                  <p:embed/>
+                  <p:pic>
+                    <p:nvPicPr>
+                      <p:cNvPr id="0" name="对象 19"/>
+                      <p:cNvPicPr>
+                        <a:picLocks noChangeAspect="1" noChangeArrowheads="1"/>
+                      </p:cNvPicPr>
+                      <p:nvPr/>
+                    </p:nvPicPr>
+                    <p:blipFill>
+                      <a:blip r:embed="rId26"/>
+                      <a:srcRect/>
+                      <a:stretch>
+                        <a:fillRect/>
+                      </a:stretch>
+                    </p:blipFill>
+                    <p:spPr bwMode="auto">
+                      <a:xfrm>
+                        <a:off x="6093860" y="2461271"/>
+                        <a:ext cx="701675" cy="1054100"/>
+                      </a:xfrm>
+                      <a:prstGeom prst="rect">
+                        <a:avLst/>
+                      </a:prstGeom>
+                      <a:noFill/>
+                      <a:ln>
+                        <a:noFill/>
+                      </a:ln>
+                      <a:extLst>
+                        <a:ext uri="{909E8E84-426E-40DD-AFC4-6F175D3DCCD1}">
+                          <a14:hiddenFill xmlns:a14="http://schemas.microsoft.com/office/drawing/2010/main">
+                            <a:solidFill>
+                              <a:srgbClr val="FFFFFF"/>
+                            </a:solidFill>
+                          </a14:hiddenFill>
+                        </a:ext>
+                        <a:ext uri="{91240B29-F687-4F45-9708-019B960494DF}">
+                          <a14:hiddenLine xmlns:a14="http://schemas.microsoft.com/office/drawing/2010/main" w="9525">
+                            <a:solidFill>
+                              <a:srgbClr val="000000"/>
+                            </a:solidFill>
+                            <a:miter lim="800000"/>
+                            <a:headEnd/>
+                            <a:tailEnd/>
+                          </a14:hiddenLine>
+                        </a:ext>
+                      </a:extLst>
+                    </p:spPr>
+                  </p:pic>
+                </p:oleObj>
+              </mc:Fallback>
+            </mc:AlternateContent>
+          </a:graphicData>
+        </a:graphic>
+      </p:graphicFrame>
+      <p:graphicFrame>
+        <p:nvGraphicFramePr>
+          <p:cNvPr id="26" name="对象 25"/>
+          <p:cNvGraphicFramePr>
+            <a:graphicFrameLocks noChangeAspect="1"/>
+          </p:cNvGraphicFramePr>
+          <p:nvPr>
+            <p:extLst>
+              <p:ext uri="{D42A27DB-BD31-4B8C-83A1-F6EECF244321}">
+                <p14:modId xmlns:p14="http://schemas.microsoft.com/office/powerpoint/2010/main" val="3130486872"/>
+              </p:ext>
+            </p:extLst>
+          </p:nvPr>
+        </p:nvGraphicFramePr>
+        <p:xfrm>
+          <a:off x="7717099" y="3622826"/>
+          <a:ext cx="820737" cy="1054100"/>
+        </p:xfrm>
+        <a:graphic>
+          <a:graphicData uri="http://schemas.openxmlformats.org/presentationml/2006/ole">
+            <mc:AlternateContent xmlns:mc="http://schemas.openxmlformats.org/markup-compatibility/2006">
+              <mc:Choice xmlns:v="urn:schemas-microsoft-com:vml" Requires="v">
+                <p:oleObj spid="_x0000_s2180" name="Equation" r:id="rId27" imgW="177480" imgH="228600" progId="Equation.DSMT4">
+                  <p:embed/>
+                </p:oleObj>
+              </mc:Choice>
+              <mc:Fallback>
+                <p:oleObj name="Equation" r:id="rId27" imgW="177480" imgH="228600" progId="Equation.DSMT4">
+                  <p:embed/>
+                  <p:pic>
+                    <p:nvPicPr>
+                      <p:cNvPr id="0" name="对象 20"/>
+                      <p:cNvPicPr>
+                        <a:picLocks noChangeAspect="1" noChangeArrowheads="1"/>
+                      </p:cNvPicPr>
+                      <p:nvPr/>
+                    </p:nvPicPr>
+                    <p:blipFill>
+                      <a:blip r:embed="rId28"/>
+                      <a:srcRect/>
+                      <a:stretch>
+                        <a:fillRect/>
+                      </a:stretch>
+                    </p:blipFill>
+                    <p:spPr bwMode="auto">
+                      <a:xfrm>
+                        <a:off x="7717099" y="3622826"/>
+                        <a:ext cx="820737" cy="1054100"/>
+                      </a:xfrm>
+                      <a:prstGeom prst="rect">
+                        <a:avLst/>
+                      </a:prstGeom>
+                      <a:noFill/>
+                      <a:ln>
+                        <a:noFill/>
+                      </a:ln>
+                      <a:extLst>
+                        <a:ext uri="{909E8E84-426E-40DD-AFC4-6F175D3DCCD1}">
+                          <a14:hiddenFill xmlns:a14="http://schemas.microsoft.com/office/drawing/2010/main">
+                            <a:solidFill>
+                              <a:srgbClr val="FFFFFF"/>
+                            </a:solidFill>
+                          </a14:hiddenFill>
+                        </a:ext>
+                        <a:ext uri="{91240B29-F687-4F45-9708-019B960494DF}">
+                          <a14:hiddenLine xmlns:a14="http://schemas.microsoft.com/office/drawing/2010/main" w="9525">
+                            <a:solidFill>
+                              <a:srgbClr val="000000"/>
+                            </a:solidFill>
+                            <a:miter lim="800000"/>
+                            <a:headEnd/>
+                            <a:tailEnd/>
+                          </a14:hiddenLine>
+                        </a:ext>
+                      </a:extLst>
+                    </p:spPr>
+                  </p:pic>
+                </p:oleObj>
+              </mc:Fallback>
+            </mc:AlternateContent>
+          </a:graphicData>
+        </a:graphic>
+      </p:graphicFrame>
+      <p:graphicFrame>
+        <p:nvGraphicFramePr>
+          <p:cNvPr id="27" name="对象 26"/>
+          <p:cNvGraphicFramePr>
+            <a:graphicFrameLocks noChangeAspect="1"/>
+          </p:cNvGraphicFramePr>
+          <p:nvPr>
+            <p:extLst>
+              <p:ext uri="{D42A27DB-BD31-4B8C-83A1-F6EECF244321}">
+                <p14:modId xmlns:p14="http://schemas.microsoft.com/office/powerpoint/2010/main" val="172548363"/>
+              </p:ext>
+            </p:extLst>
+          </p:nvPr>
+        </p:nvGraphicFramePr>
+        <p:xfrm>
+          <a:off x="7758374" y="2460776"/>
+          <a:ext cx="760412" cy="1054100"/>
+        </p:xfrm>
+        <a:graphic>
+          <a:graphicData uri="http://schemas.openxmlformats.org/presentationml/2006/ole">
+            <mc:AlternateContent xmlns:mc="http://schemas.openxmlformats.org/markup-compatibility/2006">
+              <mc:Choice xmlns:v="urn:schemas-microsoft-com:vml" Requires="v">
+                <p:oleObj spid="_x0000_s2181" name="Equation" r:id="rId29" imgW="164880" imgH="228600" progId="Equation.DSMT4">
+                  <p:embed/>
+                </p:oleObj>
+              </mc:Choice>
+              <mc:Fallback>
+                <p:oleObj name="Equation" r:id="rId29" imgW="164880" imgH="228600" progId="Equation.DSMT4">
+                  <p:embed/>
+                  <p:pic>
+                    <p:nvPicPr>
+                      <p:cNvPr id="0" name="对象 19"/>
+                      <p:cNvPicPr>
+                        <a:picLocks noChangeAspect="1" noChangeArrowheads="1"/>
+                      </p:cNvPicPr>
+                      <p:nvPr/>
+                    </p:nvPicPr>
+                    <p:blipFill>
+                      <a:blip r:embed="rId30"/>
+                      <a:srcRect/>
+                      <a:stretch>
+                        <a:fillRect/>
+                      </a:stretch>
+                    </p:blipFill>
+                    <p:spPr bwMode="auto">
+                      <a:xfrm>
+                        <a:off x="7758374" y="2460776"/>
+                        <a:ext cx="760412" cy="1054100"/>
+                      </a:xfrm>
+                      <a:prstGeom prst="rect">
+                        <a:avLst/>
+                      </a:prstGeom>
+                      <a:noFill/>
+                      <a:ln>
+                        <a:noFill/>
+                      </a:ln>
+                      <a:extLst>
+                        <a:ext uri="{909E8E84-426E-40DD-AFC4-6F175D3DCCD1}">
+                          <a14:hiddenFill xmlns:a14="http://schemas.microsoft.com/office/drawing/2010/main">
+                            <a:solidFill>
+                              <a:srgbClr val="FFFFFF"/>
+                            </a:solidFill>
+                          </a14:hiddenFill>
+                        </a:ext>
+                        <a:ext uri="{91240B29-F687-4F45-9708-019B960494DF}">
+                          <a14:hiddenLine xmlns:a14="http://schemas.microsoft.com/office/drawing/2010/main" w="9525">
+                            <a:solidFill>
+                              <a:srgbClr val="000000"/>
+                            </a:solidFill>
+                            <a:miter lim="800000"/>
+                            <a:headEnd/>
+                            <a:tailEnd/>
+                          </a14:hiddenLine>
+                        </a:ext>
+                      </a:extLst>
+                    </p:spPr>
+                  </p:pic>
+                </p:oleObj>
+              </mc:Fallback>
+            </mc:AlternateContent>
+          </a:graphicData>
+        </a:graphic>
+      </p:graphicFrame>
+      <p:graphicFrame>
+        <p:nvGraphicFramePr>
+          <p:cNvPr id="28" name="对象 27"/>
+          <p:cNvGraphicFramePr>
+            <a:graphicFrameLocks noChangeAspect="1"/>
+          </p:cNvGraphicFramePr>
+          <p:nvPr>
+            <p:extLst>
+              <p:ext uri="{D42A27DB-BD31-4B8C-83A1-F6EECF244321}">
+                <p14:modId xmlns:p14="http://schemas.microsoft.com/office/powerpoint/2010/main" val="4176458234"/>
+              </p:ext>
+            </p:extLst>
+          </p:nvPr>
+        </p:nvGraphicFramePr>
+        <p:xfrm>
+          <a:off x="9520792" y="3622826"/>
+          <a:ext cx="820737" cy="1054100"/>
+        </p:xfrm>
+        <a:graphic>
+          <a:graphicData uri="http://schemas.openxmlformats.org/presentationml/2006/ole">
+            <mc:AlternateContent xmlns:mc="http://schemas.openxmlformats.org/markup-compatibility/2006">
+              <mc:Choice xmlns:v="urn:schemas-microsoft-com:vml" Requires="v">
+                <p:oleObj spid="_x0000_s2182" name="Equation" r:id="rId31" imgW="177480" imgH="228600" progId="Equation.DSMT4">
+                  <p:embed/>
+                </p:oleObj>
+              </mc:Choice>
+              <mc:Fallback>
+                <p:oleObj name="Equation" r:id="rId31" imgW="177480" imgH="228600" progId="Equation.DSMT4">
+                  <p:embed/>
+                  <p:pic>
+                    <p:nvPicPr>
+                      <p:cNvPr id="0" name="对象 20"/>
+                      <p:cNvPicPr>
+                        <a:picLocks noChangeAspect="1" noChangeArrowheads="1"/>
+                      </p:cNvPicPr>
+                      <p:nvPr/>
+                    </p:nvPicPr>
+                    <p:blipFill>
+                      <a:blip r:embed="rId32"/>
+                      <a:srcRect/>
+                      <a:stretch>
+                        <a:fillRect/>
+                      </a:stretch>
+                    </p:blipFill>
+                    <p:spPr bwMode="auto">
+                      <a:xfrm>
+                        <a:off x="9520792" y="3622826"/>
+                        <a:ext cx="820737" cy="1054100"/>
+                      </a:xfrm>
+                      <a:prstGeom prst="rect">
+                        <a:avLst/>
+                      </a:prstGeom>
+                      <a:noFill/>
+                      <a:ln>
+                        <a:noFill/>
+                      </a:ln>
+                      <a:extLst>
+                        <a:ext uri="{909E8E84-426E-40DD-AFC4-6F175D3DCCD1}">
+                          <a14:hiddenFill xmlns:a14="http://schemas.microsoft.com/office/drawing/2010/main">
+                            <a:solidFill>
+                              <a:srgbClr val="FFFFFF"/>
+                            </a:solidFill>
+                          </a14:hiddenFill>
+                        </a:ext>
+                        <a:ext uri="{91240B29-F687-4F45-9708-019B960494DF}">
+                          <a14:hiddenLine xmlns:a14="http://schemas.microsoft.com/office/drawing/2010/main" w="9525">
+                            <a:solidFill>
+                              <a:srgbClr val="000000"/>
+                            </a:solidFill>
+                            <a:miter lim="800000"/>
+                            <a:headEnd/>
+                            <a:tailEnd/>
+                          </a14:hiddenLine>
+                        </a:ext>
+                      </a:extLst>
+                    </p:spPr>
+                  </p:pic>
+                </p:oleObj>
+              </mc:Fallback>
+            </mc:AlternateContent>
+          </a:graphicData>
+        </a:graphic>
+      </p:graphicFrame>
+      <p:graphicFrame>
+        <p:nvGraphicFramePr>
+          <p:cNvPr id="30" name="对象 29"/>
+          <p:cNvGraphicFramePr>
+            <a:graphicFrameLocks noChangeAspect="1"/>
+          </p:cNvGraphicFramePr>
+          <p:nvPr>
+            <p:extLst>
+              <p:ext uri="{D42A27DB-BD31-4B8C-83A1-F6EECF244321}">
+                <p14:modId xmlns:p14="http://schemas.microsoft.com/office/powerpoint/2010/main" val="2655419805"/>
+              </p:ext>
+            </p:extLst>
+          </p:nvPr>
+        </p:nvGraphicFramePr>
+        <p:xfrm>
+          <a:off x="9591123" y="2461271"/>
+          <a:ext cx="701675" cy="1054100"/>
+        </p:xfrm>
+        <a:graphic>
+          <a:graphicData uri="http://schemas.openxmlformats.org/presentationml/2006/ole">
+            <mc:AlternateContent xmlns:mc="http://schemas.openxmlformats.org/markup-compatibility/2006">
+              <mc:Choice xmlns:v="urn:schemas-microsoft-com:vml" Requires="v">
+                <p:oleObj spid="_x0000_s2183" name="Equation" r:id="rId33" imgW="152280" imgH="228600" progId="Equation.DSMT4">
+                  <p:embed/>
+                </p:oleObj>
+              </mc:Choice>
+              <mc:Fallback>
+                <p:oleObj name="Equation" r:id="rId33" imgW="152280" imgH="228600" progId="Equation.DSMT4">
+                  <p:embed/>
+                  <p:pic>
+                    <p:nvPicPr>
+                      <p:cNvPr id="0" name="对象 19"/>
+                      <p:cNvPicPr>
+                        <a:picLocks noChangeAspect="1" noChangeArrowheads="1"/>
+                      </p:cNvPicPr>
+                      <p:nvPr/>
+                    </p:nvPicPr>
+                    <p:blipFill>
+                      <a:blip r:embed="rId34"/>
+                      <a:srcRect/>
+                      <a:stretch>
+                        <a:fillRect/>
+                      </a:stretch>
+                    </p:blipFill>
+                    <p:spPr bwMode="auto">
+                      <a:xfrm>
+                        <a:off x="9591123" y="2461271"/>
+                        <a:ext cx="701675" cy="1054100"/>
+                      </a:xfrm>
+                      <a:prstGeom prst="rect">
+                        <a:avLst/>
+                      </a:prstGeom>
+                      <a:noFill/>
+                      <a:ln>
+                        <a:noFill/>
+                      </a:ln>
+                      <a:extLst>
+                        <a:ext uri="{909E8E84-426E-40DD-AFC4-6F175D3DCCD1}">
+                          <a14:hiddenFill xmlns:a14="http://schemas.microsoft.com/office/drawing/2010/main">
+                            <a:solidFill>
+                              <a:srgbClr val="FFFFFF"/>
+                            </a:solidFill>
+                          </a14:hiddenFill>
+                        </a:ext>
+                        <a:ext uri="{91240B29-F687-4F45-9708-019B960494DF}">
+                          <a14:hiddenLine xmlns:a14="http://schemas.microsoft.com/office/drawing/2010/main" w="9525">
+                            <a:solidFill>
+                              <a:srgbClr val="000000"/>
+                            </a:solidFill>
+                            <a:miter lim="800000"/>
+                            <a:headEnd/>
+                            <a:tailEnd/>
+                          </a14:hiddenLine>
+                        </a:ext>
+                      </a:extLst>
+                    </p:spPr>
+                  </p:pic>
+                </p:oleObj>
+              </mc:Fallback>
+            </mc:AlternateContent>
+          </a:graphicData>
+        </a:graphic>
+      </p:graphicFrame>
+      <p:graphicFrame>
+        <p:nvGraphicFramePr>
+          <p:cNvPr id="31" name="对象 30"/>
+          <p:cNvGraphicFramePr>
+            <a:graphicFrameLocks noChangeAspect="1"/>
+          </p:cNvGraphicFramePr>
+          <p:nvPr>
+            <p:extLst>
+              <p:ext uri="{D42A27DB-BD31-4B8C-83A1-F6EECF244321}">
+                <p14:modId xmlns:p14="http://schemas.microsoft.com/office/powerpoint/2010/main" val="3758751277"/>
+              </p:ext>
+            </p:extLst>
+          </p:nvPr>
+        </p:nvGraphicFramePr>
+        <p:xfrm>
+          <a:off x="11009987" y="3622826"/>
+          <a:ext cx="820737" cy="1054100"/>
+        </p:xfrm>
+        <a:graphic>
+          <a:graphicData uri="http://schemas.openxmlformats.org/presentationml/2006/ole">
+            <mc:AlternateContent xmlns:mc="http://schemas.openxmlformats.org/markup-compatibility/2006">
+              <mc:Choice xmlns:v="urn:schemas-microsoft-com:vml" Requires="v">
+                <p:oleObj spid="_x0000_s2184" name="Equation" r:id="rId35" imgW="177480" imgH="228600" progId="Equation.DSMT4">
+                  <p:embed/>
+                </p:oleObj>
+              </mc:Choice>
+              <mc:Fallback>
+                <p:oleObj name="Equation" r:id="rId35" imgW="177480" imgH="228600" progId="Equation.DSMT4">
+                  <p:embed/>
+                  <p:pic>
+                    <p:nvPicPr>
+                      <p:cNvPr id="0" name="对象 27"/>
+                      <p:cNvPicPr>
+                        <a:picLocks noChangeAspect="1" noChangeArrowheads="1"/>
+                      </p:cNvPicPr>
+                      <p:nvPr/>
+                    </p:nvPicPr>
+                    <p:blipFill>
+                      <a:blip r:embed="rId36"/>
+                      <a:srcRect/>
+                      <a:stretch>
+                        <a:fillRect/>
+                      </a:stretch>
+                    </p:blipFill>
+                    <p:spPr bwMode="auto">
+                      <a:xfrm>
+                        <a:off x="11009987" y="3622826"/>
+                        <a:ext cx="820737" cy="1054100"/>
+                      </a:xfrm>
+                      <a:prstGeom prst="rect">
+                        <a:avLst/>
+                      </a:prstGeom>
+                      <a:noFill/>
+                      <a:ln>
+                        <a:noFill/>
+                      </a:ln>
+                      <a:extLst>
+                        <a:ext uri="{909E8E84-426E-40DD-AFC4-6F175D3DCCD1}">
+                          <a14:hiddenFill xmlns:a14="http://schemas.microsoft.com/office/drawing/2010/main">
+                            <a:solidFill>
+                              <a:srgbClr val="FFFFFF"/>
+                            </a:solidFill>
+                          </a14:hiddenFill>
+                        </a:ext>
+                        <a:ext uri="{91240B29-F687-4F45-9708-019B960494DF}">
+                          <a14:hiddenLine xmlns:a14="http://schemas.microsoft.com/office/drawing/2010/main" w="9525">
+                            <a:solidFill>
+                              <a:srgbClr val="000000"/>
+                            </a:solidFill>
+                            <a:miter lim="800000"/>
+                            <a:headEnd/>
+                            <a:tailEnd/>
+                          </a14:hiddenLine>
+                        </a:ext>
+                      </a:extLst>
+                    </p:spPr>
+                  </p:pic>
+                </p:oleObj>
+              </mc:Fallback>
+            </mc:AlternateContent>
+          </a:graphicData>
+        </a:graphic>
+      </p:graphicFrame>
+      <p:graphicFrame>
+        <p:nvGraphicFramePr>
+          <p:cNvPr id="32" name="对象 31"/>
+          <p:cNvGraphicFramePr>
+            <a:graphicFrameLocks noChangeAspect="1"/>
+          </p:cNvGraphicFramePr>
+          <p:nvPr>
+            <p:extLst>
+              <p:ext uri="{D42A27DB-BD31-4B8C-83A1-F6EECF244321}">
+                <p14:modId xmlns:p14="http://schemas.microsoft.com/office/powerpoint/2010/main" val="4285166037"/>
+              </p:ext>
+            </p:extLst>
+          </p:nvPr>
+        </p:nvGraphicFramePr>
+        <p:xfrm>
+          <a:off x="11051623" y="2461271"/>
+          <a:ext cx="760412" cy="1054100"/>
+        </p:xfrm>
+        <a:graphic>
+          <a:graphicData uri="http://schemas.openxmlformats.org/presentationml/2006/ole">
+            <mc:AlternateContent xmlns:mc="http://schemas.openxmlformats.org/markup-compatibility/2006">
+              <mc:Choice xmlns:v="urn:schemas-microsoft-com:vml" Requires="v">
+                <p:oleObj spid="_x0000_s2185" name="Equation" r:id="rId37" imgW="164880" imgH="228600" progId="Equation.DSMT4">
+                  <p:embed/>
+                </p:oleObj>
+              </mc:Choice>
+              <mc:Fallback>
+                <p:oleObj name="Equation" r:id="rId37" imgW="164880" imgH="228600" progId="Equation.DSMT4">
+                  <p:embed/>
+                  <p:pic>
+                    <p:nvPicPr>
+                      <p:cNvPr id="0" name="对象 29"/>
+                      <p:cNvPicPr>
+                        <a:picLocks noChangeAspect="1" noChangeArrowheads="1"/>
+                      </p:cNvPicPr>
+                      <p:nvPr/>
+                    </p:nvPicPr>
+                    <p:blipFill>
+                      <a:blip r:embed="rId38"/>
+                      <a:srcRect/>
+                      <a:stretch>
+                        <a:fillRect/>
+                      </a:stretch>
+                    </p:blipFill>
+                    <p:spPr bwMode="auto">
+                      <a:xfrm>
+                        <a:off x="11051623" y="2461271"/>
+                        <a:ext cx="760412" cy="1054100"/>
+                      </a:xfrm>
+                      <a:prstGeom prst="rect">
+                        <a:avLst/>
+                      </a:prstGeom>
+                      <a:noFill/>
+                      <a:ln>
+                        <a:noFill/>
+                      </a:ln>
+                      <a:extLst>
+                        <a:ext uri="{909E8E84-426E-40DD-AFC4-6F175D3DCCD1}">
+                          <a14:hiddenFill xmlns:a14="http://schemas.microsoft.com/office/drawing/2010/main">
+                            <a:solidFill>
+                              <a:srgbClr val="FFFFFF"/>
+                            </a:solidFill>
+                          </a14:hiddenFill>
+                        </a:ext>
+                        <a:ext uri="{91240B29-F687-4F45-9708-019B960494DF}">
+                          <a14:hiddenLine xmlns:a14="http://schemas.microsoft.com/office/drawing/2010/main" w="9525">
+                            <a:solidFill>
+                              <a:srgbClr val="000000"/>
+                            </a:solidFill>
+                            <a:miter lim="800000"/>
+                            <a:headEnd/>
+                            <a:tailEnd/>
+                          </a14:hiddenLine>
+                        </a:ext>
+                      </a:extLst>
+                    </p:spPr>
+                  </p:pic>
+                </p:oleObj>
+              </mc:Fallback>
+            </mc:AlternateContent>
+          </a:graphicData>
+        </a:graphic>
+      </p:graphicFrame>
+      <p:sp>
+        <p:nvSpPr>
+          <p:cNvPr id="33" name="TextBox 32"/>
+          <p:cNvSpPr txBox="1"/>
+          <p:nvPr/>
+        </p:nvSpPr>
+        <p:spPr>
+          <a:xfrm>
+            <a:off x="42684" y="4794899"/>
+            <a:ext cx="1762430" cy="646331"/>
+          </a:xfrm>
+          <a:prstGeom prst="rect">
+            <a:avLst/>
+          </a:prstGeom>
+          <a:noFill/>
+        </p:spPr>
+        <p:txBody>
+          <a:bodyPr wrap="square" rtlCol="0">
+            <a:spAutoFit/>
+          </a:bodyPr>
+          <a:lstStyle/>
+          <a:p>
+            <a:r>
+              <a:rPr lang="zh-CN" altLang="en-US" sz="3600" b="1" dirty="0" smtClean="0"/>
+              <a:t>子指标</a:t>
+            </a:r>
+            <a:r>
+              <a:rPr lang="zh-CN" altLang="en-US" sz="3600" b="1" dirty="0" smtClean="0"/>
+              <a:t>：</a:t>
+            </a:r>
+            <a:endParaRPr lang="zh-CN" altLang="en-US" sz="3600" b="1" dirty="0"/>
+          </a:p>
+        </p:txBody>
+      </p:sp>
+      <p:graphicFrame>
+        <p:nvGraphicFramePr>
+          <p:cNvPr id="2" name="对象 1"/>
+          <p:cNvGraphicFramePr>
+            <a:graphicFrameLocks noChangeAspect="1"/>
+          </p:cNvGraphicFramePr>
+          <p:nvPr>
+            <p:extLst>
+              <p:ext uri="{D42A27DB-BD31-4B8C-83A1-F6EECF244321}">
+                <p14:modId xmlns:p14="http://schemas.microsoft.com/office/powerpoint/2010/main" val="127927554"/>
+              </p:ext>
+            </p:extLst>
+          </p:nvPr>
+        </p:nvGraphicFramePr>
+        <p:xfrm>
+          <a:off x="2745823" y="4794896"/>
+          <a:ext cx="703262" cy="1054100"/>
+        </p:xfrm>
+        <a:graphic>
+          <a:graphicData uri="http://schemas.openxmlformats.org/presentationml/2006/ole">
+            <mc:AlternateContent xmlns:mc="http://schemas.openxmlformats.org/markup-compatibility/2006">
+              <mc:Choice xmlns:v="urn:schemas-microsoft-com:vml" Requires="v">
+                <p:oleObj spid="_x0000_s2186" name="Equation" r:id="rId39" imgW="152280" imgH="228600" progId="Equation.DSMT4">
+                  <p:embed/>
+                </p:oleObj>
+              </mc:Choice>
+              <mc:Fallback>
+                <p:oleObj name="Equation" r:id="rId39" imgW="152280" imgH="228600" progId="Equation.DSMT4">
+                  <p:embed/>
+                  <p:pic>
+                    <p:nvPicPr>
+                      <p:cNvPr id="0" name="对象 17"/>
+                      <p:cNvPicPr>
+                        <a:picLocks noChangeAspect="1" noChangeArrowheads="1"/>
+                      </p:cNvPicPr>
+                      <p:nvPr/>
+                    </p:nvPicPr>
+                    <p:blipFill>
+                      <a:blip r:embed="rId40"/>
+                      <a:srcRect/>
+                      <a:stretch>
+                        <a:fillRect/>
+                      </a:stretch>
+                    </p:blipFill>
+                    <p:spPr bwMode="auto">
+                      <a:xfrm>
+                        <a:off x="2745823" y="4794896"/>
+                        <a:ext cx="703262" cy="1054100"/>
+                      </a:xfrm>
+                      <a:prstGeom prst="rect">
+                        <a:avLst/>
+                      </a:prstGeom>
+                      <a:noFill/>
+                      <a:ln>
+                        <a:noFill/>
+                      </a:ln>
+                      <a:extLst>
+                        <a:ext uri="{909E8E84-426E-40DD-AFC4-6F175D3DCCD1}">
+                          <a14:hiddenFill xmlns:a14="http://schemas.microsoft.com/office/drawing/2010/main">
+                            <a:solidFill>
+                              <a:srgbClr val="FFFFFF"/>
+                            </a:solidFill>
+                          </a14:hiddenFill>
+                        </a:ext>
+                        <a:ext uri="{91240B29-F687-4F45-9708-019B960494DF}">
+                          <a14:hiddenLine xmlns:a14="http://schemas.microsoft.com/office/drawing/2010/main" w="9525">
+                            <a:solidFill>
+                              <a:srgbClr val="000000"/>
+                            </a:solidFill>
+                            <a:miter lim="800000"/>
+                            <a:headEnd/>
+                            <a:tailEnd/>
+                          </a14:hiddenLine>
+                        </a:ext>
+                      </a:extLst>
+                    </p:spPr>
+                  </p:pic>
+                </p:oleObj>
+              </mc:Fallback>
+            </mc:AlternateContent>
+          </a:graphicData>
+        </a:graphic>
+      </p:graphicFrame>
+      <p:graphicFrame>
+        <p:nvGraphicFramePr>
+          <p:cNvPr id="3" name="对象 2"/>
+          <p:cNvGraphicFramePr>
+            <a:graphicFrameLocks noChangeAspect="1"/>
+          </p:cNvGraphicFramePr>
+          <p:nvPr>
+            <p:extLst>
+              <p:ext uri="{D42A27DB-BD31-4B8C-83A1-F6EECF244321}">
+                <p14:modId xmlns:p14="http://schemas.microsoft.com/office/powerpoint/2010/main" val="2896458714"/>
+              </p:ext>
+            </p:extLst>
+          </p:nvPr>
+        </p:nvGraphicFramePr>
+        <p:xfrm>
+          <a:off x="7684535" y="4794896"/>
+          <a:ext cx="820738" cy="1054100"/>
+        </p:xfrm>
+        <a:graphic>
+          <a:graphicData uri="http://schemas.openxmlformats.org/presentationml/2006/ole">
+            <mc:AlternateContent xmlns:mc="http://schemas.openxmlformats.org/markup-compatibility/2006">
+              <mc:Choice xmlns:v="urn:schemas-microsoft-com:vml" Requires="v">
+                <p:oleObj spid="_x0000_s2187" name="Equation" r:id="rId41" imgW="177480" imgH="228600" progId="Equation.DSMT4">
+                  <p:embed/>
+                </p:oleObj>
+              </mc:Choice>
+              <mc:Fallback>
+                <p:oleObj name="Equation" r:id="rId41" imgW="177480" imgH="228600" progId="Equation.DSMT4">
+                  <p:embed/>
+                  <p:pic>
+                    <p:nvPicPr>
+                      <p:cNvPr id="0" name="对象 1"/>
+                      <p:cNvPicPr>
+                        <a:picLocks noChangeAspect="1" noChangeArrowheads="1"/>
+                      </p:cNvPicPr>
+                      <p:nvPr/>
+                    </p:nvPicPr>
+                    <p:blipFill>
+                      <a:blip r:embed="rId42"/>
+                      <a:srcRect/>
+                      <a:stretch>
+                        <a:fillRect/>
+                      </a:stretch>
+                    </p:blipFill>
+                    <p:spPr bwMode="auto">
+                      <a:xfrm>
+                        <a:off x="7684535" y="4794896"/>
+                        <a:ext cx="820738" cy="1054100"/>
+                      </a:xfrm>
+                      <a:prstGeom prst="rect">
+                        <a:avLst/>
+                      </a:prstGeom>
+                      <a:noFill/>
+                      <a:ln>
+                        <a:noFill/>
+                      </a:ln>
+                      <a:extLst>
+                        <a:ext uri="{909E8E84-426E-40DD-AFC4-6F175D3DCCD1}">
+                          <a14:hiddenFill xmlns:a14="http://schemas.microsoft.com/office/drawing/2010/main">
+                            <a:solidFill>
+                              <a:srgbClr val="FFFFFF"/>
+                            </a:solidFill>
+                          </a14:hiddenFill>
+                        </a:ext>
+                        <a:ext uri="{91240B29-F687-4F45-9708-019B960494DF}">
+                          <a14:hiddenLine xmlns:a14="http://schemas.microsoft.com/office/drawing/2010/main" w="9525">
+                            <a:solidFill>
+                              <a:srgbClr val="000000"/>
+                            </a:solidFill>
+                            <a:miter lim="800000"/>
+                            <a:headEnd/>
+                            <a:tailEnd/>
+                          </a14:hiddenLine>
+                        </a:ext>
+                      </a:extLst>
+                    </p:spPr>
+                  </p:pic>
+                </p:oleObj>
+              </mc:Fallback>
+            </mc:AlternateContent>
+          </a:graphicData>
+        </a:graphic>
+      </p:graphicFrame>
+      <p:graphicFrame>
+        <p:nvGraphicFramePr>
+          <p:cNvPr id="7" name="对象 6"/>
+          <p:cNvGraphicFramePr>
+            <a:graphicFrameLocks noChangeAspect="1"/>
+          </p:cNvGraphicFramePr>
+          <p:nvPr>
+            <p:extLst>
+              <p:ext uri="{D42A27DB-BD31-4B8C-83A1-F6EECF244321}">
+                <p14:modId xmlns:p14="http://schemas.microsoft.com/office/powerpoint/2010/main" val="1417859513"/>
+              </p:ext>
+            </p:extLst>
+          </p:nvPr>
+        </p:nvGraphicFramePr>
+        <p:xfrm>
+          <a:off x="4269823" y="4794896"/>
+          <a:ext cx="819150" cy="1054100"/>
+        </p:xfrm>
+        <a:graphic>
+          <a:graphicData uri="http://schemas.openxmlformats.org/presentationml/2006/ole">
+            <mc:AlternateContent xmlns:mc="http://schemas.openxmlformats.org/markup-compatibility/2006">
+              <mc:Choice xmlns:v="urn:schemas-microsoft-com:vml" Requires="v">
+                <p:oleObj spid="_x0000_s2188" name="Equation" r:id="rId43" imgW="177480" imgH="228600" progId="Equation.DSMT4">
+                  <p:embed/>
+                </p:oleObj>
+              </mc:Choice>
+              <mc:Fallback>
+                <p:oleObj name="Equation" r:id="rId43" imgW="177480" imgH="228600" progId="Equation.DSMT4">
+                  <p:embed/>
+                  <p:pic>
+                    <p:nvPicPr>
+                      <p:cNvPr id="0" name="对象 1"/>
+                      <p:cNvPicPr>
+                        <a:picLocks noChangeAspect="1" noChangeArrowheads="1"/>
+                      </p:cNvPicPr>
+                      <p:nvPr/>
+                    </p:nvPicPr>
+                    <p:blipFill>
+                      <a:blip r:embed="rId44"/>
+                      <a:srcRect/>
+                      <a:stretch>
+                        <a:fillRect/>
+                      </a:stretch>
+                    </p:blipFill>
+                    <p:spPr bwMode="auto">
+                      <a:xfrm>
+                        <a:off x="4269823" y="4794896"/>
+                        <a:ext cx="819150" cy="1054100"/>
+                      </a:xfrm>
+                      <a:prstGeom prst="rect">
+                        <a:avLst/>
+                      </a:prstGeom>
+                      <a:noFill/>
+                      <a:ln>
+                        <a:noFill/>
+                      </a:ln>
+                      <a:extLst>
+                        <a:ext uri="{909E8E84-426E-40DD-AFC4-6F175D3DCCD1}">
+                          <a14:hiddenFill xmlns:a14="http://schemas.microsoft.com/office/drawing/2010/main">
+                            <a:solidFill>
+                              <a:srgbClr val="FFFFFF"/>
+                            </a:solidFill>
+                          </a14:hiddenFill>
+                        </a:ext>
+                        <a:ext uri="{91240B29-F687-4F45-9708-019B960494DF}">
+                          <a14:hiddenLine xmlns:a14="http://schemas.microsoft.com/office/drawing/2010/main" w="9525">
+                            <a:solidFill>
+                              <a:srgbClr val="000000"/>
+                            </a:solidFill>
+                            <a:miter lim="800000"/>
+                            <a:headEnd/>
+                            <a:tailEnd/>
+                          </a14:hiddenLine>
+                        </a:ext>
+                      </a:extLst>
+                    </p:spPr>
+                  </p:pic>
+                </p:oleObj>
+              </mc:Fallback>
+            </mc:AlternateContent>
+          </a:graphicData>
+        </a:graphic>
+      </p:graphicFrame>
+      <p:graphicFrame>
+        <p:nvGraphicFramePr>
+          <p:cNvPr id="13" name="对象 12"/>
+          <p:cNvGraphicFramePr>
+            <a:graphicFrameLocks noChangeAspect="1"/>
+          </p:cNvGraphicFramePr>
+          <p:nvPr>
+            <p:extLst>
+              <p:ext uri="{D42A27DB-BD31-4B8C-83A1-F6EECF244321}">
+                <p14:modId xmlns:p14="http://schemas.microsoft.com/office/powerpoint/2010/main" val="243473829"/>
+              </p:ext>
+            </p:extLst>
+          </p:nvPr>
+        </p:nvGraphicFramePr>
+        <p:xfrm>
+          <a:off x="5995435" y="4794896"/>
+          <a:ext cx="762000" cy="1054100"/>
+        </p:xfrm>
+        <a:graphic>
+          <a:graphicData uri="http://schemas.openxmlformats.org/presentationml/2006/ole">
+            <mc:AlternateContent xmlns:mc="http://schemas.openxmlformats.org/markup-compatibility/2006">
+              <mc:Choice xmlns:v="urn:schemas-microsoft-com:vml" Requires="v">
+                <p:oleObj spid="_x0000_s2189" name="Equation" r:id="rId45" imgW="164880" imgH="228600" progId="Equation.DSMT4">
+                  <p:embed/>
+                </p:oleObj>
+              </mc:Choice>
+              <mc:Fallback>
+                <p:oleObj name="Equation" r:id="rId45" imgW="164880" imgH="228600" progId="Equation.DSMT4">
+                  <p:embed/>
+                  <p:pic>
+                    <p:nvPicPr>
+                      <p:cNvPr id="0" name="对象 1"/>
+                      <p:cNvPicPr>
+                        <a:picLocks noChangeAspect="1" noChangeArrowheads="1"/>
+                      </p:cNvPicPr>
+                      <p:nvPr/>
+                    </p:nvPicPr>
+                    <p:blipFill>
+                      <a:blip r:embed="rId46"/>
+                      <a:srcRect/>
+                      <a:stretch>
+                        <a:fillRect/>
+                      </a:stretch>
+                    </p:blipFill>
+                    <p:spPr bwMode="auto">
+                      <a:xfrm>
+                        <a:off x="5995435" y="4794896"/>
+                        <a:ext cx="762000" cy="1054100"/>
+                      </a:xfrm>
+                      <a:prstGeom prst="rect">
+                        <a:avLst/>
+                      </a:prstGeom>
+                      <a:noFill/>
+                      <a:ln>
+                        <a:noFill/>
+                      </a:ln>
+                      <a:extLst>
+                        <a:ext uri="{909E8E84-426E-40DD-AFC4-6F175D3DCCD1}">
+                          <a14:hiddenFill xmlns:a14="http://schemas.microsoft.com/office/drawing/2010/main">
+                            <a:solidFill>
+                              <a:srgbClr val="FFFFFF"/>
+                            </a:solidFill>
+                          </a14:hiddenFill>
+                        </a:ext>
+                        <a:ext uri="{91240B29-F687-4F45-9708-019B960494DF}">
+                          <a14:hiddenLine xmlns:a14="http://schemas.microsoft.com/office/drawing/2010/main" w="9525">
+                            <a:solidFill>
+                              <a:srgbClr val="000000"/>
+                            </a:solidFill>
+                            <a:miter lim="800000"/>
+                            <a:headEnd/>
+                            <a:tailEnd/>
+                          </a14:hiddenLine>
+                        </a:ext>
+                      </a:extLst>
+                    </p:spPr>
+                  </p:pic>
+                </p:oleObj>
+              </mc:Fallback>
+            </mc:AlternateContent>
+          </a:graphicData>
+        </a:graphic>
+      </p:graphicFrame>
+      <p:graphicFrame>
+        <p:nvGraphicFramePr>
+          <p:cNvPr id="14" name="对象 13"/>
+          <p:cNvGraphicFramePr>
+            <a:graphicFrameLocks noChangeAspect="1"/>
+          </p:cNvGraphicFramePr>
+          <p:nvPr>
+            <p:extLst>
+              <p:ext uri="{D42A27DB-BD31-4B8C-83A1-F6EECF244321}">
+                <p14:modId xmlns:p14="http://schemas.microsoft.com/office/powerpoint/2010/main" val="4098090042"/>
+              </p:ext>
+            </p:extLst>
+          </p:nvPr>
+        </p:nvGraphicFramePr>
+        <p:xfrm>
+          <a:off x="9551435" y="4794896"/>
+          <a:ext cx="762000" cy="1054100"/>
+        </p:xfrm>
+        <a:graphic>
+          <a:graphicData uri="http://schemas.openxmlformats.org/presentationml/2006/ole">
+            <mc:AlternateContent xmlns:mc="http://schemas.openxmlformats.org/markup-compatibility/2006">
+              <mc:Choice xmlns:v="urn:schemas-microsoft-com:vml" Requires="v">
+                <p:oleObj spid="_x0000_s2190" name="Equation" r:id="rId47" imgW="164880" imgH="228600" progId="Equation.DSMT4">
+                  <p:embed/>
+                </p:oleObj>
+              </mc:Choice>
+              <mc:Fallback>
+                <p:oleObj name="Equation" r:id="rId47" imgW="164880" imgH="228600" progId="Equation.DSMT4">
+                  <p:embed/>
+                  <p:pic>
+                    <p:nvPicPr>
+                      <p:cNvPr id="0" name="对象 2"/>
+                      <p:cNvPicPr>
+                        <a:picLocks noChangeAspect="1" noChangeArrowheads="1"/>
+                      </p:cNvPicPr>
+                      <p:nvPr/>
+                    </p:nvPicPr>
+                    <p:blipFill>
+                      <a:blip r:embed="rId48"/>
+                      <a:srcRect/>
+                      <a:stretch>
+                        <a:fillRect/>
+                      </a:stretch>
+                    </p:blipFill>
+                    <p:spPr bwMode="auto">
+                      <a:xfrm>
+                        <a:off x="9551435" y="4794896"/>
+                        <a:ext cx="762000" cy="1054100"/>
+                      </a:xfrm>
+                      <a:prstGeom prst="rect">
+                        <a:avLst/>
+                      </a:prstGeom>
+                      <a:noFill/>
+                      <a:ln>
+                        <a:noFill/>
+                      </a:ln>
+                      <a:extLst>
+                        <a:ext uri="{909E8E84-426E-40DD-AFC4-6F175D3DCCD1}">
+                          <a14:hiddenFill xmlns:a14="http://schemas.microsoft.com/office/drawing/2010/main">
+                            <a:solidFill>
+                              <a:srgbClr val="FFFFFF"/>
+                            </a:solidFill>
+                          </a14:hiddenFill>
+                        </a:ext>
+                        <a:ext uri="{91240B29-F687-4F45-9708-019B960494DF}">
+                          <a14:hiddenLine xmlns:a14="http://schemas.microsoft.com/office/drawing/2010/main" w="9525">
+                            <a:solidFill>
+                              <a:srgbClr val="000000"/>
+                            </a:solidFill>
+                            <a:miter lim="800000"/>
+                            <a:headEnd/>
+                            <a:tailEnd/>
+                          </a14:hiddenLine>
+                        </a:ext>
+                      </a:extLst>
+                    </p:spPr>
+                  </p:pic>
+                </p:oleObj>
+              </mc:Fallback>
+            </mc:AlternateContent>
+          </a:graphicData>
+        </a:graphic>
+      </p:graphicFrame>
+      <p:graphicFrame>
+        <p:nvGraphicFramePr>
+          <p:cNvPr id="19" name="对象 18"/>
+          <p:cNvGraphicFramePr>
+            <a:graphicFrameLocks noChangeAspect="1"/>
+          </p:cNvGraphicFramePr>
+          <p:nvPr>
+            <p:extLst>
+              <p:ext uri="{D42A27DB-BD31-4B8C-83A1-F6EECF244321}">
+                <p14:modId xmlns:p14="http://schemas.microsoft.com/office/powerpoint/2010/main" val="3518499981"/>
+              </p:ext>
+            </p:extLst>
+          </p:nvPr>
+        </p:nvGraphicFramePr>
+        <p:xfrm>
+          <a:off x="11057973" y="4794896"/>
+          <a:ext cx="762000" cy="1054100"/>
+        </p:xfrm>
+        <a:graphic>
+          <a:graphicData uri="http://schemas.openxmlformats.org/presentationml/2006/ole">
+            <mc:AlternateContent xmlns:mc="http://schemas.openxmlformats.org/markup-compatibility/2006">
+              <mc:Choice xmlns:v="urn:schemas-microsoft-com:vml" Requires="v">
+                <p:oleObj spid="_x0000_s2191" name="Equation" r:id="rId49" imgW="164880" imgH="228600" progId="Equation.DSMT4">
+                  <p:embed/>
+                </p:oleObj>
+              </mc:Choice>
+              <mc:Fallback>
+                <p:oleObj name="Equation" r:id="rId49" imgW="164880" imgH="228600" progId="Equation.DSMT4">
+                  <p:embed/>
+                  <p:pic>
+                    <p:nvPicPr>
+                      <p:cNvPr id="0" name="对象 2"/>
+                      <p:cNvPicPr>
+                        <a:picLocks noChangeAspect="1" noChangeArrowheads="1"/>
+                      </p:cNvPicPr>
+                      <p:nvPr/>
+                    </p:nvPicPr>
+                    <p:blipFill>
+                      <a:blip r:embed="rId50"/>
+                      <a:srcRect/>
+                      <a:stretch>
+                        <a:fillRect/>
+                      </a:stretch>
+                    </p:blipFill>
+                    <p:spPr bwMode="auto">
+                      <a:xfrm>
+                        <a:off x="11057973" y="4794896"/>
+                        <a:ext cx="762000" cy="1054100"/>
+                      </a:xfrm>
+                      <a:prstGeom prst="rect">
+                        <a:avLst/>
+                      </a:prstGeom>
+                      <a:noFill/>
+                      <a:ln>
+                        <a:noFill/>
+                      </a:ln>
+                      <a:extLst>
+                        <a:ext uri="{909E8E84-426E-40DD-AFC4-6F175D3DCCD1}">
+                          <a14:hiddenFill xmlns:a14="http://schemas.microsoft.com/office/drawing/2010/main">
+                            <a:solidFill>
+                              <a:srgbClr val="FFFFFF"/>
+                            </a:solidFill>
+                          </a14:hiddenFill>
+                        </a:ext>
+                        <a:ext uri="{91240B29-F687-4F45-9708-019B960494DF}">
+                          <a14:hiddenLine xmlns:a14="http://schemas.microsoft.com/office/drawing/2010/main" w="9525">
+                            <a:solidFill>
+                              <a:srgbClr val="000000"/>
+                            </a:solidFill>
+                            <a:miter lim="800000"/>
+                            <a:headEnd/>
+                            <a:tailEnd/>
+                          </a14:hiddenLine>
+                        </a:ext>
+                      </a:extLst>
+                    </p:spPr>
+                  </p:pic>
+                </p:oleObj>
+              </mc:Fallback>
+            </mc:AlternateContent>
+          </a:graphicData>
+        </a:graphic>
+      </p:graphicFrame>
+      <p:sp>
+        <p:nvSpPr>
+          <p:cNvPr id="24" name="右大括号 23"/>
+          <p:cNvSpPr/>
+          <p:nvPr/>
+        </p:nvSpPr>
+        <p:spPr>
+          <a:xfrm rot="5400000">
+            <a:off x="6905814" y="1268254"/>
+            <a:ext cx="856505" cy="9202457"/>
+          </a:xfrm>
+          <a:prstGeom prst="rightBrace">
+            <a:avLst/>
+          </a:prstGeom>
+          <a:ln w="19050">
+            <a:solidFill>
+              <a:schemeClr val="tx1"/>
+            </a:solidFill>
+          </a:ln>
+        </p:spPr>
+        <p:style>
+          <a:lnRef idx="1">
+            <a:schemeClr val="accent1"/>
+          </a:lnRef>
+          <a:fillRef idx="0">
+            <a:schemeClr val="accent1"/>
+          </a:fillRef>
+          <a:effectRef idx="0">
+            <a:schemeClr val="accent1"/>
+          </a:effectRef>
+          <a:fontRef idx="minor">
+            <a:schemeClr val="tx1"/>
+          </a:fontRef>
+        </p:style>
+        <p:txBody>
+          <a:bodyPr rtlCol="0" anchor="ctr"/>
+          <a:lstStyle/>
+          <a:p>
+            <a:pPr algn="ctr"/>
+            <a:endParaRPr lang="zh-CN" altLang="en-US"/>
+          </a:p>
+        </p:txBody>
+      </p:sp>
+      <p:sp>
+        <p:nvSpPr>
+          <p:cNvPr id="38" name="TextBox 37"/>
+          <p:cNvSpPr txBox="1"/>
+          <p:nvPr/>
+        </p:nvSpPr>
+        <p:spPr>
+          <a:xfrm>
+            <a:off x="4184927" y="6120455"/>
+            <a:ext cx="6933158" cy="646331"/>
+          </a:xfrm>
+          <a:prstGeom prst="rect">
+            <a:avLst/>
+          </a:prstGeom>
+          <a:noFill/>
+        </p:spPr>
+        <p:txBody>
+          <a:bodyPr wrap="square" rtlCol="0">
+            <a:spAutoFit/>
+          </a:bodyPr>
+          <a:lstStyle/>
+          <a:p>
+            <a:r>
+              <a:rPr lang="zh-CN" altLang="en-US" sz="3600" b="1" dirty="0" smtClean="0"/>
+              <a:t>综合得出多分类模型的拟合优度</a:t>
+            </a:r>
+            <a:endParaRPr lang="zh-CN" altLang="en-US" sz="3600" b="1" dirty="0"/>
           </a:p>
         </p:txBody>
       </p:sp>

--- a/chapter02/图片/pic.pptx
+++ b/chapter02/图片/pic.pptx
@@ -8,19 +8,12 @@
     <p:sldId id="263" r:id="rId2"/>
     <p:sldId id="264" r:id="rId3"/>
     <p:sldId id="265" r:id="rId4"/>
-    <p:sldId id="266" r:id="rId5"/>
-    <p:sldId id="267" r:id="rId6"/>
-    <p:sldId id="268" r:id="rId7"/>
-    <p:sldId id="269" r:id="rId8"/>
-    <p:sldId id="270" r:id="rId9"/>
-    <p:sldId id="271" r:id="rId10"/>
-    <p:sldId id="272" r:id="rId11"/>
-    <p:sldId id="274" r:id="rId12"/>
-    <p:sldId id="275" r:id="rId13"/>
-    <p:sldId id="276" r:id="rId14"/>
-    <p:sldId id="273" r:id="rId15"/>
-    <p:sldId id="277" r:id="rId16"/>
-    <p:sldId id="278" r:id="rId17"/>
+    <p:sldId id="267" r:id="rId5"/>
+    <p:sldId id="266" r:id="rId6"/>
+    <p:sldId id="270" r:id="rId7"/>
+    <p:sldId id="271" r:id="rId8"/>
+    <p:sldId id="277" r:id="rId9"/>
+    <p:sldId id="278" r:id="rId10"/>
   </p:sldIdLst>
   <p:sldSz cx="12192000" cy="6858000"/>
   <p:notesSz cx="6858000" cy="9144000"/>
@@ -121,7 +114,7 @@
   </p:defaultTextStyle>
   <p:extLst>
     <p:ext uri="{EFAFB233-063F-42B5-8137-9DF3F51BA10A}">
-      <p15:sldGuideLst xmlns:p15="http://schemas.microsoft.com/office/powerpoint/2012/main" xmlns="">
+      <p15:sldGuideLst xmlns="" xmlns:p15="http://schemas.microsoft.com/office/powerpoint/2012/main">
         <p15:guide id="1" orient="horz" pos="2137" userDrawn="1">
           <p15:clr>
             <a:srgbClr val="A4A3A4"/>
@@ -160,7 +153,7 @@
           <p:cNvPr id="2" name="标题 1">
             <a:extLst>
               <a:ext uri="{FF2B5EF4-FFF2-40B4-BE49-F238E27FC236}">
-                <a16:creationId xmlns:a16="http://schemas.microsoft.com/office/drawing/2014/main" xmlns="" id="{9F63E0B1-0581-49FE-9A6A-7552F7466407}"/>
+                <a16:creationId xmlns="" xmlns:a16="http://schemas.microsoft.com/office/drawing/2014/main" id="{9F63E0B1-0581-49FE-9A6A-7552F7466407}"/>
               </a:ext>
             </a:extLst>
           </p:cNvPr>
@@ -197,7 +190,7 @@
           <p:cNvPr id="3" name="副标题 2">
             <a:extLst>
               <a:ext uri="{FF2B5EF4-FFF2-40B4-BE49-F238E27FC236}">
-                <a16:creationId xmlns:a16="http://schemas.microsoft.com/office/drawing/2014/main" xmlns="" id="{37551A78-F644-4FD0-B2A7-ECAA45367301}"/>
+                <a16:creationId xmlns="" xmlns:a16="http://schemas.microsoft.com/office/drawing/2014/main" id="{37551A78-F644-4FD0-B2A7-ECAA45367301}"/>
               </a:ext>
             </a:extLst>
           </p:cNvPr>
@@ -267,7 +260,7 @@
           <p:cNvPr id="4" name="日期占位符 3">
             <a:extLst>
               <a:ext uri="{FF2B5EF4-FFF2-40B4-BE49-F238E27FC236}">
-                <a16:creationId xmlns:a16="http://schemas.microsoft.com/office/drawing/2014/main" xmlns="" id="{74C86E2A-0DD3-464F-882F-895A9537588F}"/>
+                <a16:creationId xmlns="" xmlns:a16="http://schemas.microsoft.com/office/drawing/2014/main" id="{74C86E2A-0DD3-464F-882F-895A9537588F}"/>
               </a:ext>
             </a:extLst>
           </p:cNvPr>
@@ -285,7 +278,7 @@
           <a:p>
             <a:fld id="{CC60841D-ABD7-4225-8164-2463B86145F0}" type="datetimeFigureOut">
               <a:rPr lang="zh-CN" altLang="en-US" smtClean="0"/>
-              <a:t>2020/3/24</a:t>
+              <a:t>2020/6/16</a:t>
             </a:fld>
             <a:endParaRPr lang="zh-CN" altLang="en-US"/>
           </a:p>
@@ -296,7 +289,7 @@
           <p:cNvPr id="5" name="页脚占位符 4">
             <a:extLst>
               <a:ext uri="{FF2B5EF4-FFF2-40B4-BE49-F238E27FC236}">
-                <a16:creationId xmlns:a16="http://schemas.microsoft.com/office/drawing/2014/main" xmlns="" id="{C8BCDC32-9BB1-4E04-94F5-90A2B1FE13C3}"/>
+                <a16:creationId xmlns="" xmlns:a16="http://schemas.microsoft.com/office/drawing/2014/main" id="{C8BCDC32-9BB1-4E04-94F5-90A2B1FE13C3}"/>
               </a:ext>
             </a:extLst>
           </p:cNvPr>
@@ -321,7 +314,7 @@
           <p:cNvPr id="6" name="灯片编号占位符 5">
             <a:extLst>
               <a:ext uri="{FF2B5EF4-FFF2-40B4-BE49-F238E27FC236}">
-                <a16:creationId xmlns:a16="http://schemas.microsoft.com/office/drawing/2014/main" xmlns="" id="{9E0C0AD0-F682-4C5F-8FFE-040BE34C3F56}"/>
+                <a16:creationId xmlns="" xmlns:a16="http://schemas.microsoft.com/office/drawing/2014/main" id="{9E0C0AD0-F682-4C5F-8FFE-040BE34C3F56}"/>
               </a:ext>
             </a:extLst>
           </p:cNvPr>
@@ -380,7 +373,7 @@
           <p:cNvPr id="2" name="标题 1">
             <a:extLst>
               <a:ext uri="{FF2B5EF4-FFF2-40B4-BE49-F238E27FC236}">
-                <a16:creationId xmlns:a16="http://schemas.microsoft.com/office/drawing/2014/main" xmlns="" id="{73515C19-6EB1-4EB0-B16D-8FAD15C51A2C}"/>
+                <a16:creationId xmlns="" xmlns:a16="http://schemas.microsoft.com/office/drawing/2014/main" id="{73515C19-6EB1-4EB0-B16D-8FAD15C51A2C}"/>
               </a:ext>
             </a:extLst>
           </p:cNvPr>
@@ -408,7 +401,7 @@
           <p:cNvPr id="3" name="竖排文字占位符 2">
             <a:extLst>
               <a:ext uri="{FF2B5EF4-FFF2-40B4-BE49-F238E27FC236}">
-                <a16:creationId xmlns:a16="http://schemas.microsoft.com/office/drawing/2014/main" xmlns="" id="{E5B4FD0E-2844-457A-ACD6-00D0EA8C5116}"/>
+                <a16:creationId xmlns="" xmlns:a16="http://schemas.microsoft.com/office/drawing/2014/main" id="{E5B4FD0E-2844-457A-ACD6-00D0EA8C5116}"/>
               </a:ext>
             </a:extLst>
           </p:cNvPr>
@@ -465,7 +458,7 @@
           <p:cNvPr id="4" name="日期占位符 3">
             <a:extLst>
               <a:ext uri="{FF2B5EF4-FFF2-40B4-BE49-F238E27FC236}">
-                <a16:creationId xmlns:a16="http://schemas.microsoft.com/office/drawing/2014/main" xmlns="" id="{55C61537-1DEA-44AE-979F-04549024C485}"/>
+                <a16:creationId xmlns="" xmlns:a16="http://schemas.microsoft.com/office/drawing/2014/main" id="{55C61537-1DEA-44AE-979F-04549024C485}"/>
               </a:ext>
             </a:extLst>
           </p:cNvPr>
@@ -483,7 +476,7 @@
           <a:p>
             <a:fld id="{CC60841D-ABD7-4225-8164-2463B86145F0}" type="datetimeFigureOut">
               <a:rPr lang="zh-CN" altLang="en-US" smtClean="0"/>
-              <a:t>2020/3/24</a:t>
+              <a:t>2020/6/16</a:t>
             </a:fld>
             <a:endParaRPr lang="zh-CN" altLang="en-US"/>
           </a:p>
@@ -494,7 +487,7 @@
           <p:cNvPr id="5" name="页脚占位符 4">
             <a:extLst>
               <a:ext uri="{FF2B5EF4-FFF2-40B4-BE49-F238E27FC236}">
-                <a16:creationId xmlns:a16="http://schemas.microsoft.com/office/drawing/2014/main" xmlns="" id="{13353CB6-FF8F-4A59-B039-E60C15DFAEB1}"/>
+                <a16:creationId xmlns="" xmlns:a16="http://schemas.microsoft.com/office/drawing/2014/main" id="{13353CB6-FF8F-4A59-B039-E60C15DFAEB1}"/>
               </a:ext>
             </a:extLst>
           </p:cNvPr>
@@ -519,7 +512,7 @@
           <p:cNvPr id="6" name="灯片编号占位符 5">
             <a:extLst>
               <a:ext uri="{FF2B5EF4-FFF2-40B4-BE49-F238E27FC236}">
-                <a16:creationId xmlns:a16="http://schemas.microsoft.com/office/drawing/2014/main" xmlns="" id="{6CB014A1-0DC9-42A4-B014-243059E622B3}"/>
+                <a16:creationId xmlns="" xmlns:a16="http://schemas.microsoft.com/office/drawing/2014/main" id="{6CB014A1-0DC9-42A4-B014-243059E622B3}"/>
               </a:ext>
             </a:extLst>
           </p:cNvPr>
@@ -578,7 +571,7 @@
           <p:cNvPr id="2" name="竖排标题 1">
             <a:extLst>
               <a:ext uri="{FF2B5EF4-FFF2-40B4-BE49-F238E27FC236}">
-                <a16:creationId xmlns:a16="http://schemas.microsoft.com/office/drawing/2014/main" xmlns="" id="{B70B87C2-2F1F-427A-A91A-F65195284CA5}"/>
+                <a16:creationId xmlns="" xmlns:a16="http://schemas.microsoft.com/office/drawing/2014/main" id="{B70B87C2-2F1F-427A-A91A-F65195284CA5}"/>
               </a:ext>
             </a:extLst>
           </p:cNvPr>
@@ -611,7 +604,7 @@
           <p:cNvPr id="3" name="竖排文字占位符 2">
             <a:extLst>
               <a:ext uri="{FF2B5EF4-FFF2-40B4-BE49-F238E27FC236}">
-                <a16:creationId xmlns:a16="http://schemas.microsoft.com/office/drawing/2014/main" xmlns="" id="{C338C049-8D53-4478-94CA-EEC5360A8EDC}"/>
+                <a16:creationId xmlns="" xmlns:a16="http://schemas.microsoft.com/office/drawing/2014/main" id="{C338C049-8D53-4478-94CA-EEC5360A8EDC}"/>
               </a:ext>
             </a:extLst>
           </p:cNvPr>
@@ -673,7 +666,7 @@
           <p:cNvPr id="4" name="日期占位符 3">
             <a:extLst>
               <a:ext uri="{FF2B5EF4-FFF2-40B4-BE49-F238E27FC236}">
-                <a16:creationId xmlns:a16="http://schemas.microsoft.com/office/drawing/2014/main" xmlns="" id="{902B6BF1-F169-4279-B6EA-A1F3796235A1}"/>
+                <a16:creationId xmlns="" xmlns:a16="http://schemas.microsoft.com/office/drawing/2014/main" id="{902B6BF1-F169-4279-B6EA-A1F3796235A1}"/>
               </a:ext>
             </a:extLst>
           </p:cNvPr>
@@ -691,7 +684,7 @@
           <a:p>
             <a:fld id="{CC60841D-ABD7-4225-8164-2463B86145F0}" type="datetimeFigureOut">
               <a:rPr lang="zh-CN" altLang="en-US" smtClean="0"/>
-              <a:t>2020/3/24</a:t>
+              <a:t>2020/6/16</a:t>
             </a:fld>
             <a:endParaRPr lang="zh-CN" altLang="en-US"/>
           </a:p>
@@ -702,7 +695,7 @@
           <p:cNvPr id="5" name="页脚占位符 4">
             <a:extLst>
               <a:ext uri="{FF2B5EF4-FFF2-40B4-BE49-F238E27FC236}">
-                <a16:creationId xmlns:a16="http://schemas.microsoft.com/office/drawing/2014/main" xmlns="" id="{E6DC343C-62C7-4821-A3B7-F216619E5C80}"/>
+                <a16:creationId xmlns="" xmlns:a16="http://schemas.microsoft.com/office/drawing/2014/main" id="{E6DC343C-62C7-4821-A3B7-F216619E5C80}"/>
               </a:ext>
             </a:extLst>
           </p:cNvPr>
@@ -727,7 +720,7 @@
           <p:cNvPr id="6" name="灯片编号占位符 5">
             <a:extLst>
               <a:ext uri="{FF2B5EF4-FFF2-40B4-BE49-F238E27FC236}">
-                <a16:creationId xmlns:a16="http://schemas.microsoft.com/office/drawing/2014/main" xmlns="" id="{C7BF0B2B-0157-4F9E-A3F3-58D794867622}"/>
+                <a16:creationId xmlns="" xmlns:a16="http://schemas.microsoft.com/office/drawing/2014/main" id="{C7BF0B2B-0157-4F9E-A3F3-58D794867622}"/>
               </a:ext>
             </a:extLst>
           </p:cNvPr>
@@ -786,7 +779,7 @@
           <p:cNvPr id="2" name="标题 1">
             <a:extLst>
               <a:ext uri="{FF2B5EF4-FFF2-40B4-BE49-F238E27FC236}">
-                <a16:creationId xmlns:a16="http://schemas.microsoft.com/office/drawing/2014/main" xmlns="" id="{B0D683B3-1A6F-4071-9A6A-B761726D22FB}"/>
+                <a16:creationId xmlns="" xmlns:a16="http://schemas.microsoft.com/office/drawing/2014/main" id="{B0D683B3-1A6F-4071-9A6A-B761726D22FB}"/>
               </a:ext>
             </a:extLst>
           </p:cNvPr>
@@ -814,7 +807,7 @@
           <p:cNvPr id="3" name="内容占位符 2">
             <a:extLst>
               <a:ext uri="{FF2B5EF4-FFF2-40B4-BE49-F238E27FC236}">
-                <a16:creationId xmlns:a16="http://schemas.microsoft.com/office/drawing/2014/main" xmlns="" id="{71A2A1F5-D564-461B-805A-04CEDAF397CD}"/>
+                <a16:creationId xmlns="" xmlns:a16="http://schemas.microsoft.com/office/drawing/2014/main" id="{71A2A1F5-D564-461B-805A-04CEDAF397CD}"/>
               </a:ext>
             </a:extLst>
           </p:cNvPr>
@@ -871,7 +864,7 @@
           <p:cNvPr id="4" name="日期占位符 3">
             <a:extLst>
               <a:ext uri="{FF2B5EF4-FFF2-40B4-BE49-F238E27FC236}">
-                <a16:creationId xmlns:a16="http://schemas.microsoft.com/office/drawing/2014/main" xmlns="" id="{D3B9C865-CE2D-492E-94E6-56C41F5551EA}"/>
+                <a16:creationId xmlns="" xmlns:a16="http://schemas.microsoft.com/office/drawing/2014/main" id="{D3B9C865-CE2D-492E-94E6-56C41F5551EA}"/>
               </a:ext>
             </a:extLst>
           </p:cNvPr>
@@ -889,7 +882,7 @@
           <a:p>
             <a:fld id="{CC60841D-ABD7-4225-8164-2463B86145F0}" type="datetimeFigureOut">
               <a:rPr lang="zh-CN" altLang="en-US" smtClean="0"/>
-              <a:t>2020/3/24</a:t>
+              <a:t>2020/6/16</a:t>
             </a:fld>
             <a:endParaRPr lang="zh-CN" altLang="en-US"/>
           </a:p>
@@ -900,7 +893,7 @@
           <p:cNvPr id="5" name="页脚占位符 4">
             <a:extLst>
               <a:ext uri="{FF2B5EF4-FFF2-40B4-BE49-F238E27FC236}">
-                <a16:creationId xmlns:a16="http://schemas.microsoft.com/office/drawing/2014/main" xmlns="" id="{A8F9C606-02C0-4B44-B99E-6B43000D7DDC}"/>
+                <a16:creationId xmlns="" xmlns:a16="http://schemas.microsoft.com/office/drawing/2014/main" id="{A8F9C606-02C0-4B44-B99E-6B43000D7DDC}"/>
               </a:ext>
             </a:extLst>
           </p:cNvPr>
@@ -925,7 +918,7 @@
           <p:cNvPr id="6" name="灯片编号占位符 5">
             <a:extLst>
               <a:ext uri="{FF2B5EF4-FFF2-40B4-BE49-F238E27FC236}">
-                <a16:creationId xmlns:a16="http://schemas.microsoft.com/office/drawing/2014/main" xmlns="" id="{10511C19-AFDC-46D1-81F1-6C80A1B7815C}"/>
+                <a16:creationId xmlns="" xmlns:a16="http://schemas.microsoft.com/office/drawing/2014/main" id="{10511C19-AFDC-46D1-81F1-6C80A1B7815C}"/>
               </a:ext>
             </a:extLst>
           </p:cNvPr>
@@ -984,7 +977,7 @@
           <p:cNvPr id="2" name="标题 1">
             <a:extLst>
               <a:ext uri="{FF2B5EF4-FFF2-40B4-BE49-F238E27FC236}">
-                <a16:creationId xmlns:a16="http://schemas.microsoft.com/office/drawing/2014/main" xmlns="" id="{74C1EB06-9468-49FA-A6EB-29B465FABB1C}"/>
+                <a16:creationId xmlns="" xmlns:a16="http://schemas.microsoft.com/office/drawing/2014/main" id="{74C1EB06-9468-49FA-A6EB-29B465FABB1C}"/>
               </a:ext>
             </a:extLst>
           </p:cNvPr>
@@ -1021,7 +1014,7 @@
           <p:cNvPr id="3" name="文本占位符 2">
             <a:extLst>
               <a:ext uri="{FF2B5EF4-FFF2-40B4-BE49-F238E27FC236}">
-                <a16:creationId xmlns:a16="http://schemas.microsoft.com/office/drawing/2014/main" xmlns="" id="{CDD367E0-BED1-4775-919C-9F78EC955747}"/>
+                <a16:creationId xmlns="" xmlns:a16="http://schemas.microsoft.com/office/drawing/2014/main" id="{CDD367E0-BED1-4775-919C-9F78EC955747}"/>
               </a:ext>
             </a:extLst>
           </p:cNvPr>
@@ -1146,7 +1139,7 @@
           <p:cNvPr id="4" name="日期占位符 3">
             <a:extLst>
               <a:ext uri="{FF2B5EF4-FFF2-40B4-BE49-F238E27FC236}">
-                <a16:creationId xmlns:a16="http://schemas.microsoft.com/office/drawing/2014/main" xmlns="" id="{B031BEC5-361B-483F-9A6A-C57BE121849D}"/>
+                <a16:creationId xmlns="" xmlns:a16="http://schemas.microsoft.com/office/drawing/2014/main" id="{B031BEC5-361B-483F-9A6A-C57BE121849D}"/>
               </a:ext>
             </a:extLst>
           </p:cNvPr>
@@ -1164,7 +1157,7 @@
           <a:p>
             <a:fld id="{CC60841D-ABD7-4225-8164-2463B86145F0}" type="datetimeFigureOut">
               <a:rPr lang="zh-CN" altLang="en-US" smtClean="0"/>
-              <a:t>2020/3/24</a:t>
+              <a:t>2020/6/16</a:t>
             </a:fld>
             <a:endParaRPr lang="zh-CN" altLang="en-US"/>
           </a:p>
@@ -1175,7 +1168,7 @@
           <p:cNvPr id="5" name="页脚占位符 4">
             <a:extLst>
               <a:ext uri="{FF2B5EF4-FFF2-40B4-BE49-F238E27FC236}">
-                <a16:creationId xmlns:a16="http://schemas.microsoft.com/office/drawing/2014/main" xmlns="" id="{BBF82F70-00F7-4C10-A520-904C9BCB4552}"/>
+                <a16:creationId xmlns="" xmlns:a16="http://schemas.microsoft.com/office/drawing/2014/main" id="{BBF82F70-00F7-4C10-A520-904C9BCB4552}"/>
               </a:ext>
             </a:extLst>
           </p:cNvPr>
@@ -1200,7 +1193,7 @@
           <p:cNvPr id="6" name="灯片编号占位符 5">
             <a:extLst>
               <a:ext uri="{FF2B5EF4-FFF2-40B4-BE49-F238E27FC236}">
-                <a16:creationId xmlns:a16="http://schemas.microsoft.com/office/drawing/2014/main" xmlns="" id="{A64EFC45-1421-4043-A15B-06A3B15532BF}"/>
+                <a16:creationId xmlns="" xmlns:a16="http://schemas.microsoft.com/office/drawing/2014/main" id="{A64EFC45-1421-4043-A15B-06A3B15532BF}"/>
               </a:ext>
             </a:extLst>
           </p:cNvPr>
@@ -1259,7 +1252,7 @@
           <p:cNvPr id="2" name="标题 1">
             <a:extLst>
               <a:ext uri="{FF2B5EF4-FFF2-40B4-BE49-F238E27FC236}">
-                <a16:creationId xmlns:a16="http://schemas.microsoft.com/office/drawing/2014/main" xmlns="" id="{ED8EE675-DD80-4E75-9F24-3CED744454E0}"/>
+                <a16:creationId xmlns="" xmlns:a16="http://schemas.microsoft.com/office/drawing/2014/main" id="{ED8EE675-DD80-4E75-9F24-3CED744454E0}"/>
               </a:ext>
             </a:extLst>
           </p:cNvPr>
@@ -1287,7 +1280,7 @@
           <p:cNvPr id="3" name="内容占位符 2">
             <a:extLst>
               <a:ext uri="{FF2B5EF4-FFF2-40B4-BE49-F238E27FC236}">
-                <a16:creationId xmlns:a16="http://schemas.microsoft.com/office/drawing/2014/main" xmlns="" id="{65C0B056-D77B-4092-A73D-3713527014FA}"/>
+                <a16:creationId xmlns="" xmlns:a16="http://schemas.microsoft.com/office/drawing/2014/main" id="{65C0B056-D77B-4092-A73D-3713527014FA}"/>
               </a:ext>
             </a:extLst>
           </p:cNvPr>
@@ -1349,7 +1342,7 @@
           <p:cNvPr id="4" name="内容占位符 3">
             <a:extLst>
               <a:ext uri="{FF2B5EF4-FFF2-40B4-BE49-F238E27FC236}">
-                <a16:creationId xmlns:a16="http://schemas.microsoft.com/office/drawing/2014/main" xmlns="" id="{F28BBF22-7714-487B-B84A-1E9983D323FC}"/>
+                <a16:creationId xmlns="" xmlns:a16="http://schemas.microsoft.com/office/drawing/2014/main" id="{F28BBF22-7714-487B-B84A-1E9983D323FC}"/>
               </a:ext>
             </a:extLst>
           </p:cNvPr>
@@ -1411,7 +1404,7 @@
           <p:cNvPr id="5" name="日期占位符 4">
             <a:extLst>
               <a:ext uri="{FF2B5EF4-FFF2-40B4-BE49-F238E27FC236}">
-                <a16:creationId xmlns:a16="http://schemas.microsoft.com/office/drawing/2014/main" xmlns="" id="{507AA2CA-E1C3-4A28-9D6B-73C1812C3E46}"/>
+                <a16:creationId xmlns="" xmlns:a16="http://schemas.microsoft.com/office/drawing/2014/main" id="{507AA2CA-E1C3-4A28-9D6B-73C1812C3E46}"/>
               </a:ext>
             </a:extLst>
           </p:cNvPr>
@@ -1429,7 +1422,7 @@
           <a:p>
             <a:fld id="{CC60841D-ABD7-4225-8164-2463B86145F0}" type="datetimeFigureOut">
               <a:rPr lang="zh-CN" altLang="en-US" smtClean="0"/>
-              <a:t>2020/3/24</a:t>
+              <a:t>2020/6/16</a:t>
             </a:fld>
             <a:endParaRPr lang="zh-CN" altLang="en-US"/>
           </a:p>
@@ -1440,7 +1433,7 @@
           <p:cNvPr id="6" name="页脚占位符 5">
             <a:extLst>
               <a:ext uri="{FF2B5EF4-FFF2-40B4-BE49-F238E27FC236}">
-                <a16:creationId xmlns:a16="http://schemas.microsoft.com/office/drawing/2014/main" xmlns="" id="{8C56556A-E66D-4663-A3CB-9F7DB517ECEF}"/>
+                <a16:creationId xmlns="" xmlns:a16="http://schemas.microsoft.com/office/drawing/2014/main" id="{8C56556A-E66D-4663-A3CB-9F7DB517ECEF}"/>
               </a:ext>
             </a:extLst>
           </p:cNvPr>
@@ -1465,7 +1458,7 @@
           <p:cNvPr id="7" name="灯片编号占位符 6">
             <a:extLst>
               <a:ext uri="{FF2B5EF4-FFF2-40B4-BE49-F238E27FC236}">
-                <a16:creationId xmlns:a16="http://schemas.microsoft.com/office/drawing/2014/main" xmlns="" id="{6ACDA75F-3063-4D7D-98E0-2053DEDAC758}"/>
+                <a16:creationId xmlns="" xmlns:a16="http://schemas.microsoft.com/office/drawing/2014/main" id="{6ACDA75F-3063-4D7D-98E0-2053DEDAC758}"/>
               </a:ext>
             </a:extLst>
           </p:cNvPr>
@@ -1524,7 +1517,7 @@
           <p:cNvPr id="2" name="标题 1">
             <a:extLst>
               <a:ext uri="{FF2B5EF4-FFF2-40B4-BE49-F238E27FC236}">
-                <a16:creationId xmlns:a16="http://schemas.microsoft.com/office/drawing/2014/main" xmlns="" id="{CA46CFCA-2846-476D-95D0-AFAE15D908E7}"/>
+                <a16:creationId xmlns="" xmlns:a16="http://schemas.microsoft.com/office/drawing/2014/main" id="{CA46CFCA-2846-476D-95D0-AFAE15D908E7}"/>
               </a:ext>
             </a:extLst>
           </p:cNvPr>
@@ -1557,7 +1550,7 @@
           <p:cNvPr id="3" name="文本占位符 2">
             <a:extLst>
               <a:ext uri="{FF2B5EF4-FFF2-40B4-BE49-F238E27FC236}">
-                <a16:creationId xmlns:a16="http://schemas.microsoft.com/office/drawing/2014/main" xmlns="" id="{1D7B9BBE-151A-4FC1-8EF0-93127AFACBED}"/>
+                <a16:creationId xmlns="" xmlns:a16="http://schemas.microsoft.com/office/drawing/2014/main" id="{1D7B9BBE-151A-4FC1-8EF0-93127AFACBED}"/>
               </a:ext>
             </a:extLst>
           </p:cNvPr>
@@ -1628,7 +1621,7 @@
           <p:cNvPr id="4" name="内容占位符 3">
             <a:extLst>
               <a:ext uri="{FF2B5EF4-FFF2-40B4-BE49-F238E27FC236}">
-                <a16:creationId xmlns:a16="http://schemas.microsoft.com/office/drawing/2014/main" xmlns="" id="{6AB21F3B-566C-4D9A-A19A-210DFF44188B}"/>
+                <a16:creationId xmlns="" xmlns:a16="http://schemas.microsoft.com/office/drawing/2014/main" id="{6AB21F3B-566C-4D9A-A19A-210DFF44188B}"/>
               </a:ext>
             </a:extLst>
           </p:cNvPr>
@@ -1690,7 +1683,7 @@
           <p:cNvPr id="5" name="文本占位符 4">
             <a:extLst>
               <a:ext uri="{FF2B5EF4-FFF2-40B4-BE49-F238E27FC236}">
-                <a16:creationId xmlns:a16="http://schemas.microsoft.com/office/drawing/2014/main" xmlns="" id="{BB5D11AE-12BC-4311-8F6B-DFB7697883E0}"/>
+                <a16:creationId xmlns="" xmlns:a16="http://schemas.microsoft.com/office/drawing/2014/main" id="{BB5D11AE-12BC-4311-8F6B-DFB7697883E0}"/>
               </a:ext>
             </a:extLst>
           </p:cNvPr>
@@ -1761,7 +1754,7 @@
           <p:cNvPr id="6" name="内容占位符 5">
             <a:extLst>
               <a:ext uri="{FF2B5EF4-FFF2-40B4-BE49-F238E27FC236}">
-                <a16:creationId xmlns:a16="http://schemas.microsoft.com/office/drawing/2014/main" xmlns="" id="{9573600F-8B12-47D6-B511-6CA227AE764F}"/>
+                <a16:creationId xmlns="" xmlns:a16="http://schemas.microsoft.com/office/drawing/2014/main" id="{9573600F-8B12-47D6-B511-6CA227AE764F}"/>
               </a:ext>
             </a:extLst>
           </p:cNvPr>
@@ -1823,7 +1816,7 @@
           <p:cNvPr id="7" name="日期占位符 6">
             <a:extLst>
               <a:ext uri="{FF2B5EF4-FFF2-40B4-BE49-F238E27FC236}">
-                <a16:creationId xmlns:a16="http://schemas.microsoft.com/office/drawing/2014/main" xmlns="" id="{D708104A-8884-4014-9B9C-54B9A4B8FC2C}"/>
+                <a16:creationId xmlns="" xmlns:a16="http://schemas.microsoft.com/office/drawing/2014/main" id="{D708104A-8884-4014-9B9C-54B9A4B8FC2C}"/>
               </a:ext>
             </a:extLst>
           </p:cNvPr>
@@ -1841,7 +1834,7 @@
           <a:p>
             <a:fld id="{CC60841D-ABD7-4225-8164-2463B86145F0}" type="datetimeFigureOut">
               <a:rPr lang="zh-CN" altLang="en-US" smtClean="0"/>
-              <a:t>2020/3/24</a:t>
+              <a:t>2020/6/16</a:t>
             </a:fld>
             <a:endParaRPr lang="zh-CN" altLang="en-US"/>
           </a:p>
@@ -1852,7 +1845,7 @@
           <p:cNvPr id="8" name="页脚占位符 7">
             <a:extLst>
               <a:ext uri="{FF2B5EF4-FFF2-40B4-BE49-F238E27FC236}">
-                <a16:creationId xmlns:a16="http://schemas.microsoft.com/office/drawing/2014/main" xmlns="" id="{3470B01E-5DBD-4F28-A2E6-886F5623D81B}"/>
+                <a16:creationId xmlns="" xmlns:a16="http://schemas.microsoft.com/office/drawing/2014/main" id="{3470B01E-5DBD-4F28-A2E6-886F5623D81B}"/>
               </a:ext>
             </a:extLst>
           </p:cNvPr>
@@ -1877,7 +1870,7 @@
           <p:cNvPr id="9" name="灯片编号占位符 8">
             <a:extLst>
               <a:ext uri="{FF2B5EF4-FFF2-40B4-BE49-F238E27FC236}">
-                <a16:creationId xmlns:a16="http://schemas.microsoft.com/office/drawing/2014/main" xmlns="" id="{2D4A8820-8DA8-4043-AD47-9FEEAD9388DA}"/>
+                <a16:creationId xmlns="" xmlns:a16="http://schemas.microsoft.com/office/drawing/2014/main" id="{2D4A8820-8DA8-4043-AD47-9FEEAD9388DA}"/>
               </a:ext>
             </a:extLst>
           </p:cNvPr>
@@ -1936,7 +1929,7 @@
           <p:cNvPr id="2" name="标题 1">
             <a:extLst>
               <a:ext uri="{FF2B5EF4-FFF2-40B4-BE49-F238E27FC236}">
-                <a16:creationId xmlns:a16="http://schemas.microsoft.com/office/drawing/2014/main" xmlns="" id="{428B42C7-FD50-40AC-9442-CC748B00BED0}"/>
+                <a16:creationId xmlns="" xmlns:a16="http://schemas.microsoft.com/office/drawing/2014/main" id="{428B42C7-FD50-40AC-9442-CC748B00BED0}"/>
               </a:ext>
             </a:extLst>
           </p:cNvPr>
@@ -1964,7 +1957,7 @@
           <p:cNvPr id="3" name="日期占位符 2">
             <a:extLst>
               <a:ext uri="{FF2B5EF4-FFF2-40B4-BE49-F238E27FC236}">
-                <a16:creationId xmlns:a16="http://schemas.microsoft.com/office/drawing/2014/main" xmlns="" id="{BB19E79B-DB7E-4082-8D38-871F1981C3DC}"/>
+                <a16:creationId xmlns="" xmlns:a16="http://schemas.microsoft.com/office/drawing/2014/main" id="{BB19E79B-DB7E-4082-8D38-871F1981C3DC}"/>
               </a:ext>
             </a:extLst>
           </p:cNvPr>
@@ -1982,7 +1975,7 @@
           <a:p>
             <a:fld id="{CC60841D-ABD7-4225-8164-2463B86145F0}" type="datetimeFigureOut">
               <a:rPr lang="zh-CN" altLang="en-US" smtClean="0"/>
-              <a:t>2020/3/24</a:t>
+              <a:t>2020/6/16</a:t>
             </a:fld>
             <a:endParaRPr lang="zh-CN" altLang="en-US"/>
           </a:p>
@@ -1993,7 +1986,7 @@
           <p:cNvPr id="4" name="页脚占位符 3">
             <a:extLst>
               <a:ext uri="{FF2B5EF4-FFF2-40B4-BE49-F238E27FC236}">
-                <a16:creationId xmlns:a16="http://schemas.microsoft.com/office/drawing/2014/main" xmlns="" id="{67766D57-CC5C-4947-BCED-D32480DF0D00}"/>
+                <a16:creationId xmlns="" xmlns:a16="http://schemas.microsoft.com/office/drawing/2014/main" id="{67766D57-CC5C-4947-BCED-D32480DF0D00}"/>
               </a:ext>
             </a:extLst>
           </p:cNvPr>
@@ -2018,7 +2011,7 @@
           <p:cNvPr id="5" name="灯片编号占位符 4">
             <a:extLst>
               <a:ext uri="{FF2B5EF4-FFF2-40B4-BE49-F238E27FC236}">
-                <a16:creationId xmlns:a16="http://schemas.microsoft.com/office/drawing/2014/main" xmlns="" id="{4360D628-CCA5-4B83-99D6-588413098483}"/>
+                <a16:creationId xmlns="" xmlns:a16="http://schemas.microsoft.com/office/drawing/2014/main" id="{4360D628-CCA5-4B83-99D6-588413098483}"/>
               </a:ext>
             </a:extLst>
           </p:cNvPr>
@@ -2077,7 +2070,7 @@
           <p:cNvPr id="2" name="日期占位符 1">
             <a:extLst>
               <a:ext uri="{FF2B5EF4-FFF2-40B4-BE49-F238E27FC236}">
-                <a16:creationId xmlns:a16="http://schemas.microsoft.com/office/drawing/2014/main" xmlns="" id="{347BF464-3F79-4E49-B766-A738D0A0D8E3}"/>
+                <a16:creationId xmlns="" xmlns:a16="http://schemas.microsoft.com/office/drawing/2014/main" id="{347BF464-3F79-4E49-B766-A738D0A0D8E3}"/>
               </a:ext>
             </a:extLst>
           </p:cNvPr>
@@ -2095,7 +2088,7 @@
           <a:p>
             <a:fld id="{CC60841D-ABD7-4225-8164-2463B86145F0}" type="datetimeFigureOut">
               <a:rPr lang="zh-CN" altLang="en-US" smtClean="0"/>
-              <a:t>2020/3/24</a:t>
+              <a:t>2020/6/16</a:t>
             </a:fld>
             <a:endParaRPr lang="zh-CN" altLang="en-US"/>
           </a:p>
@@ -2106,7 +2099,7 @@
           <p:cNvPr id="3" name="页脚占位符 2">
             <a:extLst>
               <a:ext uri="{FF2B5EF4-FFF2-40B4-BE49-F238E27FC236}">
-                <a16:creationId xmlns:a16="http://schemas.microsoft.com/office/drawing/2014/main" xmlns="" id="{DA3BF752-7961-495D-BB03-CDC157F98FE7}"/>
+                <a16:creationId xmlns="" xmlns:a16="http://schemas.microsoft.com/office/drawing/2014/main" id="{DA3BF752-7961-495D-BB03-CDC157F98FE7}"/>
               </a:ext>
             </a:extLst>
           </p:cNvPr>
@@ -2131,7 +2124,7 @@
           <p:cNvPr id="4" name="灯片编号占位符 3">
             <a:extLst>
               <a:ext uri="{FF2B5EF4-FFF2-40B4-BE49-F238E27FC236}">
-                <a16:creationId xmlns:a16="http://schemas.microsoft.com/office/drawing/2014/main" xmlns="" id="{A0F18AE2-A547-45E8-AE18-6D9036EE9BF1}"/>
+                <a16:creationId xmlns="" xmlns:a16="http://schemas.microsoft.com/office/drawing/2014/main" id="{A0F18AE2-A547-45E8-AE18-6D9036EE9BF1}"/>
               </a:ext>
             </a:extLst>
           </p:cNvPr>
@@ -2190,7 +2183,7 @@
           <p:cNvPr id="2" name="标题 1">
             <a:extLst>
               <a:ext uri="{FF2B5EF4-FFF2-40B4-BE49-F238E27FC236}">
-                <a16:creationId xmlns:a16="http://schemas.microsoft.com/office/drawing/2014/main" xmlns="" id="{94CCBFC2-FFD9-4355-8E5E-192DA2BD69F3}"/>
+                <a16:creationId xmlns="" xmlns:a16="http://schemas.microsoft.com/office/drawing/2014/main" id="{94CCBFC2-FFD9-4355-8E5E-192DA2BD69F3}"/>
               </a:ext>
             </a:extLst>
           </p:cNvPr>
@@ -2227,7 +2220,7 @@
           <p:cNvPr id="3" name="内容占位符 2">
             <a:extLst>
               <a:ext uri="{FF2B5EF4-FFF2-40B4-BE49-F238E27FC236}">
-                <a16:creationId xmlns:a16="http://schemas.microsoft.com/office/drawing/2014/main" xmlns="" id="{CFF0B19D-9D01-4A00-AA1A-6C283F0DEC92}"/>
+                <a16:creationId xmlns="" xmlns:a16="http://schemas.microsoft.com/office/drawing/2014/main" id="{CFF0B19D-9D01-4A00-AA1A-6C283F0DEC92}"/>
               </a:ext>
             </a:extLst>
           </p:cNvPr>
@@ -2317,7 +2310,7 @@
           <p:cNvPr id="4" name="文本占位符 3">
             <a:extLst>
               <a:ext uri="{FF2B5EF4-FFF2-40B4-BE49-F238E27FC236}">
-                <a16:creationId xmlns:a16="http://schemas.microsoft.com/office/drawing/2014/main" xmlns="" id="{D9BDC3E6-F211-4183-97A0-9776ED1D7F5A}"/>
+                <a16:creationId xmlns="" xmlns:a16="http://schemas.microsoft.com/office/drawing/2014/main" id="{D9BDC3E6-F211-4183-97A0-9776ED1D7F5A}"/>
               </a:ext>
             </a:extLst>
           </p:cNvPr>
@@ -2388,7 +2381,7 @@
           <p:cNvPr id="5" name="日期占位符 4">
             <a:extLst>
               <a:ext uri="{FF2B5EF4-FFF2-40B4-BE49-F238E27FC236}">
-                <a16:creationId xmlns:a16="http://schemas.microsoft.com/office/drawing/2014/main" xmlns="" id="{FFDA202F-0C46-40E1-B6BA-930E5E8E04F9}"/>
+                <a16:creationId xmlns="" xmlns:a16="http://schemas.microsoft.com/office/drawing/2014/main" id="{FFDA202F-0C46-40E1-B6BA-930E5E8E04F9}"/>
               </a:ext>
             </a:extLst>
           </p:cNvPr>
@@ -2406,7 +2399,7 @@
           <a:p>
             <a:fld id="{CC60841D-ABD7-4225-8164-2463B86145F0}" type="datetimeFigureOut">
               <a:rPr lang="zh-CN" altLang="en-US" smtClean="0"/>
-              <a:t>2020/3/24</a:t>
+              <a:t>2020/6/16</a:t>
             </a:fld>
             <a:endParaRPr lang="zh-CN" altLang="en-US"/>
           </a:p>
@@ -2417,7 +2410,7 @@
           <p:cNvPr id="6" name="页脚占位符 5">
             <a:extLst>
               <a:ext uri="{FF2B5EF4-FFF2-40B4-BE49-F238E27FC236}">
-                <a16:creationId xmlns:a16="http://schemas.microsoft.com/office/drawing/2014/main" xmlns="" id="{FF4AB4EF-5E19-4163-96B7-B7E246F39475}"/>
+                <a16:creationId xmlns="" xmlns:a16="http://schemas.microsoft.com/office/drawing/2014/main" id="{FF4AB4EF-5E19-4163-96B7-B7E246F39475}"/>
               </a:ext>
             </a:extLst>
           </p:cNvPr>
@@ -2442,7 +2435,7 @@
           <p:cNvPr id="7" name="灯片编号占位符 6">
             <a:extLst>
               <a:ext uri="{FF2B5EF4-FFF2-40B4-BE49-F238E27FC236}">
-                <a16:creationId xmlns:a16="http://schemas.microsoft.com/office/drawing/2014/main" xmlns="" id="{138E5659-E835-45C1-8B2F-F0E0D6F30946}"/>
+                <a16:creationId xmlns="" xmlns:a16="http://schemas.microsoft.com/office/drawing/2014/main" id="{138E5659-E835-45C1-8B2F-F0E0D6F30946}"/>
               </a:ext>
             </a:extLst>
           </p:cNvPr>
@@ -2501,7 +2494,7 @@
           <p:cNvPr id="2" name="标题 1">
             <a:extLst>
               <a:ext uri="{FF2B5EF4-FFF2-40B4-BE49-F238E27FC236}">
-                <a16:creationId xmlns:a16="http://schemas.microsoft.com/office/drawing/2014/main" xmlns="" id="{577F2903-DCE2-4355-B5CE-77D983E09B41}"/>
+                <a16:creationId xmlns="" xmlns:a16="http://schemas.microsoft.com/office/drawing/2014/main" id="{577F2903-DCE2-4355-B5CE-77D983E09B41}"/>
               </a:ext>
             </a:extLst>
           </p:cNvPr>
@@ -2538,7 +2531,7 @@
           <p:cNvPr id="3" name="图片占位符 2">
             <a:extLst>
               <a:ext uri="{FF2B5EF4-FFF2-40B4-BE49-F238E27FC236}">
-                <a16:creationId xmlns:a16="http://schemas.microsoft.com/office/drawing/2014/main" xmlns="" id="{69A86562-43CD-4925-9551-400A202AF4EC}"/>
+                <a16:creationId xmlns="" xmlns:a16="http://schemas.microsoft.com/office/drawing/2014/main" id="{69A86562-43CD-4925-9551-400A202AF4EC}"/>
               </a:ext>
             </a:extLst>
           </p:cNvPr>
@@ -2605,7 +2598,7 @@
           <p:cNvPr id="4" name="文本占位符 3">
             <a:extLst>
               <a:ext uri="{FF2B5EF4-FFF2-40B4-BE49-F238E27FC236}">
-                <a16:creationId xmlns:a16="http://schemas.microsoft.com/office/drawing/2014/main" xmlns="" id="{8C1305D4-759B-4F0F-9EDD-613E6DBD3FAF}"/>
+                <a16:creationId xmlns="" xmlns:a16="http://schemas.microsoft.com/office/drawing/2014/main" id="{8C1305D4-759B-4F0F-9EDD-613E6DBD3FAF}"/>
               </a:ext>
             </a:extLst>
           </p:cNvPr>
@@ -2676,7 +2669,7 @@
           <p:cNvPr id="5" name="日期占位符 4">
             <a:extLst>
               <a:ext uri="{FF2B5EF4-FFF2-40B4-BE49-F238E27FC236}">
-                <a16:creationId xmlns:a16="http://schemas.microsoft.com/office/drawing/2014/main" xmlns="" id="{B5F7C841-A583-45A2-A9AC-D96C599A3A16}"/>
+                <a16:creationId xmlns="" xmlns:a16="http://schemas.microsoft.com/office/drawing/2014/main" id="{B5F7C841-A583-45A2-A9AC-D96C599A3A16}"/>
               </a:ext>
             </a:extLst>
           </p:cNvPr>
@@ -2694,7 +2687,7 @@
           <a:p>
             <a:fld id="{CC60841D-ABD7-4225-8164-2463B86145F0}" type="datetimeFigureOut">
               <a:rPr lang="zh-CN" altLang="en-US" smtClean="0"/>
-              <a:t>2020/3/24</a:t>
+              <a:t>2020/6/16</a:t>
             </a:fld>
             <a:endParaRPr lang="zh-CN" altLang="en-US"/>
           </a:p>
@@ -2705,7 +2698,7 @@
           <p:cNvPr id="6" name="页脚占位符 5">
             <a:extLst>
               <a:ext uri="{FF2B5EF4-FFF2-40B4-BE49-F238E27FC236}">
-                <a16:creationId xmlns:a16="http://schemas.microsoft.com/office/drawing/2014/main" xmlns="" id="{0FE7F689-D05B-469E-8F05-C584FF9A1006}"/>
+                <a16:creationId xmlns="" xmlns:a16="http://schemas.microsoft.com/office/drawing/2014/main" id="{0FE7F689-D05B-469E-8F05-C584FF9A1006}"/>
               </a:ext>
             </a:extLst>
           </p:cNvPr>
@@ -2730,7 +2723,7 @@
           <p:cNvPr id="7" name="灯片编号占位符 6">
             <a:extLst>
               <a:ext uri="{FF2B5EF4-FFF2-40B4-BE49-F238E27FC236}">
-                <a16:creationId xmlns:a16="http://schemas.microsoft.com/office/drawing/2014/main" xmlns="" id="{9A2E06B2-D8E2-4967-AC56-CFC76A4148DD}"/>
+                <a16:creationId xmlns="" xmlns:a16="http://schemas.microsoft.com/office/drawing/2014/main" id="{9A2E06B2-D8E2-4967-AC56-CFC76A4148DD}"/>
               </a:ext>
             </a:extLst>
           </p:cNvPr>
@@ -2794,7 +2787,7 @@
           <p:cNvPr id="2" name="标题占位符 1">
             <a:extLst>
               <a:ext uri="{FF2B5EF4-FFF2-40B4-BE49-F238E27FC236}">
-                <a16:creationId xmlns:a16="http://schemas.microsoft.com/office/drawing/2014/main" xmlns="" id="{2D5FF505-D8C3-4C6B-B44A-E253C1007226}"/>
+                <a16:creationId xmlns="" xmlns:a16="http://schemas.microsoft.com/office/drawing/2014/main" id="{2D5FF505-D8C3-4C6B-B44A-E253C1007226}"/>
               </a:ext>
             </a:extLst>
           </p:cNvPr>
@@ -2832,7 +2825,7 @@
           <p:cNvPr id="3" name="文本占位符 2">
             <a:extLst>
               <a:ext uri="{FF2B5EF4-FFF2-40B4-BE49-F238E27FC236}">
-                <a16:creationId xmlns:a16="http://schemas.microsoft.com/office/drawing/2014/main" xmlns="" id="{8465115C-4E96-4177-AA53-AFD973F71685}"/>
+                <a16:creationId xmlns="" xmlns:a16="http://schemas.microsoft.com/office/drawing/2014/main" id="{8465115C-4E96-4177-AA53-AFD973F71685}"/>
               </a:ext>
             </a:extLst>
           </p:cNvPr>
@@ -2899,7 +2892,7 @@
           <p:cNvPr id="4" name="日期占位符 3">
             <a:extLst>
               <a:ext uri="{FF2B5EF4-FFF2-40B4-BE49-F238E27FC236}">
-                <a16:creationId xmlns:a16="http://schemas.microsoft.com/office/drawing/2014/main" xmlns="" id="{03900596-13EE-4A9B-821F-EB58BBF8E383}"/>
+                <a16:creationId xmlns="" xmlns:a16="http://schemas.microsoft.com/office/drawing/2014/main" id="{03900596-13EE-4A9B-821F-EB58BBF8E383}"/>
               </a:ext>
             </a:extLst>
           </p:cNvPr>
@@ -2935,7 +2928,7 @@
           <a:p>
             <a:fld id="{CC60841D-ABD7-4225-8164-2463B86145F0}" type="datetimeFigureOut">
               <a:rPr lang="zh-CN" altLang="en-US" smtClean="0"/>
-              <a:t>2020/3/24</a:t>
+              <a:t>2020/6/16</a:t>
             </a:fld>
             <a:endParaRPr lang="zh-CN" altLang="en-US"/>
           </a:p>
@@ -2946,7 +2939,7 @@
           <p:cNvPr id="5" name="页脚占位符 4">
             <a:extLst>
               <a:ext uri="{FF2B5EF4-FFF2-40B4-BE49-F238E27FC236}">
-                <a16:creationId xmlns:a16="http://schemas.microsoft.com/office/drawing/2014/main" xmlns="" id="{1068D9C8-7DC9-45BD-B061-330BC3FDFB75}"/>
+                <a16:creationId xmlns="" xmlns:a16="http://schemas.microsoft.com/office/drawing/2014/main" id="{1068D9C8-7DC9-45BD-B061-330BC3FDFB75}"/>
               </a:ext>
             </a:extLst>
           </p:cNvPr>
@@ -2989,7 +2982,7 @@
           <p:cNvPr id="6" name="灯片编号占位符 5">
             <a:extLst>
               <a:ext uri="{FF2B5EF4-FFF2-40B4-BE49-F238E27FC236}">
-                <a16:creationId xmlns:a16="http://schemas.microsoft.com/office/drawing/2014/main" xmlns="" id="{F9F1B2BF-A9D7-4F38-B703-118C63789296}"/>
+                <a16:creationId xmlns="" xmlns:a16="http://schemas.microsoft.com/office/drawing/2014/main" id="{F9F1B2BF-A9D7-4F38-B703-118C63789296}"/>
               </a:ext>
             </a:extLst>
           </p:cNvPr>
@@ -3357,7 +3350,7 @@
           <p:cNvPr id="8" name="矩形 7">
             <a:extLst>
               <a:ext uri="{FF2B5EF4-FFF2-40B4-BE49-F238E27FC236}">
-                <a16:creationId xmlns:a16="http://schemas.microsoft.com/office/drawing/2014/main" xmlns="" id="{A3E51C16-073F-411C-B94F-45C8FA050C0B}"/>
+                <a16:creationId xmlns="" xmlns:a16="http://schemas.microsoft.com/office/drawing/2014/main" id="{A3E51C16-073F-411C-B94F-45C8FA050C0B}"/>
               </a:ext>
             </a:extLst>
           </p:cNvPr>
@@ -3405,7 +3398,7 @@
           <p:cNvPr id="4" name="图片 3">
             <a:extLst>
               <a:ext uri="{FF2B5EF4-FFF2-40B4-BE49-F238E27FC236}">
-                <a16:creationId xmlns:a16="http://schemas.microsoft.com/office/drawing/2014/main" xmlns="" id="{C0FF09A9-7E82-4B92-B78E-E45260B22019}"/>
+                <a16:creationId xmlns="" xmlns:a16="http://schemas.microsoft.com/office/drawing/2014/main" id="{C0FF09A9-7E82-4B92-B78E-E45260B22019}"/>
               </a:ext>
             </a:extLst>
           </p:cNvPr>
@@ -3435,7 +3428,7 @@
           <p:cNvPr id="6" name="文本框 5">
             <a:extLst>
               <a:ext uri="{FF2B5EF4-FFF2-40B4-BE49-F238E27FC236}">
-                <a16:creationId xmlns:a16="http://schemas.microsoft.com/office/drawing/2014/main" xmlns="" id="{211E0113-EF1A-47B0-A579-0C3DC4CB029D}"/>
+                <a16:creationId xmlns="" xmlns:a16="http://schemas.microsoft.com/office/drawing/2014/main" id="{211E0113-EF1A-47B0-A579-0C3DC4CB029D}"/>
               </a:ext>
             </a:extLst>
           </p:cNvPr>
@@ -3470,7 +3463,7 @@
           <p:cNvPr id="9" name="椭圆 8">
             <a:extLst>
               <a:ext uri="{FF2B5EF4-FFF2-40B4-BE49-F238E27FC236}">
-                <a16:creationId xmlns:a16="http://schemas.microsoft.com/office/drawing/2014/main" xmlns="" id="{A099D209-AE31-4CD5-A08D-7F3B4E2F244A}"/>
+                <a16:creationId xmlns="" xmlns:a16="http://schemas.microsoft.com/office/drawing/2014/main" id="{A099D209-AE31-4CD5-A08D-7F3B4E2F244A}"/>
               </a:ext>
             </a:extLst>
           </p:cNvPr>
@@ -3518,7 +3511,7 @@
           <p:cNvPr id="22" name="组合 21">
             <a:extLst>
               <a:ext uri="{FF2B5EF4-FFF2-40B4-BE49-F238E27FC236}">
-                <a16:creationId xmlns:a16="http://schemas.microsoft.com/office/drawing/2014/main" xmlns="" id="{D964A226-3F00-42B5-A7FA-E4DFF5AED198}"/>
+                <a16:creationId xmlns="" xmlns:a16="http://schemas.microsoft.com/office/drawing/2014/main" id="{D964A226-3F00-42B5-A7FA-E4DFF5AED198}"/>
               </a:ext>
             </a:extLst>
           </p:cNvPr>
@@ -3538,7 +3531,7 @@
             <p:cNvPr id="13" name="直接连接符 12">
               <a:extLst>
                 <a:ext uri="{FF2B5EF4-FFF2-40B4-BE49-F238E27FC236}">
-                  <a16:creationId xmlns:a16="http://schemas.microsoft.com/office/drawing/2014/main" xmlns="" id="{F1E5507E-80B7-46C7-B414-9C6C09294253}"/>
+                  <a16:creationId xmlns="" xmlns:a16="http://schemas.microsoft.com/office/drawing/2014/main" id="{F1E5507E-80B7-46C7-B414-9C6C09294253}"/>
                 </a:ext>
               </a:extLst>
             </p:cNvPr>
@@ -3575,7 +3568,7 @@
             <p:cNvPr id="15" name="直接箭头连接符 14">
               <a:extLst>
                 <a:ext uri="{FF2B5EF4-FFF2-40B4-BE49-F238E27FC236}">
-                  <a16:creationId xmlns:a16="http://schemas.microsoft.com/office/drawing/2014/main" xmlns="" id="{16E51BBD-74BA-456E-9ACA-4802B662EC9B}"/>
+                  <a16:creationId xmlns="" xmlns:a16="http://schemas.microsoft.com/office/drawing/2014/main" id="{16E51BBD-74BA-456E-9ACA-4802B662EC9B}"/>
                 </a:ext>
               </a:extLst>
             </p:cNvPr>
@@ -3617,7 +3610,7 @@
           <p:cNvPr id="23" name="组合 22">
             <a:extLst>
               <a:ext uri="{FF2B5EF4-FFF2-40B4-BE49-F238E27FC236}">
-                <a16:creationId xmlns:a16="http://schemas.microsoft.com/office/drawing/2014/main" xmlns="" id="{8FA04BFF-F16E-4DFA-B831-BF25BA5E317D}"/>
+                <a16:creationId xmlns="" xmlns:a16="http://schemas.microsoft.com/office/drawing/2014/main" id="{8FA04BFF-F16E-4DFA-B831-BF25BA5E317D}"/>
               </a:ext>
             </a:extLst>
           </p:cNvPr>
@@ -3637,7 +3630,7 @@
             <p:cNvPr id="19" name="直接连接符 18">
               <a:extLst>
                 <a:ext uri="{FF2B5EF4-FFF2-40B4-BE49-F238E27FC236}">
-                  <a16:creationId xmlns:a16="http://schemas.microsoft.com/office/drawing/2014/main" xmlns="" id="{46846F00-5B96-4B5E-8DBA-21525FA7830F}"/>
+                  <a16:creationId xmlns="" xmlns:a16="http://schemas.microsoft.com/office/drawing/2014/main" id="{46846F00-5B96-4B5E-8DBA-21525FA7830F}"/>
                 </a:ext>
               </a:extLst>
             </p:cNvPr>
@@ -3674,7 +3667,7 @@
             <p:cNvPr id="21" name="直接箭头连接符 20">
               <a:extLst>
                 <a:ext uri="{FF2B5EF4-FFF2-40B4-BE49-F238E27FC236}">
-                  <a16:creationId xmlns:a16="http://schemas.microsoft.com/office/drawing/2014/main" xmlns="" id="{735AB456-417E-4E96-A95E-B79E5422CDFE}"/>
+                  <a16:creationId xmlns="" xmlns:a16="http://schemas.microsoft.com/office/drawing/2014/main" id="{735AB456-417E-4E96-A95E-B79E5422CDFE}"/>
                 </a:ext>
               </a:extLst>
             </p:cNvPr>
@@ -3716,7 +3709,7 @@
           <p:cNvPr id="24" name="文本框 23">
             <a:extLst>
               <a:ext uri="{FF2B5EF4-FFF2-40B4-BE49-F238E27FC236}">
-                <a16:creationId xmlns:a16="http://schemas.microsoft.com/office/drawing/2014/main" xmlns="" id="{952B7C7E-FACC-44EA-B3A1-177056018033}"/>
+                <a16:creationId xmlns="" xmlns:a16="http://schemas.microsoft.com/office/drawing/2014/main" id="{952B7C7E-FACC-44EA-B3A1-177056018033}"/>
               </a:ext>
             </a:extLst>
           </p:cNvPr>
@@ -3751,7 +3744,7 @@
           <p:cNvPr id="25" name="文本框 24">
             <a:extLst>
               <a:ext uri="{FF2B5EF4-FFF2-40B4-BE49-F238E27FC236}">
-                <a16:creationId xmlns:a16="http://schemas.microsoft.com/office/drawing/2014/main" xmlns="" id="{CB18935E-AF0F-4DA8-A63D-7F369BA08B4A}"/>
+                <a16:creationId xmlns="" xmlns:a16="http://schemas.microsoft.com/office/drawing/2014/main" id="{CB18935E-AF0F-4DA8-A63D-7F369BA08B4A}"/>
               </a:ext>
             </a:extLst>
           </p:cNvPr>
@@ -3786,7 +3779,7 @@
           <p:cNvPr id="26" name="矩形 25">
             <a:extLst>
               <a:ext uri="{FF2B5EF4-FFF2-40B4-BE49-F238E27FC236}">
-                <a16:creationId xmlns:a16="http://schemas.microsoft.com/office/drawing/2014/main" xmlns="" id="{06E84B3F-487E-420B-8EE6-01FA93AD35D4}"/>
+                <a16:creationId xmlns="" xmlns:a16="http://schemas.microsoft.com/office/drawing/2014/main" id="{06E84B3F-487E-420B-8EE6-01FA93AD35D4}"/>
               </a:ext>
             </a:extLst>
           </p:cNvPr>
@@ -3838,7 +3831,7 @@
           <p:cNvPr id="27" name="文本框 26">
             <a:extLst>
               <a:ext uri="{FF2B5EF4-FFF2-40B4-BE49-F238E27FC236}">
-                <a16:creationId xmlns:a16="http://schemas.microsoft.com/office/drawing/2014/main" xmlns="" id="{3CE2C871-30CA-46E1-8082-580CC09BD4FD}"/>
+                <a16:creationId xmlns="" xmlns:a16="http://schemas.microsoft.com/office/drawing/2014/main" id="{3CE2C871-30CA-46E1-8082-580CC09BD4FD}"/>
               </a:ext>
             </a:extLst>
           </p:cNvPr>
@@ -3914,3223 +3907,6 @@
 </p:sld>
 </file>
 
-<file path=ppt/slides/slide10.xml><?xml version="1.0" encoding="utf-8"?>
-<p:sld xmlns:a="http://schemas.openxmlformats.org/drawingml/2006/main" xmlns:r="http://schemas.openxmlformats.org/officeDocument/2006/relationships" xmlns:p="http://schemas.openxmlformats.org/presentationml/2006/main">
-  <p:cSld>
-    <p:spTree>
-      <p:nvGrpSpPr>
-        <p:cNvPr id="1" name=""/>
-        <p:cNvGrpSpPr/>
-        <p:nvPr/>
-      </p:nvGrpSpPr>
-      <p:grpSpPr>
-        <a:xfrm>
-          <a:off x="0" y="0"/>
-          <a:ext cx="0" cy="0"/>
-          <a:chOff x="0" y="0"/>
-          <a:chExt cx="0" cy="0"/>
-        </a:xfrm>
-      </p:grpSpPr>
-      <p:pic>
-        <p:nvPicPr>
-          <p:cNvPr id="5" name="图片 4">
-            <a:extLst>
-              <a:ext uri="{FF2B5EF4-FFF2-40B4-BE49-F238E27FC236}">
-                <a16:creationId xmlns:a16="http://schemas.microsoft.com/office/drawing/2014/main" xmlns="" id="{EF661732-9421-466B-884F-7C850035C751}"/>
-              </a:ext>
-            </a:extLst>
-          </p:cNvPr>
-          <p:cNvPicPr>
-            <a:picLocks noChangeAspect="1"/>
-          </p:cNvPicPr>
-          <p:nvPr/>
-        </p:nvPicPr>
-        <p:blipFill>
-          <a:blip r:embed="rId2"/>
-          <a:stretch>
-            <a:fillRect/>
-          </a:stretch>
-        </p:blipFill>
-        <p:spPr>
-          <a:xfrm>
-            <a:off x="2175803" y="142575"/>
-            <a:ext cx="7287065" cy="6572850"/>
-          </a:xfrm>
-          <a:prstGeom prst="rect">
-            <a:avLst/>
-          </a:prstGeom>
-        </p:spPr>
-      </p:pic>
-      <p:sp>
-        <p:nvSpPr>
-          <p:cNvPr id="6" name="椭圆 5">
-            <a:extLst>
-              <a:ext uri="{FF2B5EF4-FFF2-40B4-BE49-F238E27FC236}">
-                <a16:creationId xmlns:a16="http://schemas.microsoft.com/office/drawing/2014/main" xmlns="" id="{3110905E-064A-48AB-95E4-99C998CEFD28}"/>
-              </a:ext>
-            </a:extLst>
-          </p:cNvPr>
-          <p:cNvSpPr/>
-          <p:nvPr/>
-        </p:nvSpPr>
-        <p:spPr>
-          <a:xfrm>
-            <a:off x="3362178" y="1308295"/>
-            <a:ext cx="1294228" cy="647114"/>
-          </a:xfrm>
-          <a:prstGeom prst="ellipse">
-            <a:avLst/>
-          </a:prstGeom>
-          <a:noFill/>
-          <a:ln w="38100"/>
-        </p:spPr>
-        <p:style>
-          <a:lnRef idx="2">
-            <a:schemeClr val="accent1">
-              <a:shade val="50000"/>
-            </a:schemeClr>
-          </a:lnRef>
-          <a:fillRef idx="1">
-            <a:schemeClr val="accent1"/>
-          </a:fillRef>
-          <a:effectRef idx="0">
-            <a:schemeClr val="accent1"/>
-          </a:effectRef>
-          <a:fontRef idx="minor">
-            <a:schemeClr val="lt1"/>
-          </a:fontRef>
-        </p:style>
-        <p:txBody>
-          <a:bodyPr rtlCol="0" anchor="ctr"/>
-          <a:lstStyle/>
-          <a:p>
-            <a:pPr algn="ctr"/>
-            <a:endParaRPr lang="zh-CN" altLang="en-US"/>
-          </a:p>
-        </p:txBody>
-      </p:sp>
-      <p:sp>
-        <p:nvSpPr>
-          <p:cNvPr id="7" name="文本框 6">
-            <a:extLst>
-              <a:ext uri="{FF2B5EF4-FFF2-40B4-BE49-F238E27FC236}">
-                <a16:creationId xmlns:a16="http://schemas.microsoft.com/office/drawing/2014/main" xmlns="" id="{E4AFB07C-F657-4621-8D1B-71FE2225B3A2}"/>
-              </a:ext>
-            </a:extLst>
-          </p:cNvPr>
-          <p:cNvSpPr txBox="1"/>
-          <p:nvPr/>
-        </p:nvSpPr>
-        <p:spPr>
-          <a:xfrm>
-            <a:off x="4009292" y="2180492"/>
-            <a:ext cx="3038622" cy="369332"/>
-          </a:xfrm>
-          <a:prstGeom prst="rect">
-            <a:avLst/>
-          </a:prstGeom>
-          <a:noFill/>
-        </p:spPr>
-        <p:txBody>
-          <a:bodyPr wrap="square" rtlCol="0">
-            <a:spAutoFit/>
-          </a:bodyPr>
-          <a:lstStyle/>
-          <a:p>
-            <a:r>
-              <a:rPr lang="zh-CN" altLang="en-US" dirty="0"/>
-              <a:t>点击</a:t>
-            </a:r>
-            <a:r>
-              <a:rPr lang="en-US" altLang="zh-CN" dirty="0"/>
-              <a:t>Data</a:t>
-            </a:r>
-            <a:r>
-              <a:rPr lang="zh-CN" altLang="en-US" dirty="0"/>
-              <a:t>按钮导入数据</a:t>
-            </a:r>
-          </a:p>
-        </p:txBody>
-      </p:sp>
-    </p:spTree>
-    <p:extLst>
-      <p:ext uri="{BB962C8B-B14F-4D97-AF65-F5344CB8AC3E}">
-        <p14:creationId xmlns:p14="http://schemas.microsoft.com/office/powerpoint/2010/main" val="4099251788"/>
-      </p:ext>
-    </p:extLst>
-  </p:cSld>
-  <p:clrMapOvr>
-    <a:masterClrMapping/>
-  </p:clrMapOvr>
-</p:sld>
-</file>
-
-<file path=ppt/slides/slide11.xml><?xml version="1.0" encoding="utf-8"?>
-<p:sld xmlns:a="http://schemas.openxmlformats.org/drawingml/2006/main" xmlns:r="http://schemas.openxmlformats.org/officeDocument/2006/relationships" xmlns:p="http://schemas.openxmlformats.org/presentationml/2006/main">
-  <p:cSld>
-    <p:spTree>
-      <p:nvGrpSpPr>
-        <p:cNvPr id="1" name=""/>
-        <p:cNvGrpSpPr/>
-        <p:nvPr/>
-      </p:nvGrpSpPr>
-      <p:grpSpPr>
-        <a:xfrm>
-          <a:off x="0" y="0"/>
-          <a:ext cx="0" cy="0"/>
-          <a:chOff x="0" y="0"/>
-          <a:chExt cx="0" cy="0"/>
-        </a:xfrm>
-      </p:grpSpPr>
-      <p:pic>
-        <p:nvPicPr>
-          <p:cNvPr id="2" name="图片 1">
-            <a:extLst>
-              <a:ext uri="{FF2B5EF4-FFF2-40B4-BE49-F238E27FC236}">
-                <a16:creationId xmlns:a16="http://schemas.microsoft.com/office/drawing/2014/main" xmlns="" id="{EEC7E36F-1482-48A0-A873-6463300EA868}"/>
-              </a:ext>
-            </a:extLst>
-          </p:cNvPr>
-          <p:cNvPicPr>
-            <a:picLocks noChangeAspect="1"/>
-          </p:cNvPicPr>
-          <p:nvPr/>
-        </p:nvPicPr>
-        <p:blipFill>
-          <a:blip r:embed="rId2"/>
-          <a:stretch>
-            <a:fillRect/>
-          </a:stretch>
-        </p:blipFill>
-        <p:spPr>
-          <a:xfrm>
-            <a:off x="2336799" y="257969"/>
-            <a:ext cx="6872799" cy="6199187"/>
-          </a:xfrm>
-          <a:prstGeom prst="rect">
-            <a:avLst/>
-          </a:prstGeom>
-        </p:spPr>
-      </p:pic>
-      <p:sp>
-        <p:nvSpPr>
-          <p:cNvPr id="6" name="椭圆 5">
-            <a:extLst>
-              <a:ext uri="{FF2B5EF4-FFF2-40B4-BE49-F238E27FC236}">
-                <a16:creationId xmlns:a16="http://schemas.microsoft.com/office/drawing/2014/main" xmlns="" id="{3110905E-064A-48AB-95E4-99C998CEFD28}"/>
-              </a:ext>
-            </a:extLst>
-          </p:cNvPr>
-          <p:cNvSpPr/>
-          <p:nvPr/>
-        </p:nvSpPr>
-        <p:spPr>
-          <a:xfrm>
-            <a:off x="4136878" y="1308295"/>
-            <a:ext cx="1294228" cy="647114"/>
-          </a:xfrm>
-          <a:prstGeom prst="ellipse">
-            <a:avLst/>
-          </a:prstGeom>
-          <a:noFill/>
-          <a:ln w="38100"/>
-        </p:spPr>
-        <p:style>
-          <a:lnRef idx="2">
-            <a:schemeClr val="accent1">
-              <a:shade val="50000"/>
-            </a:schemeClr>
-          </a:lnRef>
-          <a:fillRef idx="1">
-            <a:schemeClr val="accent1"/>
-          </a:fillRef>
-          <a:effectRef idx="0">
-            <a:schemeClr val="accent1"/>
-          </a:effectRef>
-          <a:fontRef idx="minor">
-            <a:schemeClr val="lt1"/>
-          </a:fontRef>
-        </p:style>
-        <p:txBody>
-          <a:bodyPr rtlCol="0" anchor="ctr"/>
-          <a:lstStyle/>
-          <a:p>
-            <a:pPr algn="ctr"/>
-            <a:endParaRPr lang="zh-CN" altLang="en-US"/>
-          </a:p>
-        </p:txBody>
-      </p:sp>
-      <p:sp>
-        <p:nvSpPr>
-          <p:cNvPr id="7" name="文本框 6">
-            <a:extLst>
-              <a:ext uri="{FF2B5EF4-FFF2-40B4-BE49-F238E27FC236}">
-                <a16:creationId xmlns:a16="http://schemas.microsoft.com/office/drawing/2014/main" xmlns="" id="{E4AFB07C-F657-4621-8D1B-71FE2225B3A2}"/>
-              </a:ext>
-            </a:extLst>
-          </p:cNvPr>
-          <p:cNvSpPr txBox="1"/>
-          <p:nvPr/>
-        </p:nvSpPr>
-        <p:spPr>
-          <a:xfrm>
-            <a:off x="4009292" y="2180492"/>
-            <a:ext cx="3038622" cy="369332"/>
-          </a:xfrm>
-          <a:prstGeom prst="rect">
-            <a:avLst/>
-          </a:prstGeom>
-          <a:noFill/>
-        </p:spPr>
-        <p:txBody>
-          <a:bodyPr wrap="square" rtlCol="0">
-            <a:spAutoFit/>
-          </a:bodyPr>
-          <a:lstStyle/>
-          <a:p>
-            <a:r>
-              <a:rPr lang="zh-CN" altLang="en-US" b="1" dirty="0"/>
-              <a:t>点击</a:t>
-            </a:r>
-            <a:r>
-              <a:rPr lang="en-US" altLang="zh-CN" b="1" dirty="0"/>
-              <a:t>Fitting</a:t>
-            </a:r>
-            <a:r>
-              <a:rPr lang="zh-CN" altLang="en-US" b="1" dirty="0"/>
-              <a:t>创建新拟合</a:t>
-            </a:r>
-          </a:p>
-        </p:txBody>
-      </p:sp>
-      <p:sp>
-        <p:nvSpPr>
-          <p:cNvPr id="8" name="文本框 7">
-            <a:extLst>
-              <a:ext uri="{FF2B5EF4-FFF2-40B4-BE49-F238E27FC236}">
-                <a16:creationId xmlns:a16="http://schemas.microsoft.com/office/drawing/2014/main" xmlns="" id="{44B26A29-EE39-4CAA-88B5-857F306FB655}"/>
-              </a:ext>
-            </a:extLst>
-          </p:cNvPr>
-          <p:cNvSpPr txBox="1"/>
-          <p:nvPr/>
-        </p:nvSpPr>
-        <p:spPr>
-          <a:xfrm>
-            <a:off x="4401598" y="5037992"/>
-            <a:ext cx="3637502" cy="369332"/>
-          </a:xfrm>
-          <a:prstGeom prst="rect">
-            <a:avLst/>
-          </a:prstGeom>
-          <a:noFill/>
-        </p:spPr>
-        <p:txBody>
-          <a:bodyPr wrap="square" rtlCol="0">
-            <a:spAutoFit/>
-          </a:bodyPr>
-          <a:lstStyle/>
-          <a:p>
-            <a:r>
-              <a:rPr lang="zh-CN" altLang="en-US" b="1" dirty="0"/>
-              <a:t>导入数据集之后自动生成预览图</a:t>
-            </a:r>
-          </a:p>
-        </p:txBody>
-      </p:sp>
-    </p:spTree>
-    <p:extLst>
-      <p:ext uri="{BB962C8B-B14F-4D97-AF65-F5344CB8AC3E}">
-        <p14:creationId xmlns:p14="http://schemas.microsoft.com/office/powerpoint/2010/main" val="1562880098"/>
-      </p:ext>
-    </p:extLst>
-  </p:cSld>
-  <p:clrMapOvr>
-    <a:masterClrMapping/>
-  </p:clrMapOvr>
-</p:sld>
-</file>
-
-<file path=ppt/slides/slide12.xml><?xml version="1.0" encoding="utf-8"?>
-<p:sld xmlns:a="http://schemas.openxmlformats.org/drawingml/2006/main" xmlns:r="http://schemas.openxmlformats.org/officeDocument/2006/relationships" xmlns:p="http://schemas.openxmlformats.org/presentationml/2006/main">
-  <p:cSld>
-    <p:spTree>
-      <p:nvGrpSpPr>
-        <p:cNvPr id="1" name=""/>
-        <p:cNvGrpSpPr/>
-        <p:nvPr/>
-      </p:nvGrpSpPr>
-      <p:grpSpPr>
-        <a:xfrm>
-          <a:off x="0" y="0"/>
-          <a:ext cx="0" cy="0"/>
-          <a:chOff x="0" y="0"/>
-          <a:chExt cx="0" cy="0"/>
-        </a:xfrm>
-      </p:grpSpPr>
-      <p:sp>
-        <p:nvSpPr>
-          <p:cNvPr id="7" name="文本框 6">
-            <a:extLst>
-              <a:ext uri="{FF2B5EF4-FFF2-40B4-BE49-F238E27FC236}">
-                <a16:creationId xmlns:a16="http://schemas.microsoft.com/office/drawing/2014/main" xmlns="" id="{E4AFB07C-F657-4621-8D1B-71FE2225B3A2}"/>
-              </a:ext>
-            </a:extLst>
-          </p:cNvPr>
-          <p:cNvSpPr txBox="1"/>
-          <p:nvPr/>
-        </p:nvSpPr>
-        <p:spPr>
-          <a:xfrm>
-            <a:off x="4009292" y="2180492"/>
-            <a:ext cx="3038622" cy="369332"/>
-          </a:xfrm>
-          <a:prstGeom prst="rect">
-            <a:avLst/>
-          </a:prstGeom>
-          <a:noFill/>
-        </p:spPr>
-        <p:txBody>
-          <a:bodyPr wrap="square" rtlCol="0">
-            <a:spAutoFit/>
-          </a:bodyPr>
-          <a:lstStyle/>
-          <a:p>
-            <a:r>
-              <a:rPr lang="zh-CN" altLang="en-US" b="1" dirty="0"/>
-              <a:t>点击</a:t>
-            </a:r>
-            <a:r>
-              <a:rPr lang="en-US" altLang="zh-CN" b="1" dirty="0"/>
-              <a:t>Fitting</a:t>
-            </a:r>
-            <a:r>
-              <a:rPr lang="zh-CN" altLang="en-US" b="1" dirty="0"/>
-              <a:t>创建新拟合</a:t>
-            </a:r>
-          </a:p>
-        </p:txBody>
-      </p:sp>
-      <p:sp>
-        <p:nvSpPr>
-          <p:cNvPr id="8" name="文本框 7">
-            <a:extLst>
-              <a:ext uri="{FF2B5EF4-FFF2-40B4-BE49-F238E27FC236}">
-                <a16:creationId xmlns:a16="http://schemas.microsoft.com/office/drawing/2014/main" xmlns="" id="{44B26A29-EE39-4CAA-88B5-857F306FB655}"/>
-              </a:ext>
-            </a:extLst>
-          </p:cNvPr>
-          <p:cNvSpPr txBox="1"/>
-          <p:nvPr/>
-        </p:nvSpPr>
-        <p:spPr>
-          <a:xfrm>
-            <a:off x="4401598" y="5037992"/>
-            <a:ext cx="3637502" cy="369332"/>
-          </a:xfrm>
-          <a:prstGeom prst="rect">
-            <a:avLst/>
-          </a:prstGeom>
-          <a:noFill/>
-        </p:spPr>
-        <p:txBody>
-          <a:bodyPr wrap="square" rtlCol="0">
-            <a:spAutoFit/>
-          </a:bodyPr>
-          <a:lstStyle/>
-          <a:p>
-            <a:r>
-              <a:rPr lang="zh-CN" altLang="en-US" b="1" dirty="0"/>
-              <a:t>导入数据集之后自动生成预览图</a:t>
-            </a:r>
-          </a:p>
-        </p:txBody>
-      </p:sp>
-    </p:spTree>
-    <p:extLst>
-      <p:ext uri="{BB962C8B-B14F-4D97-AF65-F5344CB8AC3E}">
-        <p14:creationId xmlns:p14="http://schemas.microsoft.com/office/powerpoint/2010/main" val="839507596"/>
-      </p:ext>
-    </p:extLst>
-  </p:cSld>
-  <p:clrMapOvr>
-    <a:masterClrMapping/>
-  </p:clrMapOvr>
-</p:sld>
-</file>
-
-<file path=ppt/slides/slide13.xml><?xml version="1.0" encoding="utf-8"?>
-<p:sld xmlns:a="http://schemas.openxmlformats.org/drawingml/2006/main" xmlns:r="http://schemas.openxmlformats.org/officeDocument/2006/relationships" xmlns:p="http://schemas.openxmlformats.org/presentationml/2006/main">
-  <p:cSld>
-    <p:spTree>
-      <p:nvGrpSpPr>
-        <p:cNvPr id="1" name=""/>
-        <p:cNvGrpSpPr/>
-        <p:nvPr/>
-      </p:nvGrpSpPr>
-      <p:grpSpPr>
-        <a:xfrm>
-          <a:off x="0" y="0"/>
-          <a:ext cx="0" cy="0"/>
-          <a:chOff x="0" y="0"/>
-          <a:chExt cx="0" cy="0"/>
-        </a:xfrm>
-      </p:grpSpPr>
-      <p:pic>
-        <p:nvPicPr>
-          <p:cNvPr id="3" name="图片 2">
-            <a:extLst>
-              <a:ext uri="{FF2B5EF4-FFF2-40B4-BE49-F238E27FC236}">
-                <a16:creationId xmlns:a16="http://schemas.microsoft.com/office/drawing/2014/main" xmlns="" id="{EB6875C9-0333-4164-8F16-C027E5839AC0}"/>
-              </a:ext>
-            </a:extLst>
-          </p:cNvPr>
-          <p:cNvPicPr>
-            <a:picLocks noChangeAspect="1"/>
-          </p:cNvPicPr>
-          <p:nvPr/>
-        </p:nvPicPr>
-        <p:blipFill>
-          <a:blip r:embed="rId2"/>
-          <a:stretch>
-            <a:fillRect/>
-          </a:stretch>
-        </p:blipFill>
-        <p:spPr>
-          <a:xfrm>
-            <a:off x="3627059" y="0"/>
-            <a:ext cx="4687057" cy="6858000"/>
-          </a:xfrm>
-          <a:prstGeom prst="rect">
-            <a:avLst/>
-          </a:prstGeom>
-        </p:spPr>
-      </p:pic>
-      <p:sp>
-        <p:nvSpPr>
-          <p:cNvPr id="6" name="椭圆 5">
-            <a:extLst>
-              <a:ext uri="{FF2B5EF4-FFF2-40B4-BE49-F238E27FC236}">
-                <a16:creationId xmlns:a16="http://schemas.microsoft.com/office/drawing/2014/main" xmlns="" id="{3110905E-064A-48AB-95E4-99C998CEFD28}"/>
-              </a:ext>
-            </a:extLst>
-          </p:cNvPr>
-          <p:cNvSpPr/>
-          <p:nvPr/>
-        </p:nvSpPr>
-        <p:spPr>
-          <a:xfrm>
-            <a:off x="3489178" y="289294"/>
-            <a:ext cx="1294228" cy="647114"/>
-          </a:xfrm>
-          <a:prstGeom prst="ellipse">
-            <a:avLst/>
-          </a:prstGeom>
-          <a:noFill/>
-          <a:ln w="38100"/>
-        </p:spPr>
-        <p:style>
-          <a:lnRef idx="2">
-            <a:schemeClr val="accent1">
-              <a:shade val="50000"/>
-            </a:schemeClr>
-          </a:lnRef>
-          <a:fillRef idx="1">
-            <a:schemeClr val="accent1"/>
-          </a:fillRef>
-          <a:effectRef idx="0">
-            <a:schemeClr val="accent1"/>
-          </a:effectRef>
-          <a:fontRef idx="minor">
-            <a:schemeClr val="lt1"/>
-          </a:fontRef>
-        </p:style>
-        <p:txBody>
-          <a:bodyPr rtlCol="0" anchor="ctr"/>
-          <a:lstStyle/>
-          <a:p>
-            <a:pPr algn="ctr"/>
-            <a:endParaRPr lang="zh-CN" altLang="en-US"/>
-          </a:p>
-        </p:txBody>
-      </p:sp>
-      <p:sp>
-        <p:nvSpPr>
-          <p:cNvPr id="7" name="文本框 6">
-            <a:extLst>
-              <a:ext uri="{FF2B5EF4-FFF2-40B4-BE49-F238E27FC236}">
-                <a16:creationId xmlns:a16="http://schemas.microsoft.com/office/drawing/2014/main" xmlns="" id="{E4AFB07C-F657-4621-8D1B-71FE2225B3A2}"/>
-              </a:ext>
-            </a:extLst>
-          </p:cNvPr>
-          <p:cNvSpPr txBox="1"/>
-          <p:nvPr/>
-        </p:nvSpPr>
-        <p:spPr>
-          <a:xfrm>
-            <a:off x="5275494" y="289294"/>
-            <a:ext cx="3038622" cy="369332"/>
-          </a:xfrm>
-          <a:prstGeom prst="rect">
-            <a:avLst/>
-          </a:prstGeom>
-          <a:noFill/>
-        </p:spPr>
-        <p:txBody>
-          <a:bodyPr wrap="square" rtlCol="0">
-            <a:spAutoFit/>
-          </a:bodyPr>
-          <a:lstStyle/>
-          <a:p>
-            <a:r>
-              <a:rPr lang="en-US" altLang="zh-CN" b="1" dirty="0"/>
-              <a:t>1</a:t>
-            </a:r>
-            <a:r>
-              <a:rPr lang="zh-CN" altLang="en-US" b="1" dirty="0"/>
-              <a:t>、创建新拟合</a:t>
-            </a:r>
-          </a:p>
-        </p:txBody>
-      </p:sp>
-      <p:sp>
-        <p:nvSpPr>
-          <p:cNvPr id="8" name="文本框 7">
-            <a:extLst>
-              <a:ext uri="{FF2B5EF4-FFF2-40B4-BE49-F238E27FC236}">
-                <a16:creationId xmlns:a16="http://schemas.microsoft.com/office/drawing/2014/main" xmlns="" id="{44B26A29-EE39-4CAA-88B5-857F306FB655}"/>
-              </a:ext>
-            </a:extLst>
-          </p:cNvPr>
-          <p:cNvSpPr txBox="1"/>
-          <p:nvPr/>
-        </p:nvSpPr>
-        <p:spPr>
-          <a:xfrm>
-            <a:off x="8870046" y="1735992"/>
-            <a:ext cx="3637502" cy="369332"/>
-          </a:xfrm>
-          <a:prstGeom prst="rect">
-            <a:avLst/>
-          </a:prstGeom>
-          <a:noFill/>
-        </p:spPr>
-        <p:txBody>
-          <a:bodyPr wrap="square" rtlCol="0">
-            <a:spAutoFit/>
-          </a:bodyPr>
-          <a:lstStyle/>
-          <a:p>
-            <a:r>
-              <a:rPr lang="en-US" altLang="zh-CN" b="1" dirty="0"/>
-              <a:t>3</a:t>
-            </a:r>
-            <a:r>
-              <a:rPr lang="zh-CN" altLang="en-US" b="1" dirty="0"/>
-              <a:t>、选择数据集</a:t>
-            </a:r>
-          </a:p>
-        </p:txBody>
-      </p:sp>
-      <p:cxnSp>
-        <p:nvCxnSpPr>
-          <p:cNvPr id="5" name="直接箭头连接符 4">
-            <a:extLst>
-              <a:ext uri="{FF2B5EF4-FFF2-40B4-BE49-F238E27FC236}">
-                <a16:creationId xmlns:a16="http://schemas.microsoft.com/office/drawing/2014/main" xmlns="" id="{8022645B-5643-470A-8AB4-365EA32F6523}"/>
-              </a:ext>
-            </a:extLst>
-          </p:cNvPr>
-          <p:cNvCxnSpPr/>
-          <p:nvPr/>
-        </p:nvCxnSpPr>
-        <p:spPr>
-          <a:xfrm flipH="1" flipV="1">
-            <a:off x="5702300" y="936408"/>
-            <a:ext cx="3022600" cy="384392"/>
-          </a:xfrm>
-          <a:prstGeom prst="straightConnector1">
-            <a:avLst/>
-          </a:prstGeom>
-          <a:ln w="38100">
-            <a:tailEnd type="triangle"/>
-          </a:ln>
-        </p:spPr>
-        <p:style>
-          <a:lnRef idx="1">
-            <a:schemeClr val="accent1"/>
-          </a:lnRef>
-          <a:fillRef idx="0">
-            <a:schemeClr val="accent1"/>
-          </a:fillRef>
-          <a:effectRef idx="0">
-            <a:schemeClr val="accent1"/>
-          </a:effectRef>
-          <a:fontRef idx="minor">
-            <a:schemeClr val="tx1"/>
-          </a:fontRef>
-        </p:style>
-      </p:cxnSp>
-      <p:sp>
-        <p:nvSpPr>
-          <p:cNvPr id="9" name="文本框 8">
-            <a:extLst>
-              <a:ext uri="{FF2B5EF4-FFF2-40B4-BE49-F238E27FC236}">
-                <a16:creationId xmlns:a16="http://schemas.microsoft.com/office/drawing/2014/main" xmlns="" id="{227662B0-BE8B-41F0-93BA-95893E7313B2}"/>
-              </a:ext>
-            </a:extLst>
-          </p:cNvPr>
-          <p:cNvSpPr txBox="1"/>
-          <p:nvPr/>
-        </p:nvSpPr>
-        <p:spPr>
-          <a:xfrm>
-            <a:off x="8870046" y="1247851"/>
-            <a:ext cx="3038622" cy="369332"/>
-          </a:xfrm>
-          <a:prstGeom prst="rect">
-            <a:avLst/>
-          </a:prstGeom>
-          <a:noFill/>
-        </p:spPr>
-        <p:txBody>
-          <a:bodyPr wrap="square" rtlCol="0">
-            <a:spAutoFit/>
-          </a:bodyPr>
-          <a:lstStyle/>
-          <a:p>
-            <a:r>
-              <a:rPr lang="en-US" altLang="zh-CN" b="1" dirty="0"/>
-              <a:t>2</a:t>
-            </a:r>
-            <a:r>
-              <a:rPr lang="zh-CN" altLang="en-US" b="1" dirty="0"/>
-              <a:t>、为拟合命名</a:t>
-            </a:r>
-          </a:p>
-        </p:txBody>
-      </p:sp>
-      <p:cxnSp>
-        <p:nvCxnSpPr>
-          <p:cNvPr id="10" name="直接箭头连接符 9">
-            <a:extLst>
-              <a:ext uri="{FF2B5EF4-FFF2-40B4-BE49-F238E27FC236}">
-                <a16:creationId xmlns:a16="http://schemas.microsoft.com/office/drawing/2014/main" xmlns="" id="{EC22BA29-0490-4BF1-9FFC-8BC5DC8D8EF5}"/>
-              </a:ext>
-            </a:extLst>
-          </p:cNvPr>
-          <p:cNvCxnSpPr>
-            <a:cxnSpLocks/>
-          </p:cNvCxnSpPr>
-          <p:nvPr/>
-        </p:nvCxnSpPr>
-        <p:spPr>
-          <a:xfrm flipH="1" flipV="1">
-            <a:off x="5702300" y="1232791"/>
-            <a:ext cx="3022600" cy="680775"/>
-          </a:xfrm>
-          <a:prstGeom prst="straightConnector1">
-            <a:avLst/>
-          </a:prstGeom>
-          <a:ln w="38100">
-            <a:tailEnd type="triangle"/>
-          </a:ln>
-        </p:spPr>
-        <p:style>
-          <a:lnRef idx="1">
-            <a:schemeClr val="accent1"/>
-          </a:lnRef>
-          <a:fillRef idx="0">
-            <a:schemeClr val="accent1"/>
-          </a:fillRef>
-          <a:effectRef idx="0">
-            <a:schemeClr val="accent1"/>
-          </a:effectRef>
-          <a:fontRef idx="minor">
-            <a:schemeClr val="tx1"/>
-          </a:fontRef>
-        </p:style>
-      </p:cxnSp>
-      <p:cxnSp>
-        <p:nvCxnSpPr>
-          <p:cNvPr id="12" name="直接箭头连接符 11">
-            <a:extLst>
-              <a:ext uri="{FF2B5EF4-FFF2-40B4-BE49-F238E27FC236}">
-                <a16:creationId xmlns:a16="http://schemas.microsoft.com/office/drawing/2014/main" xmlns="" id="{7C6F0B87-465C-435D-A394-FE7B2181EC27}"/>
-              </a:ext>
-            </a:extLst>
-          </p:cNvPr>
-          <p:cNvCxnSpPr>
-            <a:cxnSpLocks/>
-          </p:cNvCxnSpPr>
-          <p:nvPr/>
-        </p:nvCxnSpPr>
-        <p:spPr>
-          <a:xfrm flipH="1" flipV="1">
-            <a:off x="5557154" y="1488492"/>
-            <a:ext cx="3047254" cy="1254939"/>
-          </a:xfrm>
-          <a:prstGeom prst="straightConnector1">
-            <a:avLst/>
-          </a:prstGeom>
-          <a:ln w="38100">
-            <a:tailEnd type="triangle"/>
-          </a:ln>
-        </p:spPr>
-        <p:style>
-          <a:lnRef idx="1">
-            <a:schemeClr val="accent1"/>
-          </a:lnRef>
-          <a:fillRef idx="0">
-            <a:schemeClr val="accent1"/>
-          </a:fillRef>
-          <a:effectRef idx="0">
-            <a:schemeClr val="accent1"/>
-          </a:effectRef>
-          <a:fontRef idx="minor">
-            <a:schemeClr val="tx1"/>
-          </a:fontRef>
-        </p:style>
-      </p:cxnSp>
-      <p:sp>
-        <p:nvSpPr>
-          <p:cNvPr id="14" name="文本框 13">
-            <a:extLst>
-              <a:ext uri="{FF2B5EF4-FFF2-40B4-BE49-F238E27FC236}">
-                <a16:creationId xmlns:a16="http://schemas.microsoft.com/office/drawing/2014/main" xmlns="" id="{3E89C5D1-EF37-4D10-9ADA-072EF6D5E13F}"/>
-              </a:ext>
-            </a:extLst>
-          </p:cNvPr>
-          <p:cNvSpPr txBox="1"/>
-          <p:nvPr/>
-        </p:nvSpPr>
-        <p:spPr>
-          <a:xfrm>
-            <a:off x="8724900" y="2558765"/>
-            <a:ext cx="3637502" cy="646331"/>
-          </a:xfrm>
-          <a:prstGeom prst="rect">
-            <a:avLst/>
-          </a:prstGeom>
-          <a:noFill/>
-        </p:spPr>
-        <p:txBody>
-          <a:bodyPr wrap="square" rtlCol="0">
-            <a:spAutoFit/>
-          </a:bodyPr>
-          <a:lstStyle/>
-          <a:p>
-            <a:r>
-              <a:rPr lang="en-US" altLang="zh-CN" b="1" dirty="0"/>
-              <a:t>4</a:t>
-            </a:r>
-            <a:r>
-              <a:rPr lang="zh-CN" altLang="en-US" b="1" dirty="0"/>
-              <a:t>、选择函数类型，这里选择一元多次函数</a:t>
-            </a:r>
-          </a:p>
-        </p:txBody>
-      </p:sp>
-      <p:cxnSp>
-        <p:nvCxnSpPr>
-          <p:cNvPr id="21" name="直接箭头连接符 20">
-            <a:extLst>
-              <a:ext uri="{FF2B5EF4-FFF2-40B4-BE49-F238E27FC236}">
-                <a16:creationId xmlns:a16="http://schemas.microsoft.com/office/drawing/2014/main" xmlns="" id="{726E9BDF-EBD8-44FA-B09D-C4FB73AD5BAE}"/>
-              </a:ext>
-            </a:extLst>
-          </p:cNvPr>
-          <p:cNvCxnSpPr>
-            <a:cxnSpLocks/>
-          </p:cNvCxnSpPr>
-          <p:nvPr/>
-        </p:nvCxnSpPr>
-        <p:spPr>
-          <a:xfrm flipH="1" flipV="1">
-            <a:off x="4728222" y="2318359"/>
-            <a:ext cx="4977349" cy="2084804"/>
-          </a:xfrm>
-          <a:prstGeom prst="straightConnector1">
-            <a:avLst/>
-          </a:prstGeom>
-          <a:ln w="38100">
-            <a:tailEnd type="triangle"/>
-          </a:ln>
-        </p:spPr>
-        <p:style>
-          <a:lnRef idx="1">
-            <a:schemeClr val="accent1"/>
-          </a:lnRef>
-          <a:fillRef idx="0">
-            <a:schemeClr val="accent1"/>
-          </a:fillRef>
-          <a:effectRef idx="0">
-            <a:schemeClr val="accent1"/>
-          </a:effectRef>
-          <a:fontRef idx="minor">
-            <a:schemeClr val="tx1"/>
-          </a:fontRef>
-        </p:style>
-      </p:cxnSp>
-      <p:sp>
-        <p:nvSpPr>
-          <p:cNvPr id="23" name="文本框 22">
-            <a:extLst>
-              <a:ext uri="{FF2B5EF4-FFF2-40B4-BE49-F238E27FC236}">
-                <a16:creationId xmlns:a16="http://schemas.microsoft.com/office/drawing/2014/main" xmlns="" id="{B9197375-3F40-4943-B4DA-D7730F65F2A9}"/>
-              </a:ext>
-            </a:extLst>
-          </p:cNvPr>
-          <p:cNvSpPr txBox="1"/>
-          <p:nvPr/>
-        </p:nvSpPr>
-        <p:spPr>
-          <a:xfrm>
-            <a:off x="8451997" y="4533438"/>
-            <a:ext cx="3637502" cy="646331"/>
-          </a:xfrm>
-          <a:prstGeom prst="rect">
-            <a:avLst/>
-          </a:prstGeom>
-          <a:noFill/>
-        </p:spPr>
-        <p:txBody>
-          <a:bodyPr wrap="square" rtlCol="0">
-            <a:spAutoFit/>
-          </a:bodyPr>
-          <a:lstStyle/>
-          <a:p>
-            <a:r>
-              <a:rPr lang="en-US" altLang="zh-CN" b="1" dirty="0"/>
-              <a:t>5</a:t>
-            </a:r>
-            <a:r>
-              <a:rPr lang="zh-CN" altLang="en-US" b="1" dirty="0"/>
-              <a:t>、细选函数类型，选择</a:t>
-            </a:r>
-            <a:endParaRPr lang="en-US" altLang="zh-CN" b="1" dirty="0"/>
-          </a:p>
-          <a:p>
-            <a:r>
-              <a:rPr lang="en-US" altLang="zh-CN" b="1" dirty="0"/>
-              <a:t>cubic polynomial</a:t>
-            </a:r>
-            <a:r>
-              <a:rPr lang="zh-CN" altLang="en-US" b="1" dirty="0"/>
-              <a:t>：一元三次函数</a:t>
-            </a:r>
-          </a:p>
-        </p:txBody>
-      </p:sp>
-      <p:cxnSp>
-        <p:nvCxnSpPr>
-          <p:cNvPr id="24" name="直接箭头连接符 23">
-            <a:extLst>
-              <a:ext uri="{FF2B5EF4-FFF2-40B4-BE49-F238E27FC236}">
-                <a16:creationId xmlns:a16="http://schemas.microsoft.com/office/drawing/2014/main" xmlns="" id="{87C19E03-075B-4F61-8203-95B79E76C70E}"/>
-              </a:ext>
-            </a:extLst>
-          </p:cNvPr>
-          <p:cNvCxnSpPr>
-            <a:cxnSpLocks/>
-          </p:cNvCxnSpPr>
-          <p:nvPr/>
-        </p:nvCxnSpPr>
-        <p:spPr>
-          <a:xfrm flipV="1">
-            <a:off x="2700002" y="3205097"/>
-            <a:ext cx="4983498" cy="1198066"/>
-          </a:xfrm>
-          <a:prstGeom prst="straightConnector1">
-            <a:avLst/>
-          </a:prstGeom>
-          <a:ln w="38100">
-            <a:tailEnd type="triangle"/>
-          </a:ln>
-        </p:spPr>
-        <p:style>
-          <a:lnRef idx="1">
-            <a:schemeClr val="accent1"/>
-          </a:lnRef>
-          <a:fillRef idx="0">
-            <a:schemeClr val="accent1"/>
-          </a:fillRef>
-          <a:effectRef idx="0">
-            <a:schemeClr val="accent1"/>
-          </a:effectRef>
-          <a:fontRef idx="minor">
-            <a:schemeClr val="tx1"/>
-          </a:fontRef>
-        </p:style>
-      </p:cxnSp>
-      <p:sp>
-        <p:nvSpPr>
-          <p:cNvPr id="27" name="文本框 26">
-            <a:extLst>
-              <a:ext uri="{FF2B5EF4-FFF2-40B4-BE49-F238E27FC236}">
-                <a16:creationId xmlns:a16="http://schemas.microsoft.com/office/drawing/2014/main" xmlns="" id="{56764B8A-A370-4E52-A26B-0472C6EBC01B}"/>
-              </a:ext>
-            </a:extLst>
-          </p:cNvPr>
-          <p:cNvSpPr txBox="1"/>
-          <p:nvPr/>
-        </p:nvSpPr>
-        <p:spPr>
-          <a:xfrm>
-            <a:off x="1744784" y="4485608"/>
-            <a:ext cx="3038622" cy="369332"/>
-          </a:xfrm>
-          <a:prstGeom prst="rect">
-            <a:avLst/>
-          </a:prstGeom>
-          <a:noFill/>
-        </p:spPr>
-        <p:txBody>
-          <a:bodyPr wrap="square" rtlCol="0">
-            <a:spAutoFit/>
-          </a:bodyPr>
-          <a:lstStyle/>
-          <a:p>
-            <a:r>
-              <a:rPr lang="en-US" altLang="zh-CN" b="1" dirty="0"/>
-              <a:t>6</a:t>
-            </a:r>
-            <a:r>
-              <a:rPr lang="zh-CN" altLang="en-US" b="1" dirty="0"/>
-              <a:t>、选择完毕后单击</a:t>
-            </a:r>
-            <a:r>
-              <a:rPr lang="en-US" altLang="zh-CN" b="1" dirty="0"/>
-              <a:t>Apply</a:t>
-            </a:r>
-            <a:endParaRPr lang="zh-CN" altLang="en-US" b="1" dirty="0"/>
-          </a:p>
-        </p:txBody>
-      </p:sp>
-    </p:spTree>
-    <p:extLst>
-      <p:ext uri="{BB962C8B-B14F-4D97-AF65-F5344CB8AC3E}">
-        <p14:creationId xmlns:p14="http://schemas.microsoft.com/office/powerpoint/2010/main" val="1368752709"/>
-      </p:ext>
-    </p:extLst>
-  </p:cSld>
-  <p:clrMapOvr>
-    <a:masterClrMapping/>
-  </p:clrMapOvr>
-</p:sld>
-</file>
-
-<file path=ppt/slides/slide14.xml><?xml version="1.0" encoding="utf-8"?>
-<p:sld xmlns:a="http://schemas.openxmlformats.org/drawingml/2006/main" xmlns:r="http://schemas.openxmlformats.org/officeDocument/2006/relationships" xmlns:p="http://schemas.openxmlformats.org/presentationml/2006/main">
-  <p:cSld>
-    <p:spTree>
-      <p:nvGrpSpPr>
-        <p:cNvPr id="1" name=""/>
-        <p:cNvGrpSpPr/>
-        <p:nvPr/>
-      </p:nvGrpSpPr>
-      <p:grpSpPr>
-        <a:xfrm>
-          <a:off x="0" y="0"/>
-          <a:ext cx="0" cy="0"/>
-          <a:chOff x="0" y="0"/>
-          <a:chExt cx="0" cy="0"/>
-        </a:xfrm>
-      </p:grpSpPr>
-      <p:grpSp>
-        <p:nvGrpSpPr>
-          <p:cNvPr id="17" name="组合 16">
-            <a:extLst>
-              <a:ext uri="{FF2B5EF4-FFF2-40B4-BE49-F238E27FC236}">
-                <a16:creationId xmlns:a16="http://schemas.microsoft.com/office/drawing/2014/main" xmlns="" id="{F21D5225-8E23-41E6-A9B4-0DD8BDDEAC07}"/>
-              </a:ext>
-            </a:extLst>
-          </p:cNvPr>
-          <p:cNvGrpSpPr/>
-          <p:nvPr/>
-        </p:nvGrpSpPr>
-        <p:grpSpPr>
-          <a:xfrm>
-            <a:off x="2344872" y="167604"/>
-            <a:ext cx="7502256" cy="6522791"/>
-            <a:chOff x="2344872" y="-170020"/>
-            <a:chExt cx="7502256" cy="6522791"/>
-          </a:xfrm>
-        </p:grpSpPr>
-        <p:pic>
-          <p:nvPicPr>
-            <p:cNvPr id="2" name="图片 1">
-              <a:extLst>
-                <a:ext uri="{FF2B5EF4-FFF2-40B4-BE49-F238E27FC236}">
-                  <a16:creationId xmlns:a16="http://schemas.microsoft.com/office/drawing/2014/main" xmlns="" id="{30E1770F-EBEF-49B3-9944-777BDEA54D27}"/>
-                </a:ext>
-              </a:extLst>
-            </p:cNvPr>
-            <p:cNvPicPr>
-              <a:picLocks noChangeAspect="1"/>
-            </p:cNvPicPr>
-            <p:nvPr/>
-          </p:nvPicPr>
-          <p:blipFill>
-            <a:blip r:embed="rId2"/>
-            <a:stretch>
-              <a:fillRect/>
-            </a:stretch>
-          </p:blipFill>
-          <p:spPr>
-            <a:xfrm>
-              <a:off x="2654360" y="-170020"/>
-              <a:ext cx="7192768" cy="6522791"/>
-            </a:xfrm>
-            <a:prstGeom prst="rect">
-              <a:avLst/>
-            </a:prstGeom>
-          </p:spPr>
-        </p:pic>
-        <p:sp>
-          <p:nvSpPr>
-            <p:cNvPr id="3" name="椭圆 2">
-              <a:extLst>
-                <a:ext uri="{FF2B5EF4-FFF2-40B4-BE49-F238E27FC236}">
-                  <a16:creationId xmlns:a16="http://schemas.microsoft.com/office/drawing/2014/main" xmlns="" id="{46BDB5B9-4AD2-4A05-BBD3-8C85424F0351}"/>
-                </a:ext>
-              </a:extLst>
-            </p:cNvPr>
-            <p:cNvSpPr/>
-            <p:nvPr/>
-          </p:nvSpPr>
-          <p:spPr>
-            <a:xfrm>
-              <a:off x="3404382" y="1153551"/>
-              <a:ext cx="3179298" cy="1097280"/>
-            </a:xfrm>
-            <a:prstGeom prst="ellipse">
-              <a:avLst/>
-            </a:prstGeom>
-            <a:noFill/>
-            <a:ln w="38100"/>
-          </p:spPr>
-          <p:style>
-            <a:lnRef idx="2">
-              <a:schemeClr val="accent1">
-                <a:shade val="50000"/>
-              </a:schemeClr>
-            </a:lnRef>
-            <a:fillRef idx="1">
-              <a:schemeClr val="accent1"/>
-            </a:fillRef>
-            <a:effectRef idx="0">
-              <a:schemeClr val="accent1"/>
-            </a:effectRef>
-            <a:fontRef idx="minor">
-              <a:schemeClr val="lt1"/>
-            </a:fontRef>
-          </p:style>
-          <p:txBody>
-            <a:bodyPr rtlCol="0" anchor="ctr"/>
-            <a:lstStyle/>
-            <a:p>
-              <a:pPr algn="ctr"/>
-              <a:endParaRPr lang="zh-CN" altLang="en-US"/>
-            </a:p>
-          </p:txBody>
-        </p:sp>
-        <p:sp>
-          <p:nvSpPr>
-            <p:cNvPr id="8" name="椭圆 7">
-              <a:extLst>
-                <a:ext uri="{FF2B5EF4-FFF2-40B4-BE49-F238E27FC236}">
-                  <a16:creationId xmlns:a16="http://schemas.microsoft.com/office/drawing/2014/main" xmlns="" id="{FF380044-DE61-4EFB-8BF0-9E11BDA67D32}"/>
-                </a:ext>
-              </a:extLst>
-            </p:cNvPr>
-            <p:cNvSpPr/>
-            <p:nvPr/>
-          </p:nvSpPr>
-          <p:spPr>
-            <a:xfrm>
-              <a:off x="3664634" y="2363373"/>
-              <a:ext cx="2658793" cy="587325"/>
-            </a:xfrm>
-            <a:prstGeom prst="ellipse">
-              <a:avLst/>
-            </a:prstGeom>
-            <a:noFill/>
-            <a:ln w="38100"/>
-          </p:spPr>
-          <p:style>
-            <a:lnRef idx="2">
-              <a:schemeClr val="accent1">
-                <a:shade val="50000"/>
-              </a:schemeClr>
-            </a:lnRef>
-            <a:fillRef idx="1">
-              <a:schemeClr val="accent1"/>
-            </a:fillRef>
-            <a:effectRef idx="0">
-              <a:schemeClr val="accent1"/>
-            </a:effectRef>
-            <a:fontRef idx="minor">
-              <a:schemeClr val="lt1"/>
-            </a:fontRef>
-          </p:style>
-          <p:txBody>
-            <a:bodyPr rtlCol="0" anchor="ctr"/>
-            <a:lstStyle/>
-            <a:p>
-              <a:pPr algn="ctr"/>
-              <a:endParaRPr lang="zh-CN" altLang="en-US"/>
-            </a:p>
-          </p:txBody>
-        </p:sp>
-        <p:sp>
-          <p:nvSpPr>
-            <p:cNvPr id="4" name="文本框 3">
-              <a:extLst>
-                <a:ext uri="{FF2B5EF4-FFF2-40B4-BE49-F238E27FC236}">
-                  <a16:creationId xmlns:a16="http://schemas.microsoft.com/office/drawing/2014/main" xmlns="" id="{0D2959C3-4AEB-45D8-97AA-A0B6FEE1F1E1}"/>
-                </a:ext>
-              </a:extLst>
-            </p:cNvPr>
-            <p:cNvSpPr txBox="1"/>
-            <p:nvPr/>
-          </p:nvSpPr>
-          <p:spPr>
-            <a:xfrm>
-              <a:off x="2344872" y="2766032"/>
-              <a:ext cx="2686929" cy="369332"/>
-            </a:xfrm>
-            <a:prstGeom prst="rect">
-              <a:avLst/>
-            </a:prstGeom>
-            <a:noFill/>
-          </p:spPr>
-          <p:txBody>
-            <a:bodyPr wrap="square" rtlCol="0">
-              <a:spAutoFit/>
-            </a:bodyPr>
-            <a:lstStyle/>
-            <a:p>
-              <a:r>
-                <a:rPr lang="zh-CN" altLang="en-US" b="1" dirty="0"/>
-                <a:t>为数据集命名</a:t>
-              </a:r>
-            </a:p>
-          </p:txBody>
-        </p:sp>
-        <p:sp>
-          <p:nvSpPr>
-            <p:cNvPr id="13" name="文本框 12">
-              <a:extLst>
-                <a:ext uri="{FF2B5EF4-FFF2-40B4-BE49-F238E27FC236}">
-                  <a16:creationId xmlns:a16="http://schemas.microsoft.com/office/drawing/2014/main" xmlns="" id="{C8218104-D3DE-43E1-BE74-8E1ADDD4BEDB}"/>
-                </a:ext>
-              </a:extLst>
-            </p:cNvPr>
-            <p:cNvSpPr txBox="1"/>
-            <p:nvPr/>
-          </p:nvSpPr>
-          <p:spPr>
-            <a:xfrm>
-              <a:off x="4297680" y="727948"/>
-              <a:ext cx="2686929" cy="369332"/>
-            </a:xfrm>
-            <a:prstGeom prst="rect">
-              <a:avLst/>
-            </a:prstGeom>
-            <a:noFill/>
-          </p:spPr>
-          <p:txBody>
-            <a:bodyPr wrap="square" rtlCol="0">
-              <a:spAutoFit/>
-            </a:bodyPr>
-            <a:lstStyle/>
-            <a:p>
-              <a:r>
-                <a:rPr lang="zh-CN" altLang="en-US" b="1" dirty="0"/>
-                <a:t>分别导入选择</a:t>
-              </a:r>
-              <a:r>
-                <a:rPr lang="en-US" altLang="zh-CN" b="1" dirty="0"/>
-                <a:t>x</a:t>
-              </a:r>
-              <a:r>
-                <a:rPr lang="zh-CN" altLang="en-US" b="1" dirty="0"/>
-                <a:t>与</a:t>
-              </a:r>
-              <a:r>
-                <a:rPr lang="en-US" altLang="zh-CN" b="1" dirty="0"/>
-                <a:t>y</a:t>
-              </a:r>
-              <a:endParaRPr lang="zh-CN" altLang="en-US" b="1" dirty="0"/>
-            </a:p>
-          </p:txBody>
-        </p:sp>
-        <p:sp>
-          <p:nvSpPr>
-            <p:cNvPr id="14" name="文本框 13">
-              <a:extLst>
-                <a:ext uri="{FF2B5EF4-FFF2-40B4-BE49-F238E27FC236}">
-                  <a16:creationId xmlns:a16="http://schemas.microsoft.com/office/drawing/2014/main" xmlns="" id="{EE564D3F-169A-4F0D-93E5-0D86F12E7FBA}"/>
-                </a:ext>
-              </a:extLst>
-            </p:cNvPr>
-            <p:cNvSpPr txBox="1"/>
-            <p:nvPr/>
-          </p:nvSpPr>
-          <p:spPr>
-            <a:xfrm>
-              <a:off x="6323427" y="4282402"/>
-              <a:ext cx="2686929" cy="646331"/>
-            </a:xfrm>
-            <a:prstGeom prst="rect">
-              <a:avLst/>
-            </a:prstGeom>
-            <a:noFill/>
-          </p:spPr>
-          <p:txBody>
-            <a:bodyPr wrap="square" rtlCol="0">
-              <a:spAutoFit/>
-            </a:bodyPr>
-            <a:lstStyle/>
-            <a:p>
-              <a:r>
-                <a:rPr lang="zh-CN" altLang="en-US" b="1" dirty="0"/>
-                <a:t>设置完后单击</a:t>
-              </a:r>
-              <a:endParaRPr lang="en-US" altLang="zh-CN" b="1" dirty="0"/>
-            </a:p>
-            <a:p>
-              <a:r>
-                <a:rPr lang="en-US" altLang="zh-CN" b="1" dirty="0"/>
-                <a:t> Create data set</a:t>
-              </a:r>
-              <a:endParaRPr lang="zh-CN" altLang="en-US" b="1" dirty="0"/>
-            </a:p>
-          </p:txBody>
-        </p:sp>
-        <p:cxnSp>
-          <p:nvCxnSpPr>
-            <p:cNvPr id="16" name="直接箭头连接符 15">
-              <a:extLst>
-                <a:ext uri="{FF2B5EF4-FFF2-40B4-BE49-F238E27FC236}">
-                  <a16:creationId xmlns:a16="http://schemas.microsoft.com/office/drawing/2014/main" xmlns="" id="{E04FF5C4-5A4F-4AA8-B21A-3C938B3DAF9D}"/>
-                </a:ext>
-              </a:extLst>
-            </p:cNvPr>
-            <p:cNvCxnSpPr/>
-            <p:nvPr/>
-          </p:nvCxnSpPr>
-          <p:spPr>
-            <a:xfrm flipH="1" flipV="1">
-              <a:off x="5514535" y="3235569"/>
-              <a:ext cx="736209" cy="1093000"/>
-            </a:xfrm>
-            <a:prstGeom prst="straightConnector1">
-              <a:avLst/>
-            </a:prstGeom>
-            <a:ln w="38100">
-              <a:tailEnd type="triangle"/>
-            </a:ln>
-          </p:spPr>
-          <p:style>
-            <a:lnRef idx="1">
-              <a:schemeClr val="accent1"/>
-            </a:lnRef>
-            <a:fillRef idx="0">
-              <a:schemeClr val="accent1"/>
-            </a:fillRef>
-            <a:effectRef idx="0">
-              <a:schemeClr val="accent1"/>
-            </a:effectRef>
-            <a:fontRef idx="minor">
-              <a:schemeClr val="tx1"/>
-            </a:fontRef>
-          </p:style>
-        </p:cxnSp>
-        <p:sp>
-          <p:nvSpPr>
-            <p:cNvPr id="18" name="文本框 17">
-              <a:extLst>
-                <a:ext uri="{FF2B5EF4-FFF2-40B4-BE49-F238E27FC236}">
-                  <a16:creationId xmlns:a16="http://schemas.microsoft.com/office/drawing/2014/main" xmlns="" id="{E6109088-4E0B-4C90-8585-85586960866B}"/>
-                </a:ext>
-              </a:extLst>
-            </p:cNvPr>
-            <p:cNvSpPr txBox="1"/>
-            <p:nvPr/>
-          </p:nvSpPr>
-          <p:spPr>
-            <a:xfrm>
-              <a:off x="6850711" y="3443811"/>
-              <a:ext cx="2686929" cy="369332"/>
-            </a:xfrm>
-            <a:prstGeom prst="rect">
-              <a:avLst/>
-            </a:prstGeom>
-            <a:noFill/>
-          </p:spPr>
-          <p:txBody>
-            <a:bodyPr wrap="square" rtlCol="0">
-              <a:spAutoFit/>
-            </a:bodyPr>
-            <a:lstStyle/>
-            <a:p>
-              <a:r>
-                <a:rPr lang="zh-CN" altLang="en-US" b="1" dirty="0"/>
-                <a:t>导入后自动生成预览图</a:t>
-              </a:r>
-            </a:p>
-          </p:txBody>
-        </p:sp>
-      </p:grpSp>
-    </p:spTree>
-    <p:extLst>
-      <p:ext uri="{BB962C8B-B14F-4D97-AF65-F5344CB8AC3E}">
-        <p14:creationId xmlns:p14="http://schemas.microsoft.com/office/powerpoint/2010/main" val="1594369858"/>
-      </p:ext>
-    </p:extLst>
-  </p:cSld>
-  <p:clrMapOvr>
-    <a:masterClrMapping/>
-  </p:clrMapOvr>
-</p:sld>
-</file>
-
-<file path=ppt/slides/slide15.xml><?xml version="1.0" encoding="utf-8"?>
-<p:sld xmlns:a="http://schemas.openxmlformats.org/drawingml/2006/main" xmlns:r="http://schemas.openxmlformats.org/officeDocument/2006/relationships" xmlns:p="http://schemas.openxmlformats.org/presentationml/2006/main">
-  <p:cSld>
-    <p:spTree>
-      <p:nvGrpSpPr>
-        <p:cNvPr id="1" name=""/>
-        <p:cNvGrpSpPr/>
-        <p:nvPr/>
-      </p:nvGrpSpPr>
-      <p:grpSpPr>
-        <a:xfrm>
-          <a:off x="0" y="0"/>
-          <a:ext cx="0" cy="0"/>
-          <a:chOff x="0" y="0"/>
-          <a:chExt cx="0" cy="0"/>
-        </a:xfrm>
-      </p:grpSpPr>
-      <p:sp>
-        <p:nvSpPr>
-          <p:cNvPr id="5" name="椭圆 4">
-            <a:extLst>
-              <a:ext uri="{FF2B5EF4-FFF2-40B4-BE49-F238E27FC236}">
-                <a16:creationId xmlns:a16="http://schemas.microsoft.com/office/drawing/2014/main" xmlns="" id="{6D563A67-55FF-4B83-AD47-DB8C495B267F}"/>
-              </a:ext>
-            </a:extLst>
-          </p:cNvPr>
-          <p:cNvSpPr/>
-          <p:nvPr/>
-        </p:nvSpPr>
-        <p:spPr>
-          <a:xfrm>
-            <a:off x="8769748" y="2552700"/>
-            <a:ext cx="355600" cy="355600"/>
-          </a:xfrm>
-          <a:prstGeom prst="ellipse">
-            <a:avLst/>
-          </a:prstGeom>
-        </p:spPr>
-        <p:style>
-          <a:lnRef idx="2">
-            <a:schemeClr val="accent1">
-              <a:shade val="50000"/>
-            </a:schemeClr>
-          </a:lnRef>
-          <a:fillRef idx="1">
-            <a:schemeClr val="accent1"/>
-          </a:fillRef>
-          <a:effectRef idx="0">
-            <a:schemeClr val="accent1"/>
-          </a:effectRef>
-          <a:fontRef idx="minor">
-            <a:schemeClr val="lt1"/>
-          </a:fontRef>
-        </p:style>
-        <p:txBody>
-          <a:bodyPr rtlCol="0" anchor="ctr"/>
-          <a:lstStyle/>
-          <a:p>
-            <a:pPr algn="ctr"/>
-            <a:endParaRPr lang="zh-CN" altLang="en-US"/>
-          </a:p>
-        </p:txBody>
-      </p:sp>
-      <p:sp>
-        <p:nvSpPr>
-          <p:cNvPr id="48" name="椭圆 47">
-            <a:extLst>
-              <a:ext uri="{FF2B5EF4-FFF2-40B4-BE49-F238E27FC236}">
-                <a16:creationId xmlns:a16="http://schemas.microsoft.com/office/drawing/2014/main" xmlns="" id="{5D1312F6-1401-49ED-A89F-3CA7EB891CAB}"/>
-              </a:ext>
-            </a:extLst>
-          </p:cNvPr>
-          <p:cNvSpPr/>
-          <p:nvPr/>
-        </p:nvSpPr>
-        <p:spPr>
-          <a:xfrm>
-            <a:off x="7757317" y="1130300"/>
-            <a:ext cx="355600" cy="355600"/>
-          </a:xfrm>
-          <a:prstGeom prst="ellipse">
-            <a:avLst/>
-          </a:prstGeom>
-        </p:spPr>
-        <p:style>
-          <a:lnRef idx="2">
-            <a:schemeClr val="accent1">
-              <a:shade val="50000"/>
-            </a:schemeClr>
-          </a:lnRef>
-          <a:fillRef idx="1">
-            <a:schemeClr val="accent1"/>
-          </a:fillRef>
-          <a:effectRef idx="0">
-            <a:schemeClr val="accent1"/>
-          </a:effectRef>
-          <a:fontRef idx="minor">
-            <a:schemeClr val="lt1"/>
-          </a:fontRef>
-        </p:style>
-        <p:txBody>
-          <a:bodyPr rtlCol="0" anchor="ctr"/>
-          <a:lstStyle/>
-          <a:p>
-            <a:pPr algn="ctr"/>
-            <a:endParaRPr lang="zh-CN" altLang="en-US"/>
-          </a:p>
-        </p:txBody>
-      </p:sp>
-      <p:sp>
-        <p:nvSpPr>
-          <p:cNvPr id="49" name="椭圆 48">
-            <a:extLst>
-              <a:ext uri="{FF2B5EF4-FFF2-40B4-BE49-F238E27FC236}">
-                <a16:creationId xmlns:a16="http://schemas.microsoft.com/office/drawing/2014/main" xmlns="" id="{F1B7D461-B690-429D-86EF-5AF2EEA6D0C9}"/>
-              </a:ext>
-            </a:extLst>
-          </p:cNvPr>
-          <p:cNvSpPr/>
-          <p:nvPr/>
-        </p:nvSpPr>
-        <p:spPr>
-          <a:xfrm>
-            <a:off x="6694488" y="2730500"/>
-            <a:ext cx="355600" cy="355600"/>
-          </a:xfrm>
-          <a:prstGeom prst="ellipse">
-            <a:avLst/>
-          </a:prstGeom>
-        </p:spPr>
-        <p:style>
-          <a:lnRef idx="2">
-            <a:schemeClr val="accent1">
-              <a:shade val="50000"/>
-            </a:schemeClr>
-          </a:lnRef>
-          <a:fillRef idx="1">
-            <a:schemeClr val="accent1"/>
-          </a:fillRef>
-          <a:effectRef idx="0">
-            <a:schemeClr val="accent1"/>
-          </a:effectRef>
-          <a:fontRef idx="minor">
-            <a:schemeClr val="lt1"/>
-          </a:fontRef>
-        </p:style>
-        <p:txBody>
-          <a:bodyPr rtlCol="0" anchor="ctr"/>
-          <a:lstStyle/>
-          <a:p>
-            <a:pPr algn="ctr"/>
-            <a:endParaRPr lang="zh-CN" altLang="en-US"/>
-          </a:p>
-        </p:txBody>
-      </p:sp>
-      <p:sp>
-        <p:nvSpPr>
-          <p:cNvPr id="50" name="椭圆 49">
-            <a:extLst>
-              <a:ext uri="{FF2B5EF4-FFF2-40B4-BE49-F238E27FC236}">
-                <a16:creationId xmlns:a16="http://schemas.microsoft.com/office/drawing/2014/main" xmlns="" id="{C7F30812-854E-4246-8972-481EBEF5D227}"/>
-              </a:ext>
-            </a:extLst>
-          </p:cNvPr>
-          <p:cNvSpPr/>
-          <p:nvPr/>
-        </p:nvSpPr>
-        <p:spPr>
-          <a:xfrm>
-            <a:off x="2951164" y="4305300"/>
-            <a:ext cx="355600" cy="355600"/>
-          </a:xfrm>
-          <a:prstGeom prst="ellipse">
-            <a:avLst/>
-          </a:prstGeom>
-        </p:spPr>
-        <p:style>
-          <a:lnRef idx="2">
-            <a:schemeClr val="accent1">
-              <a:shade val="50000"/>
-            </a:schemeClr>
-          </a:lnRef>
-          <a:fillRef idx="1">
-            <a:schemeClr val="accent1"/>
-          </a:fillRef>
-          <a:effectRef idx="0">
-            <a:schemeClr val="accent1"/>
-          </a:effectRef>
-          <a:fontRef idx="minor">
-            <a:schemeClr val="lt1"/>
-          </a:fontRef>
-        </p:style>
-        <p:txBody>
-          <a:bodyPr rtlCol="0" anchor="ctr"/>
-          <a:lstStyle/>
-          <a:p>
-            <a:pPr algn="ctr"/>
-            <a:endParaRPr lang="zh-CN" altLang="en-US"/>
-          </a:p>
-        </p:txBody>
-      </p:sp>
-      <p:sp>
-        <p:nvSpPr>
-          <p:cNvPr id="51" name="椭圆 50">
-            <a:extLst>
-              <a:ext uri="{FF2B5EF4-FFF2-40B4-BE49-F238E27FC236}">
-                <a16:creationId xmlns:a16="http://schemas.microsoft.com/office/drawing/2014/main" xmlns="" id="{98FF0612-B314-48F1-88DC-82B3775DDE07}"/>
-              </a:ext>
-            </a:extLst>
-          </p:cNvPr>
-          <p:cNvSpPr/>
-          <p:nvPr/>
-        </p:nvSpPr>
-        <p:spPr>
-          <a:xfrm>
-            <a:off x="4295776" y="2006600"/>
-            <a:ext cx="355600" cy="355600"/>
-          </a:xfrm>
-          <a:prstGeom prst="ellipse">
-            <a:avLst/>
-          </a:prstGeom>
-        </p:spPr>
-        <p:style>
-          <a:lnRef idx="2">
-            <a:schemeClr val="accent1">
-              <a:shade val="50000"/>
-            </a:schemeClr>
-          </a:lnRef>
-          <a:fillRef idx="1">
-            <a:schemeClr val="accent1"/>
-          </a:fillRef>
-          <a:effectRef idx="0">
-            <a:schemeClr val="accent1"/>
-          </a:effectRef>
-          <a:fontRef idx="minor">
-            <a:schemeClr val="lt1"/>
-          </a:fontRef>
-        </p:style>
-        <p:txBody>
-          <a:bodyPr rtlCol="0" anchor="ctr"/>
-          <a:lstStyle/>
-          <a:p>
-            <a:pPr algn="ctr"/>
-            <a:endParaRPr lang="zh-CN" altLang="en-US"/>
-          </a:p>
-        </p:txBody>
-      </p:sp>
-      <p:sp>
-        <p:nvSpPr>
-          <p:cNvPr id="52" name="椭圆 51">
-            <a:extLst>
-              <a:ext uri="{FF2B5EF4-FFF2-40B4-BE49-F238E27FC236}">
-                <a16:creationId xmlns:a16="http://schemas.microsoft.com/office/drawing/2014/main" xmlns="" id="{639741A7-76EE-450E-B306-A2E01A140120}"/>
-              </a:ext>
-            </a:extLst>
-          </p:cNvPr>
-          <p:cNvSpPr/>
-          <p:nvPr/>
-        </p:nvSpPr>
-        <p:spPr>
-          <a:xfrm>
-            <a:off x="2046891" y="2406650"/>
-            <a:ext cx="355600" cy="355600"/>
-          </a:xfrm>
-          <a:prstGeom prst="ellipse">
-            <a:avLst/>
-          </a:prstGeom>
-        </p:spPr>
-        <p:style>
-          <a:lnRef idx="2">
-            <a:schemeClr val="accent1">
-              <a:shade val="50000"/>
-            </a:schemeClr>
-          </a:lnRef>
-          <a:fillRef idx="1">
-            <a:schemeClr val="accent1"/>
-          </a:fillRef>
-          <a:effectRef idx="0">
-            <a:schemeClr val="accent1"/>
-          </a:effectRef>
-          <a:fontRef idx="minor">
-            <a:schemeClr val="lt1"/>
-          </a:fontRef>
-        </p:style>
-        <p:txBody>
-          <a:bodyPr rtlCol="0" anchor="ctr"/>
-          <a:lstStyle/>
-          <a:p>
-            <a:pPr algn="ctr"/>
-            <a:endParaRPr lang="zh-CN" altLang="en-US"/>
-          </a:p>
-        </p:txBody>
-      </p:sp>
-      <p:sp>
-        <p:nvSpPr>
-          <p:cNvPr id="53" name="椭圆 52">
-            <a:extLst>
-              <a:ext uri="{FF2B5EF4-FFF2-40B4-BE49-F238E27FC236}">
-                <a16:creationId xmlns:a16="http://schemas.microsoft.com/office/drawing/2014/main" xmlns="" id="{FE0AF472-517E-4A1C-BDD6-EFB51F04B6E1}"/>
-              </a:ext>
-            </a:extLst>
-          </p:cNvPr>
-          <p:cNvSpPr/>
-          <p:nvPr/>
-        </p:nvSpPr>
-        <p:spPr>
-          <a:xfrm>
-            <a:off x="5194300" y="5648127"/>
-            <a:ext cx="355600" cy="355600"/>
-          </a:xfrm>
-          <a:prstGeom prst="ellipse">
-            <a:avLst/>
-          </a:prstGeom>
-        </p:spPr>
-        <p:style>
-          <a:lnRef idx="2">
-            <a:schemeClr val="accent1">
-              <a:shade val="50000"/>
-            </a:schemeClr>
-          </a:lnRef>
-          <a:fillRef idx="1">
-            <a:schemeClr val="accent1"/>
-          </a:fillRef>
-          <a:effectRef idx="0">
-            <a:schemeClr val="accent1"/>
-          </a:effectRef>
-          <a:fontRef idx="minor">
-            <a:schemeClr val="lt1"/>
-          </a:fontRef>
-        </p:style>
-        <p:txBody>
-          <a:bodyPr rtlCol="0" anchor="ctr"/>
-          <a:lstStyle/>
-          <a:p>
-            <a:pPr algn="ctr"/>
-            <a:endParaRPr lang="zh-CN" altLang="en-US"/>
-          </a:p>
-        </p:txBody>
-      </p:sp>
-      <p:sp>
-        <p:nvSpPr>
-          <p:cNvPr id="54" name="椭圆 53">
-            <a:extLst>
-              <a:ext uri="{FF2B5EF4-FFF2-40B4-BE49-F238E27FC236}">
-                <a16:creationId xmlns:a16="http://schemas.microsoft.com/office/drawing/2014/main" xmlns="" id="{94F5CC4A-C2F2-46DA-AA12-ECB311B1AD9F}"/>
-              </a:ext>
-            </a:extLst>
-          </p:cNvPr>
-          <p:cNvSpPr/>
-          <p:nvPr/>
-        </p:nvSpPr>
-        <p:spPr>
-          <a:xfrm>
-            <a:off x="8305800" y="4305300"/>
-            <a:ext cx="355600" cy="355600"/>
-          </a:xfrm>
-          <a:prstGeom prst="ellipse">
-            <a:avLst/>
-          </a:prstGeom>
-        </p:spPr>
-        <p:style>
-          <a:lnRef idx="2">
-            <a:schemeClr val="accent1">
-              <a:shade val="50000"/>
-            </a:schemeClr>
-          </a:lnRef>
-          <a:fillRef idx="1">
-            <a:schemeClr val="accent1"/>
-          </a:fillRef>
-          <a:effectRef idx="0">
-            <a:schemeClr val="accent1"/>
-          </a:effectRef>
-          <a:fontRef idx="minor">
-            <a:schemeClr val="lt1"/>
-          </a:fontRef>
-        </p:style>
-        <p:txBody>
-          <a:bodyPr rtlCol="0" anchor="ctr"/>
-          <a:lstStyle/>
-          <a:p>
-            <a:pPr algn="ctr"/>
-            <a:endParaRPr lang="zh-CN" altLang="en-US"/>
-          </a:p>
-        </p:txBody>
-      </p:sp>
-      <p:sp>
-        <p:nvSpPr>
-          <p:cNvPr id="55" name="椭圆 54">
-            <a:extLst>
-              <a:ext uri="{FF2B5EF4-FFF2-40B4-BE49-F238E27FC236}">
-                <a16:creationId xmlns:a16="http://schemas.microsoft.com/office/drawing/2014/main" xmlns="" id="{B2E873B7-7FA4-4A10-BE23-F9412761AF91}"/>
-              </a:ext>
-            </a:extLst>
-          </p:cNvPr>
-          <p:cNvSpPr/>
-          <p:nvPr/>
-        </p:nvSpPr>
-        <p:spPr>
-          <a:xfrm>
-            <a:off x="2706688" y="5575300"/>
-            <a:ext cx="355600" cy="355600"/>
-          </a:xfrm>
-          <a:prstGeom prst="ellipse">
-            <a:avLst/>
-          </a:prstGeom>
-        </p:spPr>
-        <p:style>
-          <a:lnRef idx="2">
-            <a:schemeClr val="accent1">
-              <a:shade val="50000"/>
-            </a:schemeClr>
-          </a:lnRef>
-          <a:fillRef idx="1">
-            <a:schemeClr val="accent1"/>
-          </a:fillRef>
-          <a:effectRef idx="0">
-            <a:schemeClr val="accent1"/>
-          </a:effectRef>
-          <a:fontRef idx="minor">
-            <a:schemeClr val="lt1"/>
-          </a:fontRef>
-        </p:style>
-        <p:txBody>
-          <a:bodyPr rtlCol="0" anchor="ctr"/>
-          <a:lstStyle/>
-          <a:p>
-            <a:pPr algn="ctr"/>
-            <a:endParaRPr lang="zh-CN" altLang="en-US"/>
-          </a:p>
-        </p:txBody>
-      </p:sp>
-      <p:sp>
-        <p:nvSpPr>
-          <p:cNvPr id="56" name="椭圆 55">
-            <a:extLst>
-              <a:ext uri="{FF2B5EF4-FFF2-40B4-BE49-F238E27FC236}">
-                <a16:creationId xmlns:a16="http://schemas.microsoft.com/office/drawing/2014/main" xmlns="" id="{8C4D8C7A-889B-4465-B836-D9535D49B002}"/>
-              </a:ext>
-            </a:extLst>
-          </p:cNvPr>
-          <p:cNvSpPr/>
-          <p:nvPr/>
-        </p:nvSpPr>
-        <p:spPr>
-          <a:xfrm>
-            <a:off x="9918700" y="1917700"/>
-            <a:ext cx="355600" cy="355600"/>
-          </a:xfrm>
-          <a:prstGeom prst="ellipse">
-            <a:avLst/>
-          </a:prstGeom>
-        </p:spPr>
-        <p:style>
-          <a:lnRef idx="2">
-            <a:schemeClr val="accent1">
-              <a:shade val="50000"/>
-            </a:schemeClr>
-          </a:lnRef>
-          <a:fillRef idx="1">
-            <a:schemeClr val="accent1"/>
-          </a:fillRef>
-          <a:effectRef idx="0">
-            <a:schemeClr val="accent1"/>
-          </a:effectRef>
-          <a:fontRef idx="minor">
-            <a:schemeClr val="lt1"/>
-          </a:fontRef>
-        </p:style>
-        <p:txBody>
-          <a:bodyPr rtlCol="0" anchor="ctr"/>
-          <a:lstStyle/>
-          <a:p>
-            <a:pPr algn="ctr"/>
-            <a:endParaRPr lang="zh-CN" altLang="en-US"/>
-          </a:p>
-        </p:txBody>
-      </p:sp>
-      <p:sp>
-        <p:nvSpPr>
-          <p:cNvPr id="7" name="等腰三角形 6">
-            <a:extLst>
-              <a:ext uri="{FF2B5EF4-FFF2-40B4-BE49-F238E27FC236}">
-                <a16:creationId xmlns:a16="http://schemas.microsoft.com/office/drawing/2014/main" xmlns="" id="{DDB2576C-0754-4C8A-9AA9-5BFB64732A83}"/>
-              </a:ext>
-            </a:extLst>
-          </p:cNvPr>
-          <p:cNvSpPr/>
-          <p:nvPr/>
-        </p:nvSpPr>
-        <p:spPr>
-          <a:xfrm>
-            <a:off x="5549900" y="3263900"/>
-            <a:ext cx="384176" cy="355600"/>
-          </a:xfrm>
-          <a:prstGeom prst="triangle">
-            <a:avLst/>
-          </a:prstGeom>
-        </p:spPr>
-        <p:style>
-          <a:lnRef idx="2">
-            <a:schemeClr val="accent1">
-              <a:shade val="50000"/>
-            </a:schemeClr>
-          </a:lnRef>
-          <a:fillRef idx="1">
-            <a:schemeClr val="accent1"/>
-          </a:fillRef>
-          <a:effectRef idx="0">
-            <a:schemeClr val="accent1"/>
-          </a:effectRef>
-          <a:fontRef idx="minor">
-            <a:schemeClr val="lt1"/>
-          </a:fontRef>
-        </p:style>
-        <p:txBody>
-          <a:bodyPr rtlCol="0" anchor="ctr"/>
-          <a:lstStyle/>
-          <a:p>
-            <a:pPr algn="ctr"/>
-            <a:endParaRPr lang="zh-CN" altLang="en-US"/>
-          </a:p>
-        </p:txBody>
-      </p:sp>
-      <p:grpSp>
-        <p:nvGrpSpPr>
-          <p:cNvPr id="10" name="组合 9">
-            <a:extLst>
-              <a:ext uri="{FF2B5EF4-FFF2-40B4-BE49-F238E27FC236}">
-                <a16:creationId xmlns:a16="http://schemas.microsoft.com/office/drawing/2014/main" xmlns="" id="{60967F82-6460-4897-8C9D-9B8D57527768}"/>
-              </a:ext>
-            </a:extLst>
-          </p:cNvPr>
-          <p:cNvGrpSpPr/>
-          <p:nvPr/>
-        </p:nvGrpSpPr>
-        <p:grpSpPr>
-          <a:xfrm>
-            <a:off x="419100" y="342900"/>
-            <a:ext cx="2425700" cy="698500"/>
-            <a:chOff x="419100" y="406400"/>
-            <a:chExt cx="2425700" cy="698500"/>
-          </a:xfrm>
-          <a:noFill/>
-        </p:grpSpPr>
-        <p:sp>
-          <p:nvSpPr>
-            <p:cNvPr id="9" name="矩形 8">
-              <a:extLst>
-                <a:ext uri="{FF2B5EF4-FFF2-40B4-BE49-F238E27FC236}">
-                  <a16:creationId xmlns:a16="http://schemas.microsoft.com/office/drawing/2014/main" xmlns="" id="{F17B4714-4A41-4126-94A9-F22C5267778D}"/>
-                </a:ext>
-              </a:extLst>
-            </p:cNvPr>
-            <p:cNvSpPr/>
-            <p:nvPr/>
-          </p:nvSpPr>
-          <p:spPr>
-            <a:xfrm>
-              <a:off x="419100" y="406400"/>
-              <a:ext cx="2425700" cy="698500"/>
-            </a:xfrm>
-            <a:prstGeom prst="rect">
-              <a:avLst/>
-            </a:prstGeom>
-            <a:grpFill/>
-            <a:ln w="38100"/>
-          </p:spPr>
-          <p:style>
-            <a:lnRef idx="2">
-              <a:schemeClr val="accent6"/>
-            </a:lnRef>
-            <a:fillRef idx="1">
-              <a:schemeClr val="lt1"/>
-            </a:fillRef>
-            <a:effectRef idx="0">
-              <a:schemeClr val="accent6"/>
-            </a:effectRef>
-            <a:fontRef idx="minor">
-              <a:schemeClr val="dk1"/>
-            </a:fontRef>
-          </p:style>
-          <p:txBody>
-            <a:bodyPr rtlCol="0" anchor="ctr"/>
-            <a:lstStyle/>
-            <a:p>
-              <a:pPr algn="ctr"/>
-              <a:r>
-                <a:rPr lang="zh-CN" altLang="en-US" sz="2800" b="1" dirty="0"/>
-                <a:t>测试数据</a:t>
-              </a:r>
-            </a:p>
-          </p:txBody>
-        </p:sp>
-        <p:sp>
-          <p:nvSpPr>
-            <p:cNvPr id="57" name="等腰三角形 56">
-              <a:extLst>
-                <a:ext uri="{FF2B5EF4-FFF2-40B4-BE49-F238E27FC236}">
-                  <a16:creationId xmlns:a16="http://schemas.microsoft.com/office/drawing/2014/main" xmlns="" id="{FD1A70C7-6AB8-4972-BD9F-E7A4F01D26EC}"/>
-                </a:ext>
-              </a:extLst>
-            </p:cNvPr>
-            <p:cNvSpPr/>
-            <p:nvPr/>
-          </p:nvSpPr>
-          <p:spPr>
-            <a:xfrm>
-              <a:off x="455518" y="577850"/>
-              <a:ext cx="384176" cy="355600"/>
-            </a:xfrm>
-            <a:prstGeom prst="triangle">
-              <a:avLst/>
-            </a:prstGeom>
-            <a:solidFill>
-              <a:schemeClr val="accent1"/>
-            </a:solidFill>
-            <a:ln w="38100">
-              <a:noFill/>
-            </a:ln>
-          </p:spPr>
-          <p:style>
-            <a:lnRef idx="2">
-              <a:schemeClr val="accent1">
-                <a:shade val="50000"/>
-              </a:schemeClr>
-            </a:lnRef>
-            <a:fillRef idx="1">
-              <a:schemeClr val="accent1"/>
-            </a:fillRef>
-            <a:effectRef idx="0">
-              <a:schemeClr val="accent1"/>
-            </a:effectRef>
-            <a:fontRef idx="minor">
-              <a:schemeClr val="lt1"/>
-            </a:fontRef>
-          </p:style>
-          <p:txBody>
-            <a:bodyPr rtlCol="0" anchor="ctr"/>
-            <a:lstStyle/>
-            <a:p>
-              <a:pPr algn="ctr"/>
-              <a:endParaRPr lang="zh-CN" altLang="en-US"/>
-            </a:p>
-          </p:txBody>
-        </p:sp>
-      </p:grpSp>
-      <p:sp>
-        <p:nvSpPr>
-          <p:cNvPr id="59" name="矩形 58">
-            <a:extLst>
-              <a:ext uri="{FF2B5EF4-FFF2-40B4-BE49-F238E27FC236}">
-                <a16:creationId xmlns:a16="http://schemas.microsoft.com/office/drawing/2014/main" xmlns="" id="{719C7466-E5EF-4A5C-BD43-8838A4A38273}"/>
-              </a:ext>
-            </a:extLst>
-          </p:cNvPr>
-          <p:cNvSpPr/>
-          <p:nvPr/>
-        </p:nvSpPr>
-        <p:spPr>
-          <a:xfrm>
-            <a:off x="419100" y="1041400"/>
-            <a:ext cx="2425700" cy="698500"/>
-          </a:xfrm>
-          <a:prstGeom prst="rect">
-            <a:avLst/>
-          </a:prstGeom>
-          <a:noFill/>
-          <a:ln w="38100"/>
-        </p:spPr>
-        <p:style>
-          <a:lnRef idx="2">
-            <a:schemeClr val="accent6"/>
-          </a:lnRef>
-          <a:fillRef idx="1">
-            <a:schemeClr val="lt1"/>
-          </a:fillRef>
-          <a:effectRef idx="0">
-            <a:schemeClr val="accent6"/>
-          </a:effectRef>
-          <a:fontRef idx="minor">
-            <a:schemeClr val="dk1"/>
-          </a:fontRef>
-        </p:style>
-        <p:txBody>
-          <a:bodyPr rtlCol="0" anchor="ctr"/>
-          <a:lstStyle/>
-          <a:p>
-            <a:pPr algn="ctr"/>
-            <a:r>
-              <a:rPr lang="zh-CN" altLang="en-US" sz="2800" b="1" dirty="0"/>
-              <a:t>训练数据</a:t>
-            </a:r>
-          </a:p>
-        </p:txBody>
-      </p:sp>
-      <p:sp>
-        <p:nvSpPr>
-          <p:cNvPr id="61" name="椭圆 60">
-            <a:extLst>
-              <a:ext uri="{FF2B5EF4-FFF2-40B4-BE49-F238E27FC236}">
-                <a16:creationId xmlns:a16="http://schemas.microsoft.com/office/drawing/2014/main" xmlns="" id="{FA7E6425-ED18-46A3-9026-561BA6781450}"/>
-              </a:ext>
-            </a:extLst>
-          </p:cNvPr>
-          <p:cNvSpPr/>
-          <p:nvPr/>
-        </p:nvSpPr>
-        <p:spPr>
-          <a:xfrm>
-            <a:off x="455518" y="1206500"/>
-            <a:ext cx="355600" cy="355600"/>
-          </a:xfrm>
-          <a:prstGeom prst="ellipse">
-            <a:avLst/>
-          </a:prstGeom>
-        </p:spPr>
-        <p:style>
-          <a:lnRef idx="2">
-            <a:schemeClr val="accent1">
-              <a:shade val="50000"/>
-            </a:schemeClr>
-          </a:lnRef>
-          <a:fillRef idx="1">
-            <a:schemeClr val="accent1"/>
-          </a:fillRef>
-          <a:effectRef idx="0">
-            <a:schemeClr val="accent1"/>
-          </a:effectRef>
-          <a:fontRef idx="minor">
-            <a:schemeClr val="lt1"/>
-          </a:fontRef>
-        </p:style>
-        <p:txBody>
-          <a:bodyPr rtlCol="0" anchor="ctr"/>
-          <a:lstStyle/>
-          <a:p>
-            <a:pPr algn="ctr"/>
-            <a:endParaRPr lang="zh-CN" altLang="en-US"/>
-          </a:p>
-        </p:txBody>
-      </p:sp>
-      <p:sp>
-        <p:nvSpPr>
-          <p:cNvPr id="62" name="椭圆 61">
-            <a:extLst>
-              <a:ext uri="{FF2B5EF4-FFF2-40B4-BE49-F238E27FC236}">
-                <a16:creationId xmlns:a16="http://schemas.microsoft.com/office/drawing/2014/main" xmlns="" id="{06FB2DC3-5DD6-477F-BDC5-90107B24B98F}"/>
-              </a:ext>
-            </a:extLst>
-          </p:cNvPr>
-          <p:cNvSpPr/>
-          <p:nvPr/>
-        </p:nvSpPr>
-        <p:spPr>
-          <a:xfrm>
-            <a:off x="4375150" y="2120900"/>
-            <a:ext cx="2808287" cy="2808287"/>
-          </a:xfrm>
-          <a:prstGeom prst="ellipse">
-            <a:avLst/>
-          </a:prstGeom>
-          <a:noFill/>
-          <a:ln w="38100">
-            <a:prstDash val="lgDash"/>
-          </a:ln>
-        </p:spPr>
-        <p:style>
-          <a:lnRef idx="2">
-            <a:schemeClr val="accent1">
-              <a:shade val="50000"/>
-            </a:schemeClr>
-          </a:lnRef>
-          <a:fillRef idx="1">
-            <a:schemeClr val="accent1"/>
-          </a:fillRef>
-          <a:effectRef idx="0">
-            <a:schemeClr val="accent1"/>
-          </a:effectRef>
-          <a:fontRef idx="minor">
-            <a:schemeClr val="lt1"/>
-          </a:fontRef>
-        </p:style>
-        <p:txBody>
-          <a:bodyPr rtlCol="0" anchor="ctr"/>
-          <a:lstStyle/>
-          <a:p>
-            <a:pPr algn="ctr"/>
-            <a:endParaRPr lang="zh-CN" altLang="en-US"/>
-          </a:p>
-        </p:txBody>
-      </p:sp>
-      <p:sp>
-        <p:nvSpPr>
-          <p:cNvPr id="63" name="椭圆 62">
-            <a:extLst>
-              <a:ext uri="{FF2B5EF4-FFF2-40B4-BE49-F238E27FC236}">
-                <a16:creationId xmlns:a16="http://schemas.microsoft.com/office/drawing/2014/main" xmlns="" id="{85216AE5-CCF5-4E4A-AD29-5C7D7769CD8A}"/>
-              </a:ext>
-            </a:extLst>
-          </p:cNvPr>
-          <p:cNvSpPr/>
-          <p:nvPr/>
-        </p:nvSpPr>
-        <p:spPr>
-          <a:xfrm>
-            <a:off x="3734593" y="1485900"/>
-            <a:ext cx="4089400" cy="4089400"/>
-          </a:xfrm>
-          <a:prstGeom prst="ellipse">
-            <a:avLst/>
-          </a:prstGeom>
-          <a:noFill/>
-          <a:ln w="38100">
-            <a:prstDash val="lgDash"/>
-          </a:ln>
-        </p:spPr>
-        <p:style>
-          <a:lnRef idx="2">
-            <a:schemeClr val="accent1">
-              <a:shade val="50000"/>
-            </a:schemeClr>
-          </a:lnRef>
-          <a:fillRef idx="1">
-            <a:schemeClr val="accent1"/>
-          </a:fillRef>
-          <a:effectRef idx="0">
-            <a:schemeClr val="accent1"/>
-          </a:effectRef>
-          <a:fontRef idx="minor">
-            <a:schemeClr val="lt1"/>
-          </a:fontRef>
-        </p:style>
-        <p:txBody>
-          <a:bodyPr rtlCol="0" anchor="ctr"/>
-          <a:lstStyle/>
-          <a:p>
-            <a:pPr algn="ctr"/>
-            <a:endParaRPr lang="zh-CN" altLang="en-US"/>
-          </a:p>
-        </p:txBody>
-      </p:sp>
-      <p:sp>
-        <p:nvSpPr>
-          <p:cNvPr id="64" name="椭圆 63">
-            <a:extLst>
-              <a:ext uri="{FF2B5EF4-FFF2-40B4-BE49-F238E27FC236}">
-                <a16:creationId xmlns:a16="http://schemas.microsoft.com/office/drawing/2014/main" xmlns="" id="{D52F8A7A-E209-4E4B-8DF8-0F94F9A6B46F}"/>
-              </a:ext>
-            </a:extLst>
-          </p:cNvPr>
-          <p:cNvSpPr/>
-          <p:nvPr/>
-        </p:nvSpPr>
-        <p:spPr>
-          <a:xfrm>
-            <a:off x="3170242" y="863600"/>
-            <a:ext cx="5212955" cy="5212955"/>
-          </a:xfrm>
-          <a:prstGeom prst="ellipse">
-            <a:avLst/>
-          </a:prstGeom>
-          <a:noFill/>
-          <a:ln w="38100">
-            <a:prstDash val="lgDash"/>
-          </a:ln>
-        </p:spPr>
-        <p:style>
-          <a:lnRef idx="2">
-            <a:schemeClr val="accent1">
-              <a:shade val="50000"/>
-            </a:schemeClr>
-          </a:lnRef>
-          <a:fillRef idx="1">
-            <a:schemeClr val="accent1"/>
-          </a:fillRef>
-          <a:effectRef idx="0">
-            <a:schemeClr val="accent1"/>
-          </a:effectRef>
-          <a:fontRef idx="minor">
-            <a:schemeClr val="lt1"/>
-          </a:fontRef>
-        </p:style>
-        <p:txBody>
-          <a:bodyPr rtlCol="0" anchor="ctr"/>
-          <a:lstStyle/>
-          <a:p>
-            <a:pPr algn="ctr"/>
-            <a:endParaRPr lang="zh-CN" altLang="en-US"/>
-          </a:p>
-        </p:txBody>
-      </p:sp>
-      <p:graphicFrame>
-        <p:nvGraphicFramePr>
-          <p:cNvPr id="2" name="对象 1"/>
-          <p:cNvGraphicFramePr>
-            <a:graphicFrameLocks noChangeAspect="1"/>
-          </p:cNvGraphicFramePr>
-          <p:nvPr>
-            <p:extLst>
-              <p:ext uri="{D42A27DB-BD31-4B8C-83A1-F6EECF244321}">
-                <p14:modId xmlns:p14="http://schemas.microsoft.com/office/powerpoint/2010/main" val="3166833278"/>
-              </p:ext>
-            </p:extLst>
-          </p:nvPr>
-        </p:nvGraphicFramePr>
-        <p:xfrm>
-          <a:off x="199248" y="2908300"/>
-          <a:ext cx="2636961" cy="1367313"/>
-        </p:xfrm>
-        <a:graphic>
-          <a:graphicData uri="http://schemas.openxmlformats.org/presentationml/2006/ole">
-            <mc:AlternateContent xmlns:mc="http://schemas.openxmlformats.org/markup-compatibility/2006">
-              <mc:Choice xmlns:v="urn:schemas-microsoft-com:vml" Requires="v">
-                <p:oleObj spid="_x0000_s1032" name="Equation" r:id="rId3" imgW="342720" imgH="177480" progId="Equation.DSMT4">
-                  <p:embed/>
-                </p:oleObj>
-              </mc:Choice>
-              <mc:Fallback>
-                <p:oleObj name="Equation" r:id="rId3" imgW="342720" imgH="177480" progId="Equation.DSMT4">
-                  <p:embed/>
-                  <p:pic>
-                    <p:nvPicPr>
-                      <p:cNvPr id="0" name=""/>
-                      <p:cNvPicPr/>
-                      <p:nvPr/>
-                    </p:nvPicPr>
-                    <p:blipFill>
-                      <a:blip r:embed="rId4"/>
-                      <a:stretch>
-                        <a:fillRect/>
-                      </a:stretch>
-                    </p:blipFill>
-                    <p:spPr>
-                      <a:xfrm>
-                        <a:off x="199248" y="2908300"/>
-                        <a:ext cx="2636961" cy="1367313"/>
-                      </a:xfrm>
-                      <a:prstGeom prst="rect">
-                        <a:avLst/>
-                      </a:prstGeom>
-                    </p:spPr>
-                  </p:pic>
-                </p:oleObj>
-              </mc:Fallback>
-            </mc:AlternateContent>
-          </a:graphicData>
-        </a:graphic>
-      </p:graphicFrame>
-    </p:spTree>
-    <p:extLst>
-      <p:ext uri="{BB962C8B-B14F-4D97-AF65-F5344CB8AC3E}">
-        <p14:creationId xmlns:p14="http://schemas.microsoft.com/office/powerpoint/2010/main" val="1550906186"/>
-      </p:ext>
-    </p:extLst>
-  </p:cSld>
-  <p:clrMapOvr>
-    <a:masterClrMapping/>
-  </p:clrMapOvr>
-</p:sld>
-</file>
-
-<file path=ppt/slides/slide16.xml><?xml version="1.0" encoding="utf-8"?>
-<p:sld xmlns:a="http://schemas.openxmlformats.org/drawingml/2006/main" xmlns:r="http://schemas.openxmlformats.org/officeDocument/2006/relationships" xmlns:p="http://schemas.openxmlformats.org/presentationml/2006/main">
-  <p:cSld>
-    <p:spTree>
-      <p:nvGrpSpPr>
-        <p:cNvPr id="1" name=""/>
-        <p:cNvGrpSpPr/>
-        <p:nvPr/>
-      </p:nvGrpSpPr>
-      <p:grpSpPr>
-        <a:xfrm>
-          <a:off x="0" y="0"/>
-          <a:ext cx="0" cy="0"/>
-          <a:chOff x="0" y="0"/>
-          <a:chExt cx="0" cy="0"/>
-        </a:xfrm>
-      </p:grpSpPr>
-      <p:sp>
-        <p:nvSpPr>
-          <p:cNvPr id="2" name="矩形 1">
-            <a:extLst>
-              <a:ext uri="{FF2B5EF4-FFF2-40B4-BE49-F238E27FC236}">
-                <a16:creationId xmlns:a16="http://schemas.microsoft.com/office/drawing/2014/main" xmlns="" id="{34BD55C4-074D-4706-A242-EFDBE57376D1}"/>
-              </a:ext>
-            </a:extLst>
-          </p:cNvPr>
-          <p:cNvSpPr/>
-          <p:nvPr/>
-        </p:nvSpPr>
-        <p:spPr>
-          <a:xfrm>
-            <a:off x="1295400" y="1473200"/>
-            <a:ext cx="2032000" cy="1117600"/>
-          </a:xfrm>
-          <a:prstGeom prst="rect">
-            <a:avLst/>
-          </a:prstGeom>
-          <a:noFill/>
-          <a:ln w="28575"/>
-        </p:spPr>
-        <p:style>
-          <a:lnRef idx="2">
-            <a:schemeClr val="accent6"/>
-          </a:lnRef>
-          <a:fillRef idx="1">
-            <a:schemeClr val="lt1"/>
-          </a:fillRef>
-          <a:effectRef idx="0">
-            <a:schemeClr val="accent6"/>
-          </a:effectRef>
-          <a:fontRef idx="minor">
-            <a:schemeClr val="dk1"/>
-          </a:fontRef>
-        </p:style>
-        <p:txBody>
-          <a:bodyPr rtlCol="0" anchor="ctr"/>
-          <a:lstStyle/>
-          <a:p>
-            <a:pPr algn="ctr"/>
-            <a:r>
-              <a:rPr lang="en-US" altLang="zh-CN" sz="2000" b="1" dirty="0"/>
-              <a:t>1</a:t>
-            </a:r>
-            <a:r>
-              <a:rPr lang="zh-CN" altLang="en-US" sz="2000" b="1" dirty="0"/>
-              <a:t>、划分数据集</a:t>
-            </a:r>
-            <a:endParaRPr lang="en-US" altLang="zh-CN" sz="2000" b="1" dirty="0"/>
-          </a:p>
-          <a:p>
-            <a:pPr algn="ctr"/>
-            <a:r>
-              <a:rPr lang="en-US" altLang="zh-CN" sz="2000" b="1" dirty="0"/>
-              <a:t>2</a:t>
-            </a:r>
-            <a:r>
-              <a:rPr lang="zh-CN" altLang="en-US" sz="2000" b="1" dirty="0"/>
-              <a:t>、选择机器学习模型</a:t>
-            </a:r>
-          </a:p>
-        </p:txBody>
-      </p:sp>
-      <p:sp>
-        <p:nvSpPr>
-          <p:cNvPr id="23" name="矩形 22">
-            <a:extLst>
-              <a:ext uri="{FF2B5EF4-FFF2-40B4-BE49-F238E27FC236}">
-                <a16:creationId xmlns:a16="http://schemas.microsoft.com/office/drawing/2014/main" xmlns="" id="{26241B0D-F92F-49DD-A2EB-B664CBED7AEE}"/>
-              </a:ext>
-            </a:extLst>
-          </p:cNvPr>
-          <p:cNvSpPr/>
-          <p:nvPr/>
-        </p:nvSpPr>
-        <p:spPr>
-          <a:xfrm>
-            <a:off x="4800600" y="1473200"/>
-            <a:ext cx="2032000" cy="1117600"/>
-          </a:xfrm>
-          <a:prstGeom prst="rect">
-            <a:avLst/>
-          </a:prstGeom>
-          <a:noFill/>
-          <a:ln w="28575"/>
-        </p:spPr>
-        <p:style>
-          <a:lnRef idx="2">
-            <a:schemeClr val="accent6"/>
-          </a:lnRef>
-          <a:fillRef idx="1">
-            <a:schemeClr val="lt1"/>
-          </a:fillRef>
-          <a:effectRef idx="0">
-            <a:schemeClr val="accent6"/>
-          </a:effectRef>
-          <a:fontRef idx="minor">
-            <a:schemeClr val="dk1"/>
-          </a:fontRef>
-        </p:style>
-        <p:txBody>
-          <a:bodyPr rtlCol="0" anchor="ctr"/>
-          <a:lstStyle/>
-          <a:p>
-            <a:pPr algn="ctr"/>
-            <a:r>
-              <a:rPr lang="zh-CN" altLang="en-US" sz="2000" b="1" dirty="0"/>
-              <a:t>选择代价函数，训练模型的参数</a:t>
-            </a:r>
-          </a:p>
-        </p:txBody>
-      </p:sp>
-      <p:sp>
-        <p:nvSpPr>
-          <p:cNvPr id="24" name="矩形 23">
-            <a:extLst>
-              <a:ext uri="{FF2B5EF4-FFF2-40B4-BE49-F238E27FC236}">
-                <a16:creationId xmlns:a16="http://schemas.microsoft.com/office/drawing/2014/main" xmlns="" id="{5EE3019F-A78F-4047-A21D-E77799278053}"/>
-              </a:ext>
-            </a:extLst>
-          </p:cNvPr>
-          <p:cNvSpPr/>
-          <p:nvPr/>
-        </p:nvSpPr>
-        <p:spPr>
-          <a:xfrm>
-            <a:off x="8305800" y="1473200"/>
-            <a:ext cx="2032000" cy="1117600"/>
-          </a:xfrm>
-          <a:prstGeom prst="rect">
-            <a:avLst/>
-          </a:prstGeom>
-          <a:noFill/>
-          <a:ln w="28575"/>
-        </p:spPr>
-        <p:style>
-          <a:lnRef idx="2">
-            <a:schemeClr val="accent6"/>
-          </a:lnRef>
-          <a:fillRef idx="1">
-            <a:schemeClr val="lt1"/>
-          </a:fillRef>
-          <a:effectRef idx="0">
-            <a:schemeClr val="accent6"/>
-          </a:effectRef>
-          <a:fontRef idx="minor">
-            <a:schemeClr val="dk1"/>
-          </a:fontRef>
-        </p:style>
-        <p:txBody>
-          <a:bodyPr rtlCol="0" anchor="ctr"/>
-          <a:lstStyle/>
-          <a:p>
-            <a:pPr algn="ctr"/>
-            <a:r>
-              <a:rPr lang="zh-CN" altLang="en-US" sz="2000" b="1" dirty="0"/>
-              <a:t>分别算出训练集、测试集中的预测值</a:t>
-            </a:r>
-          </a:p>
-        </p:txBody>
-      </p:sp>
-      <p:sp>
-        <p:nvSpPr>
-          <p:cNvPr id="25" name="矩形 24">
-            <a:extLst>
-              <a:ext uri="{FF2B5EF4-FFF2-40B4-BE49-F238E27FC236}">
-                <a16:creationId xmlns:a16="http://schemas.microsoft.com/office/drawing/2014/main" xmlns="" id="{25010F33-8042-4FE6-A062-B171CA2F955B}"/>
-              </a:ext>
-            </a:extLst>
-          </p:cNvPr>
-          <p:cNvSpPr/>
-          <p:nvPr/>
-        </p:nvSpPr>
-        <p:spPr>
-          <a:xfrm>
-            <a:off x="8305800" y="3835400"/>
-            <a:ext cx="2032000" cy="1117600"/>
-          </a:xfrm>
-          <a:prstGeom prst="rect">
-            <a:avLst/>
-          </a:prstGeom>
-          <a:noFill/>
-          <a:ln w="28575"/>
-        </p:spPr>
-        <p:style>
-          <a:lnRef idx="2">
-            <a:schemeClr val="accent6"/>
-          </a:lnRef>
-          <a:fillRef idx="1">
-            <a:schemeClr val="lt1"/>
-          </a:fillRef>
-          <a:effectRef idx="0">
-            <a:schemeClr val="accent6"/>
-          </a:effectRef>
-          <a:fontRef idx="minor">
-            <a:schemeClr val="dk1"/>
-          </a:fontRef>
-        </p:style>
-        <p:txBody>
-          <a:bodyPr rtlCol="0" anchor="ctr"/>
-          <a:lstStyle/>
-          <a:p>
-            <a:pPr algn="ctr"/>
-            <a:r>
-              <a:rPr lang="zh-CN" altLang="en-US" sz="2000" b="1" dirty="0"/>
-              <a:t>在训练集中评价模型</a:t>
-            </a:r>
-          </a:p>
-        </p:txBody>
-      </p:sp>
-      <p:sp>
-        <p:nvSpPr>
-          <p:cNvPr id="26" name="矩形 25">
-            <a:extLst>
-              <a:ext uri="{FF2B5EF4-FFF2-40B4-BE49-F238E27FC236}">
-                <a16:creationId xmlns:a16="http://schemas.microsoft.com/office/drawing/2014/main" xmlns="" id="{5AA6C15E-03C3-4BFA-BD82-E91C233CDC24}"/>
-              </a:ext>
-            </a:extLst>
-          </p:cNvPr>
-          <p:cNvSpPr/>
-          <p:nvPr/>
-        </p:nvSpPr>
-        <p:spPr>
-          <a:xfrm>
-            <a:off x="4800600" y="3835400"/>
-            <a:ext cx="2032000" cy="1117600"/>
-          </a:xfrm>
-          <a:prstGeom prst="rect">
-            <a:avLst/>
-          </a:prstGeom>
-          <a:noFill/>
-          <a:ln w="28575"/>
-        </p:spPr>
-        <p:style>
-          <a:lnRef idx="2">
-            <a:schemeClr val="accent6"/>
-          </a:lnRef>
-          <a:fillRef idx="1">
-            <a:schemeClr val="lt1"/>
-          </a:fillRef>
-          <a:effectRef idx="0">
-            <a:schemeClr val="accent6"/>
-          </a:effectRef>
-          <a:fontRef idx="minor">
-            <a:schemeClr val="dk1"/>
-          </a:fontRef>
-        </p:style>
-        <p:txBody>
-          <a:bodyPr rtlCol="0" anchor="ctr"/>
-          <a:lstStyle/>
-          <a:p>
-            <a:pPr algn="ctr"/>
-            <a:r>
-              <a:rPr lang="zh-CN" altLang="en-US" sz="2000" b="1" dirty="0"/>
-              <a:t>在测试集中评价模型</a:t>
-            </a:r>
-          </a:p>
-        </p:txBody>
-      </p:sp>
-      <p:sp>
-        <p:nvSpPr>
-          <p:cNvPr id="3" name="箭头: 右 2">
-            <a:extLst>
-              <a:ext uri="{FF2B5EF4-FFF2-40B4-BE49-F238E27FC236}">
-                <a16:creationId xmlns:a16="http://schemas.microsoft.com/office/drawing/2014/main" xmlns="" id="{95547994-AC7D-4ABD-BE36-3820C68C9A9C}"/>
-              </a:ext>
-            </a:extLst>
-          </p:cNvPr>
-          <p:cNvSpPr/>
-          <p:nvPr/>
-        </p:nvSpPr>
-        <p:spPr>
-          <a:xfrm>
-            <a:off x="6832600" y="1930400"/>
-            <a:ext cx="1473200" cy="190500"/>
-          </a:xfrm>
-          <a:prstGeom prst="rightArrow">
-            <a:avLst/>
-          </a:prstGeom>
-        </p:spPr>
-        <p:style>
-          <a:lnRef idx="2">
-            <a:schemeClr val="accent1">
-              <a:shade val="50000"/>
-            </a:schemeClr>
-          </a:lnRef>
-          <a:fillRef idx="1">
-            <a:schemeClr val="accent1"/>
-          </a:fillRef>
-          <a:effectRef idx="0">
-            <a:schemeClr val="accent1"/>
-          </a:effectRef>
-          <a:fontRef idx="minor">
-            <a:schemeClr val="lt1"/>
-          </a:fontRef>
-        </p:style>
-        <p:txBody>
-          <a:bodyPr rtlCol="0" anchor="ctr"/>
-          <a:lstStyle/>
-          <a:p>
-            <a:pPr algn="ctr"/>
-            <a:endParaRPr lang="zh-CN" altLang="en-US" b="1"/>
-          </a:p>
-        </p:txBody>
-      </p:sp>
-      <p:sp>
-        <p:nvSpPr>
-          <p:cNvPr id="28" name="箭头: 右 27">
-            <a:extLst>
-              <a:ext uri="{FF2B5EF4-FFF2-40B4-BE49-F238E27FC236}">
-                <a16:creationId xmlns:a16="http://schemas.microsoft.com/office/drawing/2014/main" xmlns="" id="{646DC4E1-177B-423A-AA69-B3368CE13748}"/>
-              </a:ext>
-            </a:extLst>
-          </p:cNvPr>
-          <p:cNvSpPr/>
-          <p:nvPr/>
-        </p:nvSpPr>
-        <p:spPr>
-          <a:xfrm>
-            <a:off x="3327400" y="1930400"/>
-            <a:ext cx="1473200" cy="190500"/>
-          </a:xfrm>
-          <a:prstGeom prst="rightArrow">
-            <a:avLst/>
-          </a:prstGeom>
-        </p:spPr>
-        <p:style>
-          <a:lnRef idx="2">
-            <a:schemeClr val="accent1">
-              <a:shade val="50000"/>
-            </a:schemeClr>
-          </a:lnRef>
-          <a:fillRef idx="1">
-            <a:schemeClr val="accent1"/>
-          </a:fillRef>
-          <a:effectRef idx="0">
-            <a:schemeClr val="accent1"/>
-          </a:effectRef>
-          <a:fontRef idx="minor">
-            <a:schemeClr val="lt1"/>
-          </a:fontRef>
-        </p:style>
-        <p:txBody>
-          <a:bodyPr rtlCol="0" anchor="ctr"/>
-          <a:lstStyle/>
-          <a:p>
-            <a:pPr algn="ctr"/>
-            <a:endParaRPr lang="zh-CN" altLang="en-US" b="1"/>
-          </a:p>
-        </p:txBody>
-      </p:sp>
-      <p:sp>
-        <p:nvSpPr>
-          <p:cNvPr id="29" name="箭头: 右 28">
-            <a:extLst>
-              <a:ext uri="{FF2B5EF4-FFF2-40B4-BE49-F238E27FC236}">
-                <a16:creationId xmlns:a16="http://schemas.microsoft.com/office/drawing/2014/main" xmlns="" id="{174DE6DB-23CE-4D4F-BAE3-A793783BA628}"/>
-              </a:ext>
-            </a:extLst>
-          </p:cNvPr>
-          <p:cNvSpPr/>
-          <p:nvPr/>
-        </p:nvSpPr>
-        <p:spPr>
-          <a:xfrm rot="5400000">
-            <a:off x="8699501" y="3086101"/>
-            <a:ext cx="1244600" cy="253998"/>
-          </a:xfrm>
-          <a:prstGeom prst="rightArrow">
-            <a:avLst/>
-          </a:prstGeom>
-        </p:spPr>
-        <p:style>
-          <a:lnRef idx="2">
-            <a:schemeClr val="accent1">
-              <a:shade val="50000"/>
-            </a:schemeClr>
-          </a:lnRef>
-          <a:fillRef idx="1">
-            <a:schemeClr val="accent1"/>
-          </a:fillRef>
-          <a:effectRef idx="0">
-            <a:schemeClr val="accent1"/>
-          </a:effectRef>
-          <a:fontRef idx="minor">
-            <a:schemeClr val="lt1"/>
-          </a:fontRef>
-        </p:style>
-        <p:txBody>
-          <a:bodyPr rtlCol="0" anchor="ctr"/>
-          <a:lstStyle/>
-          <a:p>
-            <a:pPr algn="ctr"/>
-            <a:endParaRPr lang="zh-CN" altLang="en-US" b="1"/>
-          </a:p>
-        </p:txBody>
-      </p:sp>
-      <p:sp>
-        <p:nvSpPr>
-          <p:cNvPr id="30" name="箭头: 右 29">
-            <a:extLst>
-              <a:ext uri="{FF2B5EF4-FFF2-40B4-BE49-F238E27FC236}">
-                <a16:creationId xmlns:a16="http://schemas.microsoft.com/office/drawing/2014/main" xmlns="" id="{774D642A-D64D-43F2-A00A-D3AC5486C58B}"/>
-              </a:ext>
-            </a:extLst>
-          </p:cNvPr>
-          <p:cNvSpPr/>
-          <p:nvPr/>
-        </p:nvSpPr>
-        <p:spPr>
-          <a:xfrm rot="10800000">
-            <a:off x="6832600" y="4298950"/>
-            <a:ext cx="1473200" cy="190500"/>
-          </a:xfrm>
-          <a:prstGeom prst="rightArrow">
-            <a:avLst/>
-          </a:prstGeom>
-        </p:spPr>
-        <p:style>
-          <a:lnRef idx="2">
-            <a:schemeClr val="accent1">
-              <a:shade val="50000"/>
-            </a:schemeClr>
-          </a:lnRef>
-          <a:fillRef idx="1">
-            <a:schemeClr val="accent1"/>
-          </a:fillRef>
-          <a:effectRef idx="0">
-            <a:schemeClr val="accent1"/>
-          </a:effectRef>
-          <a:fontRef idx="minor">
-            <a:schemeClr val="lt1"/>
-          </a:fontRef>
-        </p:style>
-        <p:txBody>
-          <a:bodyPr rtlCol="0" anchor="ctr"/>
-          <a:lstStyle/>
-          <a:p>
-            <a:pPr algn="ctr"/>
-            <a:endParaRPr lang="zh-CN" altLang="en-US" b="1"/>
-          </a:p>
-        </p:txBody>
-      </p:sp>
-      <p:sp>
-        <p:nvSpPr>
-          <p:cNvPr id="31" name="箭头: 右 30">
-            <a:extLst>
-              <a:ext uri="{FF2B5EF4-FFF2-40B4-BE49-F238E27FC236}">
-                <a16:creationId xmlns:a16="http://schemas.microsoft.com/office/drawing/2014/main" xmlns="" id="{42EE2018-8D8D-4D72-B862-82A0F1625162}"/>
-              </a:ext>
-            </a:extLst>
-          </p:cNvPr>
-          <p:cNvSpPr/>
-          <p:nvPr/>
-        </p:nvSpPr>
-        <p:spPr>
-          <a:xfrm rot="10800000">
-            <a:off x="3327400" y="4298951"/>
-            <a:ext cx="1473200" cy="190500"/>
-          </a:xfrm>
-          <a:prstGeom prst="rightArrow">
-            <a:avLst/>
-          </a:prstGeom>
-        </p:spPr>
-        <p:style>
-          <a:lnRef idx="2">
-            <a:schemeClr val="accent1">
-              <a:shade val="50000"/>
-            </a:schemeClr>
-          </a:lnRef>
-          <a:fillRef idx="1">
-            <a:schemeClr val="accent1"/>
-          </a:fillRef>
-          <a:effectRef idx="0">
-            <a:schemeClr val="accent1"/>
-          </a:effectRef>
-          <a:fontRef idx="minor">
-            <a:schemeClr val="lt1"/>
-          </a:fontRef>
-        </p:style>
-        <p:txBody>
-          <a:bodyPr rtlCol="0" anchor="ctr"/>
-          <a:lstStyle/>
-          <a:p>
-            <a:pPr algn="ctr"/>
-            <a:endParaRPr lang="zh-CN" altLang="en-US" b="1"/>
-          </a:p>
-        </p:txBody>
-      </p:sp>
-      <p:sp>
-        <p:nvSpPr>
-          <p:cNvPr id="4" name="文本框 3">
-            <a:extLst>
-              <a:ext uri="{FF2B5EF4-FFF2-40B4-BE49-F238E27FC236}">
-                <a16:creationId xmlns:a16="http://schemas.microsoft.com/office/drawing/2014/main" xmlns="" id="{18A22F45-0F47-4EFB-9CA1-AF7E9D9A90C5}"/>
-              </a:ext>
-            </a:extLst>
-          </p:cNvPr>
-          <p:cNvSpPr txBox="1"/>
-          <p:nvPr/>
-        </p:nvSpPr>
-        <p:spPr>
-          <a:xfrm>
-            <a:off x="1905000" y="4177785"/>
-            <a:ext cx="1600200" cy="461665"/>
-          </a:xfrm>
-          <a:prstGeom prst="rect">
-            <a:avLst/>
-          </a:prstGeom>
-          <a:noFill/>
-        </p:spPr>
-        <p:txBody>
-          <a:bodyPr wrap="square" rtlCol="0">
-            <a:spAutoFit/>
-          </a:bodyPr>
-          <a:lstStyle/>
-          <a:p>
-            <a:r>
-              <a:rPr lang="zh-CN" altLang="en-US" sz="2400" b="1" dirty="0"/>
-              <a:t>投入使用</a:t>
-            </a:r>
-          </a:p>
-        </p:txBody>
-      </p:sp>
-      <p:sp>
-        <p:nvSpPr>
-          <p:cNvPr id="33" name="箭头: 右 32">
-            <a:extLst>
-              <a:ext uri="{FF2B5EF4-FFF2-40B4-BE49-F238E27FC236}">
-                <a16:creationId xmlns:a16="http://schemas.microsoft.com/office/drawing/2014/main" xmlns="" id="{C610DE83-3E22-440F-863E-256F760D66E0}"/>
-              </a:ext>
-            </a:extLst>
-          </p:cNvPr>
-          <p:cNvSpPr/>
-          <p:nvPr/>
-        </p:nvSpPr>
-        <p:spPr>
-          <a:xfrm rot="5400000">
-            <a:off x="8985251" y="5162551"/>
-            <a:ext cx="673100" cy="253998"/>
-          </a:xfrm>
-          <a:prstGeom prst="rightArrow">
-            <a:avLst/>
-          </a:prstGeom>
-        </p:spPr>
-        <p:style>
-          <a:lnRef idx="2">
-            <a:schemeClr val="accent1">
-              <a:shade val="50000"/>
-            </a:schemeClr>
-          </a:lnRef>
-          <a:fillRef idx="1">
-            <a:schemeClr val="accent1"/>
-          </a:fillRef>
-          <a:effectRef idx="0">
-            <a:schemeClr val="accent1"/>
-          </a:effectRef>
-          <a:fontRef idx="minor">
-            <a:schemeClr val="lt1"/>
-          </a:fontRef>
-        </p:style>
-        <p:txBody>
-          <a:bodyPr rtlCol="0" anchor="ctr"/>
-          <a:lstStyle/>
-          <a:p>
-            <a:pPr algn="ctr"/>
-            <a:endParaRPr lang="zh-CN" altLang="en-US" b="1"/>
-          </a:p>
-        </p:txBody>
-      </p:sp>
-      <p:sp>
-        <p:nvSpPr>
-          <p:cNvPr id="34" name="文本框 33">
-            <a:extLst>
-              <a:ext uri="{FF2B5EF4-FFF2-40B4-BE49-F238E27FC236}">
-                <a16:creationId xmlns:a16="http://schemas.microsoft.com/office/drawing/2014/main" xmlns="" id="{08E69ED6-5F75-40C4-867B-0681AA5114D4}"/>
-              </a:ext>
-            </a:extLst>
-          </p:cNvPr>
-          <p:cNvSpPr txBox="1"/>
-          <p:nvPr/>
-        </p:nvSpPr>
-        <p:spPr>
-          <a:xfrm>
-            <a:off x="8826500" y="5687536"/>
-            <a:ext cx="1600200" cy="461665"/>
-          </a:xfrm>
-          <a:prstGeom prst="rect">
-            <a:avLst/>
-          </a:prstGeom>
-          <a:noFill/>
-        </p:spPr>
-        <p:txBody>
-          <a:bodyPr wrap="square" rtlCol="0">
-            <a:spAutoFit/>
-          </a:bodyPr>
-          <a:lstStyle/>
-          <a:p>
-            <a:r>
-              <a:rPr lang="zh-CN" altLang="en-US" sz="2400" b="1" dirty="0"/>
-              <a:t>更换模型</a:t>
-            </a:r>
-          </a:p>
-        </p:txBody>
-      </p:sp>
-      <p:sp>
-        <p:nvSpPr>
-          <p:cNvPr id="35" name="文本框 34">
-            <a:extLst>
-              <a:ext uri="{FF2B5EF4-FFF2-40B4-BE49-F238E27FC236}">
-                <a16:creationId xmlns:a16="http://schemas.microsoft.com/office/drawing/2014/main" xmlns="" id="{BF833645-D0A9-42FF-87BC-657B1F9F571C}"/>
-              </a:ext>
-            </a:extLst>
-          </p:cNvPr>
-          <p:cNvSpPr txBox="1"/>
-          <p:nvPr/>
-        </p:nvSpPr>
-        <p:spPr>
-          <a:xfrm>
-            <a:off x="9626600" y="5100676"/>
-            <a:ext cx="1600200" cy="461665"/>
-          </a:xfrm>
-          <a:prstGeom prst="rect">
-            <a:avLst/>
-          </a:prstGeom>
-          <a:noFill/>
-        </p:spPr>
-        <p:txBody>
-          <a:bodyPr wrap="square" rtlCol="0">
-            <a:spAutoFit/>
-          </a:bodyPr>
-          <a:lstStyle/>
-          <a:p>
-            <a:r>
-              <a:rPr lang="zh-CN" altLang="en-US" sz="2400" b="1" dirty="0"/>
-              <a:t>不满意</a:t>
-            </a:r>
-          </a:p>
-        </p:txBody>
-      </p:sp>
-      <p:sp>
-        <p:nvSpPr>
-          <p:cNvPr id="36" name="文本框 35">
-            <a:extLst>
-              <a:ext uri="{FF2B5EF4-FFF2-40B4-BE49-F238E27FC236}">
-                <a16:creationId xmlns:a16="http://schemas.microsoft.com/office/drawing/2014/main" xmlns="" id="{3605C5D1-403F-4AA5-9922-89568C06ADAE}"/>
-              </a:ext>
-            </a:extLst>
-          </p:cNvPr>
-          <p:cNvSpPr txBox="1"/>
-          <p:nvPr/>
-        </p:nvSpPr>
-        <p:spPr>
-          <a:xfrm>
-            <a:off x="7150101" y="3657500"/>
-            <a:ext cx="1600200" cy="523220"/>
-          </a:xfrm>
-          <a:prstGeom prst="rect">
-            <a:avLst/>
-          </a:prstGeom>
-          <a:noFill/>
-        </p:spPr>
-        <p:txBody>
-          <a:bodyPr wrap="square" rtlCol="0">
-            <a:spAutoFit/>
-          </a:bodyPr>
-          <a:lstStyle/>
-          <a:p>
-            <a:r>
-              <a:rPr lang="zh-CN" altLang="en-US" sz="2800" b="1" dirty="0"/>
-              <a:t>满意</a:t>
-            </a:r>
-          </a:p>
-        </p:txBody>
-      </p:sp>
-      <p:sp>
-        <p:nvSpPr>
-          <p:cNvPr id="37" name="文本框 36">
-            <a:extLst>
-              <a:ext uri="{FF2B5EF4-FFF2-40B4-BE49-F238E27FC236}">
-                <a16:creationId xmlns:a16="http://schemas.microsoft.com/office/drawing/2014/main" xmlns="" id="{7A3BB00F-55DB-469C-83BD-4885E6D86643}"/>
-              </a:ext>
-            </a:extLst>
-          </p:cNvPr>
-          <p:cNvSpPr txBox="1"/>
-          <p:nvPr/>
-        </p:nvSpPr>
-        <p:spPr>
-          <a:xfrm>
-            <a:off x="3659188" y="3657500"/>
-            <a:ext cx="1600200" cy="523220"/>
-          </a:xfrm>
-          <a:prstGeom prst="rect">
-            <a:avLst/>
-          </a:prstGeom>
-          <a:noFill/>
-        </p:spPr>
-        <p:txBody>
-          <a:bodyPr wrap="square" rtlCol="0">
-            <a:spAutoFit/>
-          </a:bodyPr>
-          <a:lstStyle/>
-          <a:p>
-            <a:r>
-              <a:rPr lang="zh-CN" altLang="en-US" sz="2800" b="1" dirty="0"/>
-              <a:t>满意</a:t>
-            </a:r>
-          </a:p>
-        </p:txBody>
-      </p:sp>
-      <p:sp>
-        <p:nvSpPr>
-          <p:cNvPr id="38" name="箭头: 右 37">
-            <a:extLst>
-              <a:ext uri="{FF2B5EF4-FFF2-40B4-BE49-F238E27FC236}">
-                <a16:creationId xmlns:a16="http://schemas.microsoft.com/office/drawing/2014/main" xmlns="" id="{8B5C7E97-88EB-413F-8ED5-6DA15FE7A36D}"/>
-              </a:ext>
-            </a:extLst>
-          </p:cNvPr>
-          <p:cNvSpPr/>
-          <p:nvPr/>
-        </p:nvSpPr>
-        <p:spPr>
-          <a:xfrm rot="5400000">
-            <a:off x="5480050" y="5162551"/>
-            <a:ext cx="673100" cy="253998"/>
-          </a:xfrm>
-          <a:prstGeom prst="rightArrow">
-            <a:avLst/>
-          </a:prstGeom>
-        </p:spPr>
-        <p:style>
-          <a:lnRef idx="2">
-            <a:schemeClr val="accent1">
-              <a:shade val="50000"/>
-            </a:schemeClr>
-          </a:lnRef>
-          <a:fillRef idx="1">
-            <a:schemeClr val="accent1"/>
-          </a:fillRef>
-          <a:effectRef idx="0">
-            <a:schemeClr val="accent1"/>
-          </a:effectRef>
-          <a:fontRef idx="minor">
-            <a:schemeClr val="lt1"/>
-          </a:fontRef>
-        </p:style>
-        <p:txBody>
-          <a:bodyPr rtlCol="0" anchor="ctr"/>
-          <a:lstStyle/>
-          <a:p>
-            <a:pPr algn="ctr"/>
-            <a:endParaRPr lang="zh-CN" altLang="en-US" b="1"/>
-          </a:p>
-        </p:txBody>
-      </p:sp>
-      <p:sp>
-        <p:nvSpPr>
-          <p:cNvPr id="39" name="文本框 38">
-            <a:extLst>
-              <a:ext uri="{FF2B5EF4-FFF2-40B4-BE49-F238E27FC236}">
-                <a16:creationId xmlns:a16="http://schemas.microsoft.com/office/drawing/2014/main" xmlns="" id="{8CC7F17C-E6F2-4476-BC34-03DDAE5D64C1}"/>
-              </a:ext>
-            </a:extLst>
-          </p:cNvPr>
-          <p:cNvSpPr txBox="1"/>
-          <p:nvPr/>
-        </p:nvSpPr>
-        <p:spPr>
-          <a:xfrm>
-            <a:off x="6096000" y="5073649"/>
-            <a:ext cx="1600200" cy="461665"/>
-          </a:xfrm>
-          <a:prstGeom prst="rect">
-            <a:avLst/>
-          </a:prstGeom>
-          <a:noFill/>
-        </p:spPr>
-        <p:txBody>
-          <a:bodyPr wrap="square" rtlCol="0">
-            <a:spAutoFit/>
-          </a:bodyPr>
-          <a:lstStyle/>
-          <a:p>
-            <a:r>
-              <a:rPr lang="zh-CN" altLang="en-US" sz="2400" b="1" dirty="0"/>
-              <a:t>过拟合</a:t>
-            </a:r>
-          </a:p>
-        </p:txBody>
-      </p:sp>
-      <p:sp>
-        <p:nvSpPr>
-          <p:cNvPr id="40" name="文本框 39">
-            <a:extLst>
-              <a:ext uri="{FF2B5EF4-FFF2-40B4-BE49-F238E27FC236}">
-                <a16:creationId xmlns:a16="http://schemas.microsoft.com/office/drawing/2014/main" xmlns="" id="{58499B37-23D7-462E-AE0B-85E9AC99D443}"/>
-              </a:ext>
-            </a:extLst>
-          </p:cNvPr>
-          <p:cNvSpPr txBox="1"/>
-          <p:nvPr/>
-        </p:nvSpPr>
-        <p:spPr>
-          <a:xfrm>
-            <a:off x="5259388" y="5687536"/>
-            <a:ext cx="3046412" cy="830997"/>
-          </a:xfrm>
-          <a:prstGeom prst="rect">
-            <a:avLst/>
-          </a:prstGeom>
-          <a:noFill/>
-        </p:spPr>
-        <p:txBody>
-          <a:bodyPr wrap="square" rtlCol="0">
-            <a:spAutoFit/>
-          </a:bodyPr>
-          <a:lstStyle/>
-          <a:p>
-            <a:r>
-              <a:rPr lang="en-US" altLang="zh-CN" sz="2400" b="1" dirty="0"/>
-              <a:t>1</a:t>
-            </a:r>
-            <a:r>
-              <a:rPr lang="zh-CN" altLang="en-US" sz="2400" b="1" dirty="0"/>
-              <a:t>、采取策略</a:t>
-            </a:r>
-            <a:endParaRPr lang="en-US" altLang="zh-CN" sz="2400" b="1" dirty="0"/>
-          </a:p>
-          <a:p>
-            <a:r>
-              <a:rPr lang="en-US" altLang="zh-CN" sz="2400" b="1" dirty="0"/>
-              <a:t>2</a:t>
-            </a:r>
-            <a:r>
-              <a:rPr lang="zh-CN" altLang="en-US" sz="2400" b="1" dirty="0"/>
-              <a:t>、更换模型</a:t>
-            </a:r>
-          </a:p>
-        </p:txBody>
-      </p:sp>
-    </p:spTree>
-    <p:extLst>
-      <p:ext uri="{BB962C8B-B14F-4D97-AF65-F5344CB8AC3E}">
-        <p14:creationId xmlns:p14="http://schemas.microsoft.com/office/powerpoint/2010/main" val="2606522826"/>
-      </p:ext>
-    </p:extLst>
-  </p:cSld>
-  <p:clrMapOvr>
-    <a:masterClrMapping/>
-  </p:clrMapOvr>
-</p:sld>
-</file>
-
 <file path=ppt/slides/slide2.xml><?xml version="1.0" encoding="utf-8"?>
 <p:sld xmlns:a="http://schemas.openxmlformats.org/drawingml/2006/main" xmlns:r="http://schemas.openxmlformats.org/officeDocument/2006/relationships" xmlns:p="http://schemas.openxmlformats.org/presentationml/2006/main">
   <p:cSld>
@@ -7153,7 +3929,7 @@
           <p:cNvPr id="4" name="箭头: 右 3">
             <a:extLst>
               <a:ext uri="{FF2B5EF4-FFF2-40B4-BE49-F238E27FC236}">
-                <a16:creationId xmlns:a16="http://schemas.microsoft.com/office/drawing/2014/main" xmlns="" id="{D0B4B9F5-A449-450F-9A62-090367A5FE67}"/>
+                <a16:creationId xmlns="" xmlns:a16="http://schemas.microsoft.com/office/drawing/2014/main" id="{D0B4B9F5-A449-450F-9A62-090367A5FE67}"/>
               </a:ext>
             </a:extLst>
           </p:cNvPr>
@@ -7199,7 +3975,7 @@
           <p:cNvPr id="5" name="矩形 4">
             <a:extLst>
               <a:ext uri="{FF2B5EF4-FFF2-40B4-BE49-F238E27FC236}">
-                <a16:creationId xmlns:a16="http://schemas.microsoft.com/office/drawing/2014/main" xmlns="" id="{7C014421-0BB4-4AFA-895E-76A536B18F49}"/>
+                <a16:creationId xmlns="" xmlns:a16="http://schemas.microsoft.com/office/drawing/2014/main" id="{7C014421-0BB4-4AFA-895E-76A536B18F49}"/>
               </a:ext>
             </a:extLst>
           </p:cNvPr>
@@ -7208,14 +3984,18 @@
         </p:nvSpPr>
         <p:spPr>
           <a:xfrm>
-            <a:off x="2782389" y="2214155"/>
-            <a:ext cx="2638697" cy="1645920"/>
+            <a:off x="2782389" y="2030506"/>
+            <a:ext cx="2638697" cy="1829569"/>
           </a:xfrm>
           <a:prstGeom prst="rect">
             <a:avLst/>
           </a:prstGeom>
           <a:noFill/>
-          <a:ln w="38100"/>
+          <a:ln w="38100">
+            <a:solidFill>
+              <a:schemeClr val="tx1"/>
+            </a:solidFill>
+          </a:ln>
         </p:spPr>
         <p:style>
           <a:lnRef idx="2">
@@ -7273,7 +4053,7 @@
           <p:cNvPr id="6" name="文本框 5">
             <a:extLst>
               <a:ext uri="{FF2B5EF4-FFF2-40B4-BE49-F238E27FC236}">
-                <a16:creationId xmlns:a16="http://schemas.microsoft.com/office/drawing/2014/main" xmlns="" id="{3AF84801-6AAF-428F-81C9-85C7F6EDC05B}"/>
+                <a16:creationId xmlns="" xmlns:a16="http://schemas.microsoft.com/office/drawing/2014/main" id="{3AF84801-6AAF-428F-81C9-85C7F6EDC05B}"/>
               </a:ext>
             </a:extLst>
           </p:cNvPr>
@@ -7308,7 +4088,7 @@
           <p:cNvPr id="7" name="箭头: 右 6">
             <a:extLst>
               <a:ext uri="{FF2B5EF4-FFF2-40B4-BE49-F238E27FC236}">
-                <a16:creationId xmlns:a16="http://schemas.microsoft.com/office/drawing/2014/main" xmlns="" id="{1AEC3946-128F-47F8-BAE8-D30CC5414AAF}"/>
+                <a16:creationId xmlns="" xmlns:a16="http://schemas.microsoft.com/office/drawing/2014/main" id="{1AEC3946-128F-47F8-BAE8-D30CC5414AAF}"/>
               </a:ext>
             </a:extLst>
           </p:cNvPr>
@@ -7354,7 +4134,7 @@
           <p:cNvPr id="8" name="文本框 7">
             <a:extLst>
               <a:ext uri="{FF2B5EF4-FFF2-40B4-BE49-F238E27FC236}">
-                <a16:creationId xmlns:a16="http://schemas.microsoft.com/office/drawing/2014/main" xmlns="" id="{26A22BB8-7078-4983-86DF-2CF43C039604}"/>
+                <a16:creationId xmlns="" xmlns:a16="http://schemas.microsoft.com/office/drawing/2014/main" id="{26A22BB8-7078-4983-86DF-2CF43C039604}"/>
               </a:ext>
             </a:extLst>
           </p:cNvPr>
@@ -7389,7 +4169,7 @@
           <p:cNvPr id="9" name="矩形 8">
             <a:extLst>
               <a:ext uri="{FF2B5EF4-FFF2-40B4-BE49-F238E27FC236}">
-                <a16:creationId xmlns:a16="http://schemas.microsoft.com/office/drawing/2014/main" xmlns="" id="{919FEFD2-0599-466A-8A70-994ACC76DD6F}"/>
+                <a16:creationId xmlns="" xmlns:a16="http://schemas.microsoft.com/office/drawing/2014/main" id="{919FEFD2-0599-466A-8A70-994ACC76DD6F}"/>
               </a:ext>
             </a:extLst>
           </p:cNvPr>
@@ -7398,14 +4178,18 @@
         </p:nvSpPr>
         <p:spPr>
           <a:xfrm>
-            <a:off x="6884125" y="2213173"/>
-            <a:ext cx="2638697" cy="1645920"/>
+            <a:off x="6884125" y="2030506"/>
+            <a:ext cx="2638697" cy="1828587"/>
           </a:xfrm>
           <a:prstGeom prst="rect">
             <a:avLst/>
           </a:prstGeom>
           <a:noFill/>
-          <a:ln w="38100"/>
+          <a:ln w="38100">
+            <a:solidFill>
+              <a:schemeClr val="tx1"/>
+            </a:solidFill>
+          </a:ln>
         </p:spPr>
         <p:style>
           <a:lnRef idx="2">
@@ -7463,7 +4247,7 @@
           <p:cNvPr id="10" name="箭头: 右 9">
             <a:extLst>
               <a:ext uri="{FF2B5EF4-FFF2-40B4-BE49-F238E27FC236}">
-                <a16:creationId xmlns:a16="http://schemas.microsoft.com/office/drawing/2014/main" xmlns="" id="{986DBE01-3E9E-489C-9937-2C6BF8A19A37}"/>
+                <a16:creationId xmlns="" xmlns:a16="http://schemas.microsoft.com/office/drawing/2014/main" id="{986DBE01-3E9E-489C-9937-2C6BF8A19A37}"/>
               </a:ext>
             </a:extLst>
           </p:cNvPr>
@@ -7509,7 +4293,7 @@
           <p:cNvPr id="11" name="文本框 10">
             <a:extLst>
               <a:ext uri="{FF2B5EF4-FFF2-40B4-BE49-F238E27FC236}">
-                <a16:creationId xmlns:a16="http://schemas.microsoft.com/office/drawing/2014/main" xmlns="" id="{C129BA3B-24C6-4E7B-9992-D655FFE8D217}"/>
+                <a16:creationId xmlns="" xmlns:a16="http://schemas.microsoft.com/office/drawing/2014/main" id="{C129BA3B-24C6-4E7B-9992-D655FFE8D217}"/>
               </a:ext>
             </a:extLst>
           </p:cNvPr>
@@ -7544,7 +4328,7 @@
           <p:cNvPr id="12" name="文本框 11">
             <a:extLst>
               <a:ext uri="{FF2B5EF4-FFF2-40B4-BE49-F238E27FC236}">
-                <a16:creationId xmlns:a16="http://schemas.microsoft.com/office/drawing/2014/main" xmlns="" id="{ECC4D1AE-CB3C-425D-BABB-0474270CB35B}"/>
+                <a16:creationId xmlns="" xmlns:a16="http://schemas.microsoft.com/office/drawing/2014/main" id="{ECC4D1AE-CB3C-425D-BABB-0474270CB35B}"/>
               </a:ext>
             </a:extLst>
           </p:cNvPr>
@@ -7583,7 +4367,7 @@
           <p:cNvPr id="15" name="箭头: 右 14">
             <a:extLst>
               <a:ext uri="{FF2B5EF4-FFF2-40B4-BE49-F238E27FC236}">
-                <a16:creationId xmlns:a16="http://schemas.microsoft.com/office/drawing/2014/main" xmlns="" id="{9435AAA9-08BF-49E3-9339-F6B62EF1F0DE}"/>
+                <a16:creationId xmlns="" xmlns:a16="http://schemas.microsoft.com/office/drawing/2014/main" id="{9435AAA9-08BF-49E3-9339-F6B62EF1F0DE}"/>
               </a:ext>
             </a:extLst>
           </p:cNvPr>
@@ -7629,7 +4413,7 @@
           <p:cNvPr id="16" name="矩形 15">
             <a:extLst>
               <a:ext uri="{FF2B5EF4-FFF2-40B4-BE49-F238E27FC236}">
-                <a16:creationId xmlns:a16="http://schemas.microsoft.com/office/drawing/2014/main" xmlns="" id="{65DF3564-97B4-4CD5-BC88-869D7192014E}"/>
+                <a16:creationId xmlns="" xmlns:a16="http://schemas.microsoft.com/office/drawing/2014/main" id="{65DF3564-97B4-4CD5-BC88-869D7192014E}"/>
               </a:ext>
             </a:extLst>
           </p:cNvPr>
@@ -7645,7 +4429,11 @@
             <a:avLst/>
           </a:prstGeom>
           <a:noFill/>
-          <a:ln w="38100"/>
+          <a:ln w="38100">
+            <a:solidFill>
+              <a:schemeClr val="tx1"/>
+            </a:solidFill>
+          </a:ln>
         </p:spPr>
         <p:style>
           <a:lnRef idx="2">
@@ -7686,7 +4474,7 @@
           <p:cNvPr id="18" name="文本框 17">
             <a:extLst>
               <a:ext uri="{FF2B5EF4-FFF2-40B4-BE49-F238E27FC236}">
-                <a16:creationId xmlns:a16="http://schemas.microsoft.com/office/drawing/2014/main" xmlns="" id="{DE37856E-0760-4FDC-825D-1CEDF376B40C}"/>
+                <a16:creationId xmlns="" xmlns:a16="http://schemas.microsoft.com/office/drawing/2014/main" id="{DE37856E-0760-4FDC-825D-1CEDF376B40C}"/>
               </a:ext>
             </a:extLst>
           </p:cNvPr>
@@ -7721,7 +4509,7 @@
           <p:cNvPr id="22" name="连接符: 肘形 21">
             <a:extLst>
               <a:ext uri="{FF2B5EF4-FFF2-40B4-BE49-F238E27FC236}">
-                <a16:creationId xmlns:a16="http://schemas.microsoft.com/office/drawing/2014/main" xmlns="" id="{A1934017-ABDC-4F94-A205-AEE5454709D4}"/>
+                <a16:creationId xmlns="" xmlns:a16="http://schemas.microsoft.com/office/drawing/2014/main" id="{A1934017-ABDC-4F94-A205-AEE5454709D4}"/>
               </a:ext>
             </a:extLst>
           </p:cNvPr>
@@ -7793,7 +4581,7 @@
           <p:cNvPr id="11" name="文本框 10">
             <a:extLst>
               <a:ext uri="{FF2B5EF4-FFF2-40B4-BE49-F238E27FC236}">
-                <a16:creationId xmlns:a16="http://schemas.microsoft.com/office/drawing/2014/main" xmlns="" id="{C129BA3B-24C6-4E7B-9992-D655FFE8D217}"/>
+                <a16:creationId xmlns="" xmlns:a16="http://schemas.microsoft.com/office/drawing/2014/main" id="{C129BA3B-24C6-4E7B-9992-D655FFE8D217}"/>
               </a:ext>
             </a:extLst>
           </p:cNvPr>
@@ -7828,7 +4616,7 @@
           <p:cNvPr id="35" name="组合 34">
             <a:extLst>
               <a:ext uri="{FF2B5EF4-FFF2-40B4-BE49-F238E27FC236}">
-                <a16:creationId xmlns:a16="http://schemas.microsoft.com/office/drawing/2014/main" xmlns="" id="{17C55757-C223-47D1-B4B8-86817A6030E1}"/>
+                <a16:creationId xmlns="" xmlns:a16="http://schemas.microsoft.com/office/drawing/2014/main" id="{17C55757-C223-47D1-B4B8-86817A6030E1}"/>
               </a:ext>
             </a:extLst>
           </p:cNvPr>
@@ -7848,7 +4636,7 @@
             <p:cNvPr id="6" name="文本框 5">
               <a:extLst>
                 <a:ext uri="{FF2B5EF4-FFF2-40B4-BE49-F238E27FC236}">
-                  <a16:creationId xmlns:a16="http://schemas.microsoft.com/office/drawing/2014/main" xmlns="" id="{3AF84801-6AAF-428F-81C9-85C7F6EDC05B}"/>
+                  <a16:creationId xmlns="" xmlns:a16="http://schemas.microsoft.com/office/drawing/2014/main" id="{3AF84801-6AAF-428F-81C9-85C7F6EDC05B}"/>
                 </a:ext>
               </a:extLst>
             </p:cNvPr>
@@ -7883,7 +4671,7 @@
             <p:cNvPr id="12" name="文本框 11">
               <a:extLst>
                 <a:ext uri="{FF2B5EF4-FFF2-40B4-BE49-F238E27FC236}">
-                  <a16:creationId xmlns:a16="http://schemas.microsoft.com/office/drawing/2014/main" xmlns="" id="{ECC4D1AE-CB3C-425D-BABB-0474270CB35B}"/>
+                  <a16:creationId xmlns="" xmlns:a16="http://schemas.microsoft.com/office/drawing/2014/main" id="{ECC4D1AE-CB3C-425D-BABB-0474270CB35B}"/>
                 </a:ext>
               </a:extLst>
             </p:cNvPr>
@@ -7923,7 +4711,7 @@
           <p:cNvPr id="4" name="箭头: 右 3">
             <a:extLst>
               <a:ext uri="{FF2B5EF4-FFF2-40B4-BE49-F238E27FC236}">
-                <a16:creationId xmlns:a16="http://schemas.microsoft.com/office/drawing/2014/main" xmlns="" id="{D0B4B9F5-A449-450F-9A62-090367A5FE67}"/>
+                <a16:creationId xmlns="" xmlns:a16="http://schemas.microsoft.com/office/drawing/2014/main" id="{D0B4B9F5-A449-450F-9A62-090367A5FE67}"/>
               </a:ext>
             </a:extLst>
           </p:cNvPr>
@@ -7969,7 +4757,7 @@
           <p:cNvPr id="5" name="矩形 4">
             <a:extLst>
               <a:ext uri="{FF2B5EF4-FFF2-40B4-BE49-F238E27FC236}">
-                <a16:creationId xmlns:a16="http://schemas.microsoft.com/office/drawing/2014/main" xmlns="" id="{7C014421-0BB4-4AFA-895E-76A536B18F49}"/>
+                <a16:creationId xmlns="" xmlns:a16="http://schemas.microsoft.com/office/drawing/2014/main" id="{7C014421-0BB4-4AFA-895E-76A536B18F49}"/>
               </a:ext>
             </a:extLst>
           </p:cNvPr>
@@ -7978,14 +4766,18 @@
         </p:nvSpPr>
         <p:spPr>
           <a:xfrm>
-            <a:off x="2462200" y="3410024"/>
-            <a:ext cx="2056010" cy="1174555"/>
+            <a:off x="2462200" y="3215156"/>
+            <a:ext cx="2056010" cy="1369423"/>
           </a:xfrm>
           <a:prstGeom prst="rect">
             <a:avLst/>
           </a:prstGeom>
           <a:noFill/>
-          <a:ln w="38100"/>
+          <a:ln w="38100">
+            <a:solidFill>
+              <a:schemeClr val="tx1"/>
+            </a:solidFill>
+          </a:ln>
         </p:spPr>
         <p:style>
           <a:lnRef idx="2">
@@ -8058,7 +4850,7 @@
           <p:cNvPr id="8" name="文本框 7">
             <a:extLst>
               <a:ext uri="{FF2B5EF4-FFF2-40B4-BE49-F238E27FC236}">
-                <a16:creationId xmlns:a16="http://schemas.microsoft.com/office/drawing/2014/main" xmlns="" id="{26A22BB8-7078-4983-86DF-2CF43C039604}"/>
+                <a16:creationId xmlns="" xmlns:a16="http://schemas.microsoft.com/office/drawing/2014/main" id="{26A22BB8-7078-4983-86DF-2CF43C039604}"/>
               </a:ext>
             </a:extLst>
           </p:cNvPr>
@@ -8093,7 +4885,7 @@
           <p:cNvPr id="9" name="矩形 8">
             <a:extLst>
               <a:ext uri="{FF2B5EF4-FFF2-40B4-BE49-F238E27FC236}">
-                <a16:creationId xmlns:a16="http://schemas.microsoft.com/office/drawing/2014/main" xmlns="" id="{919FEFD2-0599-466A-8A70-994ACC76DD6F}"/>
+                <a16:creationId xmlns="" xmlns:a16="http://schemas.microsoft.com/office/drawing/2014/main" id="{919FEFD2-0599-466A-8A70-994ACC76DD6F}"/>
               </a:ext>
             </a:extLst>
           </p:cNvPr>
@@ -8102,14 +4894,18 @@
         </p:nvSpPr>
         <p:spPr>
           <a:xfrm>
-            <a:off x="5658175" y="3409323"/>
-            <a:ext cx="2056010" cy="1174555"/>
+            <a:off x="5658175" y="3215157"/>
+            <a:ext cx="2056010" cy="1368722"/>
           </a:xfrm>
           <a:prstGeom prst="rect">
             <a:avLst/>
           </a:prstGeom>
           <a:noFill/>
-          <a:ln w="38100"/>
+          <a:ln w="38100">
+            <a:solidFill>
+              <a:schemeClr val="tx1"/>
+            </a:solidFill>
+          </a:ln>
         </p:spPr>
         <p:style>
           <a:lnRef idx="2">
@@ -8178,7 +4974,7 @@
           <p:cNvPr id="10" name="箭头: 右 9">
             <a:extLst>
               <a:ext uri="{FF2B5EF4-FFF2-40B4-BE49-F238E27FC236}">
-                <a16:creationId xmlns:a16="http://schemas.microsoft.com/office/drawing/2014/main" xmlns="" id="{986DBE01-3E9E-489C-9937-2C6BF8A19A37}"/>
+                <a16:creationId xmlns="" xmlns:a16="http://schemas.microsoft.com/office/drawing/2014/main" id="{986DBE01-3E9E-489C-9937-2C6BF8A19A37}"/>
               </a:ext>
             </a:extLst>
           </p:cNvPr>
@@ -8224,7 +5020,7 @@
           <p:cNvPr id="15" name="箭头: 右 14">
             <a:extLst>
               <a:ext uri="{FF2B5EF4-FFF2-40B4-BE49-F238E27FC236}">
-                <a16:creationId xmlns:a16="http://schemas.microsoft.com/office/drawing/2014/main" xmlns="" id="{9435AAA9-08BF-49E3-9339-F6B62EF1F0DE}"/>
+                <a16:creationId xmlns="" xmlns:a16="http://schemas.microsoft.com/office/drawing/2014/main" id="{9435AAA9-08BF-49E3-9339-F6B62EF1F0DE}"/>
               </a:ext>
             </a:extLst>
           </p:cNvPr>
@@ -8270,7 +5066,7 @@
           <p:cNvPr id="16" name="矩形 15">
             <a:extLst>
               <a:ext uri="{FF2B5EF4-FFF2-40B4-BE49-F238E27FC236}">
-                <a16:creationId xmlns:a16="http://schemas.microsoft.com/office/drawing/2014/main" xmlns="" id="{65DF3564-97B4-4CD5-BC88-869D7192014E}"/>
+                <a16:creationId xmlns="" xmlns:a16="http://schemas.microsoft.com/office/drawing/2014/main" id="{65DF3564-97B4-4CD5-BC88-869D7192014E}"/>
               </a:ext>
             </a:extLst>
           </p:cNvPr>
@@ -8286,7 +5082,11 @@
             <a:avLst/>
           </a:prstGeom>
           <a:noFill/>
-          <a:ln w="38100"/>
+          <a:ln w="38100">
+            <a:solidFill>
+              <a:schemeClr val="tx1"/>
+            </a:solidFill>
+          </a:ln>
         </p:spPr>
         <p:style>
           <a:lnRef idx="2">
@@ -8327,7 +5127,7 @@
           <p:cNvPr id="18" name="文本框 17">
             <a:extLst>
               <a:ext uri="{FF2B5EF4-FFF2-40B4-BE49-F238E27FC236}">
-                <a16:creationId xmlns:a16="http://schemas.microsoft.com/office/drawing/2014/main" xmlns="" id="{DE37856E-0760-4FDC-825D-1CEDF376B40C}"/>
+                <a16:creationId xmlns="" xmlns:a16="http://schemas.microsoft.com/office/drawing/2014/main" id="{DE37856E-0760-4FDC-825D-1CEDF376B40C}"/>
               </a:ext>
             </a:extLst>
           </p:cNvPr>
@@ -8362,7 +5162,7 @@
           <p:cNvPr id="22" name="连接符: 肘形 21">
             <a:extLst>
               <a:ext uri="{FF2B5EF4-FFF2-40B4-BE49-F238E27FC236}">
-                <a16:creationId xmlns:a16="http://schemas.microsoft.com/office/drawing/2014/main" xmlns="" id="{A1934017-ABDC-4F94-A205-AEE5454709D4}"/>
+                <a16:creationId xmlns="" xmlns:a16="http://schemas.microsoft.com/office/drawing/2014/main" id="{A1934017-ABDC-4F94-A205-AEE5454709D4}"/>
               </a:ext>
             </a:extLst>
           </p:cNvPr>
@@ -8403,7 +5203,7 @@
           <p:cNvPr id="17" name="箭头: 右 16">
             <a:extLst>
               <a:ext uri="{FF2B5EF4-FFF2-40B4-BE49-F238E27FC236}">
-                <a16:creationId xmlns:a16="http://schemas.microsoft.com/office/drawing/2014/main" xmlns="" id="{09EF670B-181D-4CBA-A1A3-B9348FBEDA69}"/>
+                <a16:creationId xmlns="" xmlns:a16="http://schemas.microsoft.com/office/drawing/2014/main" id="{09EF670B-181D-4CBA-A1A3-B9348FBEDA69}"/>
               </a:ext>
             </a:extLst>
           </p:cNvPr>
@@ -8449,7 +5249,7 @@
           <p:cNvPr id="19" name="箭头: 右 18">
             <a:extLst>
               <a:ext uri="{FF2B5EF4-FFF2-40B4-BE49-F238E27FC236}">
-                <a16:creationId xmlns:a16="http://schemas.microsoft.com/office/drawing/2014/main" xmlns="" id="{B349D2CB-35ED-4AA3-B522-754C0407C127}"/>
+                <a16:creationId xmlns="" xmlns:a16="http://schemas.microsoft.com/office/drawing/2014/main" id="{B349D2CB-35ED-4AA3-B522-754C0407C127}"/>
               </a:ext>
             </a:extLst>
           </p:cNvPr>
@@ -8495,7 +5295,7 @@
           <p:cNvPr id="20" name="箭头: 右 19">
             <a:extLst>
               <a:ext uri="{FF2B5EF4-FFF2-40B4-BE49-F238E27FC236}">
-                <a16:creationId xmlns:a16="http://schemas.microsoft.com/office/drawing/2014/main" xmlns="" id="{8C7E44E4-3AFD-4763-8753-B5CCDAD5FCD9}"/>
+                <a16:creationId xmlns="" xmlns:a16="http://schemas.microsoft.com/office/drawing/2014/main" id="{8C7E44E4-3AFD-4763-8753-B5CCDAD5FCD9}"/>
               </a:ext>
             </a:extLst>
           </p:cNvPr>
@@ -8541,7 +5341,7 @@
           <p:cNvPr id="21" name="箭头: 右 20">
             <a:extLst>
               <a:ext uri="{FF2B5EF4-FFF2-40B4-BE49-F238E27FC236}">
-                <a16:creationId xmlns:a16="http://schemas.microsoft.com/office/drawing/2014/main" xmlns="" id="{652ED63C-2AED-474C-AC25-AB74FA71ED97}"/>
+                <a16:creationId xmlns="" xmlns:a16="http://schemas.microsoft.com/office/drawing/2014/main" id="{652ED63C-2AED-474C-AC25-AB74FA71ED97}"/>
               </a:ext>
             </a:extLst>
           </p:cNvPr>
@@ -8587,7 +5387,7 @@
           <p:cNvPr id="23" name="箭头: 右 22">
             <a:extLst>
               <a:ext uri="{FF2B5EF4-FFF2-40B4-BE49-F238E27FC236}">
-                <a16:creationId xmlns:a16="http://schemas.microsoft.com/office/drawing/2014/main" xmlns="" id="{90A4FDC2-2A8C-4540-9178-9D506383DCD2}"/>
+                <a16:creationId xmlns="" xmlns:a16="http://schemas.microsoft.com/office/drawing/2014/main" id="{90A4FDC2-2A8C-4540-9178-9D506383DCD2}"/>
               </a:ext>
             </a:extLst>
           </p:cNvPr>
@@ -8633,7 +5433,7 @@
           <p:cNvPr id="26" name="箭头: 右 25">
             <a:extLst>
               <a:ext uri="{FF2B5EF4-FFF2-40B4-BE49-F238E27FC236}">
-                <a16:creationId xmlns:a16="http://schemas.microsoft.com/office/drawing/2014/main" xmlns="" id="{1EBBA1E3-65D7-4BD1-8505-F52DFB336D8F}"/>
+                <a16:creationId xmlns="" xmlns:a16="http://schemas.microsoft.com/office/drawing/2014/main" id="{1EBBA1E3-65D7-4BD1-8505-F52DFB336D8F}"/>
               </a:ext>
             </a:extLst>
           </p:cNvPr>
@@ -8679,7 +5479,7 @@
           <p:cNvPr id="27" name="箭头: 右 26">
             <a:extLst>
               <a:ext uri="{FF2B5EF4-FFF2-40B4-BE49-F238E27FC236}">
-                <a16:creationId xmlns:a16="http://schemas.microsoft.com/office/drawing/2014/main" xmlns="" id="{FC977851-8EFF-42E6-8DA7-9ED544737256}"/>
+                <a16:creationId xmlns="" xmlns:a16="http://schemas.microsoft.com/office/drawing/2014/main" id="{FC977851-8EFF-42E6-8DA7-9ED544737256}"/>
               </a:ext>
             </a:extLst>
           </p:cNvPr>
@@ -8725,7 +5525,7 @@
           <p:cNvPr id="28" name="箭头: 右 27">
             <a:extLst>
               <a:ext uri="{FF2B5EF4-FFF2-40B4-BE49-F238E27FC236}">
-                <a16:creationId xmlns:a16="http://schemas.microsoft.com/office/drawing/2014/main" xmlns="" id="{C8271FE2-99BE-4A45-9E25-17161ECA88A3}"/>
+                <a16:creationId xmlns="" xmlns:a16="http://schemas.microsoft.com/office/drawing/2014/main" id="{C8271FE2-99BE-4A45-9E25-17161ECA88A3}"/>
               </a:ext>
             </a:extLst>
           </p:cNvPr>
@@ -8771,7 +5571,7 @@
           <p:cNvPr id="30" name="矩形 29">
             <a:extLst>
               <a:ext uri="{FF2B5EF4-FFF2-40B4-BE49-F238E27FC236}">
-                <a16:creationId xmlns:a16="http://schemas.microsoft.com/office/drawing/2014/main" xmlns="" id="{53BA940A-E713-4B32-BFC8-DCCE72C8AD0E}"/>
+                <a16:creationId xmlns="" xmlns:a16="http://schemas.microsoft.com/office/drawing/2014/main" id="{53BA940A-E713-4B32-BFC8-DCCE72C8AD0E}"/>
               </a:ext>
             </a:extLst>
           </p:cNvPr>
@@ -8780,14 +5580,18 @@
         </p:nvSpPr>
         <p:spPr>
           <a:xfrm>
-            <a:off x="8640428" y="3429000"/>
-            <a:ext cx="2056010" cy="1174555"/>
+            <a:off x="8640428" y="3215158"/>
+            <a:ext cx="2056010" cy="1388398"/>
           </a:xfrm>
           <a:prstGeom prst="rect">
             <a:avLst/>
           </a:prstGeom>
           <a:noFill/>
-          <a:ln w="38100"/>
+          <a:ln w="38100">
+            <a:solidFill>
+              <a:schemeClr val="tx1"/>
+            </a:solidFill>
+          </a:ln>
         </p:spPr>
         <p:style>
           <a:lnRef idx="2">
@@ -8856,7 +5660,7 @@
           <p:cNvPr id="31" name="任意多边形: 形状 30">
             <a:extLst>
               <a:ext uri="{FF2B5EF4-FFF2-40B4-BE49-F238E27FC236}">
-                <a16:creationId xmlns:a16="http://schemas.microsoft.com/office/drawing/2014/main" xmlns="" id="{77CB67E9-4311-425F-B3E8-BD7D5E1D5931}"/>
+                <a16:creationId xmlns="" xmlns:a16="http://schemas.microsoft.com/office/drawing/2014/main" id="{77CB67E9-4311-425F-B3E8-BD7D5E1D5931}"/>
               </a:ext>
             </a:extLst>
           </p:cNvPr>
@@ -8942,7 +5746,7 @@
           <p:cNvPr id="32" name="箭头: 右 31">
             <a:extLst>
               <a:ext uri="{FF2B5EF4-FFF2-40B4-BE49-F238E27FC236}">
-                <a16:creationId xmlns:a16="http://schemas.microsoft.com/office/drawing/2014/main" xmlns="" id="{DD0AC9AB-C612-45A6-804E-CA22FF518F46}"/>
+                <a16:creationId xmlns="" xmlns:a16="http://schemas.microsoft.com/office/drawing/2014/main" id="{DD0AC9AB-C612-45A6-804E-CA22FF518F46}"/>
               </a:ext>
             </a:extLst>
           </p:cNvPr>
@@ -8988,7 +5792,7 @@
           <p:cNvPr id="33" name="文本框 32">
             <a:extLst>
               <a:ext uri="{FF2B5EF4-FFF2-40B4-BE49-F238E27FC236}">
-                <a16:creationId xmlns:a16="http://schemas.microsoft.com/office/drawing/2014/main" xmlns="" id="{A8840A9E-205D-407C-A302-48C0F1B853EC}"/>
+                <a16:creationId xmlns="" xmlns:a16="http://schemas.microsoft.com/office/drawing/2014/main" id="{A8840A9E-205D-407C-A302-48C0F1B853EC}"/>
               </a:ext>
             </a:extLst>
           </p:cNvPr>
@@ -9023,7 +5827,7 @@
           <p:cNvPr id="34" name="文本框 33">
             <a:extLst>
               <a:ext uri="{FF2B5EF4-FFF2-40B4-BE49-F238E27FC236}">
-                <a16:creationId xmlns:a16="http://schemas.microsoft.com/office/drawing/2014/main" xmlns="" id="{B367A27E-957C-42FE-AABC-8173D62575F4}"/>
+                <a16:creationId xmlns="" xmlns:a16="http://schemas.microsoft.com/office/drawing/2014/main" id="{B367A27E-957C-42FE-AABC-8173D62575F4}"/>
               </a:ext>
             </a:extLst>
           </p:cNvPr>
@@ -9032,7 +5836,7 @@
         </p:nvSpPr>
         <p:spPr>
           <a:xfrm>
-            <a:off x="7612423" y="2918301"/>
+            <a:off x="7612423" y="2801491"/>
             <a:ext cx="2056010" cy="461665"/>
           </a:xfrm>
           <a:prstGeom prst="rect">
@@ -9085,10 +5889,371 @@
       </p:grpSpPr>
       <p:sp>
         <p:nvSpPr>
+          <p:cNvPr id="5" name="矩形 4">
+            <a:extLst>
+              <a:ext uri="{FF2B5EF4-FFF2-40B4-BE49-F238E27FC236}">
+                <a16:creationId xmlns="" xmlns:a16="http://schemas.microsoft.com/office/drawing/2014/main" id="{8488E848-0F1F-470D-96E7-482A9EB6A20D}"/>
+              </a:ext>
+            </a:extLst>
+          </p:cNvPr>
+          <p:cNvSpPr/>
+          <p:nvPr/>
+        </p:nvSpPr>
+        <p:spPr>
+          <a:xfrm>
+            <a:off x="2658981" y="475194"/>
+            <a:ext cx="6801014" cy="5834587"/>
+          </a:xfrm>
+          <a:prstGeom prst="rect">
+            <a:avLst/>
+          </a:prstGeom>
+          <a:noFill/>
+          <a:ln w="57150">
+            <a:solidFill>
+              <a:schemeClr val="tx1"/>
+            </a:solidFill>
+          </a:ln>
+        </p:spPr>
+        <p:style>
+          <a:lnRef idx="2">
+            <a:schemeClr val="accent1">
+              <a:shade val="50000"/>
+            </a:schemeClr>
+          </a:lnRef>
+          <a:fillRef idx="1">
+            <a:schemeClr val="accent1"/>
+          </a:fillRef>
+          <a:effectRef idx="0">
+            <a:schemeClr val="accent1"/>
+          </a:effectRef>
+          <a:fontRef idx="minor">
+            <a:schemeClr val="lt1"/>
+          </a:fontRef>
+        </p:style>
+        <p:txBody>
+          <a:bodyPr rtlCol="0" anchor="ctr"/>
+          <a:lstStyle/>
+          <a:p>
+            <a:pPr algn="ctr"/>
+            <a:endParaRPr lang="zh-CN" altLang="en-US"/>
+          </a:p>
+        </p:txBody>
+      </p:sp>
+      <p:sp>
+        <p:nvSpPr>
+          <p:cNvPr id="6" name="矩形 5">
+            <a:extLst>
+              <a:ext uri="{FF2B5EF4-FFF2-40B4-BE49-F238E27FC236}">
+                <a16:creationId xmlns="" xmlns:a16="http://schemas.microsoft.com/office/drawing/2014/main" id="{859A4C48-C809-49BA-9547-B4D1B9C0A0FB}"/>
+              </a:ext>
+            </a:extLst>
+          </p:cNvPr>
+          <p:cNvSpPr/>
+          <p:nvPr/>
+        </p:nvSpPr>
+        <p:spPr>
+          <a:xfrm>
+            <a:off x="3196233" y="797911"/>
+            <a:ext cx="2442754" cy="2442754"/>
+          </a:xfrm>
+          <a:prstGeom prst="rect">
+            <a:avLst/>
+          </a:prstGeom>
+          <a:solidFill>
+            <a:schemeClr val="bg1"/>
+          </a:solidFill>
+          <a:effectLst>
+            <a:outerShdw blurRad="50800" dist="38100" dir="2700000" algn="tl" rotWithShape="0">
+              <a:prstClr val="black">
+                <a:alpha val="40000"/>
+              </a:prstClr>
+            </a:outerShdw>
+          </a:effectLst>
+          <a:scene3d>
+            <a:camera prst="orthographicFront"/>
+            <a:lightRig rig="threePt" dir="t"/>
+          </a:scene3d>
+          <a:sp3d>
+            <a:bevelT w="165100" prst="coolSlant"/>
+          </a:sp3d>
+        </p:spPr>
+        <p:style>
+          <a:lnRef idx="2">
+            <a:schemeClr val="accent1">
+              <a:shade val="50000"/>
+            </a:schemeClr>
+          </a:lnRef>
+          <a:fillRef idx="1">
+            <a:schemeClr val="accent1"/>
+          </a:fillRef>
+          <a:effectRef idx="0">
+            <a:schemeClr val="accent1"/>
+          </a:effectRef>
+          <a:fontRef idx="minor">
+            <a:schemeClr val="lt1"/>
+          </a:fontRef>
+        </p:style>
+        <p:txBody>
+          <a:bodyPr rtlCol="0" anchor="ctr"/>
+          <a:lstStyle/>
+          <a:p>
+            <a:pPr algn="ctr"/>
+            <a:r>
+              <a:rPr lang="en-US" altLang="zh-CN" sz="4800" dirty="0">
+                <a:solidFill>
+                  <a:schemeClr val="tx1"/>
+                </a:solidFill>
+              </a:rPr>
+              <a:t>TP</a:t>
+            </a:r>
+            <a:endParaRPr lang="zh-CN" altLang="en-US" sz="4800" dirty="0">
+              <a:solidFill>
+                <a:schemeClr val="tx1"/>
+              </a:solidFill>
+            </a:endParaRPr>
+          </a:p>
+        </p:txBody>
+      </p:sp>
+      <p:sp>
+        <p:nvSpPr>
+          <p:cNvPr id="57" name="矩形 56">
+            <a:extLst>
+              <a:ext uri="{FF2B5EF4-FFF2-40B4-BE49-F238E27FC236}">
+                <a16:creationId xmlns="" xmlns:a16="http://schemas.microsoft.com/office/drawing/2014/main" id="{39C0F15B-76AD-483C-B4D7-69427CDBF63D}"/>
+              </a:ext>
+            </a:extLst>
+          </p:cNvPr>
+          <p:cNvSpPr/>
+          <p:nvPr/>
+        </p:nvSpPr>
+        <p:spPr>
+          <a:xfrm>
+            <a:off x="6553015" y="797911"/>
+            <a:ext cx="2442754" cy="2442754"/>
+          </a:xfrm>
+          <a:prstGeom prst="rect">
+            <a:avLst/>
+          </a:prstGeom>
+          <a:solidFill>
+            <a:schemeClr val="bg1"/>
+          </a:solidFill>
+          <a:scene3d>
+            <a:camera prst="orthographicFront"/>
+            <a:lightRig rig="threePt" dir="t"/>
+          </a:scene3d>
+          <a:sp3d>
+            <a:bevelT w="165100" prst="coolSlant"/>
+          </a:sp3d>
+        </p:spPr>
+        <p:style>
+          <a:lnRef idx="2">
+            <a:schemeClr val="accent1">
+              <a:shade val="50000"/>
+            </a:schemeClr>
+          </a:lnRef>
+          <a:fillRef idx="1">
+            <a:schemeClr val="accent1"/>
+          </a:fillRef>
+          <a:effectRef idx="0">
+            <a:schemeClr val="accent1"/>
+          </a:effectRef>
+          <a:fontRef idx="minor">
+            <a:schemeClr val="lt1"/>
+          </a:fontRef>
+        </p:style>
+        <p:txBody>
+          <a:bodyPr rtlCol="0" anchor="ctr"/>
+          <a:lstStyle/>
+          <a:p>
+            <a:pPr algn="ctr"/>
+            <a:r>
+              <a:rPr lang="en-US" altLang="zh-CN" sz="4800" dirty="0">
+                <a:solidFill>
+                  <a:schemeClr val="tx1"/>
+                </a:solidFill>
+              </a:rPr>
+              <a:t>FN</a:t>
+            </a:r>
+            <a:endParaRPr lang="zh-CN" altLang="en-US" sz="4800" dirty="0">
+              <a:solidFill>
+                <a:schemeClr val="tx1"/>
+              </a:solidFill>
+            </a:endParaRPr>
+          </a:p>
+        </p:txBody>
+      </p:sp>
+      <p:sp>
+        <p:nvSpPr>
+          <p:cNvPr id="73" name="矩形 72">
+            <a:extLst>
+              <a:ext uri="{FF2B5EF4-FFF2-40B4-BE49-F238E27FC236}">
+                <a16:creationId xmlns="" xmlns:a16="http://schemas.microsoft.com/office/drawing/2014/main" id="{9051D6E7-7973-4CFB-A55C-A1075AFEC3CB}"/>
+              </a:ext>
+            </a:extLst>
+          </p:cNvPr>
+          <p:cNvSpPr/>
+          <p:nvPr/>
+        </p:nvSpPr>
+        <p:spPr>
+          <a:xfrm>
+            <a:off x="6553015" y="3636406"/>
+            <a:ext cx="2442754" cy="2442754"/>
+          </a:xfrm>
+          <a:prstGeom prst="rect">
+            <a:avLst/>
+          </a:prstGeom>
+          <a:solidFill>
+            <a:schemeClr val="bg1"/>
+          </a:solidFill>
+          <a:scene3d>
+            <a:camera prst="orthographicFront"/>
+            <a:lightRig rig="threePt" dir="t"/>
+          </a:scene3d>
+          <a:sp3d>
+            <a:bevelT w="165100" prst="coolSlant"/>
+          </a:sp3d>
+        </p:spPr>
+        <p:style>
+          <a:lnRef idx="2">
+            <a:schemeClr val="accent1">
+              <a:shade val="50000"/>
+            </a:schemeClr>
+          </a:lnRef>
+          <a:fillRef idx="1">
+            <a:schemeClr val="accent1"/>
+          </a:fillRef>
+          <a:effectRef idx="0">
+            <a:schemeClr val="accent1"/>
+          </a:effectRef>
+          <a:fontRef idx="minor">
+            <a:schemeClr val="lt1"/>
+          </a:fontRef>
+        </p:style>
+        <p:txBody>
+          <a:bodyPr rtlCol="0" anchor="ctr"/>
+          <a:lstStyle/>
+          <a:p>
+            <a:pPr algn="ctr"/>
+            <a:r>
+              <a:rPr lang="en-US" altLang="zh-CN" sz="4800" dirty="0">
+                <a:solidFill>
+                  <a:schemeClr val="tx1"/>
+                </a:solidFill>
+              </a:rPr>
+              <a:t>TN</a:t>
+            </a:r>
+            <a:endParaRPr lang="zh-CN" altLang="en-US" sz="4800" dirty="0">
+              <a:solidFill>
+                <a:schemeClr val="tx1"/>
+              </a:solidFill>
+            </a:endParaRPr>
+          </a:p>
+        </p:txBody>
+      </p:sp>
+      <p:sp>
+        <p:nvSpPr>
+          <p:cNvPr id="74" name="矩形 73">
+            <a:extLst>
+              <a:ext uri="{FF2B5EF4-FFF2-40B4-BE49-F238E27FC236}">
+                <a16:creationId xmlns="" xmlns:a16="http://schemas.microsoft.com/office/drawing/2014/main" id="{33CC3AED-012E-4E01-828C-42BA53638BE1}"/>
+              </a:ext>
+            </a:extLst>
+          </p:cNvPr>
+          <p:cNvSpPr/>
+          <p:nvPr/>
+        </p:nvSpPr>
+        <p:spPr>
+          <a:xfrm>
+            <a:off x="3196233" y="3636406"/>
+            <a:ext cx="2442754" cy="2442754"/>
+          </a:xfrm>
+          <a:prstGeom prst="rect">
+            <a:avLst/>
+          </a:prstGeom>
+          <a:solidFill>
+            <a:schemeClr val="bg1"/>
+          </a:solidFill>
+          <a:scene3d>
+            <a:camera prst="orthographicFront"/>
+            <a:lightRig rig="threePt" dir="t"/>
+          </a:scene3d>
+          <a:sp3d>
+            <a:bevelT w="165100" prst="coolSlant"/>
+          </a:sp3d>
+        </p:spPr>
+        <p:style>
+          <a:lnRef idx="2">
+            <a:schemeClr val="accent1">
+              <a:shade val="50000"/>
+            </a:schemeClr>
+          </a:lnRef>
+          <a:fillRef idx="1">
+            <a:schemeClr val="accent1"/>
+          </a:fillRef>
+          <a:effectRef idx="0">
+            <a:schemeClr val="accent1"/>
+          </a:effectRef>
+          <a:fontRef idx="minor">
+            <a:schemeClr val="lt1"/>
+          </a:fontRef>
+        </p:style>
+        <p:txBody>
+          <a:bodyPr rtlCol="0" anchor="ctr"/>
+          <a:lstStyle/>
+          <a:p>
+            <a:pPr algn="ctr"/>
+            <a:r>
+              <a:rPr lang="en-US" altLang="zh-CN" sz="4800" dirty="0">
+                <a:solidFill>
+                  <a:schemeClr val="tx1"/>
+                </a:solidFill>
+              </a:rPr>
+              <a:t>FP</a:t>
+            </a:r>
+            <a:endParaRPr lang="zh-CN" altLang="en-US" sz="4800" dirty="0">
+              <a:solidFill>
+                <a:schemeClr val="tx1"/>
+              </a:solidFill>
+            </a:endParaRPr>
+          </a:p>
+        </p:txBody>
+      </p:sp>
+    </p:spTree>
+    <p:extLst>
+      <p:ext uri="{BB962C8B-B14F-4D97-AF65-F5344CB8AC3E}">
+        <p14:creationId xmlns:p14="http://schemas.microsoft.com/office/powerpoint/2010/main" val="14522663"/>
+      </p:ext>
+    </p:extLst>
+  </p:cSld>
+  <p:clrMapOvr>
+    <a:masterClrMapping/>
+  </p:clrMapOvr>
+</p:sld>
+</file>
+
+<file path=ppt/slides/slide5.xml><?xml version="1.0" encoding="utf-8"?>
+<p:sld xmlns:a="http://schemas.openxmlformats.org/drawingml/2006/main" xmlns:r="http://schemas.openxmlformats.org/officeDocument/2006/relationships" xmlns:p="http://schemas.openxmlformats.org/presentationml/2006/main">
+  <p:cSld>
+    <p:spTree>
+      <p:nvGrpSpPr>
+        <p:cNvPr id="1" name=""/>
+        <p:cNvGrpSpPr/>
+        <p:nvPr/>
+      </p:nvGrpSpPr>
+      <p:grpSpPr>
+        <a:xfrm>
+          <a:off x="0" y="0"/>
+          <a:ext cx="0" cy="0"/>
+          <a:chOff x="0" y="0"/>
+          <a:chExt cx="0" cy="0"/>
+        </a:xfrm>
+      </p:grpSpPr>
+      <p:sp>
+        <p:nvSpPr>
           <p:cNvPr id="39" name="椭圆 38">
             <a:extLst>
               <a:ext uri="{FF2B5EF4-FFF2-40B4-BE49-F238E27FC236}">
-                <a16:creationId xmlns:a16="http://schemas.microsoft.com/office/drawing/2014/main" xmlns="" id="{FE077A2E-079D-4D8E-A72E-859971F79E47}"/>
+                <a16:creationId xmlns="" xmlns:a16="http://schemas.microsoft.com/office/drawing/2014/main" id="{FE077A2E-079D-4D8E-A72E-859971F79E47}"/>
               </a:ext>
             </a:extLst>
           </p:cNvPr>
@@ -9140,7 +6305,7 @@
           <p:cNvPr id="47" name="等腰三角形 46">
             <a:extLst>
               <a:ext uri="{FF2B5EF4-FFF2-40B4-BE49-F238E27FC236}">
-                <a16:creationId xmlns:a16="http://schemas.microsoft.com/office/drawing/2014/main" xmlns="" id="{221D6153-21EE-4A68-9C29-0E7D51DCDC16}"/>
+                <a16:creationId xmlns="" xmlns:a16="http://schemas.microsoft.com/office/drawing/2014/main" id="{221D6153-21EE-4A68-9C29-0E7D51DCDC16}"/>
               </a:ext>
             </a:extLst>
           </p:cNvPr>
@@ -9192,7 +6357,7 @@
           <p:cNvPr id="48" name="矩形 47">
             <a:extLst>
               <a:ext uri="{FF2B5EF4-FFF2-40B4-BE49-F238E27FC236}">
-                <a16:creationId xmlns:a16="http://schemas.microsoft.com/office/drawing/2014/main" xmlns="" id="{02334002-AB2E-4BF3-BFE7-9DCA7703B38E}"/>
+                <a16:creationId xmlns="" xmlns:a16="http://schemas.microsoft.com/office/drawing/2014/main" id="{02334002-AB2E-4BF3-BFE7-9DCA7703B38E}"/>
               </a:ext>
             </a:extLst>
           </p:cNvPr>
@@ -9519,7 +6684,7 @@
           <a:graphicData uri="http://schemas.openxmlformats.org/presentationml/2006/ole">
             <mc:AlternateContent xmlns:mc="http://schemas.openxmlformats.org/markup-compatibility/2006">
               <mc:Choice xmlns:v="urn:schemas-microsoft-com:vml" Requires="v">
-                <p:oleObj spid="_x0000_s2168" name="Equation" r:id="rId3" imgW="190440" imgH="228600" progId="Equation.DSMT4">
+                <p:oleObj spid="_x0000_s2240" name="Equation" r:id="rId3" imgW="190440" imgH="228600" progId="Equation.DSMT4">
                   <p:embed/>
                 </p:oleObj>
               </mc:Choice>
@@ -9576,7 +6741,7 @@
           <a:graphicData uri="http://schemas.openxmlformats.org/presentationml/2006/ole">
             <mc:AlternateContent xmlns:mc="http://schemas.openxmlformats.org/markup-compatibility/2006">
               <mc:Choice xmlns:v="urn:schemas-microsoft-com:vml" Requires="v">
-                <p:oleObj spid="_x0000_s2169" name="Equation" r:id="rId5" imgW="203040" imgH="228600" progId="Equation.DSMT4">
+                <p:oleObj spid="_x0000_s2241" name="Equation" r:id="rId5" imgW="203040" imgH="228600" progId="Equation.DSMT4">
                   <p:embed/>
                 </p:oleObj>
               </mc:Choice>
@@ -9659,7 +6824,7 @@
           <a:graphicData uri="http://schemas.openxmlformats.org/presentationml/2006/ole">
             <mc:AlternateContent xmlns:mc="http://schemas.openxmlformats.org/markup-compatibility/2006">
               <mc:Choice xmlns:v="urn:schemas-microsoft-com:vml" Requires="v">
-                <p:oleObj spid="_x0000_s2170" name="Equation" r:id="rId7" imgW="203040" imgH="228600" progId="Equation.DSMT4">
+                <p:oleObj spid="_x0000_s2242" name="Equation" r:id="rId7" imgW="203040" imgH="228600" progId="Equation.DSMT4">
                   <p:embed/>
                 </p:oleObj>
               </mc:Choice>
@@ -9742,7 +6907,7 @@
           <a:graphicData uri="http://schemas.openxmlformats.org/presentationml/2006/ole">
             <mc:AlternateContent xmlns:mc="http://schemas.openxmlformats.org/markup-compatibility/2006">
               <mc:Choice xmlns:v="urn:schemas-microsoft-com:vml" Requires="v">
-                <p:oleObj spid="_x0000_s2171" name="Equation" r:id="rId9" imgW="203040" imgH="228600" progId="Equation.DSMT4">
+                <p:oleObj spid="_x0000_s2243" name="Equation" r:id="rId9" imgW="203040" imgH="228600" progId="Equation.DSMT4">
                   <p:embed/>
                 </p:oleObj>
               </mc:Choice>
@@ -9825,7 +6990,7 @@
           <a:graphicData uri="http://schemas.openxmlformats.org/presentationml/2006/ole">
             <mc:AlternateContent xmlns:mc="http://schemas.openxmlformats.org/markup-compatibility/2006">
               <mc:Choice xmlns:v="urn:schemas-microsoft-com:vml" Requires="v">
-                <p:oleObj spid="_x0000_s2172" name="Equation" r:id="rId11" imgW="203040" imgH="228600" progId="Equation.DSMT4">
+                <p:oleObj spid="_x0000_s2244" name="Equation" r:id="rId11" imgW="203040" imgH="228600" progId="Equation.DSMT4">
                   <p:embed/>
                 </p:oleObj>
               </mc:Choice>
@@ -9908,7 +7073,7 @@
           <a:graphicData uri="http://schemas.openxmlformats.org/presentationml/2006/ole">
             <mc:AlternateContent xmlns:mc="http://schemas.openxmlformats.org/markup-compatibility/2006">
               <mc:Choice xmlns:v="urn:schemas-microsoft-com:vml" Requires="v">
-                <p:oleObj spid="_x0000_s2173" name="Equation" r:id="rId13" imgW="203040" imgH="228600" progId="Equation.DSMT4">
+                <p:oleObj spid="_x0000_s2245" name="Equation" r:id="rId13" imgW="203040" imgH="228600" progId="Equation.DSMT4">
                   <p:embed/>
                 </p:oleObj>
               </mc:Choice>
@@ -9991,7 +7156,7 @@
           <a:graphicData uri="http://schemas.openxmlformats.org/presentationml/2006/ole">
             <mc:AlternateContent xmlns:mc="http://schemas.openxmlformats.org/markup-compatibility/2006">
               <mc:Choice xmlns:v="urn:schemas-microsoft-com:vml" Requires="v">
-                <p:oleObj spid="_x0000_s2174" name="Equation" r:id="rId15" imgW="139680" imgH="228600" progId="Equation.DSMT4">
+                <p:oleObj spid="_x0000_s2246" name="Equation" r:id="rId15" imgW="139680" imgH="228600" progId="Equation.DSMT4">
                   <p:embed/>
                 </p:oleObj>
               </mc:Choice>
@@ -10074,7 +7239,7 @@
           <a:graphicData uri="http://schemas.openxmlformats.org/presentationml/2006/ole">
             <mc:AlternateContent xmlns:mc="http://schemas.openxmlformats.org/markup-compatibility/2006">
               <mc:Choice xmlns:v="urn:schemas-microsoft-com:vml" Requires="v">
-                <p:oleObj spid="_x0000_s2175" name="Equation" r:id="rId17" imgW="164880" imgH="228600" progId="Equation.DSMT4">
+                <p:oleObj spid="_x0000_s2247" name="Equation" r:id="rId17" imgW="164880" imgH="228600" progId="Equation.DSMT4">
                   <p:embed/>
                 </p:oleObj>
               </mc:Choice>
@@ -10157,7 +7322,7 @@
           <a:graphicData uri="http://schemas.openxmlformats.org/presentationml/2006/ole">
             <mc:AlternateContent xmlns:mc="http://schemas.openxmlformats.org/markup-compatibility/2006">
               <mc:Choice xmlns:v="urn:schemas-microsoft-com:vml" Requires="v">
-                <p:oleObj spid="_x0000_s2176" name="Equation" r:id="rId19" imgW="164880" imgH="228600" progId="Equation.DSMT4">
+                <p:oleObj spid="_x0000_s2248" name="Equation" r:id="rId19" imgW="164880" imgH="228600" progId="Equation.DSMT4">
                   <p:embed/>
                 </p:oleObj>
               </mc:Choice>
@@ -10240,7 +7405,7 @@
           <a:graphicData uri="http://schemas.openxmlformats.org/presentationml/2006/ole">
             <mc:AlternateContent xmlns:mc="http://schemas.openxmlformats.org/markup-compatibility/2006">
               <mc:Choice xmlns:v="urn:schemas-microsoft-com:vml" Requires="v">
-                <p:oleObj spid="_x0000_s2177" name="Equation" r:id="rId21" imgW="177480" imgH="228600" progId="Equation.DSMT4">
+                <p:oleObj spid="_x0000_s2249" name="Equation" r:id="rId21" imgW="177480" imgH="228600" progId="Equation.DSMT4">
                   <p:embed/>
                 </p:oleObj>
               </mc:Choice>
@@ -10323,7 +7488,7 @@
           <a:graphicData uri="http://schemas.openxmlformats.org/presentationml/2006/ole">
             <mc:AlternateContent xmlns:mc="http://schemas.openxmlformats.org/markup-compatibility/2006">
               <mc:Choice xmlns:v="urn:schemas-microsoft-com:vml" Requires="v">
-                <p:oleObj spid="_x0000_s2178" name="Equation" r:id="rId23" imgW="177480" imgH="228600" progId="Equation.DSMT4">
+                <p:oleObj spid="_x0000_s2250" name="Equation" r:id="rId23" imgW="177480" imgH="228600" progId="Equation.DSMT4">
                   <p:embed/>
                 </p:oleObj>
               </mc:Choice>
@@ -10406,7 +7571,7 @@
           <a:graphicData uri="http://schemas.openxmlformats.org/presentationml/2006/ole">
             <mc:AlternateContent xmlns:mc="http://schemas.openxmlformats.org/markup-compatibility/2006">
               <mc:Choice xmlns:v="urn:schemas-microsoft-com:vml" Requires="v">
-                <p:oleObj spid="_x0000_s2179" name="Equation" r:id="rId25" imgW="152280" imgH="228600" progId="Equation.DSMT4">
+                <p:oleObj spid="_x0000_s2251" name="Equation" r:id="rId25" imgW="152280" imgH="228600" progId="Equation.DSMT4">
                   <p:embed/>
                 </p:oleObj>
               </mc:Choice>
@@ -10489,7 +7654,7 @@
           <a:graphicData uri="http://schemas.openxmlformats.org/presentationml/2006/ole">
             <mc:AlternateContent xmlns:mc="http://schemas.openxmlformats.org/markup-compatibility/2006">
               <mc:Choice xmlns:v="urn:schemas-microsoft-com:vml" Requires="v">
-                <p:oleObj spid="_x0000_s2180" name="Equation" r:id="rId27" imgW="177480" imgH="228600" progId="Equation.DSMT4">
+                <p:oleObj spid="_x0000_s2252" name="Equation" r:id="rId27" imgW="177480" imgH="228600" progId="Equation.DSMT4">
                   <p:embed/>
                 </p:oleObj>
               </mc:Choice>
@@ -10572,7 +7737,7 @@
           <a:graphicData uri="http://schemas.openxmlformats.org/presentationml/2006/ole">
             <mc:AlternateContent xmlns:mc="http://schemas.openxmlformats.org/markup-compatibility/2006">
               <mc:Choice xmlns:v="urn:schemas-microsoft-com:vml" Requires="v">
-                <p:oleObj spid="_x0000_s2181" name="Equation" r:id="rId29" imgW="164880" imgH="228600" progId="Equation.DSMT4">
+                <p:oleObj spid="_x0000_s2253" name="Equation" r:id="rId29" imgW="164880" imgH="228600" progId="Equation.DSMT4">
                   <p:embed/>
                 </p:oleObj>
               </mc:Choice>
@@ -10655,7 +7820,7 @@
           <a:graphicData uri="http://schemas.openxmlformats.org/presentationml/2006/ole">
             <mc:AlternateContent xmlns:mc="http://schemas.openxmlformats.org/markup-compatibility/2006">
               <mc:Choice xmlns:v="urn:schemas-microsoft-com:vml" Requires="v">
-                <p:oleObj spid="_x0000_s2182" name="Equation" r:id="rId31" imgW="177480" imgH="228600" progId="Equation.DSMT4">
+                <p:oleObj spid="_x0000_s2254" name="Equation" r:id="rId31" imgW="177480" imgH="228600" progId="Equation.DSMT4">
                   <p:embed/>
                 </p:oleObj>
               </mc:Choice>
@@ -10738,7 +7903,7 @@
           <a:graphicData uri="http://schemas.openxmlformats.org/presentationml/2006/ole">
             <mc:AlternateContent xmlns:mc="http://schemas.openxmlformats.org/markup-compatibility/2006">
               <mc:Choice xmlns:v="urn:schemas-microsoft-com:vml" Requires="v">
-                <p:oleObj spid="_x0000_s2183" name="Equation" r:id="rId33" imgW="152280" imgH="228600" progId="Equation.DSMT4">
+                <p:oleObj spid="_x0000_s2255" name="Equation" r:id="rId33" imgW="152280" imgH="228600" progId="Equation.DSMT4">
                   <p:embed/>
                 </p:oleObj>
               </mc:Choice>
@@ -10821,7 +7986,7 @@
           <a:graphicData uri="http://schemas.openxmlformats.org/presentationml/2006/ole">
             <mc:AlternateContent xmlns:mc="http://schemas.openxmlformats.org/markup-compatibility/2006">
               <mc:Choice xmlns:v="urn:schemas-microsoft-com:vml" Requires="v">
-                <p:oleObj spid="_x0000_s2184" name="Equation" r:id="rId35" imgW="177480" imgH="228600" progId="Equation.DSMT4">
+                <p:oleObj spid="_x0000_s2256" name="Equation" r:id="rId35" imgW="177480" imgH="228600" progId="Equation.DSMT4">
                   <p:embed/>
                 </p:oleObj>
               </mc:Choice>
@@ -10904,7 +8069,7 @@
           <a:graphicData uri="http://schemas.openxmlformats.org/presentationml/2006/ole">
             <mc:AlternateContent xmlns:mc="http://schemas.openxmlformats.org/markup-compatibility/2006">
               <mc:Choice xmlns:v="urn:schemas-microsoft-com:vml" Requires="v">
-                <p:oleObj spid="_x0000_s2185" name="Equation" r:id="rId37" imgW="164880" imgH="228600" progId="Equation.DSMT4">
+                <p:oleObj spid="_x0000_s2257" name="Equation" r:id="rId37" imgW="164880" imgH="228600" progId="Equation.DSMT4">
                   <p:embed/>
                 </p:oleObj>
               </mc:Choice>
@@ -10989,11 +8154,7 @@
           <a:p>
             <a:r>
               <a:rPr lang="zh-CN" altLang="en-US" sz="3600" b="1" dirty="0" smtClean="0"/>
-              <a:t>子指标</a:t>
-            </a:r>
-            <a:r>
-              <a:rPr lang="zh-CN" altLang="en-US" sz="3600" b="1" dirty="0" smtClean="0"/>
-              <a:t>：</a:t>
+              <a:t>子指标：</a:t>
             </a:r>
             <a:endParaRPr lang="zh-CN" altLang="en-US" sz="3600" b="1" dirty="0"/>
           </a:p>
@@ -11021,7 +8182,7 @@
           <a:graphicData uri="http://schemas.openxmlformats.org/presentationml/2006/ole">
             <mc:AlternateContent xmlns:mc="http://schemas.openxmlformats.org/markup-compatibility/2006">
               <mc:Choice xmlns:v="urn:schemas-microsoft-com:vml" Requires="v">
-                <p:oleObj spid="_x0000_s2186" name="Equation" r:id="rId39" imgW="152280" imgH="228600" progId="Equation.DSMT4">
+                <p:oleObj spid="_x0000_s2258" name="Equation" r:id="rId39" imgW="152280" imgH="228600" progId="Equation.DSMT4">
                   <p:embed/>
                 </p:oleObj>
               </mc:Choice>
@@ -11104,7 +8265,7 @@
           <a:graphicData uri="http://schemas.openxmlformats.org/presentationml/2006/ole">
             <mc:AlternateContent xmlns:mc="http://schemas.openxmlformats.org/markup-compatibility/2006">
               <mc:Choice xmlns:v="urn:schemas-microsoft-com:vml" Requires="v">
-                <p:oleObj spid="_x0000_s2187" name="Equation" r:id="rId41" imgW="177480" imgH="228600" progId="Equation.DSMT4">
+                <p:oleObj spid="_x0000_s2259" name="Equation" r:id="rId41" imgW="177480" imgH="228600" progId="Equation.DSMT4">
                   <p:embed/>
                 </p:oleObj>
               </mc:Choice>
@@ -11187,7 +8348,7 @@
           <a:graphicData uri="http://schemas.openxmlformats.org/presentationml/2006/ole">
             <mc:AlternateContent xmlns:mc="http://schemas.openxmlformats.org/markup-compatibility/2006">
               <mc:Choice xmlns:v="urn:schemas-microsoft-com:vml" Requires="v">
-                <p:oleObj spid="_x0000_s2188" name="Equation" r:id="rId43" imgW="177480" imgH="228600" progId="Equation.DSMT4">
+                <p:oleObj spid="_x0000_s2260" name="Equation" r:id="rId43" imgW="177480" imgH="228600" progId="Equation.DSMT4">
                   <p:embed/>
                 </p:oleObj>
               </mc:Choice>
@@ -11270,7 +8431,7 @@
           <a:graphicData uri="http://schemas.openxmlformats.org/presentationml/2006/ole">
             <mc:AlternateContent xmlns:mc="http://schemas.openxmlformats.org/markup-compatibility/2006">
               <mc:Choice xmlns:v="urn:schemas-microsoft-com:vml" Requires="v">
-                <p:oleObj spid="_x0000_s2189" name="Equation" r:id="rId45" imgW="164880" imgH="228600" progId="Equation.DSMT4">
+                <p:oleObj spid="_x0000_s2261" name="Equation" r:id="rId45" imgW="164880" imgH="228600" progId="Equation.DSMT4">
                   <p:embed/>
                 </p:oleObj>
               </mc:Choice>
@@ -11353,7 +8514,7 @@
           <a:graphicData uri="http://schemas.openxmlformats.org/presentationml/2006/ole">
             <mc:AlternateContent xmlns:mc="http://schemas.openxmlformats.org/markup-compatibility/2006">
               <mc:Choice xmlns:v="urn:schemas-microsoft-com:vml" Requires="v">
-                <p:oleObj spid="_x0000_s2190" name="Equation" r:id="rId47" imgW="164880" imgH="228600" progId="Equation.DSMT4">
+                <p:oleObj spid="_x0000_s2262" name="Equation" r:id="rId47" imgW="164880" imgH="228600" progId="Equation.DSMT4">
                   <p:embed/>
                 </p:oleObj>
               </mc:Choice>
@@ -11436,7 +8597,7 @@
           <a:graphicData uri="http://schemas.openxmlformats.org/presentationml/2006/ole">
             <mc:AlternateContent xmlns:mc="http://schemas.openxmlformats.org/markup-compatibility/2006">
               <mc:Choice xmlns:v="urn:schemas-microsoft-com:vml" Requires="v">
-                <p:oleObj spid="_x0000_s2191" name="Equation" r:id="rId49" imgW="164880" imgH="228600" progId="Equation.DSMT4">
+                <p:oleObj spid="_x0000_s2263" name="Equation" r:id="rId49" imgW="164880" imgH="228600" progId="Equation.DSMT4">
                   <p:embed/>
                 </p:oleObj>
               </mc:Choice>
@@ -11583,783 +8744,7 @@
 </p:sld>
 </file>
 
-<file path=ppt/slides/slide5.xml><?xml version="1.0" encoding="utf-8"?>
-<p:sld xmlns:a="http://schemas.openxmlformats.org/drawingml/2006/main" xmlns:r="http://schemas.openxmlformats.org/officeDocument/2006/relationships" xmlns:p="http://schemas.openxmlformats.org/presentationml/2006/main">
-  <p:cSld>
-    <p:spTree>
-      <p:nvGrpSpPr>
-        <p:cNvPr id="1" name=""/>
-        <p:cNvGrpSpPr/>
-        <p:nvPr/>
-      </p:nvGrpSpPr>
-      <p:grpSpPr>
-        <a:xfrm>
-          <a:off x="0" y="0"/>
-          <a:ext cx="0" cy="0"/>
-          <a:chOff x="0" y="0"/>
-          <a:chExt cx="0" cy="0"/>
-        </a:xfrm>
-      </p:grpSpPr>
-      <p:sp>
-        <p:nvSpPr>
-          <p:cNvPr id="5" name="矩形 4">
-            <a:extLst>
-              <a:ext uri="{FF2B5EF4-FFF2-40B4-BE49-F238E27FC236}">
-                <a16:creationId xmlns:a16="http://schemas.microsoft.com/office/drawing/2014/main" xmlns="" id="{8488E848-0F1F-470D-96E7-482A9EB6A20D}"/>
-              </a:ext>
-            </a:extLst>
-          </p:cNvPr>
-          <p:cNvSpPr/>
-          <p:nvPr/>
-        </p:nvSpPr>
-        <p:spPr>
-          <a:xfrm>
-            <a:off x="2658981" y="475194"/>
-            <a:ext cx="6801014" cy="5834587"/>
-          </a:xfrm>
-          <a:prstGeom prst="rect">
-            <a:avLst/>
-          </a:prstGeom>
-          <a:noFill/>
-          <a:ln w="57150">
-            <a:solidFill>
-              <a:schemeClr val="tx1"/>
-            </a:solidFill>
-          </a:ln>
-        </p:spPr>
-        <p:style>
-          <a:lnRef idx="2">
-            <a:schemeClr val="accent1">
-              <a:shade val="50000"/>
-            </a:schemeClr>
-          </a:lnRef>
-          <a:fillRef idx="1">
-            <a:schemeClr val="accent1"/>
-          </a:fillRef>
-          <a:effectRef idx="0">
-            <a:schemeClr val="accent1"/>
-          </a:effectRef>
-          <a:fontRef idx="minor">
-            <a:schemeClr val="lt1"/>
-          </a:fontRef>
-        </p:style>
-        <p:txBody>
-          <a:bodyPr rtlCol="0" anchor="ctr"/>
-          <a:lstStyle/>
-          <a:p>
-            <a:pPr algn="ctr"/>
-            <a:endParaRPr lang="zh-CN" altLang="en-US"/>
-          </a:p>
-        </p:txBody>
-      </p:sp>
-      <p:sp>
-        <p:nvSpPr>
-          <p:cNvPr id="6" name="矩形 5">
-            <a:extLst>
-              <a:ext uri="{FF2B5EF4-FFF2-40B4-BE49-F238E27FC236}">
-                <a16:creationId xmlns:a16="http://schemas.microsoft.com/office/drawing/2014/main" xmlns="" id="{859A4C48-C809-49BA-9547-B4D1B9C0A0FB}"/>
-              </a:ext>
-            </a:extLst>
-          </p:cNvPr>
-          <p:cNvSpPr/>
-          <p:nvPr/>
-        </p:nvSpPr>
-        <p:spPr>
-          <a:xfrm>
-            <a:off x="3196233" y="797911"/>
-            <a:ext cx="2442754" cy="2442754"/>
-          </a:xfrm>
-          <a:prstGeom prst="rect">
-            <a:avLst/>
-          </a:prstGeom>
-          <a:solidFill>
-            <a:schemeClr val="bg1"/>
-          </a:solidFill>
-          <a:effectLst>
-            <a:outerShdw blurRad="50800" dist="38100" dir="2700000" algn="tl" rotWithShape="0">
-              <a:prstClr val="black">
-                <a:alpha val="40000"/>
-              </a:prstClr>
-            </a:outerShdw>
-          </a:effectLst>
-          <a:scene3d>
-            <a:camera prst="orthographicFront"/>
-            <a:lightRig rig="threePt" dir="t"/>
-          </a:scene3d>
-          <a:sp3d>
-            <a:bevelT w="165100" prst="coolSlant"/>
-          </a:sp3d>
-        </p:spPr>
-        <p:style>
-          <a:lnRef idx="2">
-            <a:schemeClr val="accent1">
-              <a:shade val="50000"/>
-            </a:schemeClr>
-          </a:lnRef>
-          <a:fillRef idx="1">
-            <a:schemeClr val="accent1"/>
-          </a:fillRef>
-          <a:effectRef idx="0">
-            <a:schemeClr val="accent1"/>
-          </a:effectRef>
-          <a:fontRef idx="minor">
-            <a:schemeClr val="lt1"/>
-          </a:fontRef>
-        </p:style>
-        <p:txBody>
-          <a:bodyPr rtlCol="0" anchor="ctr"/>
-          <a:lstStyle/>
-          <a:p>
-            <a:pPr algn="ctr"/>
-            <a:r>
-              <a:rPr lang="en-US" altLang="zh-CN" sz="4800" dirty="0">
-                <a:solidFill>
-                  <a:schemeClr val="tx1"/>
-                </a:solidFill>
-              </a:rPr>
-              <a:t>TP</a:t>
-            </a:r>
-            <a:endParaRPr lang="zh-CN" altLang="en-US" sz="4800" dirty="0">
-              <a:solidFill>
-                <a:schemeClr val="tx1"/>
-              </a:solidFill>
-            </a:endParaRPr>
-          </a:p>
-        </p:txBody>
-      </p:sp>
-      <p:sp>
-        <p:nvSpPr>
-          <p:cNvPr id="57" name="矩形 56">
-            <a:extLst>
-              <a:ext uri="{FF2B5EF4-FFF2-40B4-BE49-F238E27FC236}">
-                <a16:creationId xmlns:a16="http://schemas.microsoft.com/office/drawing/2014/main" xmlns="" id="{39C0F15B-76AD-483C-B4D7-69427CDBF63D}"/>
-              </a:ext>
-            </a:extLst>
-          </p:cNvPr>
-          <p:cNvSpPr/>
-          <p:nvPr/>
-        </p:nvSpPr>
-        <p:spPr>
-          <a:xfrm>
-            <a:off x="6553015" y="797911"/>
-            <a:ext cx="2442754" cy="2442754"/>
-          </a:xfrm>
-          <a:prstGeom prst="rect">
-            <a:avLst/>
-          </a:prstGeom>
-          <a:solidFill>
-            <a:schemeClr val="bg1"/>
-          </a:solidFill>
-          <a:scene3d>
-            <a:camera prst="orthographicFront"/>
-            <a:lightRig rig="threePt" dir="t"/>
-          </a:scene3d>
-          <a:sp3d>
-            <a:bevelT w="165100" prst="coolSlant"/>
-          </a:sp3d>
-        </p:spPr>
-        <p:style>
-          <a:lnRef idx="2">
-            <a:schemeClr val="accent1">
-              <a:shade val="50000"/>
-            </a:schemeClr>
-          </a:lnRef>
-          <a:fillRef idx="1">
-            <a:schemeClr val="accent1"/>
-          </a:fillRef>
-          <a:effectRef idx="0">
-            <a:schemeClr val="accent1"/>
-          </a:effectRef>
-          <a:fontRef idx="minor">
-            <a:schemeClr val="lt1"/>
-          </a:fontRef>
-        </p:style>
-        <p:txBody>
-          <a:bodyPr rtlCol="0" anchor="ctr"/>
-          <a:lstStyle/>
-          <a:p>
-            <a:pPr algn="ctr"/>
-            <a:r>
-              <a:rPr lang="en-US" altLang="zh-CN" sz="4800" dirty="0">
-                <a:solidFill>
-                  <a:schemeClr val="tx1"/>
-                </a:solidFill>
-              </a:rPr>
-              <a:t>FN</a:t>
-            </a:r>
-            <a:endParaRPr lang="zh-CN" altLang="en-US" sz="4800" dirty="0">
-              <a:solidFill>
-                <a:schemeClr val="tx1"/>
-              </a:solidFill>
-            </a:endParaRPr>
-          </a:p>
-        </p:txBody>
-      </p:sp>
-      <p:sp>
-        <p:nvSpPr>
-          <p:cNvPr id="73" name="矩形 72">
-            <a:extLst>
-              <a:ext uri="{FF2B5EF4-FFF2-40B4-BE49-F238E27FC236}">
-                <a16:creationId xmlns:a16="http://schemas.microsoft.com/office/drawing/2014/main" xmlns="" id="{9051D6E7-7973-4CFB-A55C-A1075AFEC3CB}"/>
-              </a:ext>
-            </a:extLst>
-          </p:cNvPr>
-          <p:cNvSpPr/>
-          <p:nvPr/>
-        </p:nvSpPr>
-        <p:spPr>
-          <a:xfrm>
-            <a:off x="6553015" y="3636406"/>
-            <a:ext cx="2442754" cy="2442754"/>
-          </a:xfrm>
-          <a:prstGeom prst="rect">
-            <a:avLst/>
-          </a:prstGeom>
-          <a:solidFill>
-            <a:schemeClr val="bg1"/>
-          </a:solidFill>
-          <a:scene3d>
-            <a:camera prst="orthographicFront"/>
-            <a:lightRig rig="threePt" dir="t"/>
-          </a:scene3d>
-          <a:sp3d>
-            <a:bevelT w="165100" prst="coolSlant"/>
-          </a:sp3d>
-        </p:spPr>
-        <p:style>
-          <a:lnRef idx="2">
-            <a:schemeClr val="accent1">
-              <a:shade val="50000"/>
-            </a:schemeClr>
-          </a:lnRef>
-          <a:fillRef idx="1">
-            <a:schemeClr val="accent1"/>
-          </a:fillRef>
-          <a:effectRef idx="0">
-            <a:schemeClr val="accent1"/>
-          </a:effectRef>
-          <a:fontRef idx="minor">
-            <a:schemeClr val="lt1"/>
-          </a:fontRef>
-        </p:style>
-        <p:txBody>
-          <a:bodyPr rtlCol="0" anchor="ctr"/>
-          <a:lstStyle/>
-          <a:p>
-            <a:pPr algn="ctr"/>
-            <a:r>
-              <a:rPr lang="en-US" altLang="zh-CN" sz="4800" dirty="0">
-                <a:solidFill>
-                  <a:schemeClr val="tx1"/>
-                </a:solidFill>
-              </a:rPr>
-              <a:t>TN</a:t>
-            </a:r>
-            <a:endParaRPr lang="zh-CN" altLang="en-US" sz="4800" dirty="0">
-              <a:solidFill>
-                <a:schemeClr val="tx1"/>
-              </a:solidFill>
-            </a:endParaRPr>
-          </a:p>
-        </p:txBody>
-      </p:sp>
-      <p:sp>
-        <p:nvSpPr>
-          <p:cNvPr id="74" name="矩形 73">
-            <a:extLst>
-              <a:ext uri="{FF2B5EF4-FFF2-40B4-BE49-F238E27FC236}">
-                <a16:creationId xmlns:a16="http://schemas.microsoft.com/office/drawing/2014/main" xmlns="" id="{33CC3AED-012E-4E01-828C-42BA53638BE1}"/>
-              </a:ext>
-            </a:extLst>
-          </p:cNvPr>
-          <p:cNvSpPr/>
-          <p:nvPr/>
-        </p:nvSpPr>
-        <p:spPr>
-          <a:xfrm>
-            <a:off x="3196233" y="3636406"/>
-            <a:ext cx="2442754" cy="2442754"/>
-          </a:xfrm>
-          <a:prstGeom prst="rect">
-            <a:avLst/>
-          </a:prstGeom>
-          <a:solidFill>
-            <a:schemeClr val="bg1"/>
-          </a:solidFill>
-          <a:scene3d>
-            <a:camera prst="orthographicFront"/>
-            <a:lightRig rig="threePt" dir="t"/>
-          </a:scene3d>
-          <a:sp3d>
-            <a:bevelT w="165100" prst="coolSlant"/>
-          </a:sp3d>
-        </p:spPr>
-        <p:style>
-          <a:lnRef idx="2">
-            <a:schemeClr val="accent1">
-              <a:shade val="50000"/>
-            </a:schemeClr>
-          </a:lnRef>
-          <a:fillRef idx="1">
-            <a:schemeClr val="accent1"/>
-          </a:fillRef>
-          <a:effectRef idx="0">
-            <a:schemeClr val="accent1"/>
-          </a:effectRef>
-          <a:fontRef idx="minor">
-            <a:schemeClr val="lt1"/>
-          </a:fontRef>
-        </p:style>
-        <p:txBody>
-          <a:bodyPr rtlCol="0" anchor="ctr"/>
-          <a:lstStyle/>
-          <a:p>
-            <a:pPr algn="ctr"/>
-            <a:r>
-              <a:rPr lang="en-US" altLang="zh-CN" sz="4800" dirty="0">
-                <a:solidFill>
-                  <a:schemeClr val="tx1"/>
-                </a:solidFill>
-              </a:rPr>
-              <a:t>FP</a:t>
-            </a:r>
-            <a:endParaRPr lang="zh-CN" altLang="en-US" sz="4800" dirty="0">
-              <a:solidFill>
-                <a:schemeClr val="tx1"/>
-              </a:solidFill>
-            </a:endParaRPr>
-          </a:p>
-        </p:txBody>
-      </p:sp>
-    </p:spTree>
-    <p:extLst>
-      <p:ext uri="{BB962C8B-B14F-4D97-AF65-F5344CB8AC3E}">
-        <p14:creationId xmlns:p14="http://schemas.microsoft.com/office/powerpoint/2010/main" val="14522663"/>
-      </p:ext>
-    </p:extLst>
-  </p:cSld>
-  <p:clrMapOvr>
-    <a:masterClrMapping/>
-  </p:clrMapOvr>
-</p:sld>
-</file>
-
 <file path=ppt/slides/slide6.xml><?xml version="1.0" encoding="utf-8"?>
-<p:sld xmlns:a="http://schemas.openxmlformats.org/drawingml/2006/main" xmlns:r="http://schemas.openxmlformats.org/officeDocument/2006/relationships" xmlns:p="http://schemas.openxmlformats.org/presentationml/2006/main">
-  <p:cSld>
-    <p:spTree>
-      <p:nvGrpSpPr>
-        <p:cNvPr id="1" name=""/>
-        <p:cNvGrpSpPr/>
-        <p:nvPr/>
-      </p:nvGrpSpPr>
-      <p:grpSpPr>
-        <a:xfrm>
-          <a:off x="0" y="0"/>
-          <a:ext cx="0" cy="0"/>
-          <a:chOff x="0" y="0"/>
-          <a:chExt cx="0" cy="0"/>
-        </a:xfrm>
-      </p:grpSpPr>
-      <p:pic>
-        <p:nvPicPr>
-          <p:cNvPr id="3" name="图片 2">
-            <a:extLst>
-              <a:ext uri="{FF2B5EF4-FFF2-40B4-BE49-F238E27FC236}">
-                <a16:creationId xmlns:a16="http://schemas.microsoft.com/office/drawing/2014/main" xmlns="" id="{83BAE0FD-8053-46CB-875E-BB48C26FAF5A}"/>
-              </a:ext>
-            </a:extLst>
-          </p:cNvPr>
-          <p:cNvPicPr>
-            <a:picLocks noChangeAspect="1"/>
-          </p:cNvPicPr>
-          <p:nvPr/>
-        </p:nvPicPr>
-        <p:blipFill>
-          <a:blip r:embed="rId2">
-            <a:extLst>
-              <a:ext uri="{28A0092B-C50C-407E-A947-70E740481C1C}">
-                <a14:useLocalDpi xmlns:a14="http://schemas.microsoft.com/office/drawing/2010/main" val="0"/>
-              </a:ext>
-            </a:extLst>
-          </a:blip>
-          <a:stretch>
-            <a:fillRect/>
-          </a:stretch>
-        </p:blipFill>
-        <p:spPr>
-          <a:xfrm>
-            <a:off x="5912351" y="3429000"/>
-            <a:ext cx="6670439" cy="2860656"/>
-          </a:xfrm>
-          <a:prstGeom prst="rect">
-            <a:avLst/>
-          </a:prstGeom>
-        </p:spPr>
-      </p:pic>
-      <p:pic>
-        <p:nvPicPr>
-          <p:cNvPr id="7" name="图片 6">
-            <a:extLst>
-              <a:ext uri="{FF2B5EF4-FFF2-40B4-BE49-F238E27FC236}">
-                <a16:creationId xmlns:a16="http://schemas.microsoft.com/office/drawing/2014/main" xmlns="" id="{8CED8AE3-D00D-43C9-B20B-77E31EFC057A}"/>
-              </a:ext>
-            </a:extLst>
-          </p:cNvPr>
-          <p:cNvPicPr>
-            <a:picLocks noChangeAspect="1"/>
-          </p:cNvPicPr>
-          <p:nvPr/>
-        </p:nvPicPr>
-        <p:blipFill>
-          <a:blip r:embed="rId3">
-            <a:extLst>
-              <a:ext uri="{28A0092B-C50C-407E-A947-70E740481C1C}">
-                <a14:useLocalDpi xmlns:a14="http://schemas.microsoft.com/office/drawing/2010/main" val="0"/>
-              </a:ext>
-            </a:extLst>
-          </a:blip>
-          <a:stretch>
-            <a:fillRect/>
-          </a:stretch>
-        </p:blipFill>
-        <p:spPr>
-          <a:xfrm>
-            <a:off x="-162392" y="1811699"/>
-            <a:ext cx="6221880" cy="2668289"/>
-          </a:xfrm>
-          <a:prstGeom prst="rect">
-            <a:avLst/>
-          </a:prstGeom>
-        </p:spPr>
-      </p:pic>
-      <p:pic>
-        <p:nvPicPr>
-          <p:cNvPr id="9" name="图片 8">
-            <a:extLst>
-              <a:ext uri="{FF2B5EF4-FFF2-40B4-BE49-F238E27FC236}">
-                <a16:creationId xmlns:a16="http://schemas.microsoft.com/office/drawing/2014/main" xmlns="" id="{8E202978-C01D-45E8-BF04-3E1A0CFB9F03}"/>
-              </a:ext>
-            </a:extLst>
-          </p:cNvPr>
-          <p:cNvPicPr>
-            <a:picLocks noChangeAspect="1"/>
-          </p:cNvPicPr>
-          <p:nvPr/>
-        </p:nvPicPr>
-        <p:blipFill>
-          <a:blip r:embed="rId4">
-            <a:extLst>
-              <a:ext uri="{28A0092B-C50C-407E-A947-70E740481C1C}">
-                <a14:useLocalDpi xmlns:a14="http://schemas.microsoft.com/office/drawing/2010/main" val="0"/>
-              </a:ext>
-            </a:extLst>
-          </a:blip>
-          <a:stretch>
-            <a:fillRect/>
-          </a:stretch>
-        </p:blipFill>
-        <p:spPr>
-          <a:xfrm>
-            <a:off x="5893584" y="245616"/>
-            <a:ext cx="6585287" cy="2824138"/>
-          </a:xfrm>
-          <a:prstGeom prst="rect">
-            <a:avLst/>
-          </a:prstGeom>
-        </p:spPr>
-      </p:pic>
-      <p:sp>
-        <p:nvSpPr>
-          <p:cNvPr id="10" name="文本框 9">
-            <a:extLst>
-              <a:ext uri="{FF2B5EF4-FFF2-40B4-BE49-F238E27FC236}">
-                <a16:creationId xmlns:a16="http://schemas.microsoft.com/office/drawing/2014/main" xmlns="" id="{BC8CAB93-2C45-45E0-836C-2832B1FF45FF}"/>
-              </a:ext>
-            </a:extLst>
-          </p:cNvPr>
-          <p:cNvSpPr txBox="1"/>
-          <p:nvPr/>
-        </p:nvSpPr>
-        <p:spPr>
-          <a:xfrm>
-            <a:off x="1331259" y="4859328"/>
-            <a:ext cx="3711388" cy="461665"/>
-          </a:xfrm>
-          <a:prstGeom prst="rect">
-            <a:avLst/>
-          </a:prstGeom>
-          <a:noFill/>
-        </p:spPr>
-        <p:txBody>
-          <a:bodyPr wrap="square" rtlCol="0">
-            <a:spAutoFit/>
-          </a:bodyPr>
-          <a:lstStyle/>
-          <a:p>
-            <a:r>
-              <a:rPr lang="zh-CN" altLang="en-US" sz="2400" dirty="0"/>
-              <a:t>正常拟合</a:t>
-            </a:r>
-          </a:p>
-        </p:txBody>
-      </p:sp>
-      <p:sp>
-        <p:nvSpPr>
-          <p:cNvPr id="14" name="文本框 13">
-            <a:extLst>
-              <a:ext uri="{FF2B5EF4-FFF2-40B4-BE49-F238E27FC236}">
-                <a16:creationId xmlns:a16="http://schemas.microsoft.com/office/drawing/2014/main" xmlns="" id="{08307181-1FCD-441D-9AC9-403EE502AD78}"/>
-              </a:ext>
-            </a:extLst>
-          </p:cNvPr>
-          <p:cNvSpPr txBox="1"/>
-          <p:nvPr/>
-        </p:nvSpPr>
-        <p:spPr>
-          <a:xfrm>
-            <a:off x="8480612" y="2930818"/>
-            <a:ext cx="3711388" cy="461665"/>
-          </a:xfrm>
-          <a:prstGeom prst="rect">
-            <a:avLst/>
-          </a:prstGeom>
-          <a:noFill/>
-        </p:spPr>
-        <p:txBody>
-          <a:bodyPr wrap="square" rtlCol="0">
-            <a:spAutoFit/>
-          </a:bodyPr>
-          <a:lstStyle/>
-          <a:p>
-            <a:r>
-              <a:rPr lang="zh-CN" altLang="en-US" sz="2400" dirty="0"/>
-              <a:t>欠拟合</a:t>
-            </a:r>
-          </a:p>
-        </p:txBody>
-      </p:sp>
-      <p:sp>
-        <p:nvSpPr>
-          <p:cNvPr id="15" name="文本框 14">
-            <a:extLst>
-              <a:ext uri="{FF2B5EF4-FFF2-40B4-BE49-F238E27FC236}">
-                <a16:creationId xmlns:a16="http://schemas.microsoft.com/office/drawing/2014/main" xmlns="" id="{B960D07F-C897-44C6-9F84-58EE6623AA74}"/>
-              </a:ext>
-            </a:extLst>
-          </p:cNvPr>
-          <p:cNvSpPr txBox="1"/>
-          <p:nvPr/>
-        </p:nvSpPr>
-        <p:spPr>
-          <a:xfrm>
-            <a:off x="8480612" y="6326173"/>
-            <a:ext cx="3711388" cy="461665"/>
-          </a:xfrm>
-          <a:prstGeom prst="rect">
-            <a:avLst/>
-          </a:prstGeom>
-          <a:noFill/>
-        </p:spPr>
-        <p:txBody>
-          <a:bodyPr wrap="square" rtlCol="0">
-            <a:spAutoFit/>
-          </a:bodyPr>
-          <a:lstStyle/>
-          <a:p>
-            <a:r>
-              <a:rPr lang="zh-CN" altLang="en-US" sz="2400" dirty="0"/>
-              <a:t>过拟合</a:t>
-            </a:r>
-          </a:p>
-        </p:txBody>
-      </p:sp>
-    </p:spTree>
-    <p:extLst>
-      <p:ext uri="{BB962C8B-B14F-4D97-AF65-F5344CB8AC3E}">
-        <p14:creationId xmlns:p14="http://schemas.microsoft.com/office/powerpoint/2010/main" val="1083747546"/>
-      </p:ext>
-    </p:extLst>
-  </p:cSld>
-  <p:clrMapOvr>
-    <a:masterClrMapping/>
-  </p:clrMapOvr>
-</p:sld>
-</file>
-
-<file path=ppt/slides/slide7.xml><?xml version="1.0" encoding="utf-8"?>
-<p:sld xmlns:a="http://schemas.openxmlformats.org/drawingml/2006/main" xmlns:r="http://schemas.openxmlformats.org/officeDocument/2006/relationships" xmlns:p="http://schemas.openxmlformats.org/presentationml/2006/main">
-  <p:cSld>
-    <p:spTree>
-      <p:nvGrpSpPr>
-        <p:cNvPr id="1" name=""/>
-        <p:cNvGrpSpPr/>
-        <p:nvPr/>
-      </p:nvGrpSpPr>
-      <p:grpSpPr>
-        <a:xfrm>
-          <a:off x="0" y="0"/>
-          <a:ext cx="0" cy="0"/>
-          <a:chOff x="0" y="0"/>
-          <a:chExt cx="0" cy="0"/>
-        </a:xfrm>
-      </p:grpSpPr>
-      <p:pic>
-        <p:nvPicPr>
-          <p:cNvPr id="14" name="图片 13">
-            <a:extLst>
-              <a:ext uri="{FF2B5EF4-FFF2-40B4-BE49-F238E27FC236}">
-                <a16:creationId xmlns:a16="http://schemas.microsoft.com/office/drawing/2014/main" xmlns="" id="{4B0053B3-5E55-4371-946D-92911F252F41}"/>
-              </a:ext>
-            </a:extLst>
-          </p:cNvPr>
-          <p:cNvPicPr>
-            <a:picLocks noChangeAspect="1"/>
-          </p:cNvPicPr>
-          <p:nvPr/>
-        </p:nvPicPr>
-        <p:blipFill>
-          <a:blip r:embed="rId2">
-            <a:extLst>
-              <a:ext uri="{28A0092B-C50C-407E-A947-70E740481C1C}">
-                <a14:useLocalDpi xmlns:a14="http://schemas.microsoft.com/office/drawing/2010/main" val="0"/>
-              </a:ext>
-            </a:extLst>
-          </a:blip>
-          <a:stretch>
-            <a:fillRect/>
-          </a:stretch>
-        </p:blipFill>
-        <p:spPr>
-          <a:xfrm>
-            <a:off x="6096000" y="676393"/>
-            <a:ext cx="5674659" cy="2303742"/>
-          </a:xfrm>
-          <a:prstGeom prst="rect">
-            <a:avLst/>
-          </a:prstGeom>
-        </p:spPr>
-      </p:pic>
-      <p:pic>
-        <p:nvPicPr>
-          <p:cNvPr id="16" name="图片 15">
-            <a:extLst>
-              <a:ext uri="{FF2B5EF4-FFF2-40B4-BE49-F238E27FC236}">
-                <a16:creationId xmlns:a16="http://schemas.microsoft.com/office/drawing/2014/main" xmlns="" id="{2938C8D1-0C6B-4E2B-A246-58D62AC7A8EB}"/>
-              </a:ext>
-            </a:extLst>
-          </p:cNvPr>
-          <p:cNvPicPr>
-            <a:picLocks noChangeAspect="1"/>
-          </p:cNvPicPr>
-          <p:nvPr/>
-        </p:nvPicPr>
-        <p:blipFill>
-          <a:blip r:embed="rId3">
-            <a:extLst>
-              <a:ext uri="{28A0092B-C50C-407E-A947-70E740481C1C}">
-                <a14:useLocalDpi xmlns:a14="http://schemas.microsoft.com/office/drawing/2010/main" val="0"/>
-              </a:ext>
-            </a:extLst>
-          </a:blip>
-          <a:stretch>
-            <a:fillRect/>
-          </a:stretch>
-        </p:blipFill>
-        <p:spPr>
-          <a:xfrm>
-            <a:off x="578224" y="589672"/>
-            <a:ext cx="5776261" cy="2477183"/>
-          </a:xfrm>
-          <a:prstGeom prst="rect">
-            <a:avLst/>
-          </a:prstGeom>
-        </p:spPr>
-      </p:pic>
-      <p:sp>
-        <p:nvSpPr>
-          <p:cNvPr id="17" name="文本框 16">
-            <a:extLst>
-              <a:ext uri="{FF2B5EF4-FFF2-40B4-BE49-F238E27FC236}">
-                <a16:creationId xmlns:a16="http://schemas.microsoft.com/office/drawing/2014/main" xmlns="" id="{884874CE-0FAF-448E-9EA1-F9FCC0CD9A67}"/>
-              </a:ext>
-            </a:extLst>
-          </p:cNvPr>
-          <p:cNvSpPr txBox="1"/>
-          <p:nvPr/>
-        </p:nvSpPr>
-        <p:spPr>
-          <a:xfrm>
-            <a:off x="3112249" y="3028512"/>
-            <a:ext cx="3966882" cy="369332"/>
-          </a:xfrm>
-          <a:prstGeom prst="rect">
-            <a:avLst/>
-          </a:prstGeom>
-          <a:noFill/>
-        </p:spPr>
-        <p:txBody>
-          <a:bodyPr wrap="square" rtlCol="0">
-            <a:spAutoFit/>
-          </a:bodyPr>
-          <a:lstStyle/>
-          <a:p>
-            <a:r>
-              <a:rPr lang="zh-CN" altLang="en-US" dirty="0"/>
-              <a:t>过拟合</a:t>
-            </a:r>
-          </a:p>
-        </p:txBody>
-      </p:sp>
-      <p:sp>
-        <p:nvSpPr>
-          <p:cNvPr id="18" name="文本框 17">
-            <a:extLst>
-              <a:ext uri="{FF2B5EF4-FFF2-40B4-BE49-F238E27FC236}">
-                <a16:creationId xmlns:a16="http://schemas.microsoft.com/office/drawing/2014/main" xmlns="" id="{A4015596-8B00-4D1B-8C73-90DF9EF5F9AF}"/>
-              </a:ext>
-            </a:extLst>
-          </p:cNvPr>
-          <p:cNvSpPr txBox="1"/>
-          <p:nvPr/>
-        </p:nvSpPr>
-        <p:spPr>
-          <a:xfrm>
-            <a:off x="8225118" y="3028512"/>
-            <a:ext cx="3966882" cy="369332"/>
-          </a:xfrm>
-          <a:prstGeom prst="rect">
-            <a:avLst/>
-          </a:prstGeom>
-          <a:noFill/>
-        </p:spPr>
-        <p:txBody>
-          <a:bodyPr wrap="square" rtlCol="0">
-            <a:spAutoFit/>
-          </a:bodyPr>
-          <a:lstStyle/>
-          <a:p>
-            <a:r>
-              <a:rPr lang="zh-CN" altLang="en-US" dirty="0"/>
-              <a:t>正常拟合</a:t>
-            </a:r>
-          </a:p>
-        </p:txBody>
-      </p:sp>
-    </p:spTree>
-    <p:extLst>
-      <p:ext uri="{BB962C8B-B14F-4D97-AF65-F5344CB8AC3E}">
-        <p14:creationId xmlns:p14="http://schemas.microsoft.com/office/powerpoint/2010/main" val="2188539635"/>
-      </p:ext>
-    </p:extLst>
-  </p:cSld>
-  <p:clrMapOvr>
-    <a:masterClrMapping/>
-  </p:clrMapOvr>
-</p:sld>
-</file>
-
-<file path=ppt/slides/slide8.xml><?xml version="1.0" encoding="utf-8"?>
 <p:sld xmlns:a="http://schemas.openxmlformats.org/drawingml/2006/main" xmlns:r="http://schemas.openxmlformats.org/officeDocument/2006/relationships" xmlns:p="http://schemas.openxmlformats.org/presentationml/2006/main">
   <p:cSld>
     <p:spTree>
@@ -12381,7 +8766,7 @@
           <p:cNvPr id="4" name="组合 3">
             <a:extLst>
               <a:ext uri="{FF2B5EF4-FFF2-40B4-BE49-F238E27FC236}">
-                <a16:creationId xmlns:a16="http://schemas.microsoft.com/office/drawing/2014/main" xmlns="" id="{F5C3B21C-52AB-4F9B-95EB-06B7893CD6B9}"/>
+                <a16:creationId xmlns="" xmlns:a16="http://schemas.microsoft.com/office/drawing/2014/main" id="{F5C3B21C-52AB-4F9B-95EB-06B7893CD6B9}"/>
               </a:ext>
             </a:extLst>
           </p:cNvPr>
@@ -12401,7 +8786,7 @@
             <p:cNvPr id="6" name="等腰三角形 5">
               <a:extLst>
                 <a:ext uri="{FF2B5EF4-FFF2-40B4-BE49-F238E27FC236}">
-                  <a16:creationId xmlns:a16="http://schemas.microsoft.com/office/drawing/2014/main" xmlns="" id="{66464D25-8E46-4601-80C9-5885D762F899}"/>
+                  <a16:creationId xmlns="" xmlns:a16="http://schemas.microsoft.com/office/drawing/2014/main" id="{66464D25-8E46-4601-80C9-5885D762F899}"/>
                 </a:ext>
               </a:extLst>
             </p:cNvPr>
@@ -12447,7 +8832,7 @@
             <p:cNvPr id="7" name="椭圆 6">
               <a:extLst>
                 <a:ext uri="{FF2B5EF4-FFF2-40B4-BE49-F238E27FC236}">
-                  <a16:creationId xmlns:a16="http://schemas.microsoft.com/office/drawing/2014/main" xmlns="" id="{2110C5B9-40ED-41E8-B971-DB04DC270140}"/>
+                  <a16:creationId xmlns="" xmlns:a16="http://schemas.microsoft.com/office/drawing/2014/main" id="{2110C5B9-40ED-41E8-B971-DB04DC270140}"/>
                 </a:ext>
               </a:extLst>
             </p:cNvPr>
@@ -12493,7 +8878,7 @@
             <p:cNvPr id="8" name="椭圆 7">
               <a:extLst>
                 <a:ext uri="{FF2B5EF4-FFF2-40B4-BE49-F238E27FC236}">
-                  <a16:creationId xmlns:a16="http://schemas.microsoft.com/office/drawing/2014/main" xmlns="" id="{CDF01CFF-F115-4427-9730-D85BBC2E52E1}"/>
+                  <a16:creationId xmlns="" xmlns:a16="http://schemas.microsoft.com/office/drawing/2014/main" id="{CDF01CFF-F115-4427-9730-D85BBC2E52E1}"/>
                 </a:ext>
               </a:extLst>
             </p:cNvPr>
@@ -12539,7 +8924,7 @@
             <p:cNvPr id="9" name="椭圆 8">
               <a:extLst>
                 <a:ext uri="{FF2B5EF4-FFF2-40B4-BE49-F238E27FC236}">
-                  <a16:creationId xmlns:a16="http://schemas.microsoft.com/office/drawing/2014/main" xmlns="" id="{C04B508C-F244-4740-9C7A-04C17A516BD6}"/>
+                  <a16:creationId xmlns="" xmlns:a16="http://schemas.microsoft.com/office/drawing/2014/main" id="{C04B508C-F244-4740-9C7A-04C17A516BD6}"/>
                 </a:ext>
               </a:extLst>
             </p:cNvPr>
@@ -12585,7 +8970,7 @@
             <p:cNvPr id="10" name="椭圆 9">
               <a:extLst>
                 <a:ext uri="{FF2B5EF4-FFF2-40B4-BE49-F238E27FC236}">
-                  <a16:creationId xmlns:a16="http://schemas.microsoft.com/office/drawing/2014/main" xmlns="" id="{2E7A741E-13B2-4A28-A71B-8DDD8A2F7B1F}"/>
+                  <a16:creationId xmlns="" xmlns:a16="http://schemas.microsoft.com/office/drawing/2014/main" id="{2E7A741E-13B2-4A28-A71B-8DDD8A2F7B1F}"/>
                 </a:ext>
               </a:extLst>
             </p:cNvPr>
@@ -12631,7 +9016,7 @@
             <p:cNvPr id="11" name="椭圆 10">
               <a:extLst>
                 <a:ext uri="{FF2B5EF4-FFF2-40B4-BE49-F238E27FC236}">
-                  <a16:creationId xmlns:a16="http://schemas.microsoft.com/office/drawing/2014/main" xmlns="" id="{E021EC81-7EF0-43D9-8B55-4C14B1931DB6}"/>
+                  <a16:creationId xmlns="" xmlns:a16="http://schemas.microsoft.com/office/drawing/2014/main" id="{E021EC81-7EF0-43D9-8B55-4C14B1931DB6}"/>
                 </a:ext>
               </a:extLst>
             </p:cNvPr>
@@ -12677,7 +9062,7 @@
             <p:cNvPr id="12" name="椭圆 11">
               <a:extLst>
                 <a:ext uri="{FF2B5EF4-FFF2-40B4-BE49-F238E27FC236}">
-                  <a16:creationId xmlns:a16="http://schemas.microsoft.com/office/drawing/2014/main" xmlns="" id="{36807714-99B6-4956-AD69-B2DE757BF99D}"/>
+                  <a16:creationId xmlns="" xmlns:a16="http://schemas.microsoft.com/office/drawing/2014/main" id="{36807714-99B6-4956-AD69-B2DE757BF99D}"/>
                 </a:ext>
               </a:extLst>
             </p:cNvPr>
@@ -12723,7 +9108,7 @@
             <p:cNvPr id="13" name="椭圆 12">
               <a:extLst>
                 <a:ext uri="{FF2B5EF4-FFF2-40B4-BE49-F238E27FC236}">
-                  <a16:creationId xmlns:a16="http://schemas.microsoft.com/office/drawing/2014/main" xmlns="" id="{C5266772-76AB-4CAF-B3AD-5479B34F5B2C}"/>
+                  <a16:creationId xmlns="" xmlns:a16="http://schemas.microsoft.com/office/drawing/2014/main" id="{C5266772-76AB-4CAF-B3AD-5479B34F5B2C}"/>
                 </a:ext>
               </a:extLst>
             </p:cNvPr>
@@ -12769,7 +9154,7 @@
             <p:cNvPr id="15" name="椭圆 14">
               <a:extLst>
                 <a:ext uri="{FF2B5EF4-FFF2-40B4-BE49-F238E27FC236}">
-                  <a16:creationId xmlns:a16="http://schemas.microsoft.com/office/drawing/2014/main" xmlns="" id="{836F52CD-83E8-4C34-9CA0-73CB7123BE53}"/>
+                  <a16:creationId xmlns="" xmlns:a16="http://schemas.microsoft.com/office/drawing/2014/main" id="{836F52CD-83E8-4C34-9CA0-73CB7123BE53}"/>
                 </a:ext>
               </a:extLst>
             </p:cNvPr>
@@ -12815,7 +9200,7 @@
             <p:cNvPr id="19" name="等腰三角形 18">
               <a:extLst>
                 <a:ext uri="{FF2B5EF4-FFF2-40B4-BE49-F238E27FC236}">
-                  <a16:creationId xmlns:a16="http://schemas.microsoft.com/office/drawing/2014/main" xmlns="" id="{86444539-4D2F-4526-85B2-48B1601D5FDB}"/>
+                  <a16:creationId xmlns="" xmlns:a16="http://schemas.microsoft.com/office/drawing/2014/main" id="{86444539-4D2F-4526-85B2-48B1601D5FDB}"/>
                 </a:ext>
               </a:extLst>
             </p:cNvPr>
@@ -12861,7 +9246,7 @@
             <p:cNvPr id="20" name="等腰三角形 19">
               <a:extLst>
                 <a:ext uri="{FF2B5EF4-FFF2-40B4-BE49-F238E27FC236}">
-                  <a16:creationId xmlns:a16="http://schemas.microsoft.com/office/drawing/2014/main" xmlns="" id="{73BE264D-E1F0-4E81-B9C2-F43DA19E7421}"/>
+                  <a16:creationId xmlns="" xmlns:a16="http://schemas.microsoft.com/office/drawing/2014/main" id="{73BE264D-E1F0-4E81-B9C2-F43DA19E7421}"/>
                 </a:ext>
               </a:extLst>
             </p:cNvPr>
@@ -12907,7 +9292,7 @@
             <p:cNvPr id="21" name="等腰三角形 20">
               <a:extLst>
                 <a:ext uri="{FF2B5EF4-FFF2-40B4-BE49-F238E27FC236}">
-                  <a16:creationId xmlns:a16="http://schemas.microsoft.com/office/drawing/2014/main" xmlns="" id="{3B24AF82-1035-4353-8260-E3937D9E1EA7}"/>
+                  <a16:creationId xmlns="" xmlns:a16="http://schemas.microsoft.com/office/drawing/2014/main" id="{3B24AF82-1035-4353-8260-E3937D9E1EA7}"/>
                 </a:ext>
               </a:extLst>
             </p:cNvPr>
@@ -12953,7 +9338,7 @@
             <p:cNvPr id="22" name="等腰三角形 21">
               <a:extLst>
                 <a:ext uri="{FF2B5EF4-FFF2-40B4-BE49-F238E27FC236}">
-                  <a16:creationId xmlns:a16="http://schemas.microsoft.com/office/drawing/2014/main" xmlns="" id="{8BF33366-332D-4866-87A2-5940683E8B00}"/>
+                  <a16:creationId xmlns="" xmlns:a16="http://schemas.microsoft.com/office/drawing/2014/main" id="{8BF33366-332D-4866-87A2-5940683E8B00}"/>
                 </a:ext>
               </a:extLst>
             </p:cNvPr>
@@ -12999,7 +9384,7 @@
             <p:cNvPr id="23" name="等腰三角形 22">
               <a:extLst>
                 <a:ext uri="{FF2B5EF4-FFF2-40B4-BE49-F238E27FC236}">
-                  <a16:creationId xmlns:a16="http://schemas.microsoft.com/office/drawing/2014/main" xmlns="" id="{C8F2E420-0FFD-4894-89B6-113B5DAAA31E}"/>
+                  <a16:creationId xmlns="" xmlns:a16="http://schemas.microsoft.com/office/drawing/2014/main" id="{C8F2E420-0FFD-4894-89B6-113B5DAAA31E}"/>
                 </a:ext>
               </a:extLst>
             </p:cNvPr>
@@ -13045,7 +9430,7 @@
             <p:cNvPr id="24" name="等腰三角形 23">
               <a:extLst>
                 <a:ext uri="{FF2B5EF4-FFF2-40B4-BE49-F238E27FC236}">
-                  <a16:creationId xmlns:a16="http://schemas.microsoft.com/office/drawing/2014/main" xmlns="" id="{3F31AC56-24E0-41F8-A13E-6AEB24A62E5D}"/>
+                  <a16:creationId xmlns="" xmlns:a16="http://schemas.microsoft.com/office/drawing/2014/main" id="{3F31AC56-24E0-41F8-A13E-6AEB24A62E5D}"/>
                 </a:ext>
               </a:extLst>
             </p:cNvPr>
@@ -13091,7 +9476,7 @@
             <p:cNvPr id="25" name="等腰三角形 24">
               <a:extLst>
                 <a:ext uri="{FF2B5EF4-FFF2-40B4-BE49-F238E27FC236}">
-                  <a16:creationId xmlns:a16="http://schemas.microsoft.com/office/drawing/2014/main" xmlns="" id="{58BCA2B3-3410-4B6C-A343-B96FF9ED893C}"/>
+                  <a16:creationId xmlns="" xmlns:a16="http://schemas.microsoft.com/office/drawing/2014/main" id="{58BCA2B3-3410-4B6C-A343-B96FF9ED893C}"/>
                 </a:ext>
               </a:extLst>
             </p:cNvPr>
@@ -13137,7 +9522,7 @@
             <p:cNvPr id="26" name="等腰三角形 25">
               <a:extLst>
                 <a:ext uri="{FF2B5EF4-FFF2-40B4-BE49-F238E27FC236}">
-                  <a16:creationId xmlns:a16="http://schemas.microsoft.com/office/drawing/2014/main" xmlns="" id="{6D76CDAD-B156-4488-8BC6-F6816C1DEF41}"/>
+                  <a16:creationId xmlns="" xmlns:a16="http://schemas.microsoft.com/office/drawing/2014/main" id="{6D76CDAD-B156-4488-8BC6-F6816C1DEF41}"/>
                 </a:ext>
               </a:extLst>
             </p:cNvPr>
@@ -13183,7 +9568,7 @@
             <p:cNvPr id="27" name="等腰三角形 26">
               <a:extLst>
                 <a:ext uri="{FF2B5EF4-FFF2-40B4-BE49-F238E27FC236}">
-                  <a16:creationId xmlns:a16="http://schemas.microsoft.com/office/drawing/2014/main" xmlns="" id="{46F6DAB8-9CEC-4107-B2BC-27F43F7F4F12}"/>
+                  <a16:creationId xmlns="" xmlns:a16="http://schemas.microsoft.com/office/drawing/2014/main" id="{46F6DAB8-9CEC-4107-B2BC-27F43F7F4F12}"/>
                 </a:ext>
               </a:extLst>
             </p:cNvPr>
@@ -13229,7 +9614,7 @@
             <p:cNvPr id="28" name="等腰三角形 27">
               <a:extLst>
                 <a:ext uri="{FF2B5EF4-FFF2-40B4-BE49-F238E27FC236}">
-                  <a16:creationId xmlns:a16="http://schemas.microsoft.com/office/drawing/2014/main" xmlns="" id="{003A7EBB-35BE-41DE-BCFA-74FF0A4004A3}"/>
+                  <a16:creationId xmlns="" xmlns:a16="http://schemas.microsoft.com/office/drawing/2014/main" id="{003A7EBB-35BE-41DE-BCFA-74FF0A4004A3}"/>
                 </a:ext>
               </a:extLst>
             </p:cNvPr>
@@ -13275,7 +9660,7 @@
             <p:cNvPr id="29" name="等腰三角形 28">
               <a:extLst>
                 <a:ext uri="{FF2B5EF4-FFF2-40B4-BE49-F238E27FC236}">
-                  <a16:creationId xmlns:a16="http://schemas.microsoft.com/office/drawing/2014/main" xmlns="" id="{30501B3A-C669-45F9-8826-DDB24986CEFE}"/>
+                  <a16:creationId xmlns="" xmlns:a16="http://schemas.microsoft.com/office/drawing/2014/main" id="{30501B3A-C669-45F9-8826-DDB24986CEFE}"/>
                 </a:ext>
               </a:extLst>
             </p:cNvPr>
@@ -13321,7 +9706,7 @@
             <p:cNvPr id="30" name="等腰三角形 29">
               <a:extLst>
                 <a:ext uri="{FF2B5EF4-FFF2-40B4-BE49-F238E27FC236}">
-                  <a16:creationId xmlns:a16="http://schemas.microsoft.com/office/drawing/2014/main" xmlns="" id="{197B7E71-0E14-4606-BEE6-11A8D6D503C7}"/>
+                  <a16:creationId xmlns="" xmlns:a16="http://schemas.microsoft.com/office/drawing/2014/main" id="{197B7E71-0E14-4606-BEE6-11A8D6D503C7}"/>
                 </a:ext>
               </a:extLst>
             </p:cNvPr>
@@ -13367,7 +9752,7 @@
             <p:cNvPr id="33" name="椭圆 32">
               <a:extLst>
                 <a:ext uri="{FF2B5EF4-FFF2-40B4-BE49-F238E27FC236}">
-                  <a16:creationId xmlns:a16="http://schemas.microsoft.com/office/drawing/2014/main" xmlns="" id="{A79857D0-C451-4017-86ED-9F8F0D69D1CF}"/>
+                  <a16:creationId xmlns="" xmlns:a16="http://schemas.microsoft.com/office/drawing/2014/main" id="{A79857D0-C451-4017-86ED-9F8F0D69D1CF}"/>
                 </a:ext>
               </a:extLst>
             </p:cNvPr>
@@ -13413,7 +9798,7 @@
             <p:cNvPr id="34" name="椭圆 33">
               <a:extLst>
                 <a:ext uri="{FF2B5EF4-FFF2-40B4-BE49-F238E27FC236}">
-                  <a16:creationId xmlns:a16="http://schemas.microsoft.com/office/drawing/2014/main" xmlns="" id="{4441823F-E090-498C-AFB4-AC5EC478D76E}"/>
+                  <a16:creationId xmlns="" xmlns:a16="http://schemas.microsoft.com/office/drawing/2014/main" id="{4441823F-E090-498C-AFB4-AC5EC478D76E}"/>
                 </a:ext>
               </a:extLst>
             </p:cNvPr>
@@ -13459,7 +9844,7 @@
             <p:cNvPr id="35" name="椭圆 34">
               <a:extLst>
                 <a:ext uri="{FF2B5EF4-FFF2-40B4-BE49-F238E27FC236}">
-                  <a16:creationId xmlns:a16="http://schemas.microsoft.com/office/drawing/2014/main" xmlns="" id="{807F8F73-ACEE-40C9-BFD8-2B71BB8F6E1B}"/>
+                  <a16:creationId xmlns="" xmlns:a16="http://schemas.microsoft.com/office/drawing/2014/main" id="{807F8F73-ACEE-40C9-BFD8-2B71BB8F6E1B}"/>
                 </a:ext>
               </a:extLst>
             </p:cNvPr>
@@ -13505,7 +9890,7 @@
             <p:cNvPr id="36" name="椭圆 35">
               <a:extLst>
                 <a:ext uri="{FF2B5EF4-FFF2-40B4-BE49-F238E27FC236}">
-                  <a16:creationId xmlns:a16="http://schemas.microsoft.com/office/drawing/2014/main" xmlns="" id="{6973FFE3-621A-4DE7-8C14-179C83F924C8}"/>
+                  <a16:creationId xmlns="" xmlns:a16="http://schemas.microsoft.com/office/drawing/2014/main" id="{6973FFE3-621A-4DE7-8C14-179C83F924C8}"/>
                 </a:ext>
               </a:extLst>
             </p:cNvPr>
@@ -13551,7 +9936,7 @@
             <p:cNvPr id="37" name="椭圆 36">
               <a:extLst>
                 <a:ext uri="{FF2B5EF4-FFF2-40B4-BE49-F238E27FC236}">
-                  <a16:creationId xmlns:a16="http://schemas.microsoft.com/office/drawing/2014/main" xmlns="" id="{0090B160-AF6E-4755-ACE1-F7BB39BE824C}"/>
+                  <a16:creationId xmlns="" xmlns:a16="http://schemas.microsoft.com/office/drawing/2014/main" id="{0090B160-AF6E-4755-ACE1-F7BB39BE824C}"/>
                 </a:ext>
               </a:extLst>
             </p:cNvPr>
@@ -13597,7 +9982,7 @@
             <p:cNvPr id="38" name="椭圆 37">
               <a:extLst>
                 <a:ext uri="{FF2B5EF4-FFF2-40B4-BE49-F238E27FC236}">
-                  <a16:creationId xmlns:a16="http://schemas.microsoft.com/office/drawing/2014/main" xmlns="" id="{3F872140-1B73-4BFA-BBD1-95AA4C0F6CBF}"/>
+                  <a16:creationId xmlns="" xmlns:a16="http://schemas.microsoft.com/office/drawing/2014/main" id="{3F872140-1B73-4BFA-BBD1-95AA4C0F6CBF}"/>
                 </a:ext>
               </a:extLst>
             </p:cNvPr>
@@ -13643,7 +10028,7 @@
             <p:cNvPr id="39" name="椭圆 38">
               <a:extLst>
                 <a:ext uri="{FF2B5EF4-FFF2-40B4-BE49-F238E27FC236}">
-                  <a16:creationId xmlns:a16="http://schemas.microsoft.com/office/drawing/2014/main" xmlns="" id="{E967B2ED-D1C5-4467-9A3A-B07450F47F94}"/>
+                  <a16:creationId xmlns="" xmlns:a16="http://schemas.microsoft.com/office/drawing/2014/main" id="{E967B2ED-D1C5-4467-9A3A-B07450F47F94}"/>
                 </a:ext>
               </a:extLst>
             </p:cNvPr>
@@ -13689,7 +10074,7 @@
             <p:cNvPr id="2" name="文本框 1">
               <a:extLst>
                 <a:ext uri="{FF2B5EF4-FFF2-40B4-BE49-F238E27FC236}">
-                  <a16:creationId xmlns:a16="http://schemas.microsoft.com/office/drawing/2014/main" xmlns="" id="{B49DCA13-5CF2-484D-B2C3-EFE7EA8C26C0}"/>
+                  <a16:creationId xmlns="" xmlns:a16="http://schemas.microsoft.com/office/drawing/2014/main" id="{B49DCA13-5CF2-484D-B2C3-EFE7EA8C26C0}"/>
                 </a:ext>
               </a:extLst>
             </p:cNvPr>
@@ -13725,7 +10110,7 @@
             <p:cNvPr id="40" name="文本框 39">
               <a:extLst>
                 <a:ext uri="{FF2B5EF4-FFF2-40B4-BE49-F238E27FC236}">
-                  <a16:creationId xmlns:a16="http://schemas.microsoft.com/office/drawing/2014/main" xmlns="" id="{F1794106-401A-449B-953B-5EC21E2FD154}"/>
+                  <a16:creationId xmlns="" xmlns:a16="http://schemas.microsoft.com/office/drawing/2014/main" id="{F1794106-401A-449B-953B-5EC21E2FD154}"/>
                 </a:ext>
               </a:extLst>
             </p:cNvPr>
@@ -13761,7 +10146,7 @@
             <p:cNvPr id="3" name="任意多边形: 形状 2">
               <a:extLst>
                 <a:ext uri="{FF2B5EF4-FFF2-40B4-BE49-F238E27FC236}">
-                  <a16:creationId xmlns:a16="http://schemas.microsoft.com/office/drawing/2014/main" xmlns="" id="{FA3461FD-939F-4AD1-BBBE-AB9FDF57C386}"/>
+                  <a16:creationId xmlns="" xmlns:a16="http://schemas.microsoft.com/office/drawing/2014/main" id="{FA3461FD-939F-4AD1-BBBE-AB9FDF57C386}"/>
                 </a:ext>
               </a:extLst>
             </p:cNvPr>
@@ -13978,7 +10363,7 @@
           <p:cNvPr id="42" name="组合 41">
             <a:extLst>
               <a:ext uri="{FF2B5EF4-FFF2-40B4-BE49-F238E27FC236}">
-                <a16:creationId xmlns:a16="http://schemas.microsoft.com/office/drawing/2014/main" xmlns="" id="{E7ECDF04-7AFA-46CB-A5C5-09F014E11309}"/>
+                <a16:creationId xmlns="" xmlns:a16="http://schemas.microsoft.com/office/drawing/2014/main" id="{E7ECDF04-7AFA-46CB-A5C5-09F014E11309}"/>
               </a:ext>
             </a:extLst>
           </p:cNvPr>
@@ -13998,7 +10383,7 @@
             <p:cNvPr id="43" name="等腰三角形 42">
               <a:extLst>
                 <a:ext uri="{FF2B5EF4-FFF2-40B4-BE49-F238E27FC236}">
-                  <a16:creationId xmlns:a16="http://schemas.microsoft.com/office/drawing/2014/main" xmlns="" id="{5884A2E4-D020-438A-9660-3CD3AFB78312}"/>
+                  <a16:creationId xmlns="" xmlns:a16="http://schemas.microsoft.com/office/drawing/2014/main" id="{5884A2E4-D020-438A-9660-3CD3AFB78312}"/>
                 </a:ext>
               </a:extLst>
             </p:cNvPr>
@@ -14044,7 +10429,7 @@
             <p:cNvPr id="44" name="椭圆 43">
               <a:extLst>
                 <a:ext uri="{FF2B5EF4-FFF2-40B4-BE49-F238E27FC236}">
-                  <a16:creationId xmlns:a16="http://schemas.microsoft.com/office/drawing/2014/main" xmlns="" id="{5EE04C7E-89B1-4412-B498-440C0CCFE1A5}"/>
+                  <a16:creationId xmlns="" xmlns:a16="http://schemas.microsoft.com/office/drawing/2014/main" id="{5EE04C7E-89B1-4412-B498-440C0CCFE1A5}"/>
                 </a:ext>
               </a:extLst>
             </p:cNvPr>
@@ -14090,7 +10475,7 @@
             <p:cNvPr id="45" name="椭圆 44">
               <a:extLst>
                 <a:ext uri="{FF2B5EF4-FFF2-40B4-BE49-F238E27FC236}">
-                  <a16:creationId xmlns:a16="http://schemas.microsoft.com/office/drawing/2014/main" xmlns="" id="{409C4D94-9462-4F54-8BBD-DC15B68244DE}"/>
+                  <a16:creationId xmlns="" xmlns:a16="http://schemas.microsoft.com/office/drawing/2014/main" id="{409C4D94-9462-4F54-8BBD-DC15B68244DE}"/>
                 </a:ext>
               </a:extLst>
             </p:cNvPr>
@@ -14136,7 +10521,7 @@
             <p:cNvPr id="46" name="椭圆 45">
               <a:extLst>
                 <a:ext uri="{FF2B5EF4-FFF2-40B4-BE49-F238E27FC236}">
-                  <a16:creationId xmlns:a16="http://schemas.microsoft.com/office/drawing/2014/main" xmlns="" id="{E53A53F8-C5D9-4592-888E-5AC7CB9F75D8}"/>
+                  <a16:creationId xmlns="" xmlns:a16="http://schemas.microsoft.com/office/drawing/2014/main" id="{E53A53F8-C5D9-4592-888E-5AC7CB9F75D8}"/>
                 </a:ext>
               </a:extLst>
             </p:cNvPr>
@@ -14182,7 +10567,7 @@
             <p:cNvPr id="47" name="椭圆 46">
               <a:extLst>
                 <a:ext uri="{FF2B5EF4-FFF2-40B4-BE49-F238E27FC236}">
-                  <a16:creationId xmlns:a16="http://schemas.microsoft.com/office/drawing/2014/main" xmlns="" id="{46116626-649F-496A-8E98-5AF115E7C128}"/>
+                  <a16:creationId xmlns="" xmlns:a16="http://schemas.microsoft.com/office/drawing/2014/main" id="{46116626-649F-496A-8E98-5AF115E7C128}"/>
                 </a:ext>
               </a:extLst>
             </p:cNvPr>
@@ -14228,7 +10613,7 @@
             <p:cNvPr id="48" name="椭圆 47">
               <a:extLst>
                 <a:ext uri="{FF2B5EF4-FFF2-40B4-BE49-F238E27FC236}">
-                  <a16:creationId xmlns:a16="http://schemas.microsoft.com/office/drawing/2014/main" xmlns="" id="{AA395C10-F84C-428D-A3B9-0F8B1A22B5D5}"/>
+                  <a16:creationId xmlns="" xmlns:a16="http://schemas.microsoft.com/office/drawing/2014/main" id="{AA395C10-F84C-428D-A3B9-0F8B1A22B5D5}"/>
                 </a:ext>
               </a:extLst>
             </p:cNvPr>
@@ -14274,7 +10659,7 @@
             <p:cNvPr id="49" name="椭圆 48">
               <a:extLst>
                 <a:ext uri="{FF2B5EF4-FFF2-40B4-BE49-F238E27FC236}">
-                  <a16:creationId xmlns:a16="http://schemas.microsoft.com/office/drawing/2014/main" xmlns="" id="{1E459FE3-F9BA-4130-B888-92E154CC07D4}"/>
+                  <a16:creationId xmlns="" xmlns:a16="http://schemas.microsoft.com/office/drawing/2014/main" id="{1E459FE3-F9BA-4130-B888-92E154CC07D4}"/>
                 </a:ext>
               </a:extLst>
             </p:cNvPr>
@@ -14320,7 +10705,7 @@
             <p:cNvPr id="50" name="椭圆 49">
               <a:extLst>
                 <a:ext uri="{FF2B5EF4-FFF2-40B4-BE49-F238E27FC236}">
-                  <a16:creationId xmlns:a16="http://schemas.microsoft.com/office/drawing/2014/main" xmlns="" id="{3A11801C-AF24-44F2-9A84-9B07CA787824}"/>
+                  <a16:creationId xmlns="" xmlns:a16="http://schemas.microsoft.com/office/drawing/2014/main" id="{3A11801C-AF24-44F2-9A84-9B07CA787824}"/>
                 </a:ext>
               </a:extLst>
             </p:cNvPr>
@@ -14366,7 +10751,7 @@
             <p:cNvPr id="51" name="椭圆 50">
               <a:extLst>
                 <a:ext uri="{FF2B5EF4-FFF2-40B4-BE49-F238E27FC236}">
-                  <a16:creationId xmlns:a16="http://schemas.microsoft.com/office/drawing/2014/main" xmlns="" id="{376A1504-D2A0-48A0-9F29-C9DD87132311}"/>
+                  <a16:creationId xmlns="" xmlns:a16="http://schemas.microsoft.com/office/drawing/2014/main" id="{376A1504-D2A0-48A0-9F29-C9DD87132311}"/>
                 </a:ext>
               </a:extLst>
             </p:cNvPr>
@@ -14412,7 +10797,7 @@
             <p:cNvPr id="52" name="等腰三角形 51">
               <a:extLst>
                 <a:ext uri="{FF2B5EF4-FFF2-40B4-BE49-F238E27FC236}">
-                  <a16:creationId xmlns:a16="http://schemas.microsoft.com/office/drawing/2014/main" xmlns="" id="{AF8F6B6B-79F9-4029-9E5C-CA3DE960E066}"/>
+                  <a16:creationId xmlns="" xmlns:a16="http://schemas.microsoft.com/office/drawing/2014/main" id="{AF8F6B6B-79F9-4029-9E5C-CA3DE960E066}"/>
                 </a:ext>
               </a:extLst>
             </p:cNvPr>
@@ -14458,7 +10843,7 @@
             <p:cNvPr id="53" name="等腰三角形 52">
               <a:extLst>
                 <a:ext uri="{FF2B5EF4-FFF2-40B4-BE49-F238E27FC236}">
-                  <a16:creationId xmlns:a16="http://schemas.microsoft.com/office/drawing/2014/main" xmlns="" id="{A34A268C-CA88-4FD9-86C1-16A8D4A36134}"/>
+                  <a16:creationId xmlns="" xmlns:a16="http://schemas.microsoft.com/office/drawing/2014/main" id="{A34A268C-CA88-4FD9-86C1-16A8D4A36134}"/>
                 </a:ext>
               </a:extLst>
             </p:cNvPr>
@@ -14504,7 +10889,7 @@
             <p:cNvPr id="54" name="等腰三角形 53">
               <a:extLst>
                 <a:ext uri="{FF2B5EF4-FFF2-40B4-BE49-F238E27FC236}">
-                  <a16:creationId xmlns:a16="http://schemas.microsoft.com/office/drawing/2014/main" xmlns="" id="{20588189-5FFB-4C50-AE9A-F5E648E562CF}"/>
+                  <a16:creationId xmlns="" xmlns:a16="http://schemas.microsoft.com/office/drawing/2014/main" id="{20588189-5FFB-4C50-AE9A-F5E648E562CF}"/>
                 </a:ext>
               </a:extLst>
             </p:cNvPr>
@@ -14550,7 +10935,7 @@
             <p:cNvPr id="55" name="等腰三角形 54">
               <a:extLst>
                 <a:ext uri="{FF2B5EF4-FFF2-40B4-BE49-F238E27FC236}">
-                  <a16:creationId xmlns:a16="http://schemas.microsoft.com/office/drawing/2014/main" xmlns="" id="{48D6A7DE-194D-4687-855C-71B897F7E304}"/>
+                  <a16:creationId xmlns="" xmlns:a16="http://schemas.microsoft.com/office/drawing/2014/main" id="{48D6A7DE-194D-4687-855C-71B897F7E304}"/>
                 </a:ext>
               </a:extLst>
             </p:cNvPr>
@@ -14596,7 +10981,7 @@
             <p:cNvPr id="56" name="等腰三角形 55">
               <a:extLst>
                 <a:ext uri="{FF2B5EF4-FFF2-40B4-BE49-F238E27FC236}">
-                  <a16:creationId xmlns:a16="http://schemas.microsoft.com/office/drawing/2014/main" xmlns="" id="{F61B13E1-FA0B-403D-B5A3-E194AF582DF1}"/>
+                  <a16:creationId xmlns="" xmlns:a16="http://schemas.microsoft.com/office/drawing/2014/main" id="{F61B13E1-FA0B-403D-B5A3-E194AF582DF1}"/>
                 </a:ext>
               </a:extLst>
             </p:cNvPr>
@@ -14642,7 +11027,7 @@
             <p:cNvPr id="57" name="等腰三角形 56">
               <a:extLst>
                 <a:ext uri="{FF2B5EF4-FFF2-40B4-BE49-F238E27FC236}">
-                  <a16:creationId xmlns:a16="http://schemas.microsoft.com/office/drawing/2014/main" xmlns="" id="{9BD2CEC9-B564-4B47-A252-E36AEB662D82}"/>
+                  <a16:creationId xmlns="" xmlns:a16="http://schemas.microsoft.com/office/drawing/2014/main" id="{9BD2CEC9-B564-4B47-A252-E36AEB662D82}"/>
                 </a:ext>
               </a:extLst>
             </p:cNvPr>
@@ -14688,7 +11073,7 @@
             <p:cNvPr id="58" name="等腰三角形 57">
               <a:extLst>
                 <a:ext uri="{FF2B5EF4-FFF2-40B4-BE49-F238E27FC236}">
-                  <a16:creationId xmlns:a16="http://schemas.microsoft.com/office/drawing/2014/main" xmlns="" id="{6B16FFAB-D922-4B67-BD10-312CEE9992B5}"/>
+                  <a16:creationId xmlns="" xmlns:a16="http://schemas.microsoft.com/office/drawing/2014/main" id="{6B16FFAB-D922-4B67-BD10-312CEE9992B5}"/>
                 </a:ext>
               </a:extLst>
             </p:cNvPr>
@@ -14734,7 +11119,7 @@
             <p:cNvPr id="59" name="等腰三角形 58">
               <a:extLst>
                 <a:ext uri="{FF2B5EF4-FFF2-40B4-BE49-F238E27FC236}">
-                  <a16:creationId xmlns:a16="http://schemas.microsoft.com/office/drawing/2014/main" xmlns="" id="{AB20906C-0818-42B0-BB21-5744F3454A59}"/>
+                  <a16:creationId xmlns="" xmlns:a16="http://schemas.microsoft.com/office/drawing/2014/main" id="{AB20906C-0818-42B0-BB21-5744F3454A59}"/>
                 </a:ext>
               </a:extLst>
             </p:cNvPr>
@@ -14780,7 +11165,7 @@
             <p:cNvPr id="60" name="等腰三角形 59">
               <a:extLst>
                 <a:ext uri="{FF2B5EF4-FFF2-40B4-BE49-F238E27FC236}">
-                  <a16:creationId xmlns:a16="http://schemas.microsoft.com/office/drawing/2014/main" xmlns="" id="{3355EAAD-2C5A-4E0D-BBEE-C422CE2662CC}"/>
+                  <a16:creationId xmlns="" xmlns:a16="http://schemas.microsoft.com/office/drawing/2014/main" id="{3355EAAD-2C5A-4E0D-BBEE-C422CE2662CC}"/>
                 </a:ext>
               </a:extLst>
             </p:cNvPr>
@@ -14826,7 +11211,7 @@
             <p:cNvPr id="61" name="等腰三角形 60">
               <a:extLst>
                 <a:ext uri="{FF2B5EF4-FFF2-40B4-BE49-F238E27FC236}">
-                  <a16:creationId xmlns:a16="http://schemas.microsoft.com/office/drawing/2014/main" xmlns="" id="{233D6C49-3772-46FB-BF9B-057B88BE7548}"/>
+                  <a16:creationId xmlns="" xmlns:a16="http://schemas.microsoft.com/office/drawing/2014/main" id="{233D6C49-3772-46FB-BF9B-057B88BE7548}"/>
                 </a:ext>
               </a:extLst>
             </p:cNvPr>
@@ -14872,7 +11257,7 @@
             <p:cNvPr id="62" name="等腰三角形 61">
               <a:extLst>
                 <a:ext uri="{FF2B5EF4-FFF2-40B4-BE49-F238E27FC236}">
-                  <a16:creationId xmlns:a16="http://schemas.microsoft.com/office/drawing/2014/main" xmlns="" id="{E3663A61-6CBC-4308-9277-22166C284901}"/>
+                  <a16:creationId xmlns="" xmlns:a16="http://schemas.microsoft.com/office/drawing/2014/main" id="{E3663A61-6CBC-4308-9277-22166C284901}"/>
                 </a:ext>
               </a:extLst>
             </p:cNvPr>
@@ -14918,7 +11303,7 @@
             <p:cNvPr id="63" name="等腰三角形 62">
               <a:extLst>
                 <a:ext uri="{FF2B5EF4-FFF2-40B4-BE49-F238E27FC236}">
-                  <a16:creationId xmlns:a16="http://schemas.microsoft.com/office/drawing/2014/main" xmlns="" id="{EB253CA7-012F-4192-B344-FAC73ABC3CD4}"/>
+                  <a16:creationId xmlns="" xmlns:a16="http://schemas.microsoft.com/office/drawing/2014/main" id="{EB253CA7-012F-4192-B344-FAC73ABC3CD4}"/>
                 </a:ext>
               </a:extLst>
             </p:cNvPr>
@@ -14964,7 +11349,7 @@
             <p:cNvPr id="64" name="椭圆 63">
               <a:extLst>
                 <a:ext uri="{FF2B5EF4-FFF2-40B4-BE49-F238E27FC236}">
-                  <a16:creationId xmlns:a16="http://schemas.microsoft.com/office/drawing/2014/main" xmlns="" id="{C3BCEAE2-E494-455F-8153-BFD760603B29}"/>
+                  <a16:creationId xmlns="" xmlns:a16="http://schemas.microsoft.com/office/drawing/2014/main" id="{C3BCEAE2-E494-455F-8153-BFD760603B29}"/>
                 </a:ext>
               </a:extLst>
             </p:cNvPr>
@@ -15010,7 +11395,7 @@
             <p:cNvPr id="65" name="椭圆 64">
               <a:extLst>
                 <a:ext uri="{FF2B5EF4-FFF2-40B4-BE49-F238E27FC236}">
-                  <a16:creationId xmlns:a16="http://schemas.microsoft.com/office/drawing/2014/main" xmlns="" id="{0E3C836C-D302-4973-9BA8-5A5EC91A0356}"/>
+                  <a16:creationId xmlns="" xmlns:a16="http://schemas.microsoft.com/office/drawing/2014/main" id="{0E3C836C-D302-4973-9BA8-5A5EC91A0356}"/>
                 </a:ext>
               </a:extLst>
             </p:cNvPr>
@@ -15056,7 +11441,7 @@
             <p:cNvPr id="66" name="椭圆 65">
               <a:extLst>
                 <a:ext uri="{FF2B5EF4-FFF2-40B4-BE49-F238E27FC236}">
-                  <a16:creationId xmlns:a16="http://schemas.microsoft.com/office/drawing/2014/main" xmlns="" id="{CE909320-667B-4233-98BF-247B7ED88AAA}"/>
+                  <a16:creationId xmlns="" xmlns:a16="http://schemas.microsoft.com/office/drawing/2014/main" id="{CE909320-667B-4233-98BF-247B7ED88AAA}"/>
                 </a:ext>
               </a:extLst>
             </p:cNvPr>
@@ -15102,7 +11487,7 @@
             <p:cNvPr id="67" name="椭圆 66">
               <a:extLst>
                 <a:ext uri="{FF2B5EF4-FFF2-40B4-BE49-F238E27FC236}">
-                  <a16:creationId xmlns:a16="http://schemas.microsoft.com/office/drawing/2014/main" xmlns="" id="{FF1DB2F1-AA16-4123-B545-85F0213DD086}"/>
+                  <a16:creationId xmlns="" xmlns:a16="http://schemas.microsoft.com/office/drawing/2014/main" id="{FF1DB2F1-AA16-4123-B545-85F0213DD086}"/>
                 </a:ext>
               </a:extLst>
             </p:cNvPr>
@@ -15148,7 +11533,7 @@
             <p:cNvPr id="68" name="椭圆 67">
               <a:extLst>
                 <a:ext uri="{FF2B5EF4-FFF2-40B4-BE49-F238E27FC236}">
-                  <a16:creationId xmlns:a16="http://schemas.microsoft.com/office/drawing/2014/main" xmlns="" id="{1DC99147-F9AD-4185-B0CC-AA8661F4E1F0}"/>
+                  <a16:creationId xmlns="" xmlns:a16="http://schemas.microsoft.com/office/drawing/2014/main" id="{1DC99147-F9AD-4185-B0CC-AA8661F4E1F0}"/>
                 </a:ext>
               </a:extLst>
             </p:cNvPr>
@@ -15194,7 +11579,7 @@
             <p:cNvPr id="69" name="椭圆 68">
               <a:extLst>
                 <a:ext uri="{FF2B5EF4-FFF2-40B4-BE49-F238E27FC236}">
-                  <a16:creationId xmlns:a16="http://schemas.microsoft.com/office/drawing/2014/main" xmlns="" id="{264D26B5-8D4E-4D90-BAA7-DC41ABB5EF4E}"/>
+                  <a16:creationId xmlns="" xmlns:a16="http://schemas.microsoft.com/office/drawing/2014/main" id="{264D26B5-8D4E-4D90-BAA7-DC41ABB5EF4E}"/>
                 </a:ext>
               </a:extLst>
             </p:cNvPr>
@@ -15240,7 +11625,7 @@
             <p:cNvPr id="70" name="椭圆 69">
               <a:extLst>
                 <a:ext uri="{FF2B5EF4-FFF2-40B4-BE49-F238E27FC236}">
-                  <a16:creationId xmlns:a16="http://schemas.microsoft.com/office/drawing/2014/main" xmlns="" id="{89534499-DEE7-449E-AFC2-9F22D1BD6756}"/>
+                  <a16:creationId xmlns="" xmlns:a16="http://schemas.microsoft.com/office/drawing/2014/main" id="{89534499-DEE7-449E-AFC2-9F22D1BD6756}"/>
                 </a:ext>
               </a:extLst>
             </p:cNvPr>
@@ -15286,7 +11671,7 @@
             <p:cNvPr id="71" name="文本框 70">
               <a:extLst>
                 <a:ext uri="{FF2B5EF4-FFF2-40B4-BE49-F238E27FC236}">
-                  <a16:creationId xmlns:a16="http://schemas.microsoft.com/office/drawing/2014/main" xmlns="" id="{4E18AB10-2C9B-4C2C-949A-593A556A49A2}"/>
+                  <a16:creationId xmlns="" xmlns:a16="http://schemas.microsoft.com/office/drawing/2014/main" id="{4E18AB10-2C9B-4C2C-949A-593A556A49A2}"/>
                 </a:ext>
               </a:extLst>
             </p:cNvPr>
@@ -15322,7 +11707,7 @@
             <p:cNvPr id="72" name="文本框 71">
               <a:extLst>
                 <a:ext uri="{FF2B5EF4-FFF2-40B4-BE49-F238E27FC236}">
-                  <a16:creationId xmlns:a16="http://schemas.microsoft.com/office/drawing/2014/main" xmlns="" id="{EF889F4C-FB52-42E7-B858-F009CBF0D754}"/>
+                  <a16:creationId xmlns="" xmlns:a16="http://schemas.microsoft.com/office/drawing/2014/main" id="{EF889F4C-FB52-42E7-B858-F009CBF0D754}"/>
                 </a:ext>
               </a:extLst>
             </p:cNvPr>
@@ -15359,7 +11744,7 @@
           <p:cNvPr id="74" name="直接连接符 73">
             <a:extLst>
               <a:ext uri="{FF2B5EF4-FFF2-40B4-BE49-F238E27FC236}">
-                <a16:creationId xmlns:a16="http://schemas.microsoft.com/office/drawing/2014/main" xmlns="" id="{9B7FB880-3323-465B-BF62-CD9E521F9991}"/>
+                <a16:creationId xmlns="" xmlns:a16="http://schemas.microsoft.com/office/drawing/2014/main" id="{9B7FB880-3323-465B-BF62-CD9E521F9991}"/>
               </a:ext>
             </a:extLst>
           </p:cNvPr>
@@ -15398,7 +11783,7 @@
           <p:cNvPr id="76" name="文本框 75">
             <a:extLst>
               <a:ext uri="{FF2B5EF4-FFF2-40B4-BE49-F238E27FC236}">
-                <a16:creationId xmlns:a16="http://schemas.microsoft.com/office/drawing/2014/main" xmlns="" id="{25DD4F98-B415-4319-83EE-58D50FA9E3B1}"/>
+                <a16:creationId xmlns="" xmlns:a16="http://schemas.microsoft.com/office/drawing/2014/main" id="{25DD4F98-B415-4319-83EE-58D50FA9E3B1}"/>
               </a:ext>
             </a:extLst>
           </p:cNvPr>
@@ -15433,7 +11818,7 @@
           <p:cNvPr id="77" name="文本框 76">
             <a:extLst>
               <a:ext uri="{FF2B5EF4-FFF2-40B4-BE49-F238E27FC236}">
-                <a16:creationId xmlns:a16="http://schemas.microsoft.com/office/drawing/2014/main" xmlns="" id="{64148171-11E2-47CA-9C19-B47BC3F644AC}"/>
+                <a16:creationId xmlns="" xmlns:a16="http://schemas.microsoft.com/office/drawing/2014/main" id="{64148171-11E2-47CA-9C19-B47BC3F644AC}"/>
               </a:ext>
             </a:extLst>
           </p:cNvPr>
@@ -15476,7 +11861,7 @@
 </p:sld>
 </file>
 
-<file path=ppt/slides/slide9.xml><?xml version="1.0" encoding="utf-8"?>
+<file path=ppt/slides/slide7.xml><?xml version="1.0" encoding="utf-8"?>
 <p:sld xmlns:a="http://schemas.openxmlformats.org/drawingml/2006/main" xmlns:r="http://schemas.openxmlformats.org/officeDocument/2006/relationships" xmlns:p="http://schemas.openxmlformats.org/presentationml/2006/main">
   <p:cSld>
     <p:spTree>
@@ -15498,7 +11883,7 @@
           <p:cNvPr id="5" name="直接箭头连接符 4">
             <a:extLst>
               <a:ext uri="{FF2B5EF4-FFF2-40B4-BE49-F238E27FC236}">
-                <a16:creationId xmlns:a16="http://schemas.microsoft.com/office/drawing/2014/main" xmlns="" id="{CF87784B-6DD4-4CD9-AB67-17CF52C26062}"/>
+                <a16:creationId xmlns="" xmlns:a16="http://schemas.microsoft.com/office/drawing/2014/main" id="{CF87784B-6DD4-4CD9-AB67-17CF52C26062}"/>
               </a:ext>
             </a:extLst>
           </p:cNvPr>
@@ -15540,7 +11925,7 @@
           <p:cNvPr id="7" name="直接箭头连接符 6">
             <a:extLst>
               <a:ext uri="{FF2B5EF4-FFF2-40B4-BE49-F238E27FC236}">
-                <a16:creationId xmlns:a16="http://schemas.microsoft.com/office/drawing/2014/main" xmlns="" id="{64BDC52C-2E2C-4B7A-9133-BE9BF6154D94}"/>
+                <a16:creationId xmlns="" xmlns:a16="http://schemas.microsoft.com/office/drawing/2014/main" id="{64BDC52C-2E2C-4B7A-9133-BE9BF6154D94}"/>
               </a:ext>
             </a:extLst>
           </p:cNvPr>
@@ -15582,7 +11967,7 @@
           <p:cNvPr id="8" name="文本框 7">
             <a:extLst>
               <a:ext uri="{FF2B5EF4-FFF2-40B4-BE49-F238E27FC236}">
-                <a16:creationId xmlns:a16="http://schemas.microsoft.com/office/drawing/2014/main" xmlns="" id="{5F365840-8919-4AA7-A5FF-37E080AC27C6}"/>
+                <a16:creationId xmlns="" xmlns:a16="http://schemas.microsoft.com/office/drawing/2014/main" id="{5F365840-8919-4AA7-A5FF-37E080AC27C6}"/>
               </a:ext>
             </a:extLst>
           </p:cNvPr>
@@ -15618,7 +12003,7 @@
           <p:cNvPr id="9" name="文本框 8">
             <a:extLst>
               <a:ext uri="{FF2B5EF4-FFF2-40B4-BE49-F238E27FC236}">
-                <a16:creationId xmlns:a16="http://schemas.microsoft.com/office/drawing/2014/main" xmlns="" id="{40A335D0-6BCE-47CC-8617-669B8870D602}"/>
+                <a16:creationId xmlns="" xmlns:a16="http://schemas.microsoft.com/office/drawing/2014/main" id="{40A335D0-6BCE-47CC-8617-669B8870D602}"/>
               </a:ext>
             </a:extLst>
           </p:cNvPr>
@@ -15653,7 +12038,7 @@
           <p:cNvPr id="11" name="任意多边形: 形状 10">
             <a:extLst>
               <a:ext uri="{FF2B5EF4-FFF2-40B4-BE49-F238E27FC236}">
-                <a16:creationId xmlns:a16="http://schemas.microsoft.com/office/drawing/2014/main" xmlns="" id="{6AB9F89B-2415-490D-A661-9C173C588A80}"/>
+                <a16:creationId xmlns="" xmlns:a16="http://schemas.microsoft.com/office/drawing/2014/main" id="{6AB9F89B-2415-490D-A661-9C173C588A80}"/>
               </a:ext>
             </a:extLst>
           </p:cNvPr>
@@ -15759,7 +12144,7 @@
           <p:cNvPr id="18" name="任意多边形: 形状 17">
             <a:extLst>
               <a:ext uri="{FF2B5EF4-FFF2-40B4-BE49-F238E27FC236}">
-                <a16:creationId xmlns:a16="http://schemas.microsoft.com/office/drawing/2014/main" xmlns="" id="{C13D2AEE-2C3B-497B-82FE-5EAEDD0D3E29}"/>
+                <a16:creationId xmlns="" xmlns:a16="http://schemas.microsoft.com/office/drawing/2014/main" id="{C13D2AEE-2C3B-497B-82FE-5EAEDD0D3E29}"/>
               </a:ext>
             </a:extLst>
           </p:cNvPr>
@@ -15847,7 +12232,7 @@
           <p:cNvPr id="20" name="直接连接符 19">
             <a:extLst>
               <a:ext uri="{FF2B5EF4-FFF2-40B4-BE49-F238E27FC236}">
-                <a16:creationId xmlns:a16="http://schemas.microsoft.com/office/drawing/2014/main" xmlns="" id="{76AFC50A-D0BF-47EC-B16C-8189605E756A}"/>
+                <a16:creationId xmlns="" xmlns:a16="http://schemas.microsoft.com/office/drawing/2014/main" id="{76AFC50A-D0BF-47EC-B16C-8189605E756A}"/>
               </a:ext>
             </a:extLst>
           </p:cNvPr>
@@ -15888,7 +12273,7 @@
           <p:cNvPr id="24" name="文本框 23">
             <a:extLst>
               <a:ext uri="{FF2B5EF4-FFF2-40B4-BE49-F238E27FC236}">
-                <a16:creationId xmlns:a16="http://schemas.microsoft.com/office/drawing/2014/main" xmlns="" id="{D1AF7B77-942D-4F17-A6D3-F911C60B71EC}"/>
+                <a16:creationId xmlns="" xmlns:a16="http://schemas.microsoft.com/office/drawing/2014/main" id="{D1AF7B77-942D-4F17-A6D3-F911C60B71EC}"/>
               </a:ext>
             </a:extLst>
           </p:cNvPr>
@@ -15924,7 +12309,7 @@
           <p:cNvPr id="27" name="直接连接符 26">
             <a:extLst>
               <a:ext uri="{FF2B5EF4-FFF2-40B4-BE49-F238E27FC236}">
-                <a16:creationId xmlns:a16="http://schemas.microsoft.com/office/drawing/2014/main" xmlns="" id="{14CD1512-A7B2-4CB0-AD5F-80AB7DA2C911}"/>
+                <a16:creationId xmlns="" xmlns:a16="http://schemas.microsoft.com/office/drawing/2014/main" id="{14CD1512-A7B2-4CB0-AD5F-80AB7DA2C911}"/>
               </a:ext>
             </a:extLst>
           </p:cNvPr>
@@ -15965,7 +12350,7 @@
           <p:cNvPr id="32" name="文本框 31">
             <a:extLst>
               <a:ext uri="{FF2B5EF4-FFF2-40B4-BE49-F238E27FC236}">
-                <a16:creationId xmlns:a16="http://schemas.microsoft.com/office/drawing/2014/main" xmlns="" id="{CA6513BC-3290-46BE-8713-DA1515390645}"/>
+                <a16:creationId xmlns="" xmlns:a16="http://schemas.microsoft.com/office/drawing/2014/main" id="{CA6513BC-3290-46BE-8713-DA1515390645}"/>
               </a:ext>
             </a:extLst>
           </p:cNvPr>
@@ -16000,7 +12385,7 @@
           <p:cNvPr id="33" name="文本框 32">
             <a:extLst>
               <a:ext uri="{FF2B5EF4-FFF2-40B4-BE49-F238E27FC236}">
-                <a16:creationId xmlns:a16="http://schemas.microsoft.com/office/drawing/2014/main" xmlns="" id="{E9EE1475-9836-4305-8033-AD7F1465BF43}"/>
+                <a16:creationId xmlns="" xmlns:a16="http://schemas.microsoft.com/office/drawing/2014/main" id="{E9EE1475-9836-4305-8033-AD7F1465BF43}"/>
               </a:ext>
             </a:extLst>
           </p:cNvPr>
@@ -16035,7 +12420,7 @@
           <p:cNvPr id="34" name="文本框 33">
             <a:extLst>
               <a:ext uri="{FF2B5EF4-FFF2-40B4-BE49-F238E27FC236}">
-                <a16:creationId xmlns:a16="http://schemas.microsoft.com/office/drawing/2014/main" xmlns="" id="{89E5A14B-5717-4130-800C-94B0BF72C93D}"/>
+                <a16:creationId xmlns="" xmlns:a16="http://schemas.microsoft.com/office/drawing/2014/main" id="{89E5A14B-5717-4130-800C-94B0BF72C93D}"/>
               </a:ext>
             </a:extLst>
           </p:cNvPr>
@@ -16103,6 +12488,1910 @@
     <p:extLst>
       <p:ext uri="{BB962C8B-B14F-4D97-AF65-F5344CB8AC3E}">
         <p14:creationId xmlns:p14="http://schemas.microsoft.com/office/powerpoint/2010/main" val="1518649940"/>
+      </p:ext>
+    </p:extLst>
+  </p:cSld>
+  <p:clrMapOvr>
+    <a:masterClrMapping/>
+  </p:clrMapOvr>
+</p:sld>
+</file>
+
+<file path=ppt/slides/slide8.xml><?xml version="1.0" encoding="utf-8"?>
+<p:sld xmlns:a="http://schemas.openxmlformats.org/drawingml/2006/main" xmlns:r="http://schemas.openxmlformats.org/officeDocument/2006/relationships" xmlns:p="http://schemas.openxmlformats.org/presentationml/2006/main">
+  <p:cSld>
+    <p:spTree>
+      <p:nvGrpSpPr>
+        <p:cNvPr id="1" name=""/>
+        <p:cNvGrpSpPr/>
+        <p:nvPr/>
+      </p:nvGrpSpPr>
+      <p:grpSpPr>
+        <a:xfrm>
+          <a:off x="0" y="0"/>
+          <a:ext cx="0" cy="0"/>
+          <a:chOff x="0" y="0"/>
+          <a:chExt cx="0" cy="0"/>
+        </a:xfrm>
+      </p:grpSpPr>
+      <p:sp>
+        <p:nvSpPr>
+          <p:cNvPr id="5" name="椭圆 4">
+            <a:extLst>
+              <a:ext uri="{FF2B5EF4-FFF2-40B4-BE49-F238E27FC236}">
+                <a16:creationId xmlns="" xmlns:a16="http://schemas.microsoft.com/office/drawing/2014/main" id="{6D563A67-55FF-4B83-AD47-DB8C495B267F}"/>
+              </a:ext>
+            </a:extLst>
+          </p:cNvPr>
+          <p:cNvSpPr/>
+          <p:nvPr/>
+        </p:nvSpPr>
+        <p:spPr>
+          <a:xfrm>
+            <a:off x="8769748" y="2552700"/>
+            <a:ext cx="355600" cy="355600"/>
+          </a:xfrm>
+          <a:prstGeom prst="ellipse">
+            <a:avLst/>
+          </a:prstGeom>
+        </p:spPr>
+        <p:style>
+          <a:lnRef idx="2">
+            <a:schemeClr val="accent1">
+              <a:shade val="50000"/>
+            </a:schemeClr>
+          </a:lnRef>
+          <a:fillRef idx="1">
+            <a:schemeClr val="accent1"/>
+          </a:fillRef>
+          <a:effectRef idx="0">
+            <a:schemeClr val="accent1"/>
+          </a:effectRef>
+          <a:fontRef idx="minor">
+            <a:schemeClr val="lt1"/>
+          </a:fontRef>
+        </p:style>
+        <p:txBody>
+          <a:bodyPr rtlCol="0" anchor="ctr"/>
+          <a:lstStyle/>
+          <a:p>
+            <a:pPr algn="ctr"/>
+            <a:endParaRPr lang="zh-CN" altLang="en-US"/>
+          </a:p>
+        </p:txBody>
+      </p:sp>
+      <p:sp>
+        <p:nvSpPr>
+          <p:cNvPr id="48" name="椭圆 47">
+            <a:extLst>
+              <a:ext uri="{FF2B5EF4-FFF2-40B4-BE49-F238E27FC236}">
+                <a16:creationId xmlns="" xmlns:a16="http://schemas.microsoft.com/office/drawing/2014/main" id="{5D1312F6-1401-49ED-A89F-3CA7EB891CAB}"/>
+              </a:ext>
+            </a:extLst>
+          </p:cNvPr>
+          <p:cNvSpPr/>
+          <p:nvPr/>
+        </p:nvSpPr>
+        <p:spPr>
+          <a:xfrm>
+            <a:off x="7757317" y="1130300"/>
+            <a:ext cx="355600" cy="355600"/>
+          </a:xfrm>
+          <a:prstGeom prst="ellipse">
+            <a:avLst/>
+          </a:prstGeom>
+        </p:spPr>
+        <p:style>
+          <a:lnRef idx="2">
+            <a:schemeClr val="accent1">
+              <a:shade val="50000"/>
+            </a:schemeClr>
+          </a:lnRef>
+          <a:fillRef idx="1">
+            <a:schemeClr val="accent1"/>
+          </a:fillRef>
+          <a:effectRef idx="0">
+            <a:schemeClr val="accent1"/>
+          </a:effectRef>
+          <a:fontRef idx="minor">
+            <a:schemeClr val="lt1"/>
+          </a:fontRef>
+        </p:style>
+        <p:txBody>
+          <a:bodyPr rtlCol="0" anchor="ctr"/>
+          <a:lstStyle/>
+          <a:p>
+            <a:pPr algn="ctr"/>
+            <a:endParaRPr lang="zh-CN" altLang="en-US"/>
+          </a:p>
+        </p:txBody>
+      </p:sp>
+      <p:sp>
+        <p:nvSpPr>
+          <p:cNvPr id="49" name="椭圆 48">
+            <a:extLst>
+              <a:ext uri="{FF2B5EF4-FFF2-40B4-BE49-F238E27FC236}">
+                <a16:creationId xmlns="" xmlns:a16="http://schemas.microsoft.com/office/drawing/2014/main" id="{F1B7D461-B690-429D-86EF-5AF2EEA6D0C9}"/>
+              </a:ext>
+            </a:extLst>
+          </p:cNvPr>
+          <p:cNvSpPr/>
+          <p:nvPr/>
+        </p:nvSpPr>
+        <p:spPr>
+          <a:xfrm>
+            <a:off x="6694488" y="2730500"/>
+            <a:ext cx="355600" cy="355600"/>
+          </a:xfrm>
+          <a:prstGeom prst="ellipse">
+            <a:avLst/>
+          </a:prstGeom>
+        </p:spPr>
+        <p:style>
+          <a:lnRef idx="2">
+            <a:schemeClr val="accent1">
+              <a:shade val="50000"/>
+            </a:schemeClr>
+          </a:lnRef>
+          <a:fillRef idx="1">
+            <a:schemeClr val="accent1"/>
+          </a:fillRef>
+          <a:effectRef idx="0">
+            <a:schemeClr val="accent1"/>
+          </a:effectRef>
+          <a:fontRef idx="minor">
+            <a:schemeClr val="lt1"/>
+          </a:fontRef>
+        </p:style>
+        <p:txBody>
+          <a:bodyPr rtlCol="0" anchor="ctr"/>
+          <a:lstStyle/>
+          <a:p>
+            <a:pPr algn="ctr"/>
+            <a:endParaRPr lang="zh-CN" altLang="en-US"/>
+          </a:p>
+        </p:txBody>
+      </p:sp>
+      <p:sp>
+        <p:nvSpPr>
+          <p:cNvPr id="50" name="椭圆 49">
+            <a:extLst>
+              <a:ext uri="{FF2B5EF4-FFF2-40B4-BE49-F238E27FC236}">
+                <a16:creationId xmlns="" xmlns:a16="http://schemas.microsoft.com/office/drawing/2014/main" id="{C7F30812-854E-4246-8972-481EBEF5D227}"/>
+              </a:ext>
+            </a:extLst>
+          </p:cNvPr>
+          <p:cNvSpPr/>
+          <p:nvPr/>
+        </p:nvSpPr>
+        <p:spPr>
+          <a:xfrm>
+            <a:off x="2951164" y="4305300"/>
+            <a:ext cx="355600" cy="355600"/>
+          </a:xfrm>
+          <a:prstGeom prst="ellipse">
+            <a:avLst/>
+          </a:prstGeom>
+        </p:spPr>
+        <p:style>
+          <a:lnRef idx="2">
+            <a:schemeClr val="accent1">
+              <a:shade val="50000"/>
+            </a:schemeClr>
+          </a:lnRef>
+          <a:fillRef idx="1">
+            <a:schemeClr val="accent1"/>
+          </a:fillRef>
+          <a:effectRef idx="0">
+            <a:schemeClr val="accent1"/>
+          </a:effectRef>
+          <a:fontRef idx="minor">
+            <a:schemeClr val="lt1"/>
+          </a:fontRef>
+        </p:style>
+        <p:txBody>
+          <a:bodyPr rtlCol="0" anchor="ctr"/>
+          <a:lstStyle/>
+          <a:p>
+            <a:pPr algn="ctr"/>
+            <a:endParaRPr lang="zh-CN" altLang="en-US"/>
+          </a:p>
+        </p:txBody>
+      </p:sp>
+      <p:sp>
+        <p:nvSpPr>
+          <p:cNvPr id="51" name="椭圆 50">
+            <a:extLst>
+              <a:ext uri="{FF2B5EF4-FFF2-40B4-BE49-F238E27FC236}">
+                <a16:creationId xmlns="" xmlns:a16="http://schemas.microsoft.com/office/drawing/2014/main" id="{98FF0612-B314-48F1-88DC-82B3775DDE07}"/>
+              </a:ext>
+            </a:extLst>
+          </p:cNvPr>
+          <p:cNvSpPr/>
+          <p:nvPr/>
+        </p:nvSpPr>
+        <p:spPr>
+          <a:xfrm>
+            <a:off x="4295776" y="2006600"/>
+            <a:ext cx="355600" cy="355600"/>
+          </a:xfrm>
+          <a:prstGeom prst="ellipse">
+            <a:avLst/>
+          </a:prstGeom>
+        </p:spPr>
+        <p:style>
+          <a:lnRef idx="2">
+            <a:schemeClr val="accent1">
+              <a:shade val="50000"/>
+            </a:schemeClr>
+          </a:lnRef>
+          <a:fillRef idx="1">
+            <a:schemeClr val="accent1"/>
+          </a:fillRef>
+          <a:effectRef idx="0">
+            <a:schemeClr val="accent1"/>
+          </a:effectRef>
+          <a:fontRef idx="minor">
+            <a:schemeClr val="lt1"/>
+          </a:fontRef>
+        </p:style>
+        <p:txBody>
+          <a:bodyPr rtlCol="0" anchor="ctr"/>
+          <a:lstStyle/>
+          <a:p>
+            <a:pPr algn="ctr"/>
+            <a:endParaRPr lang="zh-CN" altLang="en-US"/>
+          </a:p>
+        </p:txBody>
+      </p:sp>
+      <p:sp>
+        <p:nvSpPr>
+          <p:cNvPr id="52" name="椭圆 51">
+            <a:extLst>
+              <a:ext uri="{FF2B5EF4-FFF2-40B4-BE49-F238E27FC236}">
+                <a16:creationId xmlns="" xmlns:a16="http://schemas.microsoft.com/office/drawing/2014/main" id="{639741A7-76EE-450E-B306-A2E01A140120}"/>
+              </a:ext>
+            </a:extLst>
+          </p:cNvPr>
+          <p:cNvSpPr/>
+          <p:nvPr/>
+        </p:nvSpPr>
+        <p:spPr>
+          <a:xfrm>
+            <a:off x="2046891" y="2406650"/>
+            <a:ext cx="355600" cy="355600"/>
+          </a:xfrm>
+          <a:prstGeom prst="ellipse">
+            <a:avLst/>
+          </a:prstGeom>
+        </p:spPr>
+        <p:style>
+          <a:lnRef idx="2">
+            <a:schemeClr val="accent1">
+              <a:shade val="50000"/>
+            </a:schemeClr>
+          </a:lnRef>
+          <a:fillRef idx="1">
+            <a:schemeClr val="accent1"/>
+          </a:fillRef>
+          <a:effectRef idx="0">
+            <a:schemeClr val="accent1"/>
+          </a:effectRef>
+          <a:fontRef idx="minor">
+            <a:schemeClr val="lt1"/>
+          </a:fontRef>
+        </p:style>
+        <p:txBody>
+          <a:bodyPr rtlCol="0" anchor="ctr"/>
+          <a:lstStyle/>
+          <a:p>
+            <a:pPr algn="ctr"/>
+            <a:endParaRPr lang="zh-CN" altLang="en-US"/>
+          </a:p>
+        </p:txBody>
+      </p:sp>
+      <p:sp>
+        <p:nvSpPr>
+          <p:cNvPr id="53" name="椭圆 52">
+            <a:extLst>
+              <a:ext uri="{FF2B5EF4-FFF2-40B4-BE49-F238E27FC236}">
+                <a16:creationId xmlns="" xmlns:a16="http://schemas.microsoft.com/office/drawing/2014/main" id="{FE0AF472-517E-4A1C-BDD6-EFB51F04B6E1}"/>
+              </a:ext>
+            </a:extLst>
+          </p:cNvPr>
+          <p:cNvSpPr/>
+          <p:nvPr/>
+        </p:nvSpPr>
+        <p:spPr>
+          <a:xfrm>
+            <a:off x="5194300" y="5648127"/>
+            <a:ext cx="355600" cy="355600"/>
+          </a:xfrm>
+          <a:prstGeom prst="ellipse">
+            <a:avLst/>
+          </a:prstGeom>
+        </p:spPr>
+        <p:style>
+          <a:lnRef idx="2">
+            <a:schemeClr val="accent1">
+              <a:shade val="50000"/>
+            </a:schemeClr>
+          </a:lnRef>
+          <a:fillRef idx="1">
+            <a:schemeClr val="accent1"/>
+          </a:fillRef>
+          <a:effectRef idx="0">
+            <a:schemeClr val="accent1"/>
+          </a:effectRef>
+          <a:fontRef idx="minor">
+            <a:schemeClr val="lt1"/>
+          </a:fontRef>
+        </p:style>
+        <p:txBody>
+          <a:bodyPr rtlCol="0" anchor="ctr"/>
+          <a:lstStyle/>
+          <a:p>
+            <a:pPr algn="ctr"/>
+            <a:endParaRPr lang="zh-CN" altLang="en-US"/>
+          </a:p>
+        </p:txBody>
+      </p:sp>
+      <p:sp>
+        <p:nvSpPr>
+          <p:cNvPr id="54" name="椭圆 53">
+            <a:extLst>
+              <a:ext uri="{FF2B5EF4-FFF2-40B4-BE49-F238E27FC236}">
+                <a16:creationId xmlns="" xmlns:a16="http://schemas.microsoft.com/office/drawing/2014/main" id="{94F5CC4A-C2F2-46DA-AA12-ECB311B1AD9F}"/>
+              </a:ext>
+            </a:extLst>
+          </p:cNvPr>
+          <p:cNvSpPr/>
+          <p:nvPr/>
+        </p:nvSpPr>
+        <p:spPr>
+          <a:xfrm>
+            <a:off x="8305800" y="4305300"/>
+            <a:ext cx="355600" cy="355600"/>
+          </a:xfrm>
+          <a:prstGeom prst="ellipse">
+            <a:avLst/>
+          </a:prstGeom>
+        </p:spPr>
+        <p:style>
+          <a:lnRef idx="2">
+            <a:schemeClr val="accent1">
+              <a:shade val="50000"/>
+            </a:schemeClr>
+          </a:lnRef>
+          <a:fillRef idx="1">
+            <a:schemeClr val="accent1"/>
+          </a:fillRef>
+          <a:effectRef idx="0">
+            <a:schemeClr val="accent1"/>
+          </a:effectRef>
+          <a:fontRef idx="minor">
+            <a:schemeClr val="lt1"/>
+          </a:fontRef>
+        </p:style>
+        <p:txBody>
+          <a:bodyPr rtlCol="0" anchor="ctr"/>
+          <a:lstStyle/>
+          <a:p>
+            <a:pPr algn="ctr"/>
+            <a:endParaRPr lang="zh-CN" altLang="en-US"/>
+          </a:p>
+        </p:txBody>
+      </p:sp>
+      <p:sp>
+        <p:nvSpPr>
+          <p:cNvPr id="55" name="椭圆 54">
+            <a:extLst>
+              <a:ext uri="{FF2B5EF4-FFF2-40B4-BE49-F238E27FC236}">
+                <a16:creationId xmlns="" xmlns:a16="http://schemas.microsoft.com/office/drawing/2014/main" id="{B2E873B7-7FA4-4A10-BE23-F9412761AF91}"/>
+              </a:ext>
+            </a:extLst>
+          </p:cNvPr>
+          <p:cNvSpPr/>
+          <p:nvPr/>
+        </p:nvSpPr>
+        <p:spPr>
+          <a:xfrm>
+            <a:off x="2706688" y="5575300"/>
+            <a:ext cx="355600" cy="355600"/>
+          </a:xfrm>
+          <a:prstGeom prst="ellipse">
+            <a:avLst/>
+          </a:prstGeom>
+        </p:spPr>
+        <p:style>
+          <a:lnRef idx="2">
+            <a:schemeClr val="accent1">
+              <a:shade val="50000"/>
+            </a:schemeClr>
+          </a:lnRef>
+          <a:fillRef idx="1">
+            <a:schemeClr val="accent1"/>
+          </a:fillRef>
+          <a:effectRef idx="0">
+            <a:schemeClr val="accent1"/>
+          </a:effectRef>
+          <a:fontRef idx="minor">
+            <a:schemeClr val="lt1"/>
+          </a:fontRef>
+        </p:style>
+        <p:txBody>
+          <a:bodyPr rtlCol="0" anchor="ctr"/>
+          <a:lstStyle/>
+          <a:p>
+            <a:pPr algn="ctr"/>
+            <a:endParaRPr lang="zh-CN" altLang="en-US"/>
+          </a:p>
+        </p:txBody>
+      </p:sp>
+      <p:sp>
+        <p:nvSpPr>
+          <p:cNvPr id="56" name="椭圆 55">
+            <a:extLst>
+              <a:ext uri="{FF2B5EF4-FFF2-40B4-BE49-F238E27FC236}">
+                <a16:creationId xmlns="" xmlns:a16="http://schemas.microsoft.com/office/drawing/2014/main" id="{8C4D8C7A-889B-4465-B836-D9535D49B002}"/>
+              </a:ext>
+            </a:extLst>
+          </p:cNvPr>
+          <p:cNvSpPr/>
+          <p:nvPr/>
+        </p:nvSpPr>
+        <p:spPr>
+          <a:xfrm>
+            <a:off x="9918700" y="1917700"/>
+            <a:ext cx="355600" cy="355600"/>
+          </a:xfrm>
+          <a:prstGeom prst="ellipse">
+            <a:avLst/>
+          </a:prstGeom>
+        </p:spPr>
+        <p:style>
+          <a:lnRef idx="2">
+            <a:schemeClr val="accent1">
+              <a:shade val="50000"/>
+            </a:schemeClr>
+          </a:lnRef>
+          <a:fillRef idx="1">
+            <a:schemeClr val="accent1"/>
+          </a:fillRef>
+          <a:effectRef idx="0">
+            <a:schemeClr val="accent1"/>
+          </a:effectRef>
+          <a:fontRef idx="minor">
+            <a:schemeClr val="lt1"/>
+          </a:fontRef>
+        </p:style>
+        <p:txBody>
+          <a:bodyPr rtlCol="0" anchor="ctr"/>
+          <a:lstStyle/>
+          <a:p>
+            <a:pPr algn="ctr"/>
+            <a:endParaRPr lang="zh-CN" altLang="en-US"/>
+          </a:p>
+        </p:txBody>
+      </p:sp>
+      <p:sp>
+        <p:nvSpPr>
+          <p:cNvPr id="7" name="等腰三角形 6">
+            <a:extLst>
+              <a:ext uri="{FF2B5EF4-FFF2-40B4-BE49-F238E27FC236}">
+                <a16:creationId xmlns="" xmlns:a16="http://schemas.microsoft.com/office/drawing/2014/main" id="{DDB2576C-0754-4C8A-9AA9-5BFB64732A83}"/>
+              </a:ext>
+            </a:extLst>
+          </p:cNvPr>
+          <p:cNvSpPr/>
+          <p:nvPr/>
+        </p:nvSpPr>
+        <p:spPr>
+          <a:xfrm>
+            <a:off x="5549900" y="3263900"/>
+            <a:ext cx="384176" cy="355600"/>
+          </a:xfrm>
+          <a:prstGeom prst="triangle">
+            <a:avLst/>
+          </a:prstGeom>
+        </p:spPr>
+        <p:style>
+          <a:lnRef idx="2">
+            <a:schemeClr val="accent1">
+              <a:shade val="50000"/>
+            </a:schemeClr>
+          </a:lnRef>
+          <a:fillRef idx="1">
+            <a:schemeClr val="accent1"/>
+          </a:fillRef>
+          <a:effectRef idx="0">
+            <a:schemeClr val="accent1"/>
+          </a:effectRef>
+          <a:fontRef idx="minor">
+            <a:schemeClr val="lt1"/>
+          </a:fontRef>
+        </p:style>
+        <p:txBody>
+          <a:bodyPr rtlCol="0" anchor="ctr"/>
+          <a:lstStyle/>
+          <a:p>
+            <a:pPr algn="ctr"/>
+            <a:endParaRPr lang="zh-CN" altLang="en-US"/>
+          </a:p>
+        </p:txBody>
+      </p:sp>
+      <p:grpSp>
+        <p:nvGrpSpPr>
+          <p:cNvPr id="10" name="组合 9">
+            <a:extLst>
+              <a:ext uri="{FF2B5EF4-FFF2-40B4-BE49-F238E27FC236}">
+                <a16:creationId xmlns="" xmlns:a16="http://schemas.microsoft.com/office/drawing/2014/main" id="{60967F82-6460-4897-8C9D-9B8D57527768}"/>
+              </a:ext>
+            </a:extLst>
+          </p:cNvPr>
+          <p:cNvGrpSpPr/>
+          <p:nvPr/>
+        </p:nvGrpSpPr>
+        <p:grpSpPr>
+          <a:xfrm>
+            <a:off x="419100" y="342900"/>
+            <a:ext cx="2425700" cy="698500"/>
+            <a:chOff x="419100" y="406400"/>
+            <a:chExt cx="2425700" cy="698500"/>
+          </a:xfrm>
+          <a:noFill/>
+        </p:grpSpPr>
+        <p:sp>
+          <p:nvSpPr>
+            <p:cNvPr id="9" name="矩形 8">
+              <a:extLst>
+                <a:ext uri="{FF2B5EF4-FFF2-40B4-BE49-F238E27FC236}">
+                  <a16:creationId xmlns="" xmlns:a16="http://schemas.microsoft.com/office/drawing/2014/main" id="{F17B4714-4A41-4126-94A9-F22C5267778D}"/>
+                </a:ext>
+              </a:extLst>
+            </p:cNvPr>
+            <p:cNvSpPr/>
+            <p:nvPr/>
+          </p:nvSpPr>
+          <p:spPr>
+            <a:xfrm>
+              <a:off x="419100" y="406400"/>
+              <a:ext cx="2425700" cy="698500"/>
+            </a:xfrm>
+            <a:prstGeom prst="rect">
+              <a:avLst/>
+            </a:prstGeom>
+            <a:grpFill/>
+            <a:ln w="38100"/>
+          </p:spPr>
+          <p:style>
+            <a:lnRef idx="2">
+              <a:schemeClr val="accent6"/>
+            </a:lnRef>
+            <a:fillRef idx="1">
+              <a:schemeClr val="lt1"/>
+            </a:fillRef>
+            <a:effectRef idx="0">
+              <a:schemeClr val="accent6"/>
+            </a:effectRef>
+            <a:fontRef idx="minor">
+              <a:schemeClr val="dk1"/>
+            </a:fontRef>
+          </p:style>
+          <p:txBody>
+            <a:bodyPr rtlCol="0" anchor="ctr"/>
+            <a:lstStyle/>
+            <a:p>
+              <a:pPr algn="ctr"/>
+              <a:r>
+                <a:rPr lang="zh-CN" altLang="en-US" sz="2800" b="1" dirty="0"/>
+                <a:t>测试数据</a:t>
+              </a:r>
+            </a:p>
+          </p:txBody>
+        </p:sp>
+        <p:sp>
+          <p:nvSpPr>
+            <p:cNvPr id="57" name="等腰三角形 56">
+              <a:extLst>
+                <a:ext uri="{FF2B5EF4-FFF2-40B4-BE49-F238E27FC236}">
+                  <a16:creationId xmlns="" xmlns:a16="http://schemas.microsoft.com/office/drawing/2014/main" id="{FD1A70C7-6AB8-4972-BD9F-E7A4F01D26EC}"/>
+                </a:ext>
+              </a:extLst>
+            </p:cNvPr>
+            <p:cNvSpPr/>
+            <p:nvPr/>
+          </p:nvSpPr>
+          <p:spPr>
+            <a:xfrm>
+              <a:off x="455518" y="577850"/>
+              <a:ext cx="384176" cy="355600"/>
+            </a:xfrm>
+            <a:prstGeom prst="triangle">
+              <a:avLst/>
+            </a:prstGeom>
+            <a:solidFill>
+              <a:schemeClr val="accent1"/>
+            </a:solidFill>
+            <a:ln w="38100">
+              <a:noFill/>
+            </a:ln>
+          </p:spPr>
+          <p:style>
+            <a:lnRef idx="2">
+              <a:schemeClr val="accent1">
+                <a:shade val="50000"/>
+              </a:schemeClr>
+            </a:lnRef>
+            <a:fillRef idx="1">
+              <a:schemeClr val="accent1"/>
+            </a:fillRef>
+            <a:effectRef idx="0">
+              <a:schemeClr val="accent1"/>
+            </a:effectRef>
+            <a:fontRef idx="minor">
+              <a:schemeClr val="lt1"/>
+            </a:fontRef>
+          </p:style>
+          <p:txBody>
+            <a:bodyPr rtlCol="0" anchor="ctr"/>
+            <a:lstStyle/>
+            <a:p>
+              <a:pPr algn="ctr"/>
+              <a:endParaRPr lang="zh-CN" altLang="en-US"/>
+            </a:p>
+          </p:txBody>
+        </p:sp>
+      </p:grpSp>
+      <p:sp>
+        <p:nvSpPr>
+          <p:cNvPr id="59" name="矩形 58">
+            <a:extLst>
+              <a:ext uri="{FF2B5EF4-FFF2-40B4-BE49-F238E27FC236}">
+                <a16:creationId xmlns="" xmlns:a16="http://schemas.microsoft.com/office/drawing/2014/main" id="{719C7466-E5EF-4A5C-BD43-8838A4A38273}"/>
+              </a:ext>
+            </a:extLst>
+          </p:cNvPr>
+          <p:cNvSpPr/>
+          <p:nvPr/>
+        </p:nvSpPr>
+        <p:spPr>
+          <a:xfrm>
+            <a:off x="419100" y="1041400"/>
+            <a:ext cx="2425700" cy="698500"/>
+          </a:xfrm>
+          <a:prstGeom prst="rect">
+            <a:avLst/>
+          </a:prstGeom>
+          <a:noFill/>
+          <a:ln w="38100"/>
+        </p:spPr>
+        <p:style>
+          <a:lnRef idx="2">
+            <a:schemeClr val="accent6"/>
+          </a:lnRef>
+          <a:fillRef idx="1">
+            <a:schemeClr val="lt1"/>
+          </a:fillRef>
+          <a:effectRef idx="0">
+            <a:schemeClr val="accent6"/>
+          </a:effectRef>
+          <a:fontRef idx="minor">
+            <a:schemeClr val="dk1"/>
+          </a:fontRef>
+        </p:style>
+        <p:txBody>
+          <a:bodyPr rtlCol="0" anchor="ctr"/>
+          <a:lstStyle/>
+          <a:p>
+            <a:pPr algn="ctr"/>
+            <a:r>
+              <a:rPr lang="zh-CN" altLang="en-US" sz="2800" b="1" dirty="0"/>
+              <a:t>训练数据</a:t>
+            </a:r>
+          </a:p>
+        </p:txBody>
+      </p:sp>
+      <p:sp>
+        <p:nvSpPr>
+          <p:cNvPr id="61" name="椭圆 60">
+            <a:extLst>
+              <a:ext uri="{FF2B5EF4-FFF2-40B4-BE49-F238E27FC236}">
+                <a16:creationId xmlns="" xmlns:a16="http://schemas.microsoft.com/office/drawing/2014/main" id="{FA7E6425-ED18-46A3-9026-561BA6781450}"/>
+              </a:ext>
+            </a:extLst>
+          </p:cNvPr>
+          <p:cNvSpPr/>
+          <p:nvPr/>
+        </p:nvSpPr>
+        <p:spPr>
+          <a:xfrm>
+            <a:off x="455518" y="1206500"/>
+            <a:ext cx="355600" cy="355600"/>
+          </a:xfrm>
+          <a:prstGeom prst="ellipse">
+            <a:avLst/>
+          </a:prstGeom>
+        </p:spPr>
+        <p:style>
+          <a:lnRef idx="2">
+            <a:schemeClr val="accent1">
+              <a:shade val="50000"/>
+            </a:schemeClr>
+          </a:lnRef>
+          <a:fillRef idx="1">
+            <a:schemeClr val="accent1"/>
+          </a:fillRef>
+          <a:effectRef idx="0">
+            <a:schemeClr val="accent1"/>
+          </a:effectRef>
+          <a:fontRef idx="minor">
+            <a:schemeClr val="lt1"/>
+          </a:fontRef>
+        </p:style>
+        <p:txBody>
+          <a:bodyPr rtlCol="0" anchor="ctr"/>
+          <a:lstStyle/>
+          <a:p>
+            <a:pPr algn="ctr"/>
+            <a:endParaRPr lang="zh-CN" altLang="en-US"/>
+          </a:p>
+        </p:txBody>
+      </p:sp>
+      <p:sp>
+        <p:nvSpPr>
+          <p:cNvPr id="62" name="椭圆 61">
+            <a:extLst>
+              <a:ext uri="{FF2B5EF4-FFF2-40B4-BE49-F238E27FC236}">
+                <a16:creationId xmlns="" xmlns:a16="http://schemas.microsoft.com/office/drawing/2014/main" id="{06FB2DC3-5DD6-477F-BDC5-90107B24B98F}"/>
+              </a:ext>
+            </a:extLst>
+          </p:cNvPr>
+          <p:cNvSpPr/>
+          <p:nvPr/>
+        </p:nvSpPr>
+        <p:spPr>
+          <a:xfrm>
+            <a:off x="4375150" y="2120900"/>
+            <a:ext cx="2808287" cy="2808287"/>
+          </a:xfrm>
+          <a:prstGeom prst="ellipse">
+            <a:avLst/>
+          </a:prstGeom>
+          <a:noFill/>
+          <a:ln w="38100">
+            <a:prstDash val="lgDash"/>
+          </a:ln>
+        </p:spPr>
+        <p:style>
+          <a:lnRef idx="2">
+            <a:schemeClr val="accent1">
+              <a:shade val="50000"/>
+            </a:schemeClr>
+          </a:lnRef>
+          <a:fillRef idx="1">
+            <a:schemeClr val="accent1"/>
+          </a:fillRef>
+          <a:effectRef idx="0">
+            <a:schemeClr val="accent1"/>
+          </a:effectRef>
+          <a:fontRef idx="minor">
+            <a:schemeClr val="lt1"/>
+          </a:fontRef>
+        </p:style>
+        <p:txBody>
+          <a:bodyPr rtlCol="0" anchor="ctr"/>
+          <a:lstStyle/>
+          <a:p>
+            <a:pPr algn="ctr"/>
+            <a:endParaRPr lang="zh-CN" altLang="en-US"/>
+          </a:p>
+        </p:txBody>
+      </p:sp>
+      <p:sp>
+        <p:nvSpPr>
+          <p:cNvPr id="63" name="椭圆 62">
+            <a:extLst>
+              <a:ext uri="{FF2B5EF4-FFF2-40B4-BE49-F238E27FC236}">
+                <a16:creationId xmlns="" xmlns:a16="http://schemas.microsoft.com/office/drawing/2014/main" id="{85216AE5-CCF5-4E4A-AD29-5C7D7769CD8A}"/>
+              </a:ext>
+            </a:extLst>
+          </p:cNvPr>
+          <p:cNvSpPr/>
+          <p:nvPr/>
+        </p:nvSpPr>
+        <p:spPr>
+          <a:xfrm>
+            <a:off x="3734593" y="1485900"/>
+            <a:ext cx="4089400" cy="4089400"/>
+          </a:xfrm>
+          <a:prstGeom prst="ellipse">
+            <a:avLst/>
+          </a:prstGeom>
+          <a:noFill/>
+          <a:ln w="38100">
+            <a:prstDash val="lgDash"/>
+          </a:ln>
+        </p:spPr>
+        <p:style>
+          <a:lnRef idx="2">
+            <a:schemeClr val="accent1">
+              <a:shade val="50000"/>
+            </a:schemeClr>
+          </a:lnRef>
+          <a:fillRef idx="1">
+            <a:schemeClr val="accent1"/>
+          </a:fillRef>
+          <a:effectRef idx="0">
+            <a:schemeClr val="accent1"/>
+          </a:effectRef>
+          <a:fontRef idx="minor">
+            <a:schemeClr val="lt1"/>
+          </a:fontRef>
+        </p:style>
+        <p:txBody>
+          <a:bodyPr rtlCol="0" anchor="ctr"/>
+          <a:lstStyle/>
+          <a:p>
+            <a:pPr algn="ctr"/>
+            <a:endParaRPr lang="zh-CN" altLang="en-US"/>
+          </a:p>
+        </p:txBody>
+      </p:sp>
+      <p:sp>
+        <p:nvSpPr>
+          <p:cNvPr id="64" name="椭圆 63">
+            <a:extLst>
+              <a:ext uri="{FF2B5EF4-FFF2-40B4-BE49-F238E27FC236}">
+                <a16:creationId xmlns="" xmlns:a16="http://schemas.microsoft.com/office/drawing/2014/main" id="{D52F8A7A-E209-4E4B-8DF8-0F94F9A6B46F}"/>
+              </a:ext>
+            </a:extLst>
+          </p:cNvPr>
+          <p:cNvSpPr/>
+          <p:nvPr/>
+        </p:nvSpPr>
+        <p:spPr>
+          <a:xfrm>
+            <a:off x="3170242" y="863600"/>
+            <a:ext cx="5212955" cy="5212955"/>
+          </a:xfrm>
+          <a:prstGeom prst="ellipse">
+            <a:avLst/>
+          </a:prstGeom>
+          <a:noFill/>
+          <a:ln w="38100">
+            <a:prstDash val="lgDash"/>
+          </a:ln>
+        </p:spPr>
+        <p:style>
+          <a:lnRef idx="2">
+            <a:schemeClr val="accent1">
+              <a:shade val="50000"/>
+            </a:schemeClr>
+          </a:lnRef>
+          <a:fillRef idx="1">
+            <a:schemeClr val="accent1"/>
+          </a:fillRef>
+          <a:effectRef idx="0">
+            <a:schemeClr val="accent1"/>
+          </a:effectRef>
+          <a:fontRef idx="minor">
+            <a:schemeClr val="lt1"/>
+          </a:fontRef>
+        </p:style>
+        <p:txBody>
+          <a:bodyPr rtlCol="0" anchor="ctr"/>
+          <a:lstStyle/>
+          <a:p>
+            <a:pPr algn="ctr"/>
+            <a:endParaRPr lang="zh-CN" altLang="en-US"/>
+          </a:p>
+        </p:txBody>
+      </p:sp>
+      <p:graphicFrame>
+        <p:nvGraphicFramePr>
+          <p:cNvPr id="2" name="对象 1"/>
+          <p:cNvGraphicFramePr>
+            <a:graphicFrameLocks noChangeAspect="1"/>
+          </p:cNvGraphicFramePr>
+          <p:nvPr>
+            <p:extLst>
+              <p:ext uri="{D42A27DB-BD31-4B8C-83A1-F6EECF244321}">
+                <p14:modId xmlns:p14="http://schemas.microsoft.com/office/powerpoint/2010/main" val="3166833278"/>
+              </p:ext>
+            </p:extLst>
+          </p:nvPr>
+        </p:nvGraphicFramePr>
+        <p:xfrm>
+          <a:off x="199248" y="2908300"/>
+          <a:ext cx="2636961" cy="1367313"/>
+        </p:xfrm>
+        <a:graphic>
+          <a:graphicData uri="http://schemas.openxmlformats.org/presentationml/2006/ole">
+            <mc:AlternateContent xmlns:mc="http://schemas.openxmlformats.org/markup-compatibility/2006">
+              <mc:Choice xmlns:v="urn:schemas-microsoft-com:vml" Requires="v">
+                <p:oleObj spid="_x0000_s1035" name="Equation" r:id="rId3" imgW="342720" imgH="177480" progId="Equation.DSMT4">
+                  <p:embed/>
+                </p:oleObj>
+              </mc:Choice>
+              <mc:Fallback>
+                <p:oleObj name="Equation" r:id="rId3" imgW="342720" imgH="177480" progId="Equation.DSMT4">
+                  <p:embed/>
+                  <p:pic>
+                    <p:nvPicPr>
+                      <p:cNvPr id="0" name=""/>
+                      <p:cNvPicPr/>
+                      <p:nvPr/>
+                    </p:nvPicPr>
+                    <p:blipFill>
+                      <a:blip r:embed="rId4"/>
+                      <a:stretch>
+                        <a:fillRect/>
+                      </a:stretch>
+                    </p:blipFill>
+                    <p:spPr>
+                      <a:xfrm>
+                        <a:off x="199248" y="2908300"/>
+                        <a:ext cx="2636961" cy="1367313"/>
+                      </a:xfrm>
+                      <a:prstGeom prst="rect">
+                        <a:avLst/>
+                      </a:prstGeom>
+                    </p:spPr>
+                  </p:pic>
+                </p:oleObj>
+              </mc:Fallback>
+            </mc:AlternateContent>
+          </a:graphicData>
+        </a:graphic>
+      </p:graphicFrame>
+    </p:spTree>
+    <p:extLst>
+      <p:ext uri="{BB962C8B-B14F-4D97-AF65-F5344CB8AC3E}">
+        <p14:creationId xmlns:p14="http://schemas.microsoft.com/office/powerpoint/2010/main" val="1550906186"/>
+      </p:ext>
+    </p:extLst>
+  </p:cSld>
+  <p:clrMapOvr>
+    <a:masterClrMapping/>
+  </p:clrMapOvr>
+</p:sld>
+</file>
+
+<file path=ppt/slides/slide9.xml><?xml version="1.0" encoding="utf-8"?>
+<p:sld xmlns:a="http://schemas.openxmlformats.org/drawingml/2006/main" xmlns:r="http://schemas.openxmlformats.org/officeDocument/2006/relationships" xmlns:p="http://schemas.openxmlformats.org/presentationml/2006/main">
+  <p:cSld>
+    <p:spTree>
+      <p:nvGrpSpPr>
+        <p:cNvPr id="1" name=""/>
+        <p:cNvGrpSpPr/>
+        <p:nvPr/>
+      </p:nvGrpSpPr>
+      <p:grpSpPr>
+        <a:xfrm>
+          <a:off x="0" y="0"/>
+          <a:ext cx="0" cy="0"/>
+          <a:chOff x="0" y="0"/>
+          <a:chExt cx="0" cy="0"/>
+        </a:xfrm>
+      </p:grpSpPr>
+      <p:sp>
+        <p:nvSpPr>
+          <p:cNvPr id="2" name="矩形 1">
+            <a:extLst>
+              <a:ext uri="{FF2B5EF4-FFF2-40B4-BE49-F238E27FC236}">
+                <a16:creationId xmlns="" xmlns:a16="http://schemas.microsoft.com/office/drawing/2014/main" id="{34BD55C4-074D-4706-A242-EFDBE57376D1}"/>
+              </a:ext>
+            </a:extLst>
+          </p:cNvPr>
+          <p:cNvSpPr/>
+          <p:nvPr/>
+        </p:nvSpPr>
+        <p:spPr>
+          <a:xfrm>
+            <a:off x="1295400" y="1473200"/>
+            <a:ext cx="2032000" cy="1117600"/>
+          </a:xfrm>
+          <a:prstGeom prst="rect">
+            <a:avLst/>
+          </a:prstGeom>
+          <a:noFill/>
+          <a:ln w="28575">
+            <a:solidFill>
+              <a:schemeClr val="tx1"/>
+            </a:solidFill>
+          </a:ln>
+        </p:spPr>
+        <p:style>
+          <a:lnRef idx="2">
+            <a:schemeClr val="accent6"/>
+          </a:lnRef>
+          <a:fillRef idx="1">
+            <a:schemeClr val="lt1"/>
+          </a:fillRef>
+          <a:effectRef idx="0">
+            <a:schemeClr val="accent6"/>
+          </a:effectRef>
+          <a:fontRef idx="minor">
+            <a:schemeClr val="dk1"/>
+          </a:fontRef>
+        </p:style>
+        <p:txBody>
+          <a:bodyPr rtlCol="0" anchor="ctr"/>
+          <a:lstStyle/>
+          <a:p>
+            <a:pPr algn="ctr"/>
+            <a:r>
+              <a:rPr lang="en-US" altLang="zh-CN" sz="2000" b="1" dirty="0"/>
+              <a:t>1</a:t>
+            </a:r>
+            <a:r>
+              <a:rPr lang="zh-CN" altLang="en-US" sz="2000" b="1" dirty="0"/>
+              <a:t>、划分数据集</a:t>
+            </a:r>
+            <a:endParaRPr lang="en-US" altLang="zh-CN" sz="2000" b="1" dirty="0"/>
+          </a:p>
+          <a:p>
+            <a:pPr algn="ctr"/>
+            <a:r>
+              <a:rPr lang="en-US" altLang="zh-CN" sz="2000" b="1" dirty="0"/>
+              <a:t>2</a:t>
+            </a:r>
+            <a:r>
+              <a:rPr lang="zh-CN" altLang="en-US" sz="2000" b="1" dirty="0"/>
+              <a:t>、选择机器学习模型</a:t>
+            </a:r>
+          </a:p>
+        </p:txBody>
+      </p:sp>
+      <p:sp>
+        <p:nvSpPr>
+          <p:cNvPr id="23" name="矩形 22">
+            <a:extLst>
+              <a:ext uri="{FF2B5EF4-FFF2-40B4-BE49-F238E27FC236}">
+                <a16:creationId xmlns="" xmlns:a16="http://schemas.microsoft.com/office/drawing/2014/main" id="{26241B0D-F92F-49DD-A2EB-B664CBED7AEE}"/>
+              </a:ext>
+            </a:extLst>
+          </p:cNvPr>
+          <p:cNvSpPr/>
+          <p:nvPr/>
+        </p:nvSpPr>
+        <p:spPr>
+          <a:xfrm>
+            <a:off x="4800600" y="1473200"/>
+            <a:ext cx="2032000" cy="1117600"/>
+          </a:xfrm>
+          <a:prstGeom prst="rect">
+            <a:avLst/>
+          </a:prstGeom>
+          <a:noFill/>
+          <a:ln w="28575">
+            <a:solidFill>
+              <a:schemeClr val="tx1"/>
+            </a:solidFill>
+          </a:ln>
+        </p:spPr>
+        <p:style>
+          <a:lnRef idx="2">
+            <a:schemeClr val="accent6"/>
+          </a:lnRef>
+          <a:fillRef idx="1">
+            <a:schemeClr val="lt1"/>
+          </a:fillRef>
+          <a:effectRef idx="0">
+            <a:schemeClr val="accent6"/>
+          </a:effectRef>
+          <a:fontRef idx="minor">
+            <a:schemeClr val="dk1"/>
+          </a:fontRef>
+        </p:style>
+        <p:txBody>
+          <a:bodyPr rtlCol="0" anchor="ctr"/>
+          <a:lstStyle/>
+          <a:p>
+            <a:pPr algn="ctr"/>
+            <a:r>
+              <a:rPr lang="zh-CN" altLang="en-US" sz="2000" b="1" dirty="0"/>
+              <a:t>选择代价函数，训练模型的参数</a:t>
+            </a:r>
+          </a:p>
+        </p:txBody>
+      </p:sp>
+      <p:sp>
+        <p:nvSpPr>
+          <p:cNvPr id="24" name="矩形 23">
+            <a:extLst>
+              <a:ext uri="{FF2B5EF4-FFF2-40B4-BE49-F238E27FC236}">
+                <a16:creationId xmlns="" xmlns:a16="http://schemas.microsoft.com/office/drawing/2014/main" id="{5EE3019F-A78F-4047-A21D-E77799278053}"/>
+              </a:ext>
+            </a:extLst>
+          </p:cNvPr>
+          <p:cNvSpPr/>
+          <p:nvPr/>
+        </p:nvSpPr>
+        <p:spPr>
+          <a:xfrm>
+            <a:off x="8305800" y="1473200"/>
+            <a:ext cx="2032000" cy="1117600"/>
+          </a:xfrm>
+          <a:prstGeom prst="rect">
+            <a:avLst/>
+          </a:prstGeom>
+          <a:solidFill>
+            <a:schemeClr val="bg1"/>
+          </a:solidFill>
+          <a:ln w="28575">
+            <a:solidFill>
+              <a:schemeClr val="tx1"/>
+            </a:solidFill>
+          </a:ln>
+        </p:spPr>
+        <p:style>
+          <a:lnRef idx="2">
+            <a:schemeClr val="accent6"/>
+          </a:lnRef>
+          <a:fillRef idx="1">
+            <a:schemeClr val="lt1"/>
+          </a:fillRef>
+          <a:effectRef idx="0">
+            <a:schemeClr val="accent6"/>
+          </a:effectRef>
+          <a:fontRef idx="minor">
+            <a:schemeClr val="dk1"/>
+          </a:fontRef>
+        </p:style>
+        <p:txBody>
+          <a:bodyPr rtlCol="0" anchor="ctr"/>
+          <a:lstStyle/>
+          <a:p>
+            <a:pPr algn="ctr"/>
+            <a:r>
+              <a:rPr lang="zh-CN" altLang="en-US" sz="2000" b="1" dirty="0"/>
+              <a:t>分别算出训练集、测试集中的预测值</a:t>
+            </a:r>
+          </a:p>
+        </p:txBody>
+      </p:sp>
+      <p:sp>
+        <p:nvSpPr>
+          <p:cNvPr id="25" name="矩形 24">
+            <a:extLst>
+              <a:ext uri="{FF2B5EF4-FFF2-40B4-BE49-F238E27FC236}">
+                <a16:creationId xmlns="" xmlns:a16="http://schemas.microsoft.com/office/drawing/2014/main" id="{25010F33-8042-4FE6-A062-B171CA2F955B}"/>
+              </a:ext>
+            </a:extLst>
+          </p:cNvPr>
+          <p:cNvSpPr/>
+          <p:nvPr/>
+        </p:nvSpPr>
+        <p:spPr>
+          <a:xfrm>
+            <a:off x="8305800" y="3835400"/>
+            <a:ext cx="2032000" cy="1117600"/>
+          </a:xfrm>
+          <a:prstGeom prst="rect">
+            <a:avLst/>
+          </a:prstGeom>
+          <a:noFill/>
+          <a:ln w="28575">
+            <a:solidFill>
+              <a:schemeClr val="tx1"/>
+            </a:solidFill>
+          </a:ln>
+        </p:spPr>
+        <p:style>
+          <a:lnRef idx="2">
+            <a:schemeClr val="accent6"/>
+          </a:lnRef>
+          <a:fillRef idx="1">
+            <a:schemeClr val="lt1"/>
+          </a:fillRef>
+          <a:effectRef idx="0">
+            <a:schemeClr val="accent6"/>
+          </a:effectRef>
+          <a:fontRef idx="minor">
+            <a:schemeClr val="dk1"/>
+          </a:fontRef>
+        </p:style>
+        <p:txBody>
+          <a:bodyPr rtlCol="0" anchor="ctr"/>
+          <a:lstStyle/>
+          <a:p>
+            <a:pPr algn="ctr"/>
+            <a:r>
+              <a:rPr lang="zh-CN" altLang="en-US" sz="2000" b="1" dirty="0"/>
+              <a:t>在训练集中评价模型</a:t>
+            </a:r>
+          </a:p>
+        </p:txBody>
+      </p:sp>
+      <p:sp>
+        <p:nvSpPr>
+          <p:cNvPr id="26" name="矩形 25">
+            <a:extLst>
+              <a:ext uri="{FF2B5EF4-FFF2-40B4-BE49-F238E27FC236}">
+                <a16:creationId xmlns="" xmlns:a16="http://schemas.microsoft.com/office/drawing/2014/main" id="{5AA6C15E-03C3-4BFA-BD82-E91C233CDC24}"/>
+              </a:ext>
+            </a:extLst>
+          </p:cNvPr>
+          <p:cNvSpPr/>
+          <p:nvPr/>
+        </p:nvSpPr>
+        <p:spPr>
+          <a:xfrm>
+            <a:off x="4800600" y="3835400"/>
+            <a:ext cx="2032000" cy="1117600"/>
+          </a:xfrm>
+          <a:prstGeom prst="rect">
+            <a:avLst/>
+          </a:prstGeom>
+          <a:solidFill>
+            <a:schemeClr val="bg1"/>
+          </a:solidFill>
+          <a:ln w="28575">
+            <a:solidFill>
+              <a:schemeClr val="tx1"/>
+            </a:solidFill>
+          </a:ln>
+        </p:spPr>
+        <p:style>
+          <a:lnRef idx="2">
+            <a:schemeClr val="accent6"/>
+          </a:lnRef>
+          <a:fillRef idx="1">
+            <a:schemeClr val="lt1"/>
+          </a:fillRef>
+          <a:effectRef idx="0">
+            <a:schemeClr val="accent6"/>
+          </a:effectRef>
+          <a:fontRef idx="minor">
+            <a:schemeClr val="dk1"/>
+          </a:fontRef>
+        </p:style>
+        <p:txBody>
+          <a:bodyPr rtlCol="0" anchor="ctr"/>
+          <a:lstStyle/>
+          <a:p>
+            <a:pPr algn="ctr"/>
+            <a:r>
+              <a:rPr lang="zh-CN" altLang="en-US" sz="2000" b="1" dirty="0"/>
+              <a:t>在测试集中评价模型</a:t>
+            </a:r>
+          </a:p>
+        </p:txBody>
+      </p:sp>
+      <p:sp>
+        <p:nvSpPr>
+          <p:cNvPr id="3" name="箭头: 右 2">
+            <a:extLst>
+              <a:ext uri="{FF2B5EF4-FFF2-40B4-BE49-F238E27FC236}">
+                <a16:creationId xmlns="" xmlns:a16="http://schemas.microsoft.com/office/drawing/2014/main" id="{95547994-AC7D-4ABD-BE36-3820C68C9A9C}"/>
+              </a:ext>
+            </a:extLst>
+          </p:cNvPr>
+          <p:cNvSpPr/>
+          <p:nvPr/>
+        </p:nvSpPr>
+        <p:spPr>
+          <a:xfrm>
+            <a:off x="6832600" y="1930400"/>
+            <a:ext cx="1473200" cy="190500"/>
+          </a:xfrm>
+          <a:prstGeom prst="rightArrow">
+            <a:avLst/>
+          </a:prstGeom>
+          <a:solidFill>
+            <a:schemeClr val="tx1"/>
+          </a:solidFill>
+        </p:spPr>
+        <p:style>
+          <a:lnRef idx="2">
+            <a:schemeClr val="accent1">
+              <a:shade val="50000"/>
+            </a:schemeClr>
+          </a:lnRef>
+          <a:fillRef idx="1">
+            <a:schemeClr val="accent1"/>
+          </a:fillRef>
+          <a:effectRef idx="0">
+            <a:schemeClr val="accent1"/>
+          </a:effectRef>
+          <a:fontRef idx="minor">
+            <a:schemeClr val="lt1"/>
+          </a:fontRef>
+        </p:style>
+        <p:txBody>
+          <a:bodyPr rtlCol="0" anchor="ctr"/>
+          <a:lstStyle/>
+          <a:p>
+            <a:pPr algn="ctr"/>
+            <a:endParaRPr lang="zh-CN" altLang="en-US" b="1"/>
+          </a:p>
+        </p:txBody>
+      </p:sp>
+      <p:sp>
+        <p:nvSpPr>
+          <p:cNvPr id="28" name="箭头: 右 27">
+            <a:extLst>
+              <a:ext uri="{FF2B5EF4-FFF2-40B4-BE49-F238E27FC236}">
+                <a16:creationId xmlns="" xmlns:a16="http://schemas.microsoft.com/office/drawing/2014/main" id="{646DC4E1-177B-423A-AA69-B3368CE13748}"/>
+              </a:ext>
+            </a:extLst>
+          </p:cNvPr>
+          <p:cNvSpPr/>
+          <p:nvPr/>
+        </p:nvSpPr>
+        <p:spPr>
+          <a:xfrm>
+            <a:off x="3327400" y="1930400"/>
+            <a:ext cx="1473200" cy="190500"/>
+          </a:xfrm>
+          <a:prstGeom prst="rightArrow">
+            <a:avLst/>
+          </a:prstGeom>
+          <a:solidFill>
+            <a:schemeClr val="tx1"/>
+          </a:solidFill>
+        </p:spPr>
+        <p:style>
+          <a:lnRef idx="2">
+            <a:schemeClr val="accent1">
+              <a:shade val="50000"/>
+            </a:schemeClr>
+          </a:lnRef>
+          <a:fillRef idx="1">
+            <a:schemeClr val="accent1"/>
+          </a:fillRef>
+          <a:effectRef idx="0">
+            <a:schemeClr val="accent1"/>
+          </a:effectRef>
+          <a:fontRef idx="minor">
+            <a:schemeClr val="lt1"/>
+          </a:fontRef>
+        </p:style>
+        <p:txBody>
+          <a:bodyPr rtlCol="0" anchor="ctr"/>
+          <a:lstStyle/>
+          <a:p>
+            <a:pPr algn="ctr"/>
+            <a:endParaRPr lang="zh-CN" altLang="en-US" b="1"/>
+          </a:p>
+        </p:txBody>
+      </p:sp>
+      <p:sp>
+        <p:nvSpPr>
+          <p:cNvPr id="29" name="箭头: 右 28">
+            <a:extLst>
+              <a:ext uri="{FF2B5EF4-FFF2-40B4-BE49-F238E27FC236}">
+                <a16:creationId xmlns="" xmlns:a16="http://schemas.microsoft.com/office/drawing/2014/main" id="{174DE6DB-23CE-4D4F-BAE3-A793783BA628}"/>
+              </a:ext>
+            </a:extLst>
+          </p:cNvPr>
+          <p:cNvSpPr/>
+          <p:nvPr/>
+        </p:nvSpPr>
+        <p:spPr>
+          <a:xfrm rot="5400000">
+            <a:off x="8699501" y="3086101"/>
+            <a:ext cx="1244600" cy="253998"/>
+          </a:xfrm>
+          <a:prstGeom prst="rightArrow">
+            <a:avLst/>
+          </a:prstGeom>
+          <a:solidFill>
+            <a:schemeClr val="tx1"/>
+          </a:solidFill>
+          <a:ln>
+            <a:solidFill>
+              <a:schemeClr val="tx1"/>
+            </a:solidFill>
+          </a:ln>
+        </p:spPr>
+        <p:style>
+          <a:lnRef idx="2">
+            <a:schemeClr val="accent1">
+              <a:shade val="50000"/>
+            </a:schemeClr>
+          </a:lnRef>
+          <a:fillRef idx="1">
+            <a:schemeClr val="accent1"/>
+          </a:fillRef>
+          <a:effectRef idx="0">
+            <a:schemeClr val="accent1"/>
+          </a:effectRef>
+          <a:fontRef idx="minor">
+            <a:schemeClr val="lt1"/>
+          </a:fontRef>
+        </p:style>
+        <p:txBody>
+          <a:bodyPr rtlCol="0" anchor="ctr"/>
+          <a:lstStyle/>
+          <a:p>
+            <a:pPr algn="ctr"/>
+            <a:endParaRPr lang="zh-CN" altLang="en-US" b="1"/>
+          </a:p>
+        </p:txBody>
+      </p:sp>
+      <p:sp>
+        <p:nvSpPr>
+          <p:cNvPr id="30" name="箭头: 右 29">
+            <a:extLst>
+              <a:ext uri="{FF2B5EF4-FFF2-40B4-BE49-F238E27FC236}">
+                <a16:creationId xmlns="" xmlns:a16="http://schemas.microsoft.com/office/drawing/2014/main" id="{774D642A-D64D-43F2-A00A-D3AC5486C58B}"/>
+              </a:ext>
+            </a:extLst>
+          </p:cNvPr>
+          <p:cNvSpPr/>
+          <p:nvPr/>
+        </p:nvSpPr>
+        <p:spPr>
+          <a:xfrm rot="10800000">
+            <a:off x="6832600" y="4298950"/>
+            <a:ext cx="1473200" cy="190500"/>
+          </a:xfrm>
+          <a:prstGeom prst="rightArrow">
+            <a:avLst/>
+          </a:prstGeom>
+          <a:solidFill>
+            <a:schemeClr val="tx1"/>
+          </a:solidFill>
+          <a:ln>
+            <a:solidFill>
+              <a:schemeClr val="tx1"/>
+            </a:solidFill>
+          </a:ln>
+        </p:spPr>
+        <p:style>
+          <a:lnRef idx="2">
+            <a:schemeClr val="accent1">
+              <a:shade val="50000"/>
+            </a:schemeClr>
+          </a:lnRef>
+          <a:fillRef idx="1">
+            <a:schemeClr val="accent1"/>
+          </a:fillRef>
+          <a:effectRef idx="0">
+            <a:schemeClr val="accent1"/>
+          </a:effectRef>
+          <a:fontRef idx="minor">
+            <a:schemeClr val="lt1"/>
+          </a:fontRef>
+        </p:style>
+        <p:txBody>
+          <a:bodyPr rtlCol="0" anchor="ctr"/>
+          <a:lstStyle/>
+          <a:p>
+            <a:pPr algn="ctr"/>
+            <a:endParaRPr lang="zh-CN" altLang="en-US" b="1"/>
+          </a:p>
+        </p:txBody>
+      </p:sp>
+      <p:sp>
+        <p:nvSpPr>
+          <p:cNvPr id="31" name="箭头: 右 30">
+            <a:extLst>
+              <a:ext uri="{FF2B5EF4-FFF2-40B4-BE49-F238E27FC236}">
+                <a16:creationId xmlns="" xmlns:a16="http://schemas.microsoft.com/office/drawing/2014/main" id="{42EE2018-8D8D-4D72-B862-82A0F1625162}"/>
+              </a:ext>
+            </a:extLst>
+          </p:cNvPr>
+          <p:cNvSpPr/>
+          <p:nvPr/>
+        </p:nvSpPr>
+        <p:spPr>
+          <a:xfrm rot="10800000">
+            <a:off x="3327400" y="4298951"/>
+            <a:ext cx="1473200" cy="190500"/>
+          </a:xfrm>
+          <a:prstGeom prst="rightArrow">
+            <a:avLst/>
+          </a:prstGeom>
+          <a:solidFill>
+            <a:schemeClr val="tx1"/>
+          </a:solidFill>
+          <a:ln>
+            <a:solidFill>
+              <a:schemeClr val="tx1"/>
+            </a:solidFill>
+          </a:ln>
+        </p:spPr>
+        <p:style>
+          <a:lnRef idx="2">
+            <a:schemeClr val="accent1">
+              <a:shade val="50000"/>
+            </a:schemeClr>
+          </a:lnRef>
+          <a:fillRef idx="1">
+            <a:schemeClr val="accent1"/>
+          </a:fillRef>
+          <a:effectRef idx="0">
+            <a:schemeClr val="accent1"/>
+          </a:effectRef>
+          <a:fontRef idx="minor">
+            <a:schemeClr val="lt1"/>
+          </a:fontRef>
+        </p:style>
+        <p:txBody>
+          <a:bodyPr rtlCol="0" anchor="ctr"/>
+          <a:lstStyle/>
+          <a:p>
+            <a:pPr algn="ctr"/>
+            <a:endParaRPr lang="zh-CN" altLang="en-US" b="1"/>
+          </a:p>
+        </p:txBody>
+      </p:sp>
+      <p:sp>
+        <p:nvSpPr>
+          <p:cNvPr id="4" name="文本框 3">
+            <a:extLst>
+              <a:ext uri="{FF2B5EF4-FFF2-40B4-BE49-F238E27FC236}">
+                <a16:creationId xmlns="" xmlns:a16="http://schemas.microsoft.com/office/drawing/2014/main" id="{18A22F45-0F47-4EFB-9CA1-AF7E9D9A90C5}"/>
+              </a:ext>
+            </a:extLst>
+          </p:cNvPr>
+          <p:cNvSpPr txBox="1"/>
+          <p:nvPr/>
+        </p:nvSpPr>
+        <p:spPr>
+          <a:xfrm>
+            <a:off x="1905000" y="4177785"/>
+            <a:ext cx="1600200" cy="461665"/>
+          </a:xfrm>
+          <a:prstGeom prst="rect">
+            <a:avLst/>
+          </a:prstGeom>
+          <a:noFill/>
+        </p:spPr>
+        <p:txBody>
+          <a:bodyPr wrap="square" rtlCol="0">
+            <a:spAutoFit/>
+          </a:bodyPr>
+          <a:lstStyle/>
+          <a:p>
+            <a:r>
+              <a:rPr lang="zh-CN" altLang="en-US" sz="2400" b="1" dirty="0"/>
+              <a:t>投入使用</a:t>
+            </a:r>
+          </a:p>
+        </p:txBody>
+      </p:sp>
+      <p:sp>
+        <p:nvSpPr>
+          <p:cNvPr id="33" name="箭头: 右 32">
+            <a:extLst>
+              <a:ext uri="{FF2B5EF4-FFF2-40B4-BE49-F238E27FC236}">
+                <a16:creationId xmlns="" xmlns:a16="http://schemas.microsoft.com/office/drawing/2014/main" id="{C610DE83-3E22-440F-863E-256F760D66E0}"/>
+              </a:ext>
+            </a:extLst>
+          </p:cNvPr>
+          <p:cNvSpPr/>
+          <p:nvPr/>
+        </p:nvSpPr>
+        <p:spPr>
+          <a:xfrm rot="5400000">
+            <a:off x="8985251" y="5162551"/>
+            <a:ext cx="673100" cy="253998"/>
+          </a:xfrm>
+          <a:prstGeom prst="rightArrow">
+            <a:avLst/>
+          </a:prstGeom>
+          <a:solidFill>
+            <a:schemeClr val="tx1"/>
+          </a:solidFill>
+          <a:ln>
+            <a:solidFill>
+              <a:schemeClr val="tx1"/>
+            </a:solidFill>
+          </a:ln>
+        </p:spPr>
+        <p:style>
+          <a:lnRef idx="2">
+            <a:schemeClr val="accent1">
+              <a:shade val="50000"/>
+            </a:schemeClr>
+          </a:lnRef>
+          <a:fillRef idx="1">
+            <a:schemeClr val="accent1"/>
+          </a:fillRef>
+          <a:effectRef idx="0">
+            <a:schemeClr val="accent1"/>
+          </a:effectRef>
+          <a:fontRef idx="minor">
+            <a:schemeClr val="lt1"/>
+          </a:fontRef>
+        </p:style>
+        <p:txBody>
+          <a:bodyPr rtlCol="0" anchor="ctr"/>
+          <a:lstStyle/>
+          <a:p>
+            <a:pPr algn="ctr"/>
+            <a:endParaRPr lang="zh-CN" altLang="en-US" b="1"/>
+          </a:p>
+        </p:txBody>
+      </p:sp>
+      <p:sp>
+        <p:nvSpPr>
+          <p:cNvPr id="34" name="文本框 33">
+            <a:extLst>
+              <a:ext uri="{FF2B5EF4-FFF2-40B4-BE49-F238E27FC236}">
+                <a16:creationId xmlns="" xmlns:a16="http://schemas.microsoft.com/office/drawing/2014/main" id="{08E69ED6-5F75-40C4-867B-0681AA5114D4}"/>
+              </a:ext>
+            </a:extLst>
+          </p:cNvPr>
+          <p:cNvSpPr txBox="1"/>
+          <p:nvPr/>
+        </p:nvSpPr>
+        <p:spPr>
+          <a:xfrm>
+            <a:off x="8826500" y="5687536"/>
+            <a:ext cx="1600200" cy="461665"/>
+          </a:xfrm>
+          <a:prstGeom prst="rect">
+            <a:avLst/>
+          </a:prstGeom>
+          <a:noFill/>
+        </p:spPr>
+        <p:txBody>
+          <a:bodyPr wrap="square" rtlCol="0">
+            <a:spAutoFit/>
+          </a:bodyPr>
+          <a:lstStyle/>
+          <a:p>
+            <a:r>
+              <a:rPr lang="zh-CN" altLang="en-US" sz="2400" b="1" dirty="0"/>
+              <a:t>更换模型</a:t>
+            </a:r>
+          </a:p>
+        </p:txBody>
+      </p:sp>
+      <p:sp>
+        <p:nvSpPr>
+          <p:cNvPr id="35" name="文本框 34">
+            <a:extLst>
+              <a:ext uri="{FF2B5EF4-FFF2-40B4-BE49-F238E27FC236}">
+                <a16:creationId xmlns="" xmlns:a16="http://schemas.microsoft.com/office/drawing/2014/main" id="{BF833645-D0A9-42FF-87BC-657B1F9F571C}"/>
+              </a:ext>
+            </a:extLst>
+          </p:cNvPr>
+          <p:cNvSpPr txBox="1"/>
+          <p:nvPr/>
+        </p:nvSpPr>
+        <p:spPr>
+          <a:xfrm>
+            <a:off x="9626600" y="5100676"/>
+            <a:ext cx="1600200" cy="461665"/>
+          </a:xfrm>
+          <a:prstGeom prst="rect">
+            <a:avLst/>
+          </a:prstGeom>
+          <a:noFill/>
+        </p:spPr>
+        <p:txBody>
+          <a:bodyPr wrap="square" rtlCol="0">
+            <a:spAutoFit/>
+          </a:bodyPr>
+          <a:lstStyle/>
+          <a:p>
+            <a:r>
+              <a:rPr lang="zh-CN" altLang="en-US" sz="2400" b="1" dirty="0"/>
+              <a:t>不满意</a:t>
+            </a:r>
+          </a:p>
+        </p:txBody>
+      </p:sp>
+      <p:sp>
+        <p:nvSpPr>
+          <p:cNvPr id="36" name="文本框 35">
+            <a:extLst>
+              <a:ext uri="{FF2B5EF4-FFF2-40B4-BE49-F238E27FC236}">
+                <a16:creationId xmlns="" xmlns:a16="http://schemas.microsoft.com/office/drawing/2014/main" id="{3605C5D1-403F-4AA5-9922-89568C06ADAE}"/>
+              </a:ext>
+            </a:extLst>
+          </p:cNvPr>
+          <p:cNvSpPr txBox="1"/>
+          <p:nvPr/>
+        </p:nvSpPr>
+        <p:spPr>
+          <a:xfrm>
+            <a:off x="7150101" y="3657500"/>
+            <a:ext cx="1600200" cy="523220"/>
+          </a:xfrm>
+          <a:prstGeom prst="rect">
+            <a:avLst/>
+          </a:prstGeom>
+          <a:noFill/>
+        </p:spPr>
+        <p:txBody>
+          <a:bodyPr wrap="square" rtlCol="0">
+            <a:spAutoFit/>
+          </a:bodyPr>
+          <a:lstStyle/>
+          <a:p>
+            <a:r>
+              <a:rPr lang="zh-CN" altLang="en-US" sz="2800" b="1" dirty="0"/>
+              <a:t>满意</a:t>
+            </a:r>
+          </a:p>
+        </p:txBody>
+      </p:sp>
+      <p:sp>
+        <p:nvSpPr>
+          <p:cNvPr id="37" name="文本框 36">
+            <a:extLst>
+              <a:ext uri="{FF2B5EF4-FFF2-40B4-BE49-F238E27FC236}">
+                <a16:creationId xmlns="" xmlns:a16="http://schemas.microsoft.com/office/drawing/2014/main" id="{7A3BB00F-55DB-469C-83BD-4885E6D86643}"/>
+              </a:ext>
+            </a:extLst>
+          </p:cNvPr>
+          <p:cNvSpPr txBox="1"/>
+          <p:nvPr/>
+        </p:nvSpPr>
+        <p:spPr>
+          <a:xfrm>
+            <a:off x="3659188" y="3657500"/>
+            <a:ext cx="1600200" cy="523220"/>
+          </a:xfrm>
+          <a:prstGeom prst="rect">
+            <a:avLst/>
+          </a:prstGeom>
+          <a:noFill/>
+        </p:spPr>
+        <p:txBody>
+          <a:bodyPr wrap="square" rtlCol="0">
+            <a:spAutoFit/>
+          </a:bodyPr>
+          <a:lstStyle/>
+          <a:p>
+            <a:r>
+              <a:rPr lang="zh-CN" altLang="en-US" sz="2800" b="1" dirty="0"/>
+              <a:t>满意</a:t>
+            </a:r>
+          </a:p>
+        </p:txBody>
+      </p:sp>
+      <p:sp>
+        <p:nvSpPr>
+          <p:cNvPr id="38" name="箭头: 右 37">
+            <a:extLst>
+              <a:ext uri="{FF2B5EF4-FFF2-40B4-BE49-F238E27FC236}">
+                <a16:creationId xmlns="" xmlns:a16="http://schemas.microsoft.com/office/drawing/2014/main" id="{8B5C7E97-88EB-413F-8ED5-6DA15FE7A36D}"/>
+              </a:ext>
+            </a:extLst>
+          </p:cNvPr>
+          <p:cNvSpPr/>
+          <p:nvPr/>
+        </p:nvSpPr>
+        <p:spPr>
+          <a:xfrm rot="5400000">
+            <a:off x="5480050" y="5162551"/>
+            <a:ext cx="673100" cy="253998"/>
+          </a:xfrm>
+          <a:prstGeom prst="rightArrow">
+            <a:avLst/>
+          </a:prstGeom>
+          <a:solidFill>
+            <a:schemeClr val="tx1"/>
+          </a:solidFill>
+          <a:ln>
+            <a:solidFill>
+              <a:schemeClr val="tx1"/>
+            </a:solidFill>
+          </a:ln>
+        </p:spPr>
+        <p:style>
+          <a:lnRef idx="2">
+            <a:schemeClr val="accent1">
+              <a:shade val="50000"/>
+            </a:schemeClr>
+          </a:lnRef>
+          <a:fillRef idx="1">
+            <a:schemeClr val="accent1"/>
+          </a:fillRef>
+          <a:effectRef idx="0">
+            <a:schemeClr val="accent1"/>
+          </a:effectRef>
+          <a:fontRef idx="minor">
+            <a:schemeClr val="lt1"/>
+          </a:fontRef>
+        </p:style>
+        <p:txBody>
+          <a:bodyPr rtlCol="0" anchor="ctr"/>
+          <a:lstStyle/>
+          <a:p>
+            <a:pPr algn="ctr"/>
+            <a:endParaRPr lang="zh-CN" altLang="en-US" b="1"/>
+          </a:p>
+        </p:txBody>
+      </p:sp>
+      <p:sp>
+        <p:nvSpPr>
+          <p:cNvPr id="39" name="文本框 38">
+            <a:extLst>
+              <a:ext uri="{FF2B5EF4-FFF2-40B4-BE49-F238E27FC236}">
+                <a16:creationId xmlns="" xmlns:a16="http://schemas.microsoft.com/office/drawing/2014/main" id="{8CC7F17C-E6F2-4476-BC34-03DDAE5D64C1}"/>
+              </a:ext>
+            </a:extLst>
+          </p:cNvPr>
+          <p:cNvSpPr txBox="1"/>
+          <p:nvPr/>
+        </p:nvSpPr>
+        <p:spPr>
+          <a:xfrm>
+            <a:off x="6096000" y="5073649"/>
+            <a:ext cx="1600200" cy="461665"/>
+          </a:xfrm>
+          <a:prstGeom prst="rect">
+            <a:avLst/>
+          </a:prstGeom>
+          <a:noFill/>
+        </p:spPr>
+        <p:txBody>
+          <a:bodyPr wrap="square" rtlCol="0">
+            <a:spAutoFit/>
+          </a:bodyPr>
+          <a:lstStyle/>
+          <a:p>
+            <a:r>
+              <a:rPr lang="zh-CN" altLang="en-US" sz="2400" b="1" dirty="0"/>
+              <a:t>过拟合</a:t>
+            </a:r>
+          </a:p>
+        </p:txBody>
+      </p:sp>
+      <p:sp>
+        <p:nvSpPr>
+          <p:cNvPr id="40" name="文本框 39">
+            <a:extLst>
+              <a:ext uri="{FF2B5EF4-FFF2-40B4-BE49-F238E27FC236}">
+                <a16:creationId xmlns="" xmlns:a16="http://schemas.microsoft.com/office/drawing/2014/main" id="{58499B37-23D7-462E-AE0B-85E9AC99D443}"/>
+              </a:ext>
+            </a:extLst>
+          </p:cNvPr>
+          <p:cNvSpPr txBox="1"/>
+          <p:nvPr/>
+        </p:nvSpPr>
+        <p:spPr>
+          <a:xfrm>
+            <a:off x="5259388" y="5687536"/>
+            <a:ext cx="3046412" cy="830997"/>
+          </a:xfrm>
+          <a:prstGeom prst="rect">
+            <a:avLst/>
+          </a:prstGeom>
+          <a:noFill/>
+        </p:spPr>
+        <p:txBody>
+          <a:bodyPr wrap="square" rtlCol="0">
+            <a:spAutoFit/>
+          </a:bodyPr>
+          <a:lstStyle/>
+          <a:p>
+            <a:r>
+              <a:rPr lang="en-US" altLang="zh-CN" sz="2400" b="1" dirty="0"/>
+              <a:t>1</a:t>
+            </a:r>
+            <a:r>
+              <a:rPr lang="zh-CN" altLang="en-US" sz="2400" b="1" dirty="0"/>
+              <a:t>、采取策略</a:t>
+            </a:r>
+            <a:endParaRPr lang="en-US" altLang="zh-CN" sz="2400" b="1" dirty="0"/>
+          </a:p>
+          <a:p>
+            <a:r>
+              <a:rPr lang="en-US" altLang="zh-CN" sz="2400" b="1" dirty="0"/>
+              <a:t>2</a:t>
+            </a:r>
+            <a:r>
+              <a:rPr lang="zh-CN" altLang="en-US" sz="2400" b="1" dirty="0"/>
+              <a:t>、更换模型</a:t>
+            </a:r>
+          </a:p>
+        </p:txBody>
+      </p:sp>
+    </p:spTree>
+    <p:extLst>
+      <p:ext uri="{BB962C8B-B14F-4D97-AF65-F5344CB8AC3E}">
+        <p14:creationId xmlns:p14="http://schemas.microsoft.com/office/powerpoint/2010/main" val="2606522826"/>
       </p:ext>
     </p:extLst>
   </p:cSld>
@@ -16120,7 +14409,7 @@
         <a:sysClr val="windowText" lastClr="000000"/>
       </a:dk1>
       <a:lt1>
-        <a:sysClr val="window" lastClr="CCE8CF"/>
+        <a:sysClr val="window" lastClr="FFFFFF"/>
       </a:lt1>
       <a:dk2>
         <a:srgbClr val="44546A"/>
@@ -16401,7 +14690,7 @@
   <a:extraClrSchemeLst/>
   <a:extLst>
     <a:ext uri="{05A4C25C-085E-4340-85A3-A5531E510DB2}">
-      <thm15:themeFamily xmlns:thm15="http://schemas.microsoft.com/office/thememl/2012/main" xmlns="" name="Office Theme" id="{62F939B6-93AF-4DB8-9C6B-D6C7DFDC589F}" vid="{4A3C46E8-61CC-4603-A589-7422A47A8E4A}"/>
+      <thm15:themeFamily xmlns="" xmlns:thm15="http://schemas.microsoft.com/office/thememl/2012/main" name="Office Theme" id="{62F939B6-93AF-4DB8-9C6B-D6C7DFDC589F}" vid="{4A3C46E8-61CC-4603-A589-7422A47A8E4A}"/>
     </a:ext>
   </a:extLst>
 </a:theme>
